--- a/MorskoySalon.pptx
+++ b/MorskoySalon.pptx
@@ -12,7 +12,7 @@
     <p:sldId id="293" r:id="rId3"/>
     <p:sldId id="294" r:id="rId4"/>
     <p:sldId id="295" r:id="rId5"/>
-    <p:sldId id="297" r:id="rId6"/>
+    <p:sldId id="298" r:id="rId6"/>
     <p:sldId id="296" r:id="rId7"/>
     <p:sldId id="291" r:id="rId8"/>
     <p:sldId id="292" r:id="rId9"/>
@@ -3623,7 +3623,6 @@
               <a:rPr lang="ru-RU" dirty="0"/>
               <a:t>Сложные климатические условия</a:t>
             </a:r>
-            <a:endParaRPr lang="ru-RU" dirty="0"/>
           </a:p>
         </p:txBody>
       </p:sp>
@@ -3662,7 +3661,7 @@
         </p:nvGraphicFramePr>
         <p:xfrm>
           <a:off x="4283968" y="1059582"/>
-          <a:ext cx="3960440" cy="2304256"/>
+          <a:ext cx="3960440" cy="2515736"/>
         </p:xfrm>
         <a:graphic>
           <a:graphicData uri="http://schemas.openxmlformats.org/drawingml/2006/table">
@@ -4424,7 +4423,7 @@
         </p:nvGraphicFramePr>
         <p:xfrm>
           <a:off x="611560" y="1059576"/>
-          <a:ext cx="3600400" cy="3319924"/>
+          <a:ext cx="3600400" cy="3520440"/>
         </p:xfrm>
         <a:graphic>
           <a:graphicData uri="http://schemas.openxmlformats.org/drawingml/2006/table">
@@ -5625,7 +5624,6 @@
               <a:rPr lang="ru-RU" dirty="0"/>
               <a:t>Требования к спасательной группировке роботов</a:t>
             </a:r>
-            <a:endParaRPr lang="ru-RU" dirty="0"/>
           </a:p>
         </p:txBody>
       </p:sp>
@@ -6227,7 +6225,6 @@
               <a:rPr lang="ru-RU" dirty="0"/>
               <a:t>большие универсальные транспортные средства для перемещения групп людей в безопасные зоны</a:t>
             </a:r>
-            <a:endParaRPr lang="ru-RU" dirty="0"/>
           </a:p>
         </p:txBody>
       </p:sp>
@@ -6291,104 +6288,29 @@
           </a:p>
         </p:txBody>
       </p:sp>
-      <p:sp>
-        <p:nvSpPr>
-          <p:cNvPr id="5" name="Рисунок 4"/>
-          <p:cNvSpPr>
-            <a:spLocks noGrp="1"/>
-          </p:cNvSpPr>
-          <p:nvPr>
-            <p:ph type="pic" sz="quarter" idx="13"/>
-          </p:nvPr>
-        </p:nvSpPr>
-        <p:spPr/>
-      </p:sp>
-      <p:sp>
-        <p:nvSpPr>
-          <p:cNvPr id="3" name="Rectangle 2"/>
-          <p:cNvSpPr>
-            <a:spLocks noChangeArrowheads="1"/>
-          </p:cNvSpPr>
-          <p:nvPr/>
-        </p:nvSpPr>
-        <p:spPr bwMode="auto">
-          <a:xfrm>
-            <a:off x="0" y="0"/>
-            <a:ext cx="9144000" cy="0"/>
-          </a:xfrm>
-          <a:prstGeom prst="rect">
-            <a:avLst/>
-          </a:prstGeom>
-          <a:noFill/>
-          <a:ln>
-            <a:noFill/>
-          </a:ln>
-          <a:effectLst/>
-          <a:extLst>
-            <a:ext uri="{909E8E84-426E-40DD-AFC4-6F175D3DCCD1}">
-              <a14:hiddenFill xmlns:a14="http://schemas.microsoft.com/office/drawing/2010/main">
-                <a:solidFill>
-                  <a:schemeClr val="accent1"/>
-                </a:solidFill>
-              </a14:hiddenFill>
-            </a:ext>
-            <a:ext uri="{91240B29-F687-4F45-9708-019B960494DF}">
-              <a14:hiddenLine xmlns:a14="http://schemas.microsoft.com/office/drawing/2010/main" w="9525">
-                <a:solidFill>
-                  <a:schemeClr val="tx1"/>
-                </a:solidFill>
-                <a:miter lim="800000"/>
-                <a:headEnd/>
-                <a:tailEnd/>
-              </a14:hiddenLine>
-            </a:ext>
-            <a:ext uri="{AF507438-7753-43E0-B8FC-AC1667EBCBE1}">
-              <a14:hiddenEffects xmlns:a14="http://schemas.microsoft.com/office/drawing/2010/main">
-                <a:effectLst>
-                  <a:outerShdw dist="35921" dir="2700000" algn="ctr" rotWithShape="0">
-                    <a:schemeClr val="bg2"/>
-                  </a:outerShdw>
-                </a:effectLst>
-              </a14:hiddenEffects>
-            </a:ext>
-          </a:extLst>
-        </p:spPr>
-        <p:txBody>
-          <a:bodyPr vert="horz" wrap="none" lIns="91440" tIns="45720" rIns="91440" bIns="45720" numCol="1" anchor="ctr" anchorCtr="0" compatLnSpc="1">
-            <a:prstTxWarp prst="textNoShape">
-              <a:avLst/>
-            </a:prstTxWarp>
-            <a:spAutoFit/>
-          </a:bodyPr>
-          <a:lstStyle/>
-          <a:p>
-            <a:endParaRPr lang="en-US"/>
-          </a:p>
-        </p:txBody>
-      </p:sp>
       <p:graphicFrame>
         <p:nvGraphicFramePr>
-          <p:cNvPr id="6" name="Объект 5"/>
+          <p:cNvPr id="3" name="Объект 2"/>
           <p:cNvGraphicFramePr>
             <a:graphicFrameLocks noChangeAspect="1"/>
           </p:cNvGraphicFramePr>
           <p:nvPr>
             <p:extLst>
               <p:ext uri="{D42A27DB-BD31-4B8C-83A1-F6EECF244321}">
-                <p14:modId xmlns:p14="http://schemas.microsoft.com/office/powerpoint/2010/main" val="2799718167"/>
+                <p14:modId xmlns:p14="http://schemas.microsoft.com/office/powerpoint/2010/main" val="2427826504"/>
               </p:ext>
             </p:extLst>
           </p:nvPr>
         </p:nvGraphicFramePr>
         <p:xfrm>
-          <a:off x="1619672" y="1131590"/>
-          <a:ext cx="4824536" cy="3067845"/>
+          <a:off x="539552" y="987574"/>
+          <a:ext cx="4824412" cy="3068638"/>
         </p:xfrm>
         <a:graphic>
           <a:graphicData uri="http://schemas.openxmlformats.org/presentationml/2006/ole">
             <mc:AlternateContent xmlns:mc="http://schemas.openxmlformats.org/markup-compatibility/2006">
               <mc:Choice xmlns:v="urn:schemas-microsoft-com:vml" Requires="v">
-                <p:oleObj spid="_x0000_s2052" r:id="rId3" imgW="9869040" imgH="6237000" progId="CorelDRAW.Graphic.13">
+                <p:oleObj spid="_x0000_s3075" r:id="rId3" imgW="9869040" imgH="6237000" progId="CorelDRAW.Graphic.13">
                   <p:embed/>
                 </p:oleObj>
               </mc:Choice>
@@ -6397,7 +6319,7 @@
                   <p:embed/>
                   <p:pic>
                     <p:nvPicPr>
-                      <p:cNvPr id="0" name="Object 1"/>
+                      <p:cNvPr id="0" name="Объект 5"/>
                       <p:cNvPicPr>
                         <a:picLocks noChangeAspect="1" noChangeArrowheads="1"/>
                       </p:cNvPicPr>
@@ -6418,13 +6340,35 @@
                     </p:blipFill>
                     <p:spPr bwMode="auto">
                       <a:xfrm>
-                        <a:off x="1619672" y="1131590"/>
-                        <a:ext cx="4824536" cy="3067845"/>
+                        <a:off x="539552" y="987574"/>
+                        <a:ext cx="4824412" cy="3068638"/>
                       </a:xfrm>
                       <a:prstGeom prst="rect">
                         <a:avLst/>
                       </a:prstGeom>
                       <a:noFill/>
+                      <a:ln>
+                        <a:noFill/>
+                      </a:ln>
+                      <a:extLst>
+                        <a:ext uri="{909E8E84-426E-40DD-AFC4-6F175D3DCCD1}">
+                          <a14:hiddenFill xmlns:a14="http://schemas.microsoft.com/office/drawing/2010/main">
+                            <a:solidFill>
+                              <a:srgbClr val="FFFFFF"/>
+                            </a:solidFill>
+                          </a14:hiddenFill>
+                        </a:ext>
+                        <a:ext uri="{91240B29-F687-4F45-9708-019B960494DF}">
+                          <a14:hiddenLine xmlns:a14="http://schemas.microsoft.com/office/drawing/2010/main" w="9525">
+                            <a:solidFill>
+                              <a:srgbClr val="000000"/>
+                            </a:solidFill>
+                            <a:miter lim="800000"/>
+                            <a:headEnd/>
+                            <a:tailEnd/>
+                          </a14:hiddenLine>
+                        </a:ext>
+                      </a:extLst>
                     </p:spPr>
                   </p:pic>
                 </p:oleObj>
@@ -6436,7 +6380,7 @@
     </p:spTree>
     <p:extLst>
       <p:ext uri="{BB962C8B-B14F-4D97-AF65-F5344CB8AC3E}">
-        <p14:creationId xmlns:p14="http://schemas.microsoft.com/office/powerpoint/2010/main" val="1227060376"/>
+        <p14:creationId xmlns:p14="http://schemas.microsoft.com/office/powerpoint/2010/main" val="970044667"/>
       </p:ext>
     </p:extLst>
   </p:cSld>
@@ -6489,7 +6433,6 @@
               <a:rPr lang="ru-RU" dirty="0"/>
               <a:t>Взаимозаменяемость</a:t>
             </a:r>
-            <a:endParaRPr lang="ru-RU" dirty="0"/>
           </a:p>
         </p:txBody>
       </p:sp>
@@ -6503,12 +6446,158 @@
             <p:ph idx="1"/>
           </p:nvPr>
         </p:nvSpPr>
-        <p:spPr/>
+        <p:spPr>
+          <a:xfrm>
+            <a:off x="585647" y="1245461"/>
+            <a:ext cx="3270741" cy="2736305"/>
+          </a:xfrm>
+          <a:solidFill>
+            <a:schemeClr val="bg2"/>
+          </a:solidFill>
+          <a:ln>
+            <a:solidFill>
+              <a:schemeClr val="tx1"/>
+            </a:solidFill>
+          </a:ln>
+        </p:spPr>
         <p:txBody>
           <a:bodyPr/>
           <a:lstStyle/>
           <a:p>
+            <a:r>
+              <a:rPr lang="ru-RU" dirty="0"/>
+              <a:t>отказ бортового вычислителя системы управления робота. </a:t>
+            </a:r>
+            <a:endParaRPr lang="en-US" dirty="0" smtClean="0"/>
+          </a:p>
+          <a:p>
+            <a:r>
+              <a:rPr lang="ru-RU" dirty="0"/>
+              <a:t>отказ бортового </a:t>
+            </a:r>
+            <a:r>
+              <a:rPr lang="ru-RU" dirty="0" smtClean="0"/>
+              <a:t>радиоканала</a:t>
+            </a:r>
+            <a:endParaRPr lang="en-US" dirty="0" smtClean="0"/>
+          </a:p>
+          <a:p>
+            <a:r>
+              <a:rPr lang="ru-RU" dirty="0"/>
+              <a:t>отказ двигателей и/или </a:t>
+            </a:r>
+            <a:r>
+              <a:rPr lang="ru-RU" dirty="0" smtClean="0"/>
+              <a:t>движителей</a:t>
+            </a:r>
+            <a:endParaRPr lang="en-US" dirty="0" smtClean="0"/>
+          </a:p>
+          <a:p>
+            <a:r>
+              <a:rPr lang="ru-RU" dirty="0"/>
+              <a:t>отказ какого-то сенсора</a:t>
+            </a:r>
             <a:endParaRPr lang="ru-RU" dirty="0"/>
+          </a:p>
+        </p:txBody>
+      </p:sp>
+      <p:sp>
+        <p:nvSpPr>
+          <p:cNvPr id="2" name="Прямоугольник 1"/>
+          <p:cNvSpPr/>
+          <p:nvPr/>
+        </p:nvSpPr>
+        <p:spPr>
+          <a:xfrm>
+            <a:off x="3923928" y="1059582"/>
+            <a:ext cx="4608512" cy="3528392"/>
+          </a:xfrm>
+          <a:prstGeom prst="rect">
+            <a:avLst/>
+          </a:prstGeom>
+          <a:noFill/>
+          <a:ln>
+            <a:noFill/>
+          </a:ln>
+        </p:spPr>
+        <p:style>
+          <a:lnRef idx="2">
+            <a:schemeClr val="accent1">
+              <a:shade val="50000"/>
+            </a:schemeClr>
+          </a:lnRef>
+          <a:fillRef idx="1">
+            <a:schemeClr val="accent1"/>
+          </a:fillRef>
+          <a:effectRef idx="0">
+            <a:schemeClr val="accent1"/>
+          </a:effectRef>
+          <a:fontRef idx="minor">
+            <a:schemeClr val="lt1"/>
+          </a:fontRef>
+        </p:style>
+        <p:txBody>
+          <a:bodyPr rtlCol="0" anchor="ctr"/>
+          <a:lstStyle/>
+          <a:p>
+            <a:pPr algn="ctr"/>
+            <a:r>
+              <a:rPr lang="ru-RU" dirty="0" smtClean="0">
+                <a:solidFill>
+                  <a:schemeClr val="tx1"/>
+                </a:solidFill>
+              </a:rPr>
+              <a:t>Таблица взаимозаменяемости сенсоров</a:t>
+            </a:r>
+            <a:endParaRPr lang="en-US" dirty="0">
+              <a:solidFill>
+                <a:schemeClr val="tx1"/>
+              </a:solidFill>
+            </a:endParaRPr>
+          </a:p>
+        </p:txBody>
+      </p:sp>
+      <p:sp>
+        <p:nvSpPr>
+          <p:cNvPr id="3" name="Скругленный прямоугольник 2"/>
+          <p:cNvSpPr/>
+          <p:nvPr/>
+        </p:nvSpPr>
+        <p:spPr>
+          <a:xfrm>
+            <a:off x="611560" y="1056331"/>
+            <a:ext cx="1944216" cy="216024"/>
+          </a:xfrm>
+          <a:prstGeom prst="roundRect">
+            <a:avLst/>
+          </a:prstGeom>
+        </p:spPr>
+        <p:style>
+          <a:lnRef idx="2">
+            <a:schemeClr val="accent1">
+              <a:shade val="50000"/>
+            </a:schemeClr>
+          </a:lnRef>
+          <a:fillRef idx="1">
+            <a:schemeClr val="accent1"/>
+          </a:fillRef>
+          <a:effectRef idx="0">
+            <a:schemeClr val="accent1"/>
+          </a:effectRef>
+          <a:fontRef idx="minor">
+            <a:schemeClr val="lt1"/>
+          </a:fontRef>
+        </p:style>
+        <p:txBody>
+          <a:bodyPr rtlCol="0" anchor="ctr"/>
+          <a:lstStyle/>
+          <a:p>
+            <a:pPr algn="ctr"/>
+            <a:r>
+              <a:rPr lang="ru-RU" dirty="0" smtClean="0"/>
+              <a:t>Типы отказов</a:t>
+            </a:r>
+            <a:endParaRPr lang="en-US" dirty="0"/>
           </a:p>
         </p:txBody>
       </p:sp>

--- a/MorskoySalon.pptx
+++ b/MorskoySalon.pptx
@@ -5,17 +5,19 @@
     <p:sldMasterId id="2147483648" r:id="rId1"/>
   </p:sldMasterIdLst>
   <p:notesMasterIdLst>
-    <p:notesMasterId r:id="rId10"/>
+    <p:notesMasterId r:id="rId12"/>
   </p:notesMasterIdLst>
   <p:sldIdLst>
     <p:sldId id="256" r:id="rId2"/>
     <p:sldId id="293" r:id="rId3"/>
     <p:sldId id="294" r:id="rId4"/>
     <p:sldId id="295" r:id="rId5"/>
-    <p:sldId id="298" r:id="rId6"/>
-    <p:sldId id="296" r:id="rId7"/>
-    <p:sldId id="291" r:id="rId8"/>
-    <p:sldId id="292" r:id="rId9"/>
+    <p:sldId id="297" r:id="rId6"/>
+    <p:sldId id="300" r:id="rId7"/>
+    <p:sldId id="296" r:id="rId8"/>
+    <p:sldId id="298" r:id="rId9"/>
+    <p:sldId id="299" r:id="rId10"/>
+    <p:sldId id="292" r:id="rId11"/>
   </p:sldIdLst>
   <p:sldSz cx="9144000" cy="5143500" type="screen16x9"/>
   <p:notesSz cx="6858000" cy="9144000"/>
@@ -200,7 +202,7 @@
             <a:fld id="{ACB6BEAC-2F39-4C46-AD57-FBC90A5A3359}" type="datetimeFigureOut">
               <a:rPr lang="ru-RU" smtClean="0"/>
               <a:pPr/>
-              <a:t>29.06.2015</a:t>
+              <a:t>30.06.2015</a:t>
             </a:fld>
             <a:endParaRPr lang="ru-RU"/>
           </a:p>
@@ -886,7 +888,7 @@
             <a:fld id="{91CFB6E0-80CA-4542-A791-A36F96386390}" type="datetimeFigureOut">
               <a:rPr lang="ru-RU" smtClean="0"/>
               <a:pPr/>
-              <a:t>29.06.2015</a:t>
+              <a:t>30.06.2015</a:t>
             </a:fld>
             <a:endParaRPr lang="ru-RU"/>
           </a:p>
@@ -1005,7 +1007,7 @@
             <a:fld id="{91CFB6E0-80CA-4542-A791-A36F96386390}" type="datetimeFigureOut">
               <a:rPr lang="ru-RU" smtClean="0"/>
               <a:pPr/>
-              <a:t>29.06.2015</a:t>
+              <a:t>30.06.2015</a:t>
             </a:fld>
             <a:endParaRPr lang="ru-RU"/>
           </a:p>
@@ -1251,7 +1253,7 @@
             <a:fld id="{91CFB6E0-80CA-4542-A791-A36F96386390}" type="datetimeFigureOut">
               <a:rPr lang="ru-RU" smtClean="0"/>
               <a:pPr/>
-              <a:t>29.06.2015</a:t>
+              <a:t>30.06.2015</a:t>
             </a:fld>
             <a:endParaRPr lang="ru-RU"/>
           </a:p>
@@ -1497,7 +1499,7 @@
             <a:fld id="{91CFB6E0-80CA-4542-A791-A36F96386390}" type="datetimeFigureOut">
               <a:rPr lang="ru-RU" smtClean="0"/>
               <a:pPr/>
-              <a:t>29.06.2015</a:t>
+              <a:t>30.06.2015</a:t>
             </a:fld>
             <a:endParaRPr lang="ru-RU"/>
           </a:p>
@@ -1736,7 +1738,7 @@
             <a:fld id="{91CFB6E0-80CA-4542-A791-A36F96386390}" type="datetimeFigureOut">
               <a:rPr lang="ru-RU" smtClean="0"/>
               <a:pPr/>
-              <a:t>29.06.2015</a:t>
+              <a:t>30.06.2015</a:t>
             </a:fld>
             <a:endParaRPr lang="ru-RU"/>
           </a:p>
@@ -1933,7 +1935,7 @@
             <a:fld id="{91CFB6E0-80CA-4542-A791-A36F96386390}" type="datetimeFigureOut">
               <a:rPr lang="ru-RU" smtClean="0"/>
               <a:pPr/>
-              <a:t>29.06.2015</a:t>
+              <a:t>30.06.2015</a:t>
             </a:fld>
             <a:endParaRPr lang="ru-RU"/>
           </a:p>
@@ -3587,4190 +3589,7 @@
 </p:sld>
 </file>
 
-<file path=ppt/slides/slide2.xml><?xml version="1.0" encoding="utf-8"?>
-<p:sld xmlns:a="http://schemas.openxmlformats.org/drawingml/2006/main" xmlns:r="http://schemas.openxmlformats.org/officeDocument/2006/relationships" xmlns:p="http://schemas.openxmlformats.org/presentationml/2006/main">
-  <p:cSld>
-    <p:spTree>
-      <p:nvGrpSpPr>
-        <p:cNvPr id="1" name=""/>
-        <p:cNvGrpSpPr/>
-        <p:nvPr/>
-      </p:nvGrpSpPr>
-      <p:grpSpPr>
-        <a:xfrm>
-          <a:off x="0" y="0"/>
-          <a:ext cx="0" cy="0"/>
-          <a:chOff x="0" y="0"/>
-          <a:chExt cx="0" cy="0"/>
-        </a:xfrm>
-      </p:grpSpPr>
-      <p:sp>
-        <p:nvSpPr>
-          <p:cNvPr id="3" name="Заголовок 2"/>
-          <p:cNvSpPr>
-            <a:spLocks noGrp="1"/>
-          </p:cNvSpPr>
-          <p:nvPr>
-            <p:ph type="title"/>
-          </p:nvPr>
-        </p:nvSpPr>
-        <p:spPr/>
-        <p:txBody>
-          <a:bodyPr/>
-          <a:lstStyle/>
-          <a:p>
-            <a:r>
-              <a:rPr lang="ru-RU" dirty="0"/>
-              <a:t>Сложные климатические условия</a:t>
-            </a:r>
-          </a:p>
-        </p:txBody>
-      </p:sp>
-      <p:sp>
-        <p:nvSpPr>
-          <p:cNvPr id="4" name="Текст 3"/>
-          <p:cNvSpPr>
-            <a:spLocks noGrp="1"/>
-          </p:cNvSpPr>
-          <p:nvPr>
-            <p:ph type="body" sz="half" idx="2"/>
-          </p:nvPr>
-        </p:nvSpPr>
-        <p:spPr/>
-        <p:txBody>
-          <a:bodyPr/>
-          <a:lstStyle/>
-          <a:p>
-            <a:endParaRPr lang="ru-RU" sz="1600" dirty="0"/>
-          </a:p>
-        </p:txBody>
-      </p:sp>
-      <p:graphicFrame>
-        <p:nvGraphicFramePr>
-          <p:cNvPr id="2" name="Таблица 1"/>
-          <p:cNvGraphicFramePr>
-            <a:graphicFrameLocks noGrp="1"/>
-          </p:cNvGraphicFramePr>
-          <p:nvPr>
-            <p:extLst>
-              <p:ext uri="{D42A27DB-BD31-4B8C-83A1-F6EECF244321}">
-                <p14:modId xmlns:p14="http://schemas.microsoft.com/office/powerpoint/2010/main" val="3605519859"/>
-              </p:ext>
-            </p:extLst>
-          </p:nvPr>
-        </p:nvGraphicFramePr>
-        <p:xfrm>
-          <a:off x="4283968" y="1059582"/>
-          <a:ext cx="3960440" cy="2515736"/>
-        </p:xfrm>
-        <a:graphic>
-          <a:graphicData uri="http://schemas.openxmlformats.org/drawingml/2006/table">
-            <a:tbl>
-              <a:tblPr firstRow="1" bandRow="1">
-                <a:tableStyleId>{5C22544A-7EE6-4342-B048-85BDC9FD1C3A}</a:tableStyleId>
-              </a:tblPr>
-              <a:tblGrid>
-                <a:gridCol w="1368152"/>
-                <a:gridCol w="1440160"/>
-                <a:gridCol w="1152128"/>
-              </a:tblGrid>
-              <a:tr h="504056">
-                <a:tc>
-                  <a:txBody>
-                    <a:bodyPr/>
-                    <a:lstStyle/>
-                    <a:p>
-                      <a:pPr marL="0" marR="0" indent="0" algn="just">
-                        <a:lnSpc>
-                          <a:spcPct val="150000"/>
-                        </a:lnSpc>
-                        <a:spcBef>
-                          <a:spcPts val="0"/>
-                        </a:spcBef>
-                        <a:spcAft>
-                          <a:spcPts val="0"/>
-                        </a:spcAft>
-                      </a:pPr>
-                      <a:r>
-                        <a:rPr lang="ru-RU" sz="1100" dirty="0">
-                          <a:effectLst/>
-                        </a:rPr>
-                        <a:t>Датчик</a:t>
-                      </a:r>
-                      <a:endParaRPr lang="en-US" sz="1100" dirty="0">
-                        <a:effectLst/>
-                        <a:latin typeface="Times New Roman"/>
-                        <a:ea typeface="Times New Roman"/>
-                      </a:endParaRPr>
-                    </a:p>
-                  </a:txBody>
-                  <a:tcPr marL="30308" marR="30308" marT="0" marB="0"/>
-                </a:tc>
-                <a:tc>
-                  <a:txBody>
-                    <a:bodyPr/>
-                    <a:lstStyle/>
-                    <a:p>
-                      <a:pPr marL="0" marR="0" indent="0" algn="just">
-                        <a:lnSpc>
-                          <a:spcPct val="150000"/>
-                        </a:lnSpc>
-                        <a:spcBef>
-                          <a:spcPts val="0"/>
-                        </a:spcBef>
-                        <a:spcAft>
-                          <a:spcPts val="0"/>
-                        </a:spcAft>
-                      </a:pPr>
-                      <a:r>
-                        <a:rPr lang="ru-RU" sz="1100" dirty="0">
-                          <a:effectLst/>
-                        </a:rPr>
-                        <a:t>Погодные условия</a:t>
-                      </a:r>
-                      <a:endParaRPr lang="en-US" sz="1100" dirty="0">
-                        <a:effectLst/>
-                        <a:latin typeface="Times New Roman"/>
-                        <a:ea typeface="Times New Roman"/>
-                      </a:endParaRPr>
-                    </a:p>
-                  </a:txBody>
-                  <a:tcPr marL="30308" marR="30308" marT="0" marB="0"/>
-                </a:tc>
-                <a:tc>
-                  <a:txBody>
-                    <a:bodyPr/>
-                    <a:lstStyle/>
-                    <a:p>
-                      <a:pPr marL="0" marR="0" indent="0" algn="just">
-                        <a:lnSpc>
-                          <a:spcPct val="150000"/>
-                        </a:lnSpc>
-                        <a:spcBef>
-                          <a:spcPts val="0"/>
-                        </a:spcBef>
-                        <a:spcAft>
-                          <a:spcPts val="0"/>
-                        </a:spcAft>
-                      </a:pPr>
-                      <a:r>
-                        <a:rPr lang="ru-RU" sz="1100">
-                          <a:effectLst/>
-                        </a:rPr>
-                        <a:t>Применимость</a:t>
-                      </a:r>
-                      <a:endParaRPr lang="en-US" sz="1100">
-                        <a:effectLst/>
-                        <a:latin typeface="Times New Roman"/>
-                        <a:ea typeface="Times New Roman"/>
-                      </a:endParaRPr>
-                    </a:p>
-                  </a:txBody>
-                  <a:tcPr marL="30308" marR="30308" marT="0" marB="0"/>
-                </a:tc>
-              </a:tr>
-              <a:tr h="162817">
-                <a:tc rowSpan="4">
-                  <a:txBody>
-                    <a:bodyPr/>
-                    <a:lstStyle/>
-                    <a:p>
-                      <a:pPr marL="0" marR="0" indent="0" algn="just">
-                        <a:lnSpc>
-                          <a:spcPct val="150000"/>
-                        </a:lnSpc>
-                        <a:spcBef>
-                          <a:spcPts val="0"/>
-                        </a:spcBef>
-                        <a:spcAft>
-                          <a:spcPts val="0"/>
-                        </a:spcAft>
-                      </a:pPr>
-                      <a:r>
-                        <a:rPr lang="ru-RU" sz="1100" dirty="0">
-                          <a:effectLst/>
-                        </a:rPr>
-                        <a:t>Видеокамеры</a:t>
-                      </a:r>
-                      <a:endParaRPr lang="en-US" sz="1100" dirty="0">
-                        <a:effectLst/>
-                        <a:latin typeface="Times New Roman"/>
-                        <a:ea typeface="Times New Roman"/>
-                      </a:endParaRPr>
-                    </a:p>
-                  </a:txBody>
-                  <a:tcPr marL="30308" marR="30308" marT="0" marB="0"/>
-                </a:tc>
-                <a:tc>
-                  <a:txBody>
-                    <a:bodyPr/>
-                    <a:lstStyle/>
-                    <a:p>
-                      <a:pPr marL="0" marR="0" indent="0" algn="just">
-                        <a:lnSpc>
-                          <a:spcPct val="150000"/>
-                        </a:lnSpc>
-                        <a:spcBef>
-                          <a:spcPts val="0"/>
-                        </a:spcBef>
-                        <a:spcAft>
-                          <a:spcPts val="0"/>
-                        </a:spcAft>
-                      </a:pPr>
-                      <a:r>
-                        <a:rPr lang="ru-RU" sz="1100">
-                          <a:effectLst/>
-                        </a:rPr>
-                        <a:t>Полярная ночь</a:t>
-                      </a:r>
-                      <a:endParaRPr lang="en-US" sz="1100">
-                        <a:effectLst/>
-                        <a:latin typeface="Times New Roman"/>
-                        <a:ea typeface="Times New Roman"/>
-                      </a:endParaRPr>
-                    </a:p>
-                  </a:txBody>
-                  <a:tcPr marL="30308" marR="30308" marT="0" marB="0"/>
-                </a:tc>
-                <a:tc>
-                  <a:txBody>
-                    <a:bodyPr/>
-                    <a:lstStyle/>
-                    <a:p>
-                      <a:pPr marL="0" marR="0" indent="0" algn="ctr">
-                        <a:lnSpc>
-                          <a:spcPct val="150000"/>
-                        </a:lnSpc>
-                        <a:spcBef>
-                          <a:spcPts val="0"/>
-                        </a:spcBef>
-                        <a:spcAft>
-                          <a:spcPts val="0"/>
-                        </a:spcAft>
-                      </a:pPr>
-                      <a:r>
-                        <a:rPr lang="ru-RU" sz="1100" dirty="0">
-                          <a:effectLst/>
-                        </a:rPr>
-                        <a:t>-</a:t>
-                      </a:r>
-                      <a:endParaRPr lang="en-US" sz="1100" dirty="0">
-                        <a:effectLst/>
-                        <a:latin typeface="Times New Roman"/>
-                        <a:ea typeface="Times New Roman"/>
-                      </a:endParaRPr>
-                    </a:p>
-                  </a:txBody>
-                  <a:tcPr marL="30308" marR="30308" marT="0" marB="0"/>
-                </a:tc>
-              </a:tr>
-              <a:tr h="162817">
-                <a:tc vMerge="1">
-                  <a:txBody>
-                    <a:bodyPr/>
-                    <a:lstStyle/>
-                    <a:p>
-                      <a:endParaRPr lang="en-US"/>
-                    </a:p>
-                  </a:txBody>
-                  <a:tcPr/>
-                </a:tc>
-                <a:tc>
-                  <a:txBody>
-                    <a:bodyPr/>
-                    <a:lstStyle/>
-                    <a:p>
-                      <a:pPr marL="0" marR="0" indent="0" algn="just">
-                        <a:lnSpc>
-                          <a:spcPct val="150000"/>
-                        </a:lnSpc>
-                        <a:spcBef>
-                          <a:spcPts val="0"/>
-                        </a:spcBef>
-                        <a:spcAft>
-                          <a:spcPts val="0"/>
-                        </a:spcAft>
-                      </a:pPr>
-                      <a:r>
-                        <a:rPr lang="ru-RU" sz="1100">
-                          <a:effectLst/>
-                        </a:rPr>
-                        <a:t>Метель</a:t>
-                      </a:r>
-                      <a:endParaRPr lang="en-US" sz="1100">
-                        <a:effectLst/>
-                        <a:latin typeface="Times New Roman"/>
-                        <a:ea typeface="Times New Roman"/>
-                      </a:endParaRPr>
-                    </a:p>
-                  </a:txBody>
-                  <a:tcPr marL="30308" marR="30308" marT="0" marB="0"/>
-                </a:tc>
-                <a:tc>
-                  <a:txBody>
-                    <a:bodyPr/>
-                    <a:lstStyle/>
-                    <a:p>
-                      <a:pPr marL="0" marR="0" indent="0" algn="ctr">
-                        <a:lnSpc>
-                          <a:spcPct val="150000"/>
-                        </a:lnSpc>
-                        <a:spcBef>
-                          <a:spcPts val="0"/>
-                        </a:spcBef>
-                        <a:spcAft>
-                          <a:spcPts val="0"/>
-                        </a:spcAft>
-                      </a:pPr>
-                      <a:r>
-                        <a:rPr lang="ru-RU" sz="1100">
-                          <a:effectLst/>
-                        </a:rPr>
-                        <a:t>-</a:t>
-                      </a:r>
-                      <a:endParaRPr lang="en-US" sz="1100">
-                        <a:effectLst/>
-                        <a:latin typeface="Times New Roman"/>
-                        <a:ea typeface="Times New Roman"/>
-                      </a:endParaRPr>
-                    </a:p>
-                  </a:txBody>
-                  <a:tcPr marL="30308" marR="30308" marT="0" marB="0"/>
-                </a:tc>
-              </a:tr>
-              <a:tr h="162817">
-                <a:tc vMerge="1">
-                  <a:txBody>
-                    <a:bodyPr/>
-                    <a:lstStyle/>
-                    <a:p>
-                      <a:endParaRPr lang="en-US"/>
-                    </a:p>
-                  </a:txBody>
-                  <a:tcPr/>
-                </a:tc>
-                <a:tc>
-                  <a:txBody>
-                    <a:bodyPr/>
-                    <a:lstStyle/>
-                    <a:p>
-                      <a:pPr marL="0" marR="0" indent="0" algn="just">
-                        <a:lnSpc>
-                          <a:spcPct val="150000"/>
-                        </a:lnSpc>
-                        <a:spcBef>
-                          <a:spcPts val="0"/>
-                        </a:spcBef>
-                        <a:spcAft>
-                          <a:spcPts val="0"/>
-                        </a:spcAft>
-                      </a:pPr>
-                      <a:r>
-                        <a:rPr lang="ru-RU" sz="1100">
-                          <a:effectLst/>
-                        </a:rPr>
-                        <a:t>Сильный ветер</a:t>
-                      </a:r>
-                      <a:endParaRPr lang="en-US" sz="1100">
-                        <a:effectLst/>
-                        <a:latin typeface="Times New Roman"/>
-                        <a:ea typeface="Times New Roman"/>
-                      </a:endParaRPr>
-                    </a:p>
-                  </a:txBody>
-                  <a:tcPr marL="30308" marR="30308" marT="0" marB="0"/>
-                </a:tc>
-                <a:tc>
-                  <a:txBody>
-                    <a:bodyPr/>
-                    <a:lstStyle/>
-                    <a:p>
-                      <a:pPr marL="0" marR="0" indent="0" algn="ctr">
-                        <a:lnSpc>
-                          <a:spcPct val="150000"/>
-                        </a:lnSpc>
-                        <a:spcBef>
-                          <a:spcPts val="0"/>
-                        </a:spcBef>
-                        <a:spcAft>
-                          <a:spcPts val="0"/>
-                        </a:spcAft>
-                      </a:pPr>
-                      <a:r>
-                        <a:rPr lang="ru-RU" sz="1100">
-                          <a:effectLst/>
-                        </a:rPr>
-                        <a:t>+</a:t>
-                      </a:r>
-                      <a:endParaRPr lang="en-US" sz="1100">
-                        <a:effectLst/>
-                        <a:latin typeface="Times New Roman"/>
-                        <a:ea typeface="Times New Roman"/>
-                      </a:endParaRPr>
-                    </a:p>
-                  </a:txBody>
-                  <a:tcPr marL="30308" marR="30308" marT="0" marB="0"/>
-                </a:tc>
-              </a:tr>
-              <a:tr h="162817">
-                <a:tc vMerge="1">
-                  <a:txBody>
-                    <a:bodyPr/>
-                    <a:lstStyle/>
-                    <a:p>
-                      <a:endParaRPr lang="en-US"/>
-                    </a:p>
-                  </a:txBody>
-                  <a:tcPr/>
-                </a:tc>
-                <a:tc>
-                  <a:txBody>
-                    <a:bodyPr/>
-                    <a:lstStyle/>
-                    <a:p>
-                      <a:pPr marL="0" marR="0" indent="0" algn="just">
-                        <a:lnSpc>
-                          <a:spcPct val="150000"/>
-                        </a:lnSpc>
-                        <a:spcBef>
-                          <a:spcPts val="0"/>
-                        </a:spcBef>
-                        <a:spcAft>
-                          <a:spcPts val="0"/>
-                        </a:spcAft>
-                      </a:pPr>
-                      <a:r>
-                        <a:rPr lang="ru-RU" sz="1100" dirty="0">
-                          <a:effectLst/>
-                        </a:rPr>
-                        <a:t>Качка</a:t>
-                      </a:r>
-                      <a:endParaRPr lang="en-US" sz="1100" dirty="0">
-                        <a:effectLst/>
-                        <a:latin typeface="Times New Roman"/>
-                        <a:ea typeface="Times New Roman"/>
-                      </a:endParaRPr>
-                    </a:p>
-                  </a:txBody>
-                  <a:tcPr marL="30308" marR="30308" marT="0" marB="0"/>
-                </a:tc>
-                <a:tc>
-                  <a:txBody>
-                    <a:bodyPr/>
-                    <a:lstStyle/>
-                    <a:p>
-                      <a:pPr marL="0" marR="0" indent="0" algn="ctr">
-                        <a:lnSpc>
-                          <a:spcPct val="150000"/>
-                        </a:lnSpc>
-                        <a:spcBef>
-                          <a:spcPts val="0"/>
-                        </a:spcBef>
-                        <a:spcAft>
-                          <a:spcPts val="0"/>
-                        </a:spcAft>
-                      </a:pPr>
-                      <a:r>
-                        <a:rPr lang="ru-RU" sz="1100">
-                          <a:effectLst/>
-                        </a:rPr>
-                        <a:t>+</a:t>
-                      </a:r>
-                      <a:endParaRPr lang="en-US" sz="1100">
-                        <a:effectLst/>
-                        <a:latin typeface="Times New Roman"/>
-                        <a:ea typeface="Times New Roman"/>
-                      </a:endParaRPr>
-                    </a:p>
-                  </a:txBody>
-                  <a:tcPr marL="30308" marR="30308" marT="0" marB="0"/>
-                </a:tc>
-              </a:tr>
-              <a:tr h="162817">
-                <a:tc rowSpan="4">
-                  <a:txBody>
-                    <a:bodyPr/>
-                    <a:lstStyle/>
-                    <a:p>
-                      <a:pPr marL="0" marR="0" indent="0" algn="just">
-                        <a:lnSpc>
-                          <a:spcPct val="150000"/>
-                        </a:lnSpc>
-                        <a:spcBef>
-                          <a:spcPts val="0"/>
-                        </a:spcBef>
-                        <a:spcAft>
-                          <a:spcPts val="0"/>
-                        </a:spcAft>
-                      </a:pPr>
-                      <a:r>
-                        <a:rPr lang="ru-RU" sz="1100" dirty="0">
-                          <a:effectLst/>
-                        </a:rPr>
-                        <a:t>Ультразвуковой дальномер </a:t>
-                      </a:r>
-                      <a:endParaRPr lang="en-US" sz="1100" dirty="0">
-                        <a:effectLst/>
-                        <a:latin typeface="Times New Roman"/>
-                        <a:ea typeface="Times New Roman"/>
-                      </a:endParaRPr>
-                    </a:p>
-                  </a:txBody>
-                  <a:tcPr marL="30308" marR="30308" marT="0" marB="0"/>
-                </a:tc>
-                <a:tc>
-                  <a:txBody>
-                    <a:bodyPr/>
-                    <a:lstStyle/>
-                    <a:p>
-                      <a:pPr marL="0" marR="0" indent="0" algn="just">
-                        <a:lnSpc>
-                          <a:spcPct val="150000"/>
-                        </a:lnSpc>
-                        <a:spcBef>
-                          <a:spcPts val="0"/>
-                        </a:spcBef>
-                        <a:spcAft>
-                          <a:spcPts val="0"/>
-                        </a:spcAft>
-                      </a:pPr>
-                      <a:r>
-                        <a:rPr lang="ru-RU" sz="1100" dirty="0">
-                          <a:effectLst/>
-                        </a:rPr>
-                        <a:t>Полярная ночь</a:t>
-                      </a:r>
-                      <a:endParaRPr lang="en-US" sz="1100" dirty="0">
-                        <a:effectLst/>
-                        <a:latin typeface="Times New Roman"/>
-                        <a:ea typeface="Times New Roman"/>
-                      </a:endParaRPr>
-                    </a:p>
-                  </a:txBody>
-                  <a:tcPr marL="30308" marR="30308" marT="0" marB="0"/>
-                </a:tc>
-                <a:tc>
-                  <a:txBody>
-                    <a:bodyPr/>
-                    <a:lstStyle/>
-                    <a:p>
-                      <a:pPr marL="0" marR="0" indent="0" algn="ctr">
-                        <a:lnSpc>
-                          <a:spcPct val="150000"/>
-                        </a:lnSpc>
-                        <a:spcBef>
-                          <a:spcPts val="0"/>
-                        </a:spcBef>
-                        <a:spcAft>
-                          <a:spcPts val="0"/>
-                        </a:spcAft>
-                      </a:pPr>
-                      <a:r>
-                        <a:rPr lang="ru-RU" sz="1100">
-                          <a:effectLst/>
-                        </a:rPr>
-                        <a:t>+</a:t>
-                      </a:r>
-                      <a:endParaRPr lang="en-US" sz="1100">
-                        <a:effectLst/>
-                        <a:latin typeface="Times New Roman"/>
-                        <a:ea typeface="Times New Roman"/>
-                      </a:endParaRPr>
-                    </a:p>
-                  </a:txBody>
-                  <a:tcPr marL="30308" marR="30308" marT="0" marB="0"/>
-                </a:tc>
-              </a:tr>
-              <a:tr h="162817">
-                <a:tc vMerge="1">
-                  <a:txBody>
-                    <a:bodyPr/>
-                    <a:lstStyle/>
-                    <a:p>
-                      <a:endParaRPr lang="en-US"/>
-                    </a:p>
-                  </a:txBody>
-                  <a:tcPr/>
-                </a:tc>
-                <a:tc>
-                  <a:txBody>
-                    <a:bodyPr/>
-                    <a:lstStyle/>
-                    <a:p>
-                      <a:pPr marL="0" marR="0" indent="0" algn="just">
-                        <a:lnSpc>
-                          <a:spcPct val="150000"/>
-                        </a:lnSpc>
-                        <a:spcBef>
-                          <a:spcPts val="0"/>
-                        </a:spcBef>
-                        <a:spcAft>
-                          <a:spcPts val="0"/>
-                        </a:spcAft>
-                      </a:pPr>
-                      <a:r>
-                        <a:rPr lang="ru-RU" sz="1100" dirty="0">
-                          <a:effectLst/>
-                        </a:rPr>
-                        <a:t>Метель</a:t>
-                      </a:r>
-                      <a:endParaRPr lang="en-US" sz="1100" dirty="0">
-                        <a:effectLst/>
-                        <a:latin typeface="Times New Roman"/>
-                        <a:ea typeface="Times New Roman"/>
-                      </a:endParaRPr>
-                    </a:p>
-                  </a:txBody>
-                  <a:tcPr marL="30308" marR="30308" marT="0" marB="0"/>
-                </a:tc>
-                <a:tc>
-                  <a:txBody>
-                    <a:bodyPr/>
-                    <a:lstStyle/>
-                    <a:p>
-                      <a:pPr marL="0" marR="0" indent="0" algn="ctr">
-                        <a:lnSpc>
-                          <a:spcPct val="150000"/>
-                        </a:lnSpc>
-                        <a:spcBef>
-                          <a:spcPts val="0"/>
-                        </a:spcBef>
-                        <a:spcAft>
-                          <a:spcPts val="0"/>
-                        </a:spcAft>
-                      </a:pPr>
-                      <a:r>
-                        <a:rPr lang="ru-RU" sz="1100" dirty="0">
-                          <a:effectLst/>
-                        </a:rPr>
-                        <a:t>-</a:t>
-                      </a:r>
-                      <a:endParaRPr lang="en-US" sz="1100" dirty="0">
-                        <a:effectLst/>
-                        <a:latin typeface="Times New Roman"/>
-                        <a:ea typeface="Times New Roman"/>
-                      </a:endParaRPr>
-                    </a:p>
-                  </a:txBody>
-                  <a:tcPr marL="30308" marR="30308" marT="0" marB="0"/>
-                </a:tc>
-              </a:tr>
-              <a:tr h="162817">
-                <a:tc vMerge="1">
-                  <a:txBody>
-                    <a:bodyPr/>
-                    <a:lstStyle/>
-                    <a:p>
-                      <a:endParaRPr lang="en-US"/>
-                    </a:p>
-                  </a:txBody>
-                  <a:tcPr/>
-                </a:tc>
-                <a:tc>
-                  <a:txBody>
-                    <a:bodyPr/>
-                    <a:lstStyle/>
-                    <a:p>
-                      <a:pPr marL="0" marR="0" indent="0" algn="just">
-                        <a:lnSpc>
-                          <a:spcPct val="150000"/>
-                        </a:lnSpc>
-                        <a:spcBef>
-                          <a:spcPts val="0"/>
-                        </a:spcBef>
-                        <a:spcAft>
-                          <a:spcPts val="0"/>
-                        </a:spcAft>
-                      </a:pPr>
-                      <a:r>
-                        <a:rPr lang="ru-RU" sz="1100" dirty="0">
-                          <a:effectLst/>
-                        </a:rPr>
-                        <a:t>Сильный ветер</a:t>
-                      </a:r>
-                      <a:endParaRPr lang="en-US" sz="1100" dirty="0">
-                        <a:effectLst/>
-                        <a:latin typeface="Times New Roman"/>
-                        <a:ea typeface="Times New Roman"/>
-                      </a:endParaRPr>
-                    </a:p>
-                  </a:txBody>
-                  <a:tcPr marL="30308" marR="30308" marT="0" marB="0"/>
-                </a:tc>
-                <a:tc>
-                  <a:txBody>
-                    <a:bodyPr/>
-                    <a:lstStyle/>
-                    <a:p>
-                      <a:pPr marL="0" marR="0" indent="0" algn="ctr">
-                        <a:lnSpc>
-                          <a:spcPct val="150000"/>
-                        </a:lnSpc>
-                        <a:spcBef>
-                          <a:spcPts val="0"/>
-                        </a:spcBef>
-                        <a:spcAft>
-                          <a:spcPts val="0"/>
-                        </a:spcAft>
-                      </a:pPr>
-                      <a:r>
-                        <a:rPr lang="ru-RU" sz="1100" dirty="0">
-                          <a:effectLst/>
-                        </a:rPr>
-                        <a:t>-</a:t>
-                      </a:r>
-                      <a:endParaRPr lang="en-US" sz="1100" dirty="0">
-                        <a:effectLst/>
-                        <a:latin typeface="Times New Roman"/>
-                        <a:ea typeface="Times New Roman"/>
-                      </a:endParaRPr>
-                    </a:p>
-                  </a:txBody>
-                  <a:tcPr marL="30308" marR="30308" marT="0" marB="0"/>
-                </a:tc>
-              </a:tr>
-              <a:tr h="228000">
-                <a:tc vMerge="1">
-                  <a:txBody>
-                    <a:bodyPr/>
-                    <a:lstStyle/>
-                    <a:p>
-                      <a:endParaRPr lang="en-US"/>
-                    </a:p>
-                  </a:txBody>
-                  <a:tcPr/>
-                </a:tc>
-                <a:tc>
-                  <a:txBody>
-                    <a:bodyPr/>
-                    <a:lstStyle/>
-                    <a:p>
-                      <a:pPr marL="0" marR="0" indent="0" algn="just">
-                        <a:lnSpc>
-                          <a:spcPct val="150000"/>
-                        </a:lnSpc>
-                        <a:spcBef>
-                          <a:spcPts val="0"/>
-                        </a:spcBef>
-                        <a:spcAft>
-                          <a:spcPts val="0"/>
-                        </a:spcAft>
-                      </a:pPr>
-                      <a:r>
-                        <a:rPr lang="ru-RU" sz="1100" dirty="0">
-                          <a:effectLst/>
-                        </a:rPr>
-                        <a:t>Качка</a:t>
-                      </a:r>
-                      <a:endParaRPr lang="en-US" sz="1100" dirty="0">
-                        <a:effectLst/>
-                        <a:latin typeface="Times New Roman"/>
-                        <a:ea typeface="Times New Roman"/>
-                      </a:endParaRPr>
-                    </a:p>
-                  </a:txBody>
-                  <a:tcPr marL="30308" marR="30308" marT="0" marB="0"/>
-                </a:tc>
-                <a:tc>
-                  <a:txBody>
-                    <a:bodyPr/>
-                    <a:lstStyle/>
-                    <a:p>
-                      <a:pPr marL="0" marR="0" indent="0" algn="ctr">
-                        <a:lnSpc>
-                          <a:spcPct val="150000"/>
-                        </a:lnSpc>
-                        <a:spcBef>
-                          <a:spcPts val="0"/>
-                        </a:spcBef>
-                        <a:spcAft>
-                          <a:spcPts val="0"/>
-                        </a:spcAft>
-                      </a:pPr>
-                      <a:r>
-                        <a:rPr lang="ru-RU" sz="1100" dirty="0">
-                          <a:effectLst/>
-                        </a:rPr>
-                        <a:t>+</a:t>
-                      </a:r>
-                      <a:endParaRPr lang="en-US" sz="1100" dirty="0">
-                        <a:effectLst/>
-                        <a:latin typeface="Times New Roman"/>
-                        <a:ea typeface="Times New Roman"/>
-                      </a:endParaRPr>
-                    </a:p>
-                  </a:txBody>
-                  <a:tcPr marL="30308" marR="30308" marT="0" marB="0"/>
-                </a:tc>
-              </a:tr>
-            </a:tbl>
-          </a:graphicData>
-        </a:graphic>
-      </p:graphicFrame>
-      <p:graphicFrame>
-        <p:nvGraphicFramePr>
-          <p:cNvPr id="5" name="Таблица 4"/>
-          <p:cNvGraphicFramePr>
-            <a:graphicFrameLocks noGrp="1"/>
-          </p:cNvGraphicFramePr>
-          <p:nvPr>
-            <p:extLst>
-              <p:ext uri="{D42A27DB-BD31-4B8C-83A1-F6EECF244321}">
-                <p14:modId xmlns:p14="http://schemas.microsoft.com/office/powerpoint/2010/main" val="4225774929"/>
-              </p:ext>
-            </p:extLst>
-          </p:nvPr>
-        </p:nvGraphicFramePr>
-        <p:xfrm>
-          <a:off x="611560" y="1059576"/>
-          <a:ext cx="3600400" cy="3520440"/>
-        </p:xfrm>
-        <a:graphic>
-          <a:graphicData uri="http://schemas.openxmlformats.org/drawingml/2006/table">
-            <a:tbl>
-              <a:tblPr firstRow="1" bandRow="1">
-                <a:tableStyleId>{5C22544A-7EE6-4342-B048-85BDC9FD1C3A}</a:tableStyleId>
-              </a:tblPr>
-              <a:tblGrid>
-                <a:gridCol w="1400043"/>
-                <a:gridCol w="1120237"/>
-                <a:gridCol w="1080120"/>
-              </a:tblGrid>
-              <a:tr h="498376">
-                <a:tc>
-                  <a:txBody>
-                    <a:bodyPr/>
-                    <a:lstStyle/>
-                    <a:p>
-                      <a:pPr marL="0" marR="0" indent="0" algn="just">
-                        <a:lnSpc>
-                          <a:spcPct val="150000"/>
-                        </a:lnSpc>
-                        <a:spcBef>
-                          <a:spcPts val="0"/>
-                        </a:spcBef>
-                        <a:spcAft>
-                          <a:spcPts val="0"/>
-                        </a:spcAft>
-                      </a:pPr>
-                      <a:r>
-                        <a:rPr lang="ru-RU" sz="1100" dirty="0">
-                          <a:effectLst/>
-                        </a:rPr>
-                        <a:t>Датчик</a:t>
-                      </a:r>
-                      <a:endParaRPr lang="en-US" sz="1100" dirty="0">
-                        <a:effectLst/>
-                        <a:latin typeface="Times New Roman"/>
-                        <a:ea typeface="Times New Roman"/>
-                      </a:endParaRPr>
-                    </a:p>
-                  </a:txBody>
-                  <a:tcPr marL="30308" marR="30308" marT="0" marB="0"/>
-                </a:tc>
-                <a:tc>
-                  <a:txBody>
-                    <a:bodyPr/>
-                    <a:lstStyle/>
-                    <a:p>
-                      <a:pPr marL="0" marR="0" indent="0" algn="just">
-                        <a:lnSpc>
-                          <a:spcPct val="150000"/>
-                        </a:lnSpc>
-                        <a:spcBef>
-                          <a:spcPts val="0"/>
-                        </a:spcBef>
-                        <a:spcAft>
-                          <a:spcPts val="0"/>
-                        </a:spcAft>
-                      </a:pPr>
-                      <a:r>
-                        <a:rPr lang="ru-RU" sz="1100" dirty="0">
-                          <a:effectLst/>
-                        </a:rPr>
-                        <a:t>Погодные условия</a:t>
-                      </a:r>
-                      <a:endParaRPr lang="en-US" sz="1100" dirty="0">
-                        <a:effectLst/>
-                        <a:latin typeface="Times New Roman"/>
-                        <a:ea typeface="Times New Roman"/>
-                      </a:endParaRPr>
-                    </a:p>
-                  </a:txBody>
-                  <a:tcPr marL="30308" marR="30308" marT="0" marB="0"/>
-                </a:tc>
-                <a:tc>
-                  <a:txBody>
-                    <a:bodyPr/>
-                    <a:lstStyle/>
-                    <a:p>
-                      <a:pPr marL="0" marR="0" indent="0" algn="just">
-                        <a:lnSpc>
-                          <a:spcPct val="150000"/>
-                        </a:lnSpc>
-                        <a:spcBef>
-                          <a:spcPts val="0"/>
-                        </a:spcBef>
-                        <a:spcAft>
-                          <a:spcPts val="0"/>
-                        </a:spcAft>
-                      </a:pPr>
-                      <a:r>
-                        <a:rPr lang="ru-RU" sz="1100">
-                          <a:effectLst/>
-                        </a:rPr>
-                        <a:t>Применимость</a:t>
-                      </a:r>
-                      <a:endParaRPr lang="en-US" sz="1100">
-                        <a:effectLst/>
-                        <a:latin typeface="Times New Roman"/>
-                        <a:ea typeface="Times New Roman"/>
-                      </a:endParaRPr>
-                    </a:p>
-                  </a:txBody>
-                  <a:tcPr marL="30308" marR="30308" marT="0" marB="0"/>
-                </a:tc>
-              </a:tr>
-              <a:tr h="235129">
-                <a:tc rowSpan="4">
-                  <a:txBody>
-                    <a:bodyPr/>
-                    <a:lstStyle/>
-                    <a:p>
-                      <a:pPr marL="0" marR="0" indent="0" algn="just">
-                        <a:lnSpc>
-                          <a:spcPct val="150000"/>
-                        </a:lnSpc>
-                        <a:spcBef>
-                          <a:spcPts val="0"/>
-                        </a:spcBef>
-                        <a:spcAft>
-                          <a:spcPts val="0"/>
-                        </a:spcAft>
-                      </a:pPr>
-                      <a:r>
-                        <a:rPr lang="ru-RU" sz="1100" dirty="0">
-                          <a:effectLst/>
-                        </a:rPr>
-                        <a:t>Лазерный дальномер</a:t>
-                      </a:r>
-                      <a:endParaRPr lang="en-US" sz="1100" dirty="0">
-                        <a:effectLst/>
-                        <a:latin typeface="Times New Roman"/>
-                        <a:ea typeface="Times New Roman"/>
-                      </a:endParaRPr>
-                    </a:p>
-                  </a:txBody>
-                  <a:tcPr marL="30308" marR="30308" marT="0" marB="0"/>
-                </a:tc>
-                <a:tc>
-                  <a:txBody>
-                    <a:bodyPr/>
-                    <a:lstStyle/>
-                    <a:p>
-                      <a:pPr marL="0" marR="0" indent="0" algn="just">
-                        <a:lnSpc>
-                          <a:spcPct val="150000"/>
-                        </a:lnSpc>
-                        <a:spcBef>
-                          <a:spcPts val="0"/>
-                        </a:spcBef>
-                        <a:spcAft>
-                          <a:spcPts val="0"/>
-                        </a:spcAft>
-                      </a:pPr>
-                      <a:r>
-                        <a:rPr lang="ru-RU" sz="1100">
-                          <a:effectLst/>
-                        </a:rPr>
-                        <a:t>Полярная ночь</a:t>
-                      </a:r>
-                      <a:endParaRPr lang="en-US" sz="1100">
-                        <a:effectLst/>
-                        <a:latin typeface="Times New Roman"/>
-                        <a:ea typeface="Times New Roman"/>
-                      </a:endParaRPr>
-                    </a:p>
-                  </a:txBody>
-                  <a:tcPr marL="30308" marR="30308" marT="0" marB="0"/>
-                </a:tc>
-                <a:tc>
-                  <a:txBody>
-                    <a:bodyPr/>
-                    <a:lstStyle/>
-                    <a:p>
-                      <a:pPr marL="0" marR="0" indent="0" algn="ctr">
-                        <a:lnSpc>
-                          <a:spcPct val="150000"/>
-                        </a:lnSpc>
-                        <a:spcBef>
-                          <a:spcPts val="0"/>
-                        </a:spcBef>
-                        <a:spcAft>
-                          <a:spcPts val="0"/>
-                        </a:spcAft>
-                      </a:pPr>
-                      <a:r>
-                        <a:rPr lang="ru-RU" sz="1100">
-                          <a:effectLst/>
-                        </a:rPr>
-                        <a:t>+</a:t>
-                      </a:r>
-                      <a:endParaRPr lang="en-US" sz="1100">
-                        <a:effectLst/>
-                        <a:latin typeface="Times New Roman"/>
-                        <a:ea typeface="Times New Roman"/>
-                      </a:endParaRPr>
-                    </a:p>
-                  </a:txBody>
-                  <a:tcPr marL="30308" marR="30308" marT="0" marB="0"/>
-                </a:tc>
-              </a:tr>
-              <a:tr h="235129">
-                <a:tc vMerge="1">
-                  <a:txBody>
-                    <a:bodyPr/>
-                    <a:lstStyle/>
-                    <a:p>
-                      <a:endParaRPr lang="en-US"/>
-                    </a:p>
-                  </a:txBody>
-                  <a:tcPr/>
-                </a:tc>
-                <a:tc>
-                  <a:txBody>
-                    <a:bodyPr/>
-                    <a:lstStyle/>
-                    <a:p>
-                      <a:pPr marL="0" marR="0" indent="0" algn="just">
-                        <a:lnSpc>
-                          <a:spcPct val="150000"/>
-                        </a:lnSpc>
-                        <a:spcBef>
-                          <a:spcPts val="0"/>
-                        </a:spcBef>
-                        <a:spcAft>
-                          <a:spcPts val="0"/>
-                        </a:spcAft>
-                      </a:pPr>
-                      <a:r>
-                        <a:rPr lang="ru-RU" sz="1100">
-                          <a:effectLst/>
-                        </a:rPr>
-                        <a:t>Метель</a:t>
-                      </a:r>
-                      <a:endParaRPr lang="en-US" sz="1100">
-                        <a:effectLst/>
-                        <a:latin typeface="Times New Roman"/>
-                        <a:ea typeface="Times New Roman"/>
-                      </a:endParaRPr>
-                    </a:p>
-                  </a:txBody>
-                  <a:tcPr marL="30308" marR="30308" marT="0" marB="0"/>
-                </a:tc>
-                <a:tc>
-                  <a:txBody>
-                    <a:bodyPr/>
-                    <a:lstStyle/>
-                    <a:p>
-                      <a:pPr marL="0" marR="0" indent="0" algn="ctr">
-                        <a:lnSpc>
-                          <a:spcPct val="150000"/>
-                        </a:lnSpc>
-                        <a:spcBef>
-                          <a:spcPts val="0"/>
-                        </a:spcBef>
-                        <a:spcAft>
-                          <a:spcPts val="0"/>
-                        </a:spcAft>
-                      </a:pPr>
-                      <a:r>
-                        <a:rPr lang="ru-RU" sz="1100">
-                          <a:effectLst/>
-                        </a:rPr>
-                        <a:t>-</a:t>
-                      </a:r>
-                      <a:endParaRPr lang="en-US" sz="1100">
-                        <a:effectLst/>
-                        <a:latin typeface="Times New Roman"/>
-                        <a:ea typeface="Times New Roman"/>
-                      </a:endParaRPr>
-                    </a:p>
-                  </a:txBody>
-                  <a:tcPr marL="30308" marR="30308" marT="0" marB="0"/>
-                </a:tc>
-              </a:tr>
-              <a:tr h="235129">
-                <a:tc vMerge="1">
-                  <a:txBody>
-                    <a:bodyPr/>
-                    <a:lstStyle/>
-                    <a:p>
-                      <a:endParaRPr lang="en-US"/>
-                    </a:p>
-                  </a:txBody>
-                  <a:tcPr/>
-                </a:tc>
-                <a:tc>
-                  <a:txBody>
-                    <a:bodyPr/>
-                    <a:lstStyle/>
-                    <a:p>
-                      <a:pPr marL="0" marR="0" indent="0" algn="just">
-                        <a:lnSpc>
-                          <a:spcPct val="150000"/>
-                        </a:lnSpc>
-                        <a:spcBef>
-                          <a:spcPts val="0"/>
-                        </a:spcBef>
-                        <a:spcAft>
-                          <a:spcPts val="0"/>
-                        </a:spcAft>
-                      </a:pPr>
-                      <a:r>
-                        <a:rPr lang="ru-RU" sz="1100">
-                          <a:effectLst/>
-                        </a:rPr>
-                        <a:t>Сильный ветер</a:t>
-                      </a:r>
-                      <a:endParaRPr lang="en-US" sz="1100">
-                        <a:effectLst/>
-                        <a:latin typeface="Times New Roman"/>
-                        <a:ea typeface="Times New Roman"/>
-                      </a:endParaRPr>
-                    </a:p>
-                  </a:txBody>
-                  <a:tcPr marL="30308" marR="30308" marT="0" marB="0"/>
-                </a:tc>
-                <a:tc>
-                  <a:txBody>
-                    <a:bodyPr/>
-                    <a:lstStyle/>
-                    <a:p>
-                      <a:pPr marL="0" marR="0" indent="0" algn="ctr">
-                        <a:lnSpc>
-                          <a:spcPct val="150000"/>
-                        </a:lnSpc>
-                        <a:spcBef>
-                          <a:spcPts val="0"/>
-                        </a:spcBef>
-                        <a:spcAft>
-                          <a:spcPts val="0"/>
-                        </a:spcAft>
-                      </a:pPr>
-                      <a:r>
-                        <a:rPr lang="ru-RU" sz="1100">
-                          <a:effectLst/>
-                        </a:rPr>
-                        <a:t>+</a:t>
-                      </a:r>
-                      <a:endParaRPr lang="en-US" sz="1100">
-                        <a:effectLst/>
-                        <a:latin typeface="Times New Roman"/>
-                        <a:ea typeface="Times New Roman"/>
-                      </a:endParaRPr>
-                    </a:p>
-                  </a:txBody>
-                  <a:tcPr marL="30308" marR="30308" marT="0" marB="0"/>
-                </a:tc>
-              </a:tr>
-              <a:tr h="235129">
-                <a:tc vMerge="1">
-                  <a:txBody>
-                    <a:bodyPr/>
-                    <a:lstStyle/>
-                    <a:p>
-                      <a:endParaRPr lang="en-US"/>
-                    </a:p>
-                  </a:txBody>
-                  <a:tcPr/>
-                </a:tc>
-                <a:tc>
-                  <a:txBody>
-                    <a:bodyPr/>
-                    <a:lstStyle/>
-                    <a:p>
-                      <a:pPr marL="0" marR="0" indent="0" algn="just">
-                        <a:lnSpc>
-                          <a:spcPct val="150000"/>
-                        </a:lnSpc>
-                        <a:spcBef>
-                          <a:spcPts val="0"/>
-                        </a:spcBef>
-                        <a:spcAft>
-                          <a:spcPts val="0"/>
-                        </a:spcAft>
-                      </a:pPr>
-                      <a:r>
-                        <a:rPr lang="ru-RU" sz="1100" dirty="0">
-                          <a:effectLst/>
-                        </a:rPr>
-                        <a:t>Качка</a:t>
-                      </a:r>
-                      <a:endParaRPr lang="en-US" sz="1100" dirty="0">
-                        <a:effectLst/>
-                        <a:latin typeface="Times New Roman"/>
-                        <a:ea typeface="Times New Roman"/>
-                      </a:endParaRPr>
-                    </a:p>
-                  </a:txBody>
-                  <a:tcPr marL="30308" marR="30308" marT="0" marB="0"/>
-                </a:tc>
-                <a:tc>
-                  <a:txBody>
-                    <a:bodyPr/>
-                    <a:lstStyle/>
-                    <a:p>
-                      <a:pPr marL="0" marR="0" indent="0" algn="ctr">
-                        <a:lnSpc>
-                          <a:spcPct val="150000"/>
-                        </a:lnSpc>
-                        <a:spcBef>
-                          <a:spcPts val="0"/>
-                        </a:spcBef>
-                        <a:spcAft>
-                          <a:spcPts val="0"/>
-                        </a:spcAft>
-                      </a:pPr>
-                      <a:r>
-                        <a:rPr lang="ru-RU" sz="1100">
-                          <a:effectLst/>
-                        </a:rPr>
-                        <a:t>+</a:t>
-                      </a:r>
-                      <a:endParaRPr lang="en-US" sz="1100">
-                        <a:effectLst/>
-                        <a:latin typeface="Times New Roman"/>
-                        <a:ea typeface="Times New Roman"/>
-                      </a:endParaRPr>
-                    </a:p>
-                  </a:txBody>
-                  <a:tcPr marL="30308" marR="30308" marT="0" marB="0"/>
-                </a:tc>
-              </a:tr>
-              <a:tr h="235129">
-                <a:tc rowSpan="4">
-                  <a:txBody>
-                    <a:bodyPr/>
-                    <a:lstStyle/>
-                    <a:p>
-                      <a:pPr marL="0" marR="0" indent="0" algn="just">
-                        <a:lnSpc>
-                          <a:spcPct val="150000"/>
-                        </a:lnSpc>
-                        <a:spcBef>
-                          <a:spcPts val="0"/>
-                        </a:spcBef>
-                        <a:spcAft>
-                          <a:spcPts val="0"/>
-                        </a:spcAft>
-                      </a:pPr>
-                      <a:r>
-                        <a:rPr lang="ru-RU" sz="1100" dirty="0">
-                          <a:effectLst/>
-                        </a:rPr>
-                        <a:t>Глобальная система навигации</a:t>
-                      </a:r>
-                      <a:endParaRPr lang="en-US" sz="1100" dirty="0">
-                        <a:effectLst/>
-                        <a:latin typeface="Times New Roman"/>
-                        <a:ea typeface="Times New Roman"/>
-                      </a:endParaRPr>
-                    </a:p>
-                  </a:txBody>
-                  <a:tcPr marL="30308" marR="30308" marT="0" marB="0"/>
-                </a:tc>
-                <a:tc>
-                  <a:txBody>
-                    <a:bodyPr/>
-                    <a:lstStyle/>
-                    <a:p>
-                      <a:pPr marL="0" marR="0" indent="0" algn="just">
-                        <a:lnSpc>
-                          <a:spcPct val="150000"/>
-                        </a:lnSpc>
-                        <a:spcBef>
-                          <a:spcPts val="0"/>
-                        </a:spcBef>
-                        <a:spcAft>
-                          <a:spcPts val="0"/>
-                        </a:spcAft>
-                      </a:pPr>
-                      <a:r>
-                        <a:rPr lang="ru-RU" sz="1100" dirty="0">
-                          <a:effectLst/>
-                        </a:rPr>
-                        <a:t>Полярная ночь</a:t>
-                      </a:r>
-                      <a:endParaRPr lang="en-US" sz="1100" dirty="0">
-                        <a:effectLst/>
-                        <a:latin typeface="Times New Roman"/>
-                        <a:ea typeface="Times New Roman"/>
-                      </a:endParaRPr>
-                    </a:p>
-                  </a:txBody>
-                  <a:tcPr marL="30308" marR="30308" marT="0" marB="0"/>
-                </a:tc>
-                <a:tc>
-                  <a:txBody>
-                    <a:bodyPr/>
-                    <a:lstStyle/>
-                    <a:p>
-                      <a:pPr marL="0" marR="0" indent="0" algn="ctr">
-                        <a:lnSpc>
-                          <a:spcPct val="150000"/>
-                        </a:lnSpc>
-                        <a:spcBef>
-                          <a:spcPts val="0"/>
-                        </a:spcBef>
-                        <a:spcAft>
-                          <a:spcPts val="0"/>
-                        </a:spcAft>
-                      </a:pPr>
-                      <a:r>
-                        <a:rPr lang="ru-RU" sz="1100">
-                          <a:effectLst/>
-                        </a:rPr>
-                        <a:t>+</a:t>
-                      </a:r>
-                      <a:endParaRPr lang="en-US" sz="1100">
-                        <a:effectLst/>
-                        <a:latin typeface="Times New Roman"/>
-                        <a:ea typeface="Times New Roman"/>
-                      </a:endParaRPr>
-                    </a:p>
-                  </a:txBody>
-                  <a:tcPr marL="30308" marR="30308" marT="0" marB="0"/>
-                </a:tc>
-              </a:tr>
-              <a:tr h="235129">
-                <a:tc vMerge="1">
-                  <a:txBody>
-                    <a:bodyPr/>
-                    <a:lstStyle/>
-                    <a:p>
-                      <a:endParaRPr lang="en-US"/>
-                    </a:p>
-                  </a:txBody>
-                  <a:tcPr/>
-                </a:tc>
-                <a:tc>
-                  <a:txBody>
-                    <a:bodyPr/>
-                    <a:lstStyle/>
-                    <a:p>
-                      <a:pPr marL="0" marR="0" indent="0" algn="just">
-                        <a:lnSpc>
-                          <a:spcPct val="150000"/>
-                        </a:lnSpc>
-                        <a:spcBef>
-                          <a:spcPts val="0"/>
-                        </a:spcBef>
-                        <a:spcAft>
-                          <a:spcPts val="0"/>
-                        </a:spcAft>
-                      </a:pPr>
-                      <a:r>
-                        <a:rPr lang="ru-RU" sz="1100" dirty="0">
-                          <a:effectLst/>
-                        </a:rPr>
-                        <a:t>Метель</a:t>
-                      </a:r>
-                      <a:endParaRPr lang="en-US" sz="1100" dirty="0">
-                        <a:effectLst/>
-                        <a:latin typeface="Times New Roman"/>
-                        <a:ea typeface="Times New Roman"/>
-                      </a:endParaRPr>
-                    </a:p>
-                  </a:txBody>
-                  <a:tcPr marL="30308" marR="30308" marT="0" marB="0"/>
-                </a:tc>
-                <a:tc>
-                  <a:txBody>
-                    <a:bodyPr/>
-                    <a:lstStyle/>
-                    <a:p>
-                      <a:pPr marL="0" marR="0" indent="0" algn="ctr">
-                        <a:lnSpc>
-                          <a:spcPct val="150000"/>
-                        </a:lnSpc>
-                        <a:spcBef>
-                          <a:spcPts val="0"/>
-                        </a:spcBef>
-                        <a:spcAft>
-                          <a:spcPts val="0"/>
-                        </a:spcAft>
-                      </a:pPr>
-                      <a:r>
-                        <a:rPr lang="ru-RU" sz="1100">
-                          <a:effectLst/>
-                        </a:rPr>
-                        <a:t>+</a:t>
-                      </a:r>
-                      <a:endParaRPr lang="en-US" sz="1100">
-                        <a:effectLst/>
-                        <a:latin typeface="Times New Roman"/>
-                        <a:ea typeface="Times New Roman"/>
-                      </a:endParaRPr>
-                    </a:p>
-                  </a:txBody>
-                  <a:tcPr marL="30308" marR="30308" marT="0" marB="0"/>
-                </a:tc>
-              </a:tr>
-              <a:tr h="235129">
-                <a:tc vMerge="1">
-                  <a:txBody>
-                    <a:bodyPr/>
-                    <a:lstStyle/>
-                    <a:p>
-                      <a:endParaRPr lang="en-US"/>
-                    </a:p>
-                  </a:txBody>
-                  <a:tcPr/>
-                </a:tc>
-                <a:tc>
-                  <a:txBody>
-                    <a:bodyPr/>
-                    <a:lstStyle/>
-                    <a:p>
-                      <a:pPr marL="0" marR="0" indent="0" algn="just">
-                        <a:lnSpc>
-                          <a:spcPct val="150000"/>
-                        </a:lnSpc>
-                        <a:spcBef>
-                          <a:spcPts val="0"/>
-                        </a:spcBef>
-                        <a:spcAft>
-                          <a:spcPts val="0"/>
-                        </a:spcAft>
-                      </a:pPr>
-                      <a:r>
-                        <a:rPr lang="ru-RU" sz="1100" dirty="0">
-                          <a:effectLst/>
-                        </a:rPr>
-                        <a:t>Сильный ветер</a:t>
-                      </a:r>
-                      <a:endParaRPr lang="en-US" sz="1100" dirty="0">
-                        <a:effectLst/>
-                        <a:latin typeface="Times New Roman"/>
-                        <a:ea typeface="Times New Roman"/>
-                      </a:endParaRPr>
-                    </a:p>
-                  </a:txBody>
-                  <a:tcPr marL="30308" marR="30308" marT="0" marB="0"/>
-                </a:tc>
-                <a:tc>
-                  <a:txBody>
-                    <a:bodyPr/>
-                    <a:lstStyle/>
-                    <a:p>
-                      <a:pPr marL="0" marR="0" indent="0" algn="ctr">
-                        <a:lnSpc>
-                          <a:spcPct val="150000"/>
-                        </a:lnSpc>
-                        <a:spcBef>
-                          <a:spcPts val="0"/>
-                        </a:spcBef>
-                        <a:spcAft>
-                          <a:spcPts val="0"/>
-                        </a:spcAft>
-                      </a:pPr>
-                      <a:r>
-                        <a:rPr lang="ru-RU" sz="1100">
-                          <a:effectLst/>
-                        </a:rPr>
-                        <a:t>+</a:t>
-                      </a:r>
-                      <a:endParaRPr lang="en-US" sz="1100">
-                        <a:effectLst/>
-                        <a:latin typeface="Times New Roman"/>
-                        <a:ea typeface="Times New Roman"/>
-                      </a:endParaRPr>
-                    </a:p>
-                  </a:txBody>
-                  <a:tcPr marL="30308" marR="30308" marT="0" marB="0"/>
-                </a:tc>
-              </a:tr>
-              <a:tr h="235129">
-                <a:tc vMerge="1">
-                  <a:txBody>
-                    <a:bodyPr/>
-                    <a:lstStyle/>
-                    <a:p>
-                      <a:endParaRPr lang="en-US"/>
-                    </a:p>
-                  </a:txBody>
-                  <a:tcPr/>
-                </a:tc>
-                <a:tc>
-                  <a:txBody>
-                    <a:bodyPr/>
-                    <a:lstStyle/>
-                    <a:p>
-                      <a:pPr marL="0" marR="0" indent="0" algn="just">
-                        <a:lnSpc>
-                          <a:spcPct val="150000"/>
-                        </a:lnSpc>
-                        <a:spcBef>
-                          <a:spcPts val="0"/>
-                        </a:spcBef>
-                        <a:spcAft>
-                          <a:spcPts val="0"/>
-                        </a:spcAft>
-                      </a:pPr>
-                      <a:r>
-                        <a:rPr lang="ru-RU" sz="1100" dirty="0">
-                          <a:effectLst/>
-                        </a:rPr>
-                        <a:t>Качка</a:t>
-                      </a:r>
-                      <a:endParaRPr lang="en-US" sz="1100" dirty="0">
-                        <a:effectLst/>
-                        <a:latin typeface="Times New Roman"/>
-                        <a:ea typeface="Times New Roman"/>
-                      </a:endParaRPr>
-                    </a:p>
-                  </a:txBody>
-                  <a:tcPr marL="30308" marR="30308" marT="0" marB="0"/>
-                </a:tc>
-                <a:tc>
-                  <a:txBody>
-                    <a:bodyPr/>
-                    <a:lstStyle/>
-                    <a:p>
-                      <a:pPr marL="0" marR="0" indent="0" algn="ctr">
-                        <a:lnSpc>
-                          <a:spcPct val="150000"/>
-                        </a:lnSpc>
-                        <a:spcBef>
-                          <a:spcPts val="0"/>
-                        </a:spcBef>
-                        <a:spcAft>
-                          <a:spcPts val="0"/>
-                        </a:spcAft>
-                      </a:pPr>
-                      <a:r>
-                        <a:rPr lang="ru-RU" sz="1100" dirty="0">
-                          <a:effectLst/>
-                        </a:rPr>
-                        <a:t>+</a:t>
-                      </a:r>
-                      <a:endParaRPr lang="en-US" sz="1100" dirty="0">
-                        <a:effectLst/>
-                        <a:latin typeface="Times New Roman"/>
-                        <a:ea typeface="Times New Roman"/>
-                      </a:endParaRPr>
-                    </a:p>
-                  </a:txBody>
-                  <a:tcPr marL="30308" marR="30308" marT="0" marB="0"/>
-                </a:tc>
-              </a:tr>
-              <a:tr h="235129">
-                <a:tc rowSpan="4">
-                  <a:txBody>
-                    <a:bodyPr/>
-                    <a:lstStyle/>
-                    <a:p>
-                      <a:pPr marL="0" marR="0" indent="0" algn="just">
-                        <a:lnSpc>
-                          <a:spcPct val="150000"/>
-                        </a:lnSpc>
-                        <a:spcBef>
-                          <a:spcPts val="0"/>
-                        </a:spcBef>
-                        <a:spcAft>
-                          <a:spcPts val="0"/>
-                        </a:spcAft>
-                      </a:pPr>
-                      <a:r>
-                        <a:rPr lang="ru-RU" sz="1100" dirty="0">
-                          <a:effectLst/>
-                        </a:rPr>
-                        <a:t>Инерциальная навигационная система</a:t>
-                      </a:r>
-                      <a:endParaRPr lang="en-US" sz="1100" dirty="0">
-                        <a:effectLst/>
-                        <a:latin typeface="Times New Roman"/>
-                        <a:ea typeface="Times New Roman"/>
-                      </a:endParaRPr>
-                    </a:p>
-                  </a:txBody>
-                  <a:tcPr marL="30308" marR="30308" marT="0" marB="0"/>
-                </a:tc>
-                <a:tc>
-                  <a:txBody>
-                    <a:bodyPr/>
-                    <a:lstStyle/>
-                    <a:p>
-                      <a:pPr marL="0" marR="0" indent="0" algn="just">
-                        <a:lnSpc>
-                          <a:spcPct val="150000"/>
-                        </a:lnSpc>
-                        <a:spcBef>
-                          <a:spcPts val="0"/>
-                        </a:spcBef>
-                        <a:spcAft>
-                          <a:spcPts val="0"/>
-                        </a:spcAft>
-                      </a:pPr>
-                      <a:r>
-                        <a:rPr lang="ru-RU" sz="1100">
-                          <a:effectLst/>
-                        </a:rPr>
-                        <a:t>Полярная ночь</a:t>
-                      </a:r>
-                      <a:endParaRPr lang="en-US" sz="1100">
-                        <a:effectLst/>
-                        <a:latin typeface="Times New Roman"/>
-                        <a:ea typeface="Times New Roman"/>
-                      </a:endParaRPr>
-                    </a:p>
-                  </a:txBody>
-                  <a:tcPr marL="30308" marR="30308" marT="0" marB="0"/>
-                </a:tc>
-                <a:tc>
-                  <a:txBody>
-                    <a:bodyPr/>
-                    <a:lstStyle/>
-                    <a:p>
-                      <a:pPr marL="0" marR="0" indent="0" algn="ctr">
-                        <a:lnSpc>
-                          <a:spcPct val="150000"/>
-                        </a:lnSpc>
-                        <a:spcBef>
-                          <a:spcPts val="0"/>
-                        </a:spcBef>
-                        <a:spcAft>
-                          <a:spcPts val="0"/>
-                        </a:spcAft>
-                      </a:pPr>
-                      <a:r>
-                        <a:rPr lang="ru-RU" sz="1100" dirty="0">
-                          <a:effectLst/>
-                        </a:rPr>
-                        <a:t>+</a:t>
-                      </a:r>
-                      <a:endParaRPr lang="en-US" sz="1100" dirty="0">
-                        <a:effectLst/>
-                        <a:latin typeface="Times New Roman"/>
-                        <a:ea typeface="Times New Roman"/>
-                      </a:endParaRPr>
-                    </a:p>
-                  </a:txBody>
-                  <a:tcPr marL="30308" marR="30308" marT="0" marB="0"/>
-                </a:tc>
-              </a:tr>
-              <a:tr h="235129">
-                <a:tc vMerge="1">
-                  <a:txBody>
-                    <a:bodyPr/>
-                    <a:lstStyle/>
-                    <a:p>
-                      <a:endParaRPr lang="en-US"/>
-                    </a:p>
-                  </a:txBody>
-                  <a:tcPr/>
-                </a:tc>
-                <a:tc>
-                  <a:txBody>
-                    <a:bodyPr/>
-                    <a:lstStyle/>
-                    <a:p>
-                      <a:pPr marL="0" marR="0" indent="0" algn="just">
-                        <a:lnSpc>
-                          <a:spcPct val="150000"/>
-                        </a:lnSpc>
-                        <a:spcBef>
-                          <a:spcPts val="0"/>
-                        </a:spcBef>
-                        <a:spcAft>
-                          <a:spcPts val="0"/>
-                        </a:spcAft>
-                      </a:pPr>
-                      <a:r>
-                        <a:rPr lang="ru-RU" sz="1100">
-                          <a:effectLst/>
-                        </a:rPr>
-                        <a:t>Метель</a:t>
-                      </a:r>
-                      <a:endParaRPr lang="en-US" sz="1100">
-                        <a:effectLst/>
-                        <a:latin typeface="Times New Roman"/>
-                        <a:ea typeface="Times New Roman"/>
-                      </a:endParaRPr>
-                    </a:p>
-                  </a:txBody>
-                  <a:tcPr marL="30308" marR="30308" marT="0" marB="0"/>
-                </a:tc>
-                <a:tc>
-                  <a:txBody>
-                    <a:bodyPr/>
-                    <a:lstStyle/>
-                    <a:p>
-                      <a:pPr marL="0" marR="0" indent="0" algn="ctr">
-                        <a:lnSpc>
-                          <a:spcPct val="150000"/>
-                        </a:lnSpc>
-                        <a:spcBef>
-                          <a:spcPts val="0"/>
-                        </a:spcBef>
-                        <a:spcAft>
-                          <a:spcPts val="0"/>
-                        </a:spcAft>
-                      </a:pPr>
-                      <a:r>
-                        <a:rPr lang="ru-RU" sz="1100" dirty="0">
-                          <a:effectLst/>
-                        </a:rPr>
-                        <a:t>+</a:t>
-                      </a:r>
-                      <a:endParaRPr lang="en-US" sz="1100" dirty="0">
-                        <a:effectLst/>
-                        <a:latin typeface="Times New Roman"/>
-                        <a:ea typeface="Times New Roman"/>
-                      </a:endParaRPr>
-                    </a:p>
-                  </a:txBody>
-                  <a:tcPr marL="30308" marR="30308" marT="0" marB="0"/>
-                </a:tc>
-              </a:tr>
-              <a:tr h="235129">
-                <a:tc vMerge="1">
-                  <a:txBody>
-                    <a:bodyPr/>
-                    <a:lstStyle/>
-                    <a:p>
-                      <a:endParaRPr lang="en-US"/>
-                    </a:p>
-                  </a:txBody>
-                  <a:tcPr/>
-                </a:tc>
-                <a:tc>
-                  <a:txBody>
-                    <a:bodyPr/>
-                    <a:lstStyle/>
-                    <a:p>
-                      <a:pPr marL="0" marR="0" indent="0" algn="just">
-                        <a:lnSpc>
-                          <a:spcPct val="150000"/>
-                        </a:lnSpc>
-                        <a:spcBef>
-                          <a:spcPts val="0"/>
-                        </a:spcBef>
-                        <a:spcAft>
-                          <a:spcPts val="0"/>
-                        </a:spcAft>
-                      </a:pPr>
-                      <a:r>
-                        <a:rPr lang="ru-RU" sz="1100">
-                          <a:effectLst/>
-                        </a:rPr>
-                        <a:t>Сильный ветер</a:t>
-                      </a:r>
-                      <a:endParaRPr lang="en-US" sz="1100">
-                        <a:effectLst/>
-                        <a:latin typeface="Times New Roman"/>
-                        <a:ea typeface="Times New Roman"/>
-                      </a:endParaRPr>
-                    </a:p>
-                  </a:txBody>
-                  <a:tcPr marL="30308" marR="30308" marT="0" marB="0"/>
-                </a:tc>
-                <a:tc>
-                  <a:txBody>
-                    <a:bodyPr/>
-                    <a:lstStyle/>
-                    <a:p>
-                      <a:pPr marL="0" marR="0" indent="0" algn="ctr">
-                        <a:lnSpc>
-                          <a:spcPct val="150000"/>
-                        </a:lnSpc>
-                        <a:spcBef>
-                          <a:spcPts val="0"/>
-                        </a:spcBef>
-                        <a:spcAft>
-                          <a:spcPts val="0"/>
-                        </a:spcAft>
-                      </a:pPr>
-                      <a:r>
-                        <a:rPr lang="ru-RU" sz="1100" dirty="0">
-                          <a:effectLst/>
-                        </a:rPr>
-                        <a:t>+</a:t>
-                      </a:r>
-                      <a:endParaRPr lang="en-US" sz="1100" dirty="0">
-                        <a:effectLst/>
-                        <a:latin typeface="Times New Roman"/>
-                        <a:ea typeface="Times New Roman"/>
-                      </a:endParaRPr>
-                    </a:p>
-                  </a:txBody>
-                  <a:tcPr marL="30308" marR="30308" marT="0" marB="0"/>
-                </a:tc>
-              </a:tr>
-              <a:tr h="235129">
-                <a:tc vMerge="1">
-                  <a:txBody>
-                    <a:bodyPr/>
-                    <a:lstStyle/>
-                    <a:p>
-                      <a:endParaRPr lang="en-US"/>
-                    </a:p>
-                  </a:txBody>
-                  <a:tcPr/>
-                </a:tc>
-                <a:tc>
-                  <a:txBody>
-                    <a:bodyPr/>
-                    <a:lstStyle/>
-                    <a:p>
-                      <a:pPr marL="0" marR="0" indent="0" algn="just">
-                        <a:lnSpc>
-                          <a:spcPct val="150000"/>
-                        </a:lnSpc>
-                        <a:spcBef>
-                          <a:spcPts val="0"/>
-                        </a:spcBef>
-                        <a:spcAft>
-                          <a:spcPts val="0"/>
-                        </a:spcAft>
-                      </a:pPr>
-                      <a:r>
-                        <a:rPr lang="ru-RU" sz="1100" dirty="0">
-                          <a:effectLst/>
-                        </a:rPr>
-                        <a:t>Качка</a:t>
-                      </a:r>
-                      <a:endParaRPr lang="en-US" sz="1100" dirty="0">
-                        <a:effectLst/>
-                        <a:latin typeface="Times New Roman"/>
-                        <a:ea typeface="Times New Roman"/>
-                      </a:endParaRPr>
-                    </a:p>
-                  </a:txBody>
-                  <a:tcPr marL="30308" marR="30308" marT="0" marB="0"/>
-                </a:tc>
-                <a:tc>
-                  <a:txBody>
-                    <a:bodyPr/>
-                    <a:lstStyle/>
-                    <a:p>
-                      <a:pPr marL="0" marR="0" indent="0" algn="ctr">
-                        <a:lnSpc>
-                          <a:spcPct val="150000"/>
-                        </a:lnSpc>
-                        <a:spcBef>
-                          <a:spcPts val="0"/>
-                        </a:spcBef>
-                        <a:spcAft>
-                          <a:spcPts val="0"/>
-                        </a:spcAft>
-                      </a:pPr>
-                      <a:r>
-                        <a:rPr lang="ru-RU" sz="1100" dirty="0">
-                          <a:effectLst/>
-                        </a:rPr>
-                        <a:t>-</a:t>
-                      </a:r>
-                      <a:endParaRPr lang="en-US" sz="1100" dirty="0">
-                        <a:effectLst/>
-                        <a:latin typeface="Times New Roman"/>
-                        <a:ea typeface="Times New Roman"/>
-                      </a:endParaRPr>
-                    </a:p>
-                  </a:txBody>
-                  <a:tcPr marL="30308" marR="30308" marT="0" marB="0"/>
-                </a:tc>
-              </a:tr>
-            </a:tbl>
-          </a:graphicData>
-        </a:graphic>
-      </p:graphicFrame>
-      <p:sp>
-        <p:nvSpPr>
-          <p:cNvPr id="8" name="TextBox 7"/>
-          <p:cNvSpPr txBox="1"/>
-          <p:nvPr/>
-        </p:nvSpPr>
-        <p:spPr>
-          <a:xfrm>
-            <a:off x="4283968" y="3363838"/>
-            <a:ext cx="2880320" cy="1015663"/>
-          </a:xfrm>
-          <a:prstGeom prst="rect">
-            <a:avLst/>
-          </a:prstGeom>
-          <a:noFill/>
-        </p:spPr>
-        <p:txBody>
-          <a:bodyPr wrap="square" rtlCol="0">
-            <a:spAutoFit/>
-          </a:bodyPr>
-          <a:lstStyle/>
-          <a:p>
-            <a:pPr marL="800100" lvl="1" indent="-342900">
-              <a:buFont typeface="Arial" panose="020B0604020202020204" pitchFamily="34" charset="0"/>
-              <a:buChar char="•"/>
-            </a:pPr>
-            <a:r>
-              <a:rPr lang="ru-RU" sz="1200" dirty="0"/>
-              <a:t>сильный ветер </a:t>
-            </a:r>
-          </a:p>
-          <a:p>
-            <a:pPr marL="800100" lvl="1" indent="-342900">
-              <a:buFont typeface="Arial" panose="020B0604020202020204" pitchFamily="34" charset="0"/>
-              <a:buChar char="•"/>
-            </a:pPr>
-            <a:r>
-              <a:rPr lang="ru-RU" sz="1200" dirty="0"/>
-              <a:t>низкие </a:t>
-            </a:r>
-            <a:r>
-              <a:rPr lang="ru-RU" sz="1200" dirty="0" smtClean="0"/>
-              <a:t>температуры</a:t>
-            </a:r>
-          </a:p>
-          <a:p>
-            <a:pPr marL="800100" lvl="1" indent="-342900">
-              <a:buFont typeface="Arial" panose="020B0604020202020204" pitchFamily="34" charset="0"/>
-              <a:buChar char="•"/>
-            </a:pPr>
-            <a:r>
-              <a:rPr lang="ru-RU" sz="1200" dirty="0"/>
-              <a:t>метели </a:t>
-            </a:r>
-          </a:p>
-          <a:p>
-            <a:pPr marL="800100" lvl="1" indent="-342900">
-              <a:buFont typeface="Arial" panose="020B0604020202020204" pitchFamily="34" charset="0"/>
-              <a:buChar char="•"/>
-            </a:pPr>
-            <a:r>
-              <a:rPr lang="ru-RU" sz="1200" dirty="0"/>
-              <a:t>ледяные и снежные торосы</a:t>
-            </a:r>
-          </a:p>
-          <a:p>
-            <a:pPr marL="800100" lvl="1" indent="-342900">
-              <a:buFont typeface="Arial" panose="020B0604020202020204" pitchFamily="34" charset="0"/>
-              <a:buChar char="•"/>
-            </a:pPr>
-            <a:r>
-              <a:rPr lang="ru-RU" sz="1200" dirty="0"/>
-              <a:t>полярная </a:t>
-            </a:r>
-            <a:r>
-              <a:rPr lang="ru-RU" sz="1200" dirty="0" smtClean="0"/>
-              <a:t>ночь</a:t>
-            </a:r>
-            <a:endParaRPr lang="en-US" dirty="0"/>
-          </a:p>
-        </p:txBody>
-      </p:sp>
-    </p:spTree>
-    <p:extLst>
-      <p:ext uri="{BB962C8B-B14F-4D97-AF65-F5344CB8AC3E}">
-        <p14:creationId xmlns:p14="http://schemas.microsoft.com/office/powerpoint/2010/main" val="3567720544"/>
-      </p:ext>
-    </p:extLst>
-  </p:cSld>
-  <p:clrMapOvr>
-    <a:masterClrMapping/>
-  </p:clrMapOvr>
-  <p:timing>
-    <p:tnLst>
-      <p:par>
-        <p:cTn id="1" dur="indefinite" restart="never" nodeType="tmRoot"/>
-      </p:par>
-    </p:tnLst>
-  </p:timing>
-</p:sld>
-</file>
-
-<file path=ppt/slides/slide3.xml><?xml version="1.0" encoding="utf-8"?>
-<p:sld xmlns:a="http://schemas.openxmlformats.org/drawingml/2006/main" xmlns:r="http://schemas.openxmlformats.org/officeDocument/2006/relationships" xmlns:p="http://schemas.openxmlformats.org/presentationml/2006/main">
-  <p:cSld>
-    <p:spTree>
-      <p:nvGrpSpPr>
-        <p:cNvPr id="1" name=""/>
-        <p:cNvGrpSpPr/>
-        <p:nvPr/>
-      </p:nvGrpSpPr>
-      <p:grpSpPr>
-        <a:xfrm>
-          <a:off x="0" y="0"/>
-          <a:ext cx="0" cy="0"/>
-          <a:chOff x="0" y="0"/>
-          <a:chExt cx="0" cy="0"/>
-        </a:xfrm>
-      </p:grpSpPr>
-      <p:sp>
-        <p:nvSpPr>
-          <p:cNvPr id="2" name="Заголовок 1"/>
-          <p:cNvSpPr>
-            <a:spLocks noGrp="1"/>
-          </p:cNvSpPr>
-          <p:nvPr>
-            <p:ph type="title"/>
-          </p:nvPr>
-        </p:nvSpPr>
-        <p:spPr/>
-        <p:txBody>
-          <a:bodyPr/>
-          <a:lstStyle/>
-          <a:p>
-            <a:r>
-              <a:rPr lang="ru-RU" dirty="0"/>
-              <a:t>Требования к спасательной группировке роботов</a:t>
-            </a:r>
-          </a:p>
-        </p:txBody>
-      </p:sp>
-      <p:sp>
-        <p:nvSpPr>
-          <p:cNvPr id="3" name="Rectangle 3"/>
-          <p:cNvSpPr>
-            <a:spLocks noChangeArrowheads="1"/>
-          </p:cNvSpPr>
-          <p:nvPr/>
-        </p:nvSpPr>
-        <p:spPr bwMode="auto">
-          <a:xfrm>
-            <a:off x="467544" y="898126"/>
-            <a:ext cx="3960440" cy="3967210"/>
-          </a:xfrm>
-          <a:prstGeom prst="rect">
-            <a:avLst/>
-          </a:prstGeom>
-          <a:gradFill rotWithShape="0">
-            <a:gsLst>
-              <a:gs pos="0">
-                <a:srgbClr val="DDDDDD"/>
-              </a:gs>
-              <a:gs pos="100000">
-                <a:schemeClr val="bg1"/>
-              </a:gs>
-            </a:gsLst>
-            <a:lin ang="5400000" scaled="1"/>
-          </a:gradFill>
-          <a:ln w="12700">
-            <a:solidFill>
-              <a:schemeClr val="bg1"/>
-            </a:solidFill>
-            <a:miter lim="800000"/>
-            <a:headEnd/>
-            <a:tailEnd/>
-          </a:ln>
-          <a:effectLst/>
-          <a:extLst>
-            <a:ext uri="{AF507438-7753-43E0-B8FC-AC1667EBCBE1}">
-              <a14:hiddenEffects xmlns:a14="http://schemas.microsoft.com/office/drawing/2010/main">
-                <a:effectLst>
-                  <a:outerShdw dist="35921" dir="2700000" algn="ctr" rotWithShape="0">
-                    <a:schemeClr val="bg2"/>
-                  </a:outerShdw>
-                </a:effectLst>
-              </a14:hiddenEffects>
-            </a:ext>
-          </a:extLst>
-        </p:spPr>
-        <p:txBody>
-          <a:bodyPr wrap="none" anchor="ctr"/>
-          <a:lstStyle/>
-          <a:p>
-            <a:pPr algn="ctr" defTabSz="901700"/>
-            <a:endParaRPr lang="ru-RU" sz="1200" b="1">
-              <a:solidFill>
-                <a:schemeClr val="bg1"/>
-              </a:solidFill>
-            </a:endParaRPr>
-          </a:p>
-        </p:txBody>
-      </p:sp>
-      <p:sp>
-        <p:nvSpPr>
-          <p:cNvPr id="4" name="Rectangle 3"/>
-          <p:cNvSpPr>
-            <a:spLocks noChangeArrowheads="1"/>
-          </p:cNvSpPr>
-          <p:nvPr/>
-        </p:nvSpPr>
-        <p:spPr bwMode="auto">
-          <a:xfrm>
-            <a:off x="4715248" y="898126"/>
-            <a:ext cx="3960440" cy="3967210"/>
-          </a:xfrm>
-          <a:prstGeom prst="rect">
-            <a:avLst/>
-          </a:prstGeom>
-          <a:gradFill rotWithShape="0">
-            <a:gsLst>
-              <a:gs pos="0">
-                <a:srgbClr val="DDDDDD"/>
-              </a:gs>
-              <a:gs pos="100000">
-                <a:schemeClr val="bg1"/>
-              </a:gs>
-            </a:gsLst>
-            <a:lin ang="5400000" scaled="1"/>
-          </a:gradFill>
-          <a:ln w="12700">
-            <a:solidFill>
-              <a:schemeClr val="bg1"/>
-            </a:solidFill>
-            <a:miter lim="800000"/>
-            <a:headEnd/>
-            <a:tailEnd/>
-          </a:ln>
-          <a:effectLst/>
-          <a:extLst>
-            <a:ext uri="{AF507438-7753-43E0-B8FC-AC1667EBCBE1}">
-              <a14:hiddenEffects xmlns:a14="http://schemas.microsoft.com/office/drawing/2010/main">
-                <a:effectLst>
-                  <a:outerShdw dist="35921" dir="2700000" algn="ctr" rotWithShape="0">
-                    <a:schemeClr val="bg2"/>
-                  </a:outerShdw>
-                </a:effectLst>
-              </a14:hiddenEffects>
-            </a:ext>
-          </a:extLst>
-        </p:spPr>
-        <p:txBody>
-          <a:bodyPr wrap="none" anchor="ctr"/>
-          <a:lstStyle/>
-          <a:p>
-            <a:pPr algn="ctr" defTabSz="901700"/>
-            <a:endParaRPr lang="ru-RU" sz="1200" b="1" dirty="0">
-              <a:solidFill>
-                <a:schemeClr val="bg1"/>
-              </a:solidFill>
-            </a:endParaRPr>
-          </a:p>
-        </p:txBody>
-      </p:sp>
-      <p:sp>
-        <p:nvSpPr>
-          <p:cNvPr id="5" name="Объект 3"/>
-          <p:cNvSpPr txBox="1">
-            <a:spLocks/>
-          </p:cNvSpPr>
-          <p:nvPr/>
-        </p:nvSpPr>
-        <p:spPr>
-          <a:xfrm>
-            <a:off x="4844073" y="992017"/>
-            <a:ext cx="3702789" cy="3816424"/>
-          </a:xfrm>
-          <a:prstGeom prst="rect">
-            <a:avLst/>
-          </a:prstGeom>
-        </p:spPr>
-        <p:txBody>
-          <a:bodyPr/>
-          <a:lstStyle>
-            <a:lvl1pPr marL="342900" indent="-342900" algn="l" defTabSz="914400" rtl="0" eaLnBrk="1" latinLnBrk="0" hangingPunct="1">
-              <a:spcBef>
-                <a:spcPct val="20000"/>
-              </a:spcBef>
-              <a:buClr>
-                <a:srgbClr val="003399"/>
-              </a:buClr>
-              <a:buFont typeface="Wingdings" pitchFamily="2" charset="2"/>
-              <a:buChar char="q"/>
-              <a:defRPr sz="1800" kern="1200">
-                <a:solidFill>
-                  <a:schemeClr val="tx1"/>
-                </a:solidFill>
-                <a:latin typeface="+mn-lt"/>
-                <a:ea typeface="+mn-ea"/>
-                <a:cs typeface="+mn-cs"/>
-              </a:defRPr>
-            </a:lvl1pPr>
-            <a:lvl2pPr marL="625475" indent="-179388" algn="l" defTabSz="914400" rtl="0" eaLnBrk="1" latinLnBrk="0" hangingPunct="1">
-              <a:spcBef>
-                <a:spcPct val="20000"/>
-              </a:spcBef>
-              <a:buClr>
-                <a:srgbClr val="003399"/>
-              </a:buClr>
-              <a:buFont typeface="Wingdings" pitchFamily="2" charset="2"/>
-              <a:buChar char="§"/>
-              <a:tabLst>
-                <a:tab pos="538163" algn="l"/>
-              </a:tabLst>
-              <a:defRPr sz="1600" kern="1200">
-                <a:solidFill>
-                  <a:schemeClr val="tx1"/>
-                </a:solidFill>
-                <a:latin typeface="+mn-lt"/>
-                <a:ea typeface="+mn-ea"/>
-                <a:cs typeface="+mn-cs"/>
-              </a:defRPr>
-            </a:lvl2pPr>
-            <a:lvl3pPr marL="898525" indent="-160338" algn="l" defTabSz="914400" rtl="0" eaLnBrk="1" latinLnBrk="0" hangingPunct="1">
-              <a:spcBef>
-                <a:spcPct val="20000"/>
-              </a:spcBef>
-              <a:buFont typeface="Arial" panose="020B0604020202020204" pitchFamily="34" charset="0"/>
-              <a:buChar char="•"/>
-              <a:defRPr sz="1400" kern="1200">
-                <a:solidFill>
-                  <a:schemeClr val="tx1"/>
-                </a:solidFill>
-                <a:latin typeface="+mn-lt"/>
-                <a:ea typeface="+mn-ea"/>
-                <a:cs typeface="+mn-cs"/>
-              </a:defRPr>
-            </a:lvl3pPr>
-            <a:lvl4pPr marL="1166813" indent="-166688" algn="l" defTabSz="914400" rtl="0" eaLnBrk="1" latinLnBrk="0" hangingPunct="1">
-              <a:spcBef>
-                <a:spcPct val="20000"/>
-              </a:spcBef>
-              <a:buFont typeface="Arial" panose="020B0604020202020204" pitchFamily="34" charset="0"/>
-              <a:buChar char="–"/>
-              <a:defRPr sz="1200" kern="1200">
-                <a:solidFill>
-                  <a:schemeClr val="tx1"/>
-                </a:solidFill>
-                <a:latin typeface="+mn-lt"/>
-                <a:ea typeface="+mn-ea"/>
-                <a:cs typeface="+mn-cs"/>
-              </a:defRPr>
-            </a:lvl4pPr>
-            <a:lvl5pPr marL="2057400" indent="-228600" algn="l" defTabSz="914400" rtl="0" eaLnBrk="1" latinLnBrk="0" hangingPunct="1">
-              <a:spcBef>
-                <a:spcPct val="20000"/>
-              </a:spcBef>
-              <a:buFont typeface="Arial" panose="020B0604020202020204" pitchFamily="34" charset="0"/>
-              <a:buChar char="»"/>
-              <a:defRPr sz="2000" kern="1200">
-                <a:solidFill>
-                  <a:schemeClr val="tx1"/>
-                </a:solidFill>
-                <a:latin typeface="+mn-lt"/>
-                <a:ea typeface="+mn-ea"/>
-                <a:cs typeface="+mn-cs"/>
-              </a:defRPr>
-            </a:lvl5pPr>
-            <a:lvl6pPr marL="2514600" indent="-228600" algn="l" defTabSz="914400" rtl="0" eaLnBrk="1" latinLnBrk="0" hangingPunct="1">
-              <a:spcBef>
-                <a:spcPct val="20000"/>
-              </a:spcBef>
-              <a:buFont typeface="Arial" panose="020B0604020202020204" pitchFamily="34" charset="0"/>
-              <a:buChar char="•"/>
-              <a:defRPr sz="2000" kern="1200">
-                <a:solidFill>
-                  <a:schemeClr val="tx1"/>
-                </a:solidFill>
-                <a:latin typeface="+mn-lt"/>
-                <a:ea typeface="+mn-ea"/>
-                <a:cs typeface="+mn-cs"/>
-              </a:defRPr>
-            </a:lvl6pPr>
-            <a:lvl7pPr marL="2971800" indent="-228600" algn="l" defTabSz="914400" rtl="0" eaLnBrk="1" latinLnBrk="0" hangingPunct="1">
-              <a:spcBef>
-                <a:spcPct val="20000"/>
-              </a:spcBef>
-              <a:buFont typeface="Arial" panose="020B0604020202020204" pitchFamily="34" charset="0"/>
-              <a:buChar char="•"/>
-              <a:defRPr sz="2000" kern="1200">
-                <a:solidFill>
-                  <a:schemeClr val="tx1"/>
-                </a:solidFill>
-                <a:latin typeface="+mn-lt"/>
-                <a:ea typeface="+mn-ea"/>
-                <a:cs typeface="+mn-cs"/>
-              </a:defRPr>
-            </a:lvl7pPr>
-            <a:lvl8pPr marL="3429000" indent="-228600" algn="l" defTabSz="914400" rtl="0" eaLnBrk="1" latinLnBrk="0" hangingPunct="1">
-              <a:spcBef>
-                <a:spcPct val="20000"/>
-              </a:spcBef>
-              <a:buFont typeface="Arial" panose="020B0604020202020204" pitchFamily="34" charset="0"/>
-              <a:buChar char="•"/>
-              <a:defRPr sz="2000" kern="1200">
-                <a:solidFill>
-                  <a:schemeClr val="tx1"/>
-                </a:solidFill>
-                <a:latin typeface="+mn-lt"/>
-                <a:ea typeface="+mn-ea"/>
-                <a:cs typeface="+mn-cs"/>
-              </a:defRPr>
-            </a:lvl8pPr>
-            <a:lvl9pPr marL="3886200" indent="-228600" algn="l" defTabSz="914400" rtl="0" eaLnBrk="1" latinLnBrk="0" hangingPunct="1">
-              <a:spcBef>
-                <a:spcPct val="20000"/>
-              </a:spcBef>
-              <a:buFont typeface="Arial" panose="020B0604020202020204" pitchFamily="34" charset="0"/>
-              <a:buChar char="•"/>
-              <a:defRPr sz="2000" kern="1200">
-                <a:solidFill>
-                  <a:schemeClr val="tx1"/>
-                </a:solidFill>
-                <a:latin typeface="+mn-lt"/>
-                <a:ea typeface="+mn-ea"/>
-                <a:cs typeface="+mn-cs"/>
-              </a:defRPr>
-            </a:lvl9pPr>
-          </a:lstStyle>
-          <a:p>
-            <a:r>
-              <a:rPr lang="ru-RU" dirty="0" smtClean="0"/>
-              <a:t>Гетерогенность</a:t>
-            </a:r>
-          </a:p>
-          <a:p>
-            <a:r>
-              <a:rPr lang="ru-RU" dirty="0" smtClean="0"/>
-              <a:t>Автономность</a:t>
-            </a:r>
-          </a:p>
-          <a:p>
-            <a:r>
-              <a:rPr lang="ru-RU" dirty="0" smtClean="0"/>
-              <a:t>Избыточность</a:t>
-            </a:r>
-          </a:p>
-          <a:p>
-            <a:r>
-              <a:rPr lang="ru-RU" dirty="0" smtClean="0"/>
-              <a:t>Взаимозаменяемость роботов </a:t>
-            </a:r>
-          </a:p>
-          <a:p>
-            <a:r>
-              <a:rPr lang="ru-RU" dirty="0" smtClean="0"/>
-              <a:t>Робастность</a:t>
-            </a:r>
-            <a:endParaRPr lang="ru-RU" dirty="0"/>
-          </a:p>
-        </p:txBody>
-      </p:sp>
-      <p:sp>
-        <p:nvSpPr>
-          <p:cNvPr id="6" name="AutoShape 2" descr="https://pp.vk.me/c618223/v618223214/1fcc2/JqO3gkvPJEw.jpg"/>
-          <p:cNvSpPr>
-            <a:spLocks noChangeAspect="1" noChangeArrowheads="1"/>
-          </p:cNvSpPr>
-          <p:nvPr/>
-        </p:nvSpPr>
-        <p:spPr bwMode="auto">
-          <a:xfrm>
-            <a:off x="155575" y="-144463"/>
-            <a:ext cx="304800" cy="304801"/>
-          </a:xfrm>
-          <a:prstGeom prst="rect">
-            <a:avLst/>
-          </a:prstGeom>
-          <a:noFill/>
-          <a:extLst>
-            <a:ext uri="{909E8E84-426E-40DD-AFC4-6F175D3DCCD1}">
-              <a14:hiddenFill xmlns:a14="http://schemas.microsoft.com/office/drawing/2010/main">
-                <a:solidFill>
-                  <a:srgbClr val="FFFFFF"/>
-                </a:solidFill>
-              </a14:hiddenFill>
-            </a:ext>
-          </a:extLst>
-        </p:spPr>
-        <p:txBody>
-          <a:bodyPr vert="horz" wrap="square" lIns="91440" tIns="45720" rIns="91440" bIns="45720" numCol="1" anchor="t" anchorCtr="0" compatLnSpc="1">
-            <a:prstTxWarp prst="textNoShape">
-              <a:avLst/>
-            </a:prstTxWarp>
-          </a:bodyPr>
-          <a:lstStyle/>
-          <a:p>
-            <a:endParaRPr lang="en-US"/>
-          </a:p>
-        </p:txBody>
-      </p:sp>
-      <p:pic>
-        <p:nvPicPr>
-          <p:cNvPr id="1028" name="Picture 4" descr="https://pp.vk.me/c618223/v618223214/1fcc2/JqO3gkvPJEw.jpg"/>
-          <p:cNvPicPr>
-            <a:picLocks noChangeAspect="1" noChangeArrowheads="1"/>
-          </p:cNvPicPr>
-          <p:nvPr/>
-        </p:nvPicPr>
-        <p:blipFill>
-          <a:blip r:embed="rId3" cstate="print">
-            <a:extLst>
-              <a:ext uri="{28A0092B-C50C-407E-A947-70E740481C1C}">
-                <a14:useLocalDpi xmlns:a14="http://schemas.microsoft.com/office/drawing/2010/main" val="0"/>
-              </a:ext>
-            </a:extLst>
-          </a:blip>
-          <a:srcRect/>
-          <a:stretch>
-            <a:fillRect/>
-          </a:stretch>
-        </p:blipFill>
-        <p:spPr bwMode="auto">
-          <a:xfrm>
-            <a:off x="699568" y="898126"/>
-            <a:ext cx="3496392" cy="2096951"/>
-          </a:xfrm>
-          <a:prstGeom prst="rect">
-            <a:avLst/>
-          </a:prstGeom>
-          <a:noFill/>
-          <a:extLst>
-            <a:ext uri="{909E8E84-426E-40DD-AFC4-6F175D3DCCD1}">
-              <a14:hiddenFill xmlns:a14="http://schemas.microsoft.com/office/drawing/2010/main">
-                <a:solidFill>
-                  <a:srgbClr val="FFFFFF"/>
-                </a:solidFill>
-              </a14:hiddenFill>
-            </a:ext>
-          </a:extLst>
-        </p:spPr>
-      </p:pic>
-      <p:pic>
-        <p:nvPicPr>
-          <p:cNvPr id="8" name="Рисунок 7" descr="C:\Users\6B43~1.501\AppData\Local\Temp\УСС_1.jpg"/>
-          <p:cNvPicPr/>
-          <p:nvPr/>
-        </p:nvPicPr>
-        <p:blipFill>
-          <a:blip r:embed="rId4" cstate="print"/>
-          <a:srcRect/>
-          <a:stretch>
-            <a:fillRect/>
-          </a:stretch>
-        </p:blipFill>
-        <p:spPr bwMode="auto">
-          <a:xfrm>
-            <a:off x="699567" y="2930650"/>
-            <a:ext cx="3496393" cy="1959736"/>
-          </a:xfrm>
-          <a:prstGeom prst="rect">
-            <a:avLst/>
-          </a:prstGeom>
-          <a:noFill/>
-          <a:ln w="9525">
-            <a:noFill/>
-            <a:miter lim="800000"/>
-            <a:headEnd/>
-            <a:tailEnd/>
-          </a:ln>
-        </p:spPr>
-      </p:pic>
-    </p:spTree>
-    <p:extLst>
-      <p:ext uri="{BB962C8B-B14F-4D97-AF65-F5344CB8AC3E}">
-        <p14:creationId xmlns:p14="http://schemas.microsoft.com/office/powerpoint/2010/main" val="3061885509"/>
-      </p:ext>
-    </p:extLst>
-  </p:cSld>
-  <p:clrMapOvr>
-    <a:masterClrMapping/>
-  </p:clrMapOvr>
-  <p:timing>
-    <p:tnLst>
-      <p:par>
-        <p:cTn id="1" dur="indefinite" restart="never" nodeType="tmRoot"/>
-      </p:par>
-    </p:tnLst>
-  </p:timing>
-</p:sld>
-</file>
-
-<file path=ppt/slides/slide4.xml><?xml version="1.0" encoding="utf-8"?>
-<p:sld xmlns:a="http://schemas.openxmlformats.org/drawingml/2006/main" xmlns:r="http://schemas.openxmlformats.org/officeDocument/2006/relationships" xmlns:p="http://schemas.openxmlformats.org/presentationml/2006/main">
-  <p:cSld>
-    <p:spTree>
-      <p:nvGrpSpPr>
-        <p:cNvPr id="1" name=""/>
-        <p:cNvGrpSpPr/>
-        <p:nvPr/>
-      </p:nvGrpSpPr>
-      <p:grpSpPr>
-        <a:xfrm>
-          <a:off x="0" y="0"/>
-          <a:ext cx="0" cy="0"/>
-          <a:chOff x="0" y="0"/>
-          <a:chExt cx="0" cy="0"/>
-        </a:xfrm>
-      </p:grpSpPr>
-      <p:sp>
-        <p:nvSpPr>
-          <p:cNvPr id="3" name="Заголовок 2"/>
-          <p:cNvSpPr>
-            <a:spLocks noGrp="1"/>
-          </p:cNvSpPr>
-          <p:nvPr>
-            <p:ph type="title"/>
-          </p:nvPr>
-        </p:nvSpPr>
-        <p:spPr/>
-        <p:txBody>
-          <a:bodyPr/>
-          <a:lstStyle/>
-          <a:p>
-            <a:r>
-              <a:rPr lang="ru-RU" dirty="0" smtClean="0"/>
-              <a:t>Гетерогенность спасательной группировки роботов</a:t>
-            </a:r>
-            <a:endParaRPr lang="ru-RU" dirty="0"/>
-          </a:p>
-        </p:txBody>
-      </p:sp>
-      <p:sp>
-        <p:nvSpPr>
-          <p:cNvPr id="4" name="Объект 3"/>
-          <p:cNvSpPr>
-            <a:spLocks noGrp="1"/>
-          </p:cNvSpPr>
-          <p:nvPr>
-            <p:ph idx="1"/>
-          </p:nvPr>
-        </p:nvSpPr>
-        <p:spPr/>
-        <p:txBody>
-          <a:bodyPr/>
-          <a:lstStyle/>
-          <a:p>
-            <a:r>
-              <a:rPr lang="ru-RU" dirty="0" smtClean="0"/>
-              <a:t>Роботы-разведчики</a:t>
-            </a:r>
-          </a:p>
-          <a:p>
-            <a:pPr lvl="1"/>
-            <a:r>
-              <a:rPr lang="ru-RU" dirty="0"/>
-              <a:t>производят поиск людей, которым требуется эвакуация и опасных объектов, за динамикой состояний которых необходимо </a:t>
-            </a:r>
-            <a:r>
-              <a:rPr lang="ru-RU" dirty="0" smtClean="0"/>
-              <a:t>наблюдать</a:t>
-            </a:r>
-          </a:p>
-          <a:p>
-            <a:r>
-              <a:rPr lang="ru-RU" dirty="0" smtClean="0"/>
-              <a:t>Роботы-наблюдатели</a:t>
-            </a:r>
-          </a:p>
-          <a:p>
-            <a:pPr lvl="1"/>
-            <a:r>
-              <a:rPr lang="ru-RU" dirty="0" smtClean="0"/>
-              <a:t>осуществляют </a:t>
-            </a:r>
-            <a:r>
-              <a:rPr lang="ru-RU" dirty="0"/>
-              <a:t>круглосуточное наблюдение за обстановкой</a:t>
-            </a:r>
-            <a:endParaRPr lang="ru-RU" dirty="0" smtClean="0"/>
-          </a:p>
-          <a:p>
-            <a:r>
-              <a:rPr lang="ru-RU" dirty="0" smtClean="0"/>
-              <a:t>Роботы-рабочие</a:t>
-            </a:r>
-          </a:p>
-          <a:p>
-            <a:pPr lvl="1"/>
-            <a:r>
-              <a:rPr lang="ru-RU" dirty="0"/>
-              <a:t>т</a:t>
-            </a:r>
-            <a:r>
-              <a:rPr lang="ru-RU" dirty="0" smtClean="0"/>
-              <a:t>ребуются </a:t>
-            </a:r>
-            <a:r>
-              <a:rPr lang="ru-RU" dirty="0"/>
-              <a:t>для проведения неотложных аварийно-восстановительных работ</a:t>
-            </a:r>
-            <a:endParaRPr lang="ru-RU" dirty="0" smtClean="0"/>
-          </a:p>
-          <a:p>
-            <a:r>
-              <a:rPr lang="ru-RU" dirty="0" smtClean="0"/>
-              <a:t>Роботы-перегрузчики</a:t>
-            </a:r>
-          </a:p>
-          <a:p>
-            <a:pPr lvl="1"/>
-            <a:r>
-              <a:rPr lang="ru-RU" dirty="0" smtClean="0"/>
-              <a:t>помогают </a:t>
-            </a:r>
-            <a:r>
-              <a:rPr lang="ru-RU" dirty="0"/>
-              <a:t>людям выбраться из опасных </a:t>
-            </a:r>
-            <a:r>
-              <a:rPr lang="ru-RU" dirty="0" smtClean="0"/>
-              <a:t>мест</a:t>
-            </a:r>
-          </a:p>
-          <a:p>
-            <a:r>
-              <a:rPr lang="ru-RU" dirty="0"/>
-              <a:t>Транспортные </a:t>
-            </a:r>
-            <a:r>
-              <a:rPr lang="ru-RU" dirty="0" smtClean="0"/>
-              <a:t>роботы</a:t>
-            </a:r>
-          </a:p>
-          <a:p>
-            <a:pPr lvl="1"/>
-            <a:r>
-              <a:rPr lang="ru-RU" dirty="0"/>
-              <a:t>большие универсальные транспортные средства для перемещения групп людей в безопасные зоны</a:t>
-            </a:r>
-          </a:p>
-        </p:txBody>
-      </p:sp>
-    </p:spTree>
-    <p:extLst>
-      <p:ext uri="{BB962C8B-B14F-4D97-AF65-F5344CB8AC3E}">
-        <p14:creationId xmlns:p14="http://schemas.microsoft.com/office/powerpoint/2010/main" val="1607972103"/>
-      </p:ext>
-    </p:extLst>
-  </p:cSld>
-  <p:clrMapOvr>
-    <a:masterClrMapping/>
-  </p:clrMapOvr>
-  <p:timing>
-    <p:tnLst>
-      <p:par>
-        <p:cTn id="1" dur="indefinite" restart="never" nodeType="tmRoot"/>
-      </p:par>
-    </p:tnLst>
-  </p:timing>
-</p:sld>
-</file>
-
-<file path=ppt/slides/slide5.xml><?xml version="1.0" encoding="utf-8"?>
-<p:sld xmlns:a="http://schemas.openxmlformats.org/drawingml/2006/main" xmlns:r="http://schemas.openxmlformats.org/officeDocument/2006/relationships" xmlns:p="http://schemas.openxmlformats.org/presentationml/2006/main">
-  <p:cSld>
-    <p:spTree>
-      <p:nvGrpSpPr>
-        <p:cNvPr id="1" name=""/>
-        <p:cNvGrpSpPr/>
-        <p:nvPr/>
-      </p:nvGrpSpPr>
-      <p:grpSpPr>
-        <a:xfrm>
-          <a:off x="0" y="0"/>
-          <a:ext cx="0" cy="0"/>
-          <a:chOff x="0" y="0"/>
-          <a:chExt cx="0" cy="0"/>
-        </a:xfrm>
-      </p:grpSpPr>
-      <p:sp>
-        <p:nvSpPr>
-          <p:cNvPr id="4" name="Заголовок 3"/>
-          <p:cNvSpPr>
-            <a:spLocks noGrp="1"/>
-          </p:cNvSpPr>
-          <p:nvPr>
-            <p:ph type="title"/>
-          </p:nvPr>
-        </p:nvSpPr>
-        <p:spPr/>
-        <p:txBody>
-          <a:bodyPr/>
-          <a:lstStyle/>
-          <a:p>
-            <a:r>
-              <a:rPr lang="ru-RU" dirty="0"/>
-              <a:t>Автономность</a:t>
-            </a:r>
-            <a:endParaRPr lang="ru-RU" dirty="0"/>
-          </a:p>
-        </p:txBody>
-      </p:sp>
-      <p:graphicFrame>
-        <p:nvGraphicFramePr>
-          <p:cNvPr id="3" name="Объект 2"/>
-          <p:cNvGraphicFramePr>
-            <a:graphicFrameLocks noChangeAspect="1"/>
-          </p:cNvGraphicFramePr>
-          <p:nvPr>
-            <p:extLst>
-              <p:ext uri="{D42A27DB-BD31-4B8C-83A1-F6EECF244321}">
-                <p14:modId xmlns:p14="http://schemas.microsoft.com/office/powerpoint/2010/main" val="2427826504"/>
-              </p:ext>
-            </p:extLst>
-          </p:nvPr>
-        </p:nvGraphicFramePr>
-        <p:xfrm>
-          <a:off x="539552" y="987574"/>
-          <a:ext cx="4824412" cy="3068638"/>
-        </p:xfrm>
-        <a:graphic>
-          <a:graphicData uri="http://schemas.openxmlformats.org/presentationml/2006/ole">
-            <mc:AlternateContent xmlns:mc="http://schemas.openxmlformats.org/markup-compatibility/2006">
-              <mc:Choice xmlns:v="urn:schemas-microsoft-com:vml" Requires="v">
-                <p:oleObj spid="_x0000_s3075" r:id="rId3" imgW="9869040" imgH="6237000" progId="CorelDRAW.Graphic.13">
-                  <p:embed/>
-                </p:oleObj>
-              </mc:Choice>
-              <mc:Fallback>
-                <p:oleObj r:id="rId3" imgW="9869040" imgH="6237000" progId="CorelDRAW.Graphic.13">
-                  <p:embed/>
-                  <p:pic>
-                    <p:nvPicPr>
-                      <p:cNvPr id="0" name="Объект 5"/>
-                      <p:cNvPicPr>
-                        <a:picLocks noChangeAspect="1" noChangeArrowheads="1"/>
-                      </p:cNvPicPr>
-                      <p:nvPr/>
-                    </p:nvPicPr>
-                    <p:blipFill>
-                      <a:blip r:embed="rId4">
-                        <a:extLst>
-                          <a:ext uri="{28A0092B-C50C-407E-A947-70E740481C1C}">
-                            <a14:useLocalDpi xmlns:a14="http://schemas.microsoft.com/office/drawing/2010/main" val="0"/>
-                          </a:ext>
-                        </a:extLst>
-                      </a:blip>
-                      <a:srcRect/>
-                      <a:stretch>
-                        <a:fillRect/>
-                      </a:stretch>
-                    </p:blipFill>
-                    <p:spPr bwMode="auto">
-                      <a:xfrm>
-                        <a:off x="539552" y="987574"/>
-                        <a:ext cx="4824412" cy="3068638"/>
-                      </a:xfrm>
-                      <a:prstGeom prst="rect">
-                        <a:avLst/>
-                      </a:prstGeom>
-                      <a:noFill/>
-                      <a:ln>
-                        <a:noFill/>
-                      </a:ln>
-                      <a:extLst>
-                        <a:ext uri="{909E8E84-426E-40DD-AFC4-6F175D3DCCD1}">
-                          <a14:hiddenFill xmlns:a14="http://schemas.microsoft.com/office/drawing/2010/main">
-                            <a:solidFill>
-                              <a:srgbClr val="FFFFFF"/>
-                            </a:solidFill>
-                          </a14:hiddenFill>
-                        </a:ext>
-                        <a:ext uri="{91240B29-F687-4F45-9708-019B960494DF}">
-                          <a14:hiddenLine xmlns:a14="http://schemas.microsoft.com/office/drawing/2010/main" w="9525">
-                            <a:solidFill>
-                              <a:srgbClr val="000000"/>
-                            </a:solidFill>
-                            <a:miter lim="800000"/>
-                            <a:headEnd/>
-                            <a:tailEnd/>
-                          </a14:hiddenLine>
-                        </a:ext>
-                      </a:extLst>
-                    </p:spPr>
-                  </p:pic>
-                </p:oleObj>
-              </mc:Fallback>
-            </mc:AlternateContent>
-          </a:graphicData>
-        </a:graphic>
-      </p:graphicFrame>
-    </p:spTree>
-    <p:extLst>
-      <p:ext uri="{BB962C8B-B14F-4D97-AF65-F5344CB8AC3E}">
-        <p14:creationId xmlns:p14="http://schemas.microsoft.com/office/powerpoint/2010/main" val="970044667"/>
-      </p:ext>
-    </p:extLst>
-  </p:cSld>
-  <p:clrMapOvr>
-    <a:masterClrMapping/>
-  </p:clrMapOvr>
-  <p:timing>
-    <p:tnLst>
-      <p:par>
-        <p:cTn id="1" dur="indefinite" restart="never" nodeType="tmRoot"/>
-      </p:par>
-    </p:tnLst>
-  </p:timing>
-</p:sld>
-</file>
-
-<file path=ppt/slides/slide6.xml><?xml version="1.0" encoding="utf-8"?>
-<p:sld xmlns:a="http://schemas.openxmlformats.org/drawingml/2006/main" xmlns:r="http://schemas.openxmlformats.org/officeDocument/2006/relationships" xmlns:p="http://schemas.openxmlformats.org/presentationml/2006/main">
-  <p:cSld>
-    <p:spTree>
-      <p:nvGrpSpPr>
-        <p:cNvPr id="1" name=""/>
-        <p:cNvGrpSpPr/>
-        <p:nvPr/>
-      </p:nvGrpSpPr>
-      <p:grpSpPr>
-        <a:xfrm>
-          <a:off x="0" y="0"/>
-          <a:ext cx="0" cy="0"/>
-          <a:chOff x="0" y="0"/>
-          <a:chExt cx="0" cy="0"/>
-        </a:xfrm>
-      </p:grpSpPr>
-      <p:sp>
-        <p:nvSpPr>
-          <p:cNvPr id="4" name="Заголовок 3"/>
-          <p:cNvSpPr>
-            <a:spLocks noGrp="1"/>
-          </p:cNvSpPr>
-          <p:nvPr>
-            <p:ph type="title"/>
-          </p:nvPr>
-        </p:nvSpPr>
-        <p:spPr/>
-        <p:txBody>
-          <a:bodyPr/>
-          <a:lstStyle/>
-          <a:p>
-            <a:r>
-              <a:rPr lang="ru-RU" dirty="0"/>
-              <a:t>Взаимозаменяемость</a:t>
-            </a:r>
-          </a:p>
-        </p:txBody>
-      </p:sp>
-      <p:sp>
-        <p:nvSpPr>
-          <p:cNvPr id="5" name="Объект 4"/>
-          <p:cNvSpPr>
-            <a:spLocks noGrp="1"/>
-          </p:cNvSpPr>
-          <p:nvPr>
-            <p:ph idx="1"/>
-          </p:nvPr>
-        </p:nvSpPr>
-        <p:spPr>
-          <a:xfrm>
-            <a:off x="585647" y="1245461"/>
-            <a:ext cx="3270741" cy="2736305"/>
-          </a:xfrm>
-          <a:solidFill>
-            <a:schemeClr val="bg2"/>
-          </a:solidFill>
-          <a:ln>
-            <a:solidFill>
-              <a:schemeClr val="tx1"/>
-            </a:solidFill>
-          </a:ln>
-        </p:spPr>
-        <p:txBody>
-          <a:bodyPr/>
-          <a:lstStyle/>
-          <a:p>
-            <a:r>
-              <a:rPr lang="ru-RU" dirty="0"/>
-              <a:t>отказ бортового вычислителя системы управления робота. </a:t>
-            </a:r>
-            <a:endParaRPr lang="en-US" dirty="0" smtClean="0"/>
-          </a:p>
-          <a:p>
-            <a:r>
-              <a:rPr lang="ru-RU" dirty="0"/>
-              <a:t>отказ бортового </a:t>
-            </a:r>
-            <a:r>
-              <a:rPr lang="ru-RU" dirty="0" smtClean="0"/>
-              <a:t>радиоканала</a:t>
-            </a:r>
-            <a:endParaRPr lang="en-US" dirty="0" smtClean="0"/>
-          </a:p>
-          <a:p>
-            <a:r>
-              <a:rPr lang="ru-RU" dirty="0"/>
-              <a:t>отказ двигателей и/или </a:t>
-            </a:r>
-            <a:r>
-              <a:rPr lang="ru-RU" dirty="0" smtClean="0"/>
-              <a:t>движителей</a:t>
-            </a:r>
-            <a:endParaRPr lang="en-US" dirty="0" smtClean="0"/>
-          </a:p>
-          <a:p>
-            <a:r>
-              <a:rPr lang="ru-RU" dirty="0"/>
-              <a:t>отказ какого-то сенсора</a:t>
-            </a:r>
-            <a:endParaRPr lang="ru-RU" dirty="0"/>
-          </a:p>
-        </p:txBody>
-      </p:sp>
-      <p:sp>
-        <p:nvSpPr>
-          <p:cNvPr id="2" name="Прямоугольник 1"/>
-          <p:cNvSpPr/>
-          <p:nvPr/>
-        </p:nvSpPr>
-        <p:spPr>
-          <a:xfrm>
-            <a:off x="3923928" y="1059582"/>
-            <a:ext cx="4608512" cy="3528392"/>
-          </a:xfrm>
-          <a:prstGeom prst="rect">
-            <a:avLst/>
-          </a:prstGeom>
-          <a:noFill/>
-          <a:ln>
-            <a:noFill/>
-          </a:ln>
-        </p:spPr>
-        <p:style>
-          <a:lnRef idx="2">
-            <a:schemeClr val="accent1">
-              <a:shade val="50000"/>
-            </a:schemeClr>
-          </a:lnRef>
-          <a:fillRef idx="1">
-            <a:schemeClr val="accent1"/>
-          </a:fillRef>
-          <a:effectRef idx="0">
-            <a:schemeClr val="accent1"/>
-          </a:effectRef>
-          <a:fontRef idx="minor">
-            <a:schemeClr val="lt1"/>
-          </a:fontRef>
-        </p:style>
-        <p:txBody>
-          <a:bodyPr rtlCol="0" anchor="ctr"/>
-          <a:lstStyle/>
-          <a:p>
-            <a:pPr algn="ctr"/>
-            <a:r>
-              <a:rPr lang="ru-RU" dirty="0" smtClean="0">
-                <a:solidFill>
-                  <a:schemeClr val="tx1"/>
-                </a:solidFill>
-              </a:rPr>
-              <a:t>Таблица взаимозаменяемости сенсоров</a:t>
-            </a:r>
-            <a:endParaRPr lang="en-US" dirty="0">
-              <a:solidFill>
-                <a:schemeClr val="tx1"/>
-              </a:solidFill>
-            </a:endParaRPr>
-          </a:p>
-        </p:txBody>
-      </p:sp>
-      <p:sp>
-        <p:nvSpPr>
-          <p:cNvPr id="3" name="Скругленный прямоугольник 2"/>
-          <p:cNvSpPr/>
-          <p:nvPr/>
-        </p:nvSpPr>
-        <p:spPr>
-          <a:xfrm>
-            <a:off x="611560" y="1056331"/>
-            <a:ext cx="1944216" cy="216024"/>
-          </a:xfrm>
-          <a:prstGeom prst="roundRect">
-            <a:avLst/>
-          </a:prstGeom>
-        </p:spPr>
-        <p:style>
-          <a:lnRef idx="2">
-            <a:schemeClr val="accent1">
-              <a:shade val="50000"/>
-            </a:schemeClr>
-          </a:lnRef>
-          <a:fillRef idx="1">
-            <a:schemeClr val="accent1"/>
-          </a:fillRef>
-          <a:effectRef idx="0">
-            <a:schemeClr val="accent1"/>
-          </a:effectRef>
-          <a:fontRef idx="minor">
-            <a:schemeClr val="lt1"/>
-          </a:fontRef>
-        </p:style>
-        <p:txBody>
-          <a:bodyPr rtlCol="0" anchor="ctr"/>
-          <a:lstStyle/>
-          <a:p>
-            <a:pPr algn="ctr"/>
-            <a:r>
-              <a:rPr lang="ru-RU" dirty="0" smtClean="0"/>
-              <a:t>Типы отказов</a:t>
-            </a:r>
-            <a:endParaRPr lang="en-US" dirty="0"/>
-          </a:p>
-        </p:txBody>
-      </p:sp>
-    </p:spTree>
-    <p:extLst>
-      <p:ext uri="{BB962C8B-B14F-4D97-AF65-F5344CB8AC3E}">
-        <p14:creationId xmlns:p14="http://schemas.microsoft.com/office/powerpoint/2010/main" val="3205345642"/>
-      </p:ext>
-    </p:extLst>
-  </p:cSld>
-  <p:clrMapOvr>
-    <a:masterClrMapping/>
-  </p:clrMapOvr>
-  <p:timing>
-    <p:tnLst>
-      <p:par>
-        <p:cTn id="1" dur="indefinite" restart="never" nodeType="tmRoot"/>
-      </p:par>
-    </p:tnLst>
-  </p:timing>
-</p:sld>
-</file>
-
-<file path=ppt/slides/slide7.xml><?xml version="1.0" encoding="utf-8"?>
-<p:sld xmlns:a="http://schemas.openxmlformats.org/drawingml/2006/main" xmlns:r="http://schemas.openxmlformats.org/officeDocument/2006/relationships" xmlns:p="http://schemas.openxmlformats.org/presentationml/2006/main">
-  <p:cSld>
-    <p:spTree>
-      <p:nvGrpSpPr>
-        <p:cNvPr id="1" name=""/>
-        <p:cNvGrpSpPr/>
-        <p:nvPr/>
-      </p:nvGrpSpPr>
-      <p:grpSpPr>
-        <a:xfrm>
-          <a:off x="0" y="0"/>
-          <a:ext cx="0" cy="0"/>
-          <a:chOff x="0" y="0"/>
-          <a:chExt cx="0" cy="0"/>
-        </a:xfrm>
-      </p:grpSpPr>
-      <p:sp>
-        <p:nvSpPr>
-          <p:cNvPr id="2" name="Заголовок 1"/>
-          <p:cNvSpPr>
-            <a:spLocks noGrp="1"/>
-          </p:cNvSpPr>
-          <p:nvPr>
-            <p:ph type="title"/>
-          </p:nvPr>
-        </p:nvSpPr>
-        <p:spPr/>
-        <p:txBody>
-          <a:bodyPr>
-            <a:normAutofit/>
-          </a:bodyPr>
-          <a:lstStyle/>
-          <a:p>
-            <a:r>
-              <a:rPr lang="ru-RU" dirty="0" smtClean="0">
-                <a:latin typeface="+mj-lt"/>
-                <a:sym typeface="Symbol" pitchFamily="18" charset="2"/>
-              </a:rPr>
-              <a:t>Возможный вариант слайда</a:t>
-            </a:r>
-            <a:endParaRPr lang="ru-RU" dirty="0">
-              <a:latin typeface="+mj-lt"/>
-            </a:endParaRPr>
-          </a:p>
-        </p:txBody>
-      </p:sp>
-      <p:sp>
-        <p:nvSpPr>
-          <p:cNvPr id="3" name="AutoShape 4"/>
-          <p:cNvSpPr>
-            <a:spLocks noChangeArrowheads="1"/>
-          </p:cNvSpPr>
-          <p:nvPr/>
-        </p:nvSpPr>
-        <p:spPr bwMode="auto">
-          <a:xfrm>
-            <a:off x="4507929" y="3633267"/>
-            <a:ext cx="4167757" cy="1258519"/>
-          </a:xfrm>
-          <a:prstGeom prst="roundRect">
-            <a:avLst>
-              <a:gd name="adj" fmla="val 0"/>
-            </a:avLst>
-          </a:prstGeom>
-          <a:gradFill rotWithShape="0">
-            <a:gsLst>
-              <a:gs pos="0">
-                <a:srgbClr val="DDDDDD"/>
-              </a:gs>
-              <a:gs pos="100000">
-                <a:schemeClr val="bg1"/>
-              </a:gs>
-            </a:gsLst>
-            <a:lin ang="5400000" scaled="1"/>
-          </a:gradFill>
-          <a:ln w="12700">
-            <a:solidFill>
-              <a:schemeClr val="bg1"/>
-            </a:solidFill>
-            <a:round/>
-            <a:headEnd/>
-            <a:tailEnd/>
-          </a:ln>
-          <a:effectLst/>
-          <a:extLst>
-            <a:ext uri="{AF507438-7753-43E0-B8FC-AC1667EBCBE1}">
-              <a14:hiddenEffects xmlns:a14="http://schemas.microsoft.com/office/drawing/2010/main">
-                <a:effectLst>
-                  <a:outerShdw dist="35921" dir="2700000" algn="ctr" rotWithShape="0">
-                    <a:schemeClr val="bg2"/>
-                  </a:outerShdw>
-                </a:effectLst>
-              </a14:hiddenEffects>
-            </a:ext>
-          </a:extLst>
-        </p:spPr>
-        <p:txBody>
-          <a:bodyPr wrap="none" anchor="ctr"/>
-          <a:lstStyle/>
-          <a:p>
-            <a:pPr algn="ctr" defTabSz="901700"/>
-            <a:endParaRPr lang="ru-RU" sz="1400">
-              <a:solidFill>
-                <a:srgbClr val="000000"/>
-              </a:solidFill>
-              <a:latin typeface="+mj-lt"/>
-            </a:endParaRPr>
-          </a:p>
-        </p:txBody>
-      </p:sp>
-      <p:sp>
-        <p:nvSpPr>
-          <p:cNvPr id="4" name="Rectangle 6"/>
-          <p:cNvSpPr>
-            <a:spLocks noChangeArrowheads="1"/>
-          </p:cNvSpPr>
-          <p:nvPr/>
-        </p:nvSpPr>
-        <p:spPr bwMode="auto">
-          <a:xfrm>
-            <a:off x="4612704" y="3891121"/>
-            <a:ext cx="4062983" cy="984885"/>
-          </a:xfrm>
-          <a:prstGeom prst="rect">
-            <a:avLst/>
-          </a:prstGeom>
-          <a:noFill/>
-          <a:ln>
-            <a:noFill/>
-          </a:ln>
-          <a:effectLst/>
-          <a:extLst>
-            <a:ext uri="{909E8E84-426E-40DD-AFC4-6F175D3DCCD1}">
-              <a14:hiddenFill xmlns:a14="http://schemas.microsoft.com/office/drawing/2010/main">
-                <a:solidFill>
-                  <a:schemeClr val="accent1"/>
-                </a:solidFill>
-              </a14:hiddenFill>
-            </a:ext>
-            <a:ext uri="{91240B29-F687-4F45-9708-019B960494DF}">
-              <a14:hiddenLine xmlns:a14="http://schemas.microsoft.com/office/drawing/2010/main" w="9525">
-                <a:solidFill>
-                  <a:schemeClr val="tx1"/>
-                </a:solidFill>
-                <a:miter lim="800000"/>
-                <a:headEnd/>
-                <a:tailEnd/>
-              </a14:hiddenLine>
-            </a:ext>
-            <a:ext uri="{AF507438-7753-43E0-B8FC-AC1667EBCBE1}">
-              <a14:hiddenEffects xmlns:a14="http://schemas.microsoft.com/office/drawing/2010/main">
-                <a:effectLst>
-                  <a:outerShdw dist="35921" dir="2700000" algn="ctr" rotWithShape="0">
-                    <a:schemeClr val="bg2"/>
-                  </a:outerShdw>
-                </a:effectLst>
-              </a14:hiddenEffects>
-            </a:ext>
-          </a:extLst>
-        </p:spPr>
-        <p:txBody>
-          <a:bodyPr wrap="square" lIns="0" tIns="0" rIns="0" bIns="0">
-            <a:spAutoFit/>
-          </a:bodyPr>
-          <a:lstStyle/>
-          <a:p>
-            <a:pPr marL="184150" indent="-184150" defTabSz="2286000">
-              <a:lnSpc>
-                <a:spcPct val="90000"/>
-              </a:lnSpc>
-              <a:spcBef>
-                <a:spcPts val="600"/>
-              </a:spcBef>
-              <a:buClr>
-                <a:srgbClr val="336699"/>
-              </a:buClr>
-              <a:buFont typeface="Wingdings" pitchFamily="2" charset="2"/>
-              <a:buChar char="q"/>
-              <a:tabLst>
-                <a:tab pos="2782888" algn="l"/>
-              </a:tabLst>
-            </a:pPr>
-            <a:r>
-              <a:rPr lang="ru-RU" sz="1200" dirty="0" smtClean="0">
-                <a:latin typeface="+mj-lt"/>
-                <a:cs typeface="Arial" pitchFamily="34" charset="0"/>
-              </a:rPr>
-              <a:t>Диапазон измерения  мощности дозы                                                 гамма-излучения	от 10</a:t>
-            </a:r>
-            <a:r>
-              <a:rPr lang="ru-RU" sz="1200" baseline="30000" dirty="0" smtClean="0">
-                <a:latin typeface="+mj-lt"/>
-                <a:cs typeface="Arial" pitchFamily="34" charset="0"/>
-              </a:rPr>
-              <a:t>-7</a:t>
-            </a:r>
-            <a:r>
-              <a:rPr lang="ru-RU" sz="1200" dirty="0" smtClean="0">
-                <a:latin typeface="+mj-lt"/>
-                <a:cs typeface="Arial" pitchFamily="34" charset="0"/>
-              </a:rPr>
-              <a:t> до 10 Гр/ч</a:t>
-            </a:r>
-          </a:p>
-          <a:p>
-            <a:pPr marL="184150" indent="-184150" defTabSz="2286000">
-              <a:lnSpc>
-                <a:spcPct val="90000"/>
-              </a:lnSpc>
-              <a:spcBef>
-                <a:spcPts val="600"/>
-              </a:spcBef>
-              <a:buClr>
-                <a:srgbClr val="336699"/>
-              </a:buClr>
-              <a:buFont typeface="Wingdings" pitchFamily="2" charset="2"/>
-              <a:buChar char="q"/>
-              <a:tabLst>
-                <a:tab pos="2782888" algn="l"/>
-              </a:tabLst>
-            </a:pPr>
-            <a:r>
-              <a:rPr lang="ru-RU" sz="1200" dirty="0" smtClean="0">
-                <a:latin typeface="+mj-lt"/>
-                <a:cs typeface="Arial" pitchFamily="34" charset="0"/>
-              </a:rPr>
-              <a:t>Диапазон измерения  дозы</a:t>
-            </a:r>
-            <a:br>
-              <a:rPr lang="ru-RU" sz="1200" dirty="0" smtClean="0">
-                <a:latin typeface="+mj-lt"/>
-                <a:cs typeface="Arial" pitchFamily="34" charset="0"/>
-              </a:rPr>
-            </a:br>
-            <a:r>
-              <a:rPr lang="ru-RU" sz="1200" dirty="0" smtClean="0">
-                <a:latin typeface="+mj-lt"/>
-                <a:cs typeface="Arial" pitchFamily="34" charset="0"/>
-              </a:rPr>
-              <a:t>гамма-излучения 	от 10</a:t>
-            </a:r>
-            <a:r>
-              <a:rPr lang="ru-RU" sz="1200" baseline="30000" dirty="0" smtClean="0">
-                <a:latin typeface="+mj-lt"/>
-                <a:cs typeface="Arial" pitchFamily="34" charset="0"/>
-              </a:rPr>
-              <a:t>-5</a:t>
-            </a:r>
-            <a:r>
-              <a:rPr lang="ru-RU" sz="1200" dirty="0" smtClean="0">
-                <a:latin typeface="+mj-lt"/>
-                <a:cs typeface="Arial" pitchFamily="34" charset="0"/>
-              </a:rPr>
-              <a:t> до 50 Гр</a:t>
-            </a:r>
-          </a:p>
-          <a:p>
-            <a:pPr marL="184150" indent="-184150" defTabSz="2286000">
-              <a:lnSpc>
-                <a:spcPct val="90000"/>
-              </a:lnSpc>
-              <a:spcBef>
-                <a:spcPts val="600"/>
-              </a:spcBef>
-              <a:buClr>
-                <a:srgbClr val="336699"/>
-              </a:buClr>
-              <a:buFont typeface="Wingdings" pitchFamily="2" charset="2"/>
-              <a:buChar char="q"/>
-              <a:tabLst>
-                <a:tab pos="2782888" algn="l"/>
-              </a:tabLst>
-            </a:pPr>
-            <a:r>
-              <a:rPr lang="ru-RU" sz="1200" dirty="0" smtClean="0">
-                <a:latin typeface="+mj-lt"/>
-                <a:cs typeface="Arial" pitchFamily="34" charset="0"/>
-              </a:rPr>
-              <a:t>Диапазон измерения  направления 	от 0</a:t>
-            </a:r>
-            <a:r>
-              <a:rPr lang="ru-RU" sz="1200" dirty="0" smtClean="0">
-                <a:latin typeface="+mj-lt"/>
-                <a:cs typeface="Arial" pitchFamily="34" charset="0"/>
-                <a:sym typeface="Symbol" pitchFamily="18" charset="2"/>
-              </a:rPr>
-              <a:t></a:t>
-            </a:r>
-            <a:r>
-              <a:rPr lang="ru-RU" sz="1200" dirty="0" smtClean="0">
-                <a:latin typeface="+mj-lt"/>
-                <a:cs typeface="Arial" pitchFamily="34" charset="0"/>
-              </a:rPr>
-              <a:t> до 360</a:t>
-            </a:r>
-            <a:r>
-              <a:rPr lang="ru-RU" sz="1200" dirty="0" smtClean="0">
-                <a:latin typeface="+mj-lt"/>
-                <a:cs typeface="Arial" pitchFamily="34" charset="0"/>
-                <a:sym typeface="Symbol" pitchFamily="18" charset="2"/>
-              </a:rPr>
-              <a:t></a:t>
-            </a:r>
-            <a:endParaRPr lang="ru-RU" sz="1200" dirty="0">
-              <a:latin typeface="+mj-lt"/>
-              <a:cs typeface="Arial" pitchFamily="34" charset="0"/>
-              <a:sym typeface="Symbol" pitchFamily="18" charset="2"/>
-            </a:endParaRPr>
-          </a:p>
-        </p:txBody>
-      </p:sp>
-      <p:sp>
-        <p:nvSpPr>
-          <p:cNvPr id="5" name="AutoShape 11"/>
-          <p:cNvSpPr>
-            <a:spLocks noChangeArrowheads="1"/>
-          </p:cNvSpPr>
-          <p:nvPr/>
-        </p:nvSpPr>
-        <p:spPr bwMode="auto">
-          <a:xfrm>
-            <a:off x="4522217" y="1039977"/>
-            <a:ext cx="4153471" cy="2350612"/>
-          </a:xfrm>
-          <a:prstGeom prst="roundRect">
-            <a:avLst>
-              <a:gd name="adj" fmla="val 0"/>
-            </a:avLst>
-          </a:prstGeom>
-          <a:gradFill rotWithShape="0">
-            <a:gsLst>
-              <a:gs pos="0">
-                <a:srgbClr val="DDDDDD"/>
-              </a:gs>
-              <a:gs pos="100000">
-                <a:schemeClr val="bg1"/>
-              </a:gs>
-            </a:gsLst>
-            <a:lin ang="5400000" scaled="1"/>
-          </a:gradFill>
-          <a:ln w="12700">
-            <a:solidFill>
-              <a:schemeClr val="bg1"/>
-            </a:solidFill>
-            <a:round/>
-            <a:headEnd/>
-            <a:tailEnd/>
-          </a:ln>
-          <a:effectLst/>
-          <a:extLst>
-            <a:ext uri="{AF507438-7753-43E0-B8FC-AC1667EBCBE1}">
-              <a14:hiddenEffects xmlns:a14="http://schemas.microsoft.com/office/drawing/2010/main">
-                <a:effectLst>
-                  <a:outerShdw dist="35921" dir="2700000" algn="ctr" rotWithShape="0">
-                    <a:schemeClr val="bg2"/>
-                  </a:outerShdw>
-                </a:effectLst>
-              </a14:hiddenEffects>
-            </a:ext>
-          </a:extLst>
-        </p:spPr>
-        <p:txBody>
-          <a:bodyPr wrap="none" anchor="ctr"/>
-          <a:lstStyle/>
-          <a:p>
-            <a:pPr algn="ctr" defTabSz="901700"/>
-            <a:endParaRPr lang="ru-RU" sz="1400">
-              <a:solidFill>
-                <a:srgbClr val="000000"/>
-              </a:solidFill>
-              <a:latin typeface="+mj-lt"/>
-            </a:endParaRPr>
-          </a:p>
-        </p:txBody>
-      </p:sp>
-      <p:sp>
-        <p:nvSpPr>
-          <p:cNvPr id="6" name="AutoShape 12"/>
-          <p:cNvSpPr>
-            <a:spLocks noChangeArrowheads="1"/>
-          </p:cNvSpPr>
-          <p:nvPr/>
-        </p:nvSpPr>
-        <p:spPr bwMode="auto">
-          <a:xfrm>
-            <a:off x="4522096" y="892461"/>
-            <a:ext cx="1377950" cy="265112"/>
-          </a:xfrm>
-          <a:prstGeom prst="roundRect">
-            <a:avLst>
-              <a:gd name="adj" fmla="val 17829"/>
-            </a:avLst>
-          </a:prstGeom>
-          <a:gradFill rotWithShape="0">
-            <a:gsLst>
-              <a:gs pos="0">
-                <a:srgbClr val="CC0000"/>
-              </a:gs>
-              <a:gs pos="100000">
-                <a:srgbClr val="5E0000"/>
-              </a:gs>
-            </a:gsLst>
-            <a:lin ang="5400000" scaled="1"/>
-          </a:gradFill>
-          <a:ln w="12700">
-            <a:solidFill>
-              <a:schemeClr val="bg1"/>
-            </a:solidFill>
-            <a:round/>
-            <a:headEnd/>
-            <a:tailEnd/>
-          </a:ln>
-          <a:effectLst/>
-          <a:extLst>
-            <a:ext uri="{AF507438-7753-43E0-B8FC-AC1667EBCBE1}">
-              <a14:hiddenEffects xmlns:a14="http://schemas.microsoft.com/office/drawing/2010/main">
-                <a:effectLst>
-                  <a:outerShdw dist="35921" dir="2700000" algn="ctr" rotWithShape="0">
-                    <a:schemeClr val="bg2"/>
-                  </a:outerShdw>
-                </a:effectLst>
-              </a14:hiddenEffects>
-            </a:ext>
-          </a:extLst>
-        </p:spPr>
-        <p:txBody>
-          <a:bodyPr wrap="none" lIns="72000" tIns="0" rIns="72000" bIns="36000" anchor="ctr"/>
-          <a:lstStyle/>
-          <a:p>
-            <a:pPr algn="ctr">
-              <a:defRPr/>
-            </a:pPr>
-            <a:r>
-              <a:rPr lang="ru-RU" sz="1400" b="1" dirty="0">
-                <a:solidFill>
-                  <a:schemeClr val="bg1"/>
-                </a:solidFill>
-                <a:effectLst>
-                  <a:outerShdw blurRad="38100" dist="38100" dir="2700000" algn="tl">
-                    <a:srgbClr val="000000">
-                      <a:alpha val="43137"/>
-                    </a:srgbClr>
-                  </a:outerShdw>
-                </a:effectLst>
-                <a:latin typeface="+mj-lt"/>
-              </a:rPr>
-              <a:t>Назначение</a:t>
-            </a:r>
-          </a:p>
-        </p:txBody>
-      </p:sp>
-      <p:sp>
-        <p:nvSpPr>
-          <p:cNvPr id="7" name="AutoShape 13"/>
-          <p:cNvSpPr>
-            <a:spLocks noChangeArrowheads="1"/>
-          </p:cNvSpPr>
-          <p:nvPr/>
-        </p:nvSpPr>
-        <p:spPr bwMode="auto">
-          <a:xfrm>
-            <a:off x="4507808" y="3507854"/>
-            <a:ext cx="2728488" cy="265113"/>
-          </a:xfrm>
-          <a:prstGeom prst="roundRect">
-            <a:avLst>
-              <a:gd name="adj" fmla="val 17829"/>
-            </a:avLst>
-          </a:prstGeom>
-          <a:gradFill rotWithShape="0">
-            <a:gsLst>
-              <a:gs pos="0">
-                <a:srgbClr val="6D8FC1"/>
-              </a:gs>
-              <a:gs pos="100000">
-                <a:srgbClr val="324259"/>
-              </a:gs>
-            </a:gsLst>
-            <a:lin ang="5400000" scaled="1"/>
-          </a:gradFill>
-          <a:ln w="12700">
-            <a:solidFill>
-              <a:schemeClr val="bg1"/>
-            </a:solidFill>
-            <a:round/>
-            <a:headEnd/>
-            <a:tailEnd/>
-          </a:ln>
-          <a:effectLst/>
-          <a:extLst>
-            <a:ext uri="{AF507438-7753-43E0-B8FC-AC1667EBCBE1}">
-              <a14:hiddenEffects xmlns:a14="http://schemas.microsoft.com/office/drawing/2010/main">
-                <a:effectLst>
-                  <a:outerShdw dist="35921" dir="2700000" algn="ctr" rotWithShape="0">
-                    <a:schemeClr val="bg2"/>
-                  </a:outerShdw>
-                </a:effectLst>
-              </a14:hiddenEffects>
-            </a:ext>
-          </a:extLst>
-        </p:spPr>
-        <p:txBody>
-          <a:bodyPr wrap="none" lIns="0" rIns="0" anchor="ctr"/>
-          <a:lstStyle/>
-          <a:p>
-            <a:pPr algn="ctr">
-              <a:defRPr/>
-            </a:pPr>
-            <a:r>
-              <a:rPr lang="ru-RU" sz="1400" b="1" dirty="0">
-                <a:solidFill>
-                  <a:schemeClr val="bg1"/>
-                </a:solidFill>
-                <a:effectLst>
-                  <a:outerShdw blurRad="38100" dist="38100" dir="2700000" algn="tl">
-                    <a:srgbClr val="000000">
-                      <a:alpha val="43137"/>
-                    </a:srgbClr>
-                  </a:outerShdw>
-                </a:effectLst>
-                <a:latin typeface="+mj-lt"/>
-              </a:rPr>
-              <a:t>Технические характеристики</a:t>
-            </a:r>
-          </a:p>
-        </p:txBody>
-      </p:sp>
-      <p:sp>
-        <p:nvSpPr>
-          <p:cNvPr id="8" name="Text Box 14"/>
-          <p:cNvSpPr txBox="1">
-            <a:spLocks noChangeArrowheads="1"/>
-          </p:cNvSpPr>
-          <p:nvPr/>
-        </p:nvSpPr>
-        <p:spPr bwMode="auto">
-          <a:xfrm>
-            <a:off x="4612705" y="1250052"/>
-            <a:ext cx="4062983" cy="1969770"/>
-          </a:xfrm>
-          <a:prstGeom prst="rect">
-            <a:avLst/>
-          </a:prstGeom>
-          <a:noFill/>
-          <a:ln>
-            <a:noFill/>
-          </a:ln>
-          <a:effectLst/>
-          <a:extLst>
-            <a:ext uri="{909E8E84-426E-40DD-AFC4-6F175D3DCCD1}">
-              <a14:hiddenFill xmlns:a14="http://schemas.microsoft.com/office/drawing/2010/main">
-                <a:solidFill>
-                  <a:schemeClr val="accent1"/>
-                </a:solidFill>
-              </a14:hiddenFill>
-            </a:ext>
-            <a:ext uri="{91240B29-F687-4F45-9708-019B960494DF}">
-              <a14:hiddenLine xmlns:a14="http://schemas.microsoft.com/office/drawing/2010/main" w="9525">
-                <a:solidFill>
-                  <a:schemeClr val="tx1"/>
-                </a:solidFill>
-                <a:miter lim="800000"/>
-                <a:headEnd/>
-                <a:tailEnd/>
-              </a14:hiddenLine>
-            </a:ext>
-            <a:ext uri="{AF507438-7753-43E0-B8FC-AC1667EBCBE1}">
-              <a14:hiddenEffects xmlns:a14="http://schemas.microsoft.com/office/drawing/2010/main">
-                <a:effectLst>
-                  <a:outerShdw dist="35921" dir="2700000" algn="ctr" rotWithShape="0">
-                    <a:schemeClr val="bg2"/>
-                  </a:outerShdw>
-                </a:effectLst>
-              </a14:hiddenEffects>
-            </a:ext>
-          </a:extLst>
-        </p:spPr>
-        <p:txBody>
-          <a:bodyPr wrap="square" lIns="0" tIns="0" rIns="0" bIns="0">
-            <a:spAutoFit/>
-          </a:bodyPr>
-          <a:lstStyle>
-            <a:lvl1pPr marL="271463" indent="-271463" eaLnBrk="0" hangingPunct="0">
-              <a:tabLst>
-                <a:tab pos="381000" algn="l"/>
-              </a:tabLst>
-              <a:defRPr sz="2000">
-                <a:solidFill>
-                  <a:schemeClr val="tx1"/>
-                </a:solidFill>
-                <a:latin typeface="Arial" charset="0"/>
-              </a:defRPr>
-            </a:lvl1pPr>
-            <a:lvl2pPr marL="742950" indent="-285750" eaLnBrk="0" hangingPunct="0">
-              <a:tabLst>
-                <a:tab pos="381000" algn="l"/>
-              </a:tabLst>
-              <a:defRPr sz="2000">
-                <a:solidFill>
-                  <a:schemeClr val="tx1"/>
-                </a:solidFill>
-                <a:latin typeface="Arial" charset="0"/>
-              </a:defRPr>
-            </a:lvl2pPr>
-            <a:lvl3pPr marL="1143000" indent="-228600" eaLnBrk="0" hangingPunct="0">
-              <a:tabLst>
-                <a:tab pos="381000" algn="l"/>
-              </a:tabLst>
-              <a:defRPr sz="2000">
-                <a:solidFill>
-                  <a:schemeClr val="tx1"/>
-                </a:solidFill>
-                <a:latin typeface="Arial" charset="0"/>
-              </a:defRPr>
-            </a:lvl3pPr>
-            <a:lvl4pPr marL="1600200" indent="-228600" eaLnBrk="0" hangingPunct="0">
-              <a:tabLst>
-                <a:tab pos="381000" algn="l"/>
-              </a:tabLst>
-              <a:defRPr sz="2000">
-                <a:solidFill>
-                  <a:schemeClr val="tx1"/>
-                </a:solidFill>
-                <a:latin typeface="Arial" charset="0"/>
-              </a:defRPr>
-            </a:lvl4pPr>
-            <a:lvl5pPr marL="2057400" indent="-228600" eaLnBrk="0" hangingPunct="0">
-              <a:tabLst>
-                <a:tab pos="381000" algn="l"/>
-              </a:tabLst>
-              <a:defRPr sz="2000">
-                <a:solidFill>
-                  <a:schemeClr val="tx1"/>
-                </a:solidFill>
-                <a:latin typeface="Arial" charset="0"/>
-              </a:defRPr>
-            </a:lvl5pPr>
-            <a:lvl6pPr marL="2514600" indent="-228600" eaLnBrk="0" fontAlgn="base" hangingPunct="0">
-              <a:spcBef>
-                <a:spcPct val="0"/>
-              </a:spcBef>
-              <a:spcAft>
-                <a:spcPct val="0"/>
-              </a:spcAft>
-              <a:tabLst>
-                <a:tab pos="381000" algn="l"/>
-              </a:tabLst>
-              <a:defRPr sz="2000">
-                <a:solidFill>
-                  <a:schemeClr val="tx1"/>
-                </a:solidFill>
-                <a:latin typeface="Arial" charset="0"/>
-              </a:defRPr>
-            </a:lvl6pPr>
-            <a:lvl7pPr marL="2971800" indent="-228600" eaLnBrk="0" fontAlgn="base" hangingPunct="0">
-              <a:spcBef>
-                <a:spcPct val="0"/>
-              </a:spcBef>
-              <a:spcAft>
-                <a:spcPct val="0"/>
-              </a:spcAft>
-              <a:tabLst>
-                <a:tab pos="381000" algn="l"/>
-              </a:tabLst>
-              <a:defRPr sz="2000">
-                <a:solidFill>
-                  <a:schemeClr val="tx1"/>
-                </a:solidFill>
-                <a:latin typeface="Arial" charset="0"/>
-              </a:defRPr>
-            </a:lvl7pPr>
-            <a:lvl8pPr marL="3429000" indent="-228600" eaLnBrk="0" fontAlgn="base" hangingPunct="0">
-              <a:spcBef>
-                <a:spcPct val="0"/>
-              </a:spcBef>
-              <a:spcAft>
-                <a:spcPct val="0"/>
-              </a:spcAft>
-              <a:tabLst>
-                <a:tab pos="381000" algn="l"/>
-              </a:tabLst>
-              <a:defRPr sz="2000">
-                <a:solidFill>
-                  <a:schemeClr val="tx1"/>
-                </a:solidFill>
-                <a:latin typeface="Arial" charset="0"/>
-              </a:defRPr>
-            </a:lvl8pPr>
-            <a:lvl9pPr marL="3886200" indent="-228600" eaLnBrk="0" fontAlgn="base" hangingPunct="0">
-              <a:spcBef>
-                <a:spcPct val="0"/>
-              </a:spcBef>
-              <a:spcAft>
-                <a:spcPct val="0"/>
-              </a:spcAft>
-              <a:tabLst>
-                <a:tab pos="381000" algn="l"/>
-              </a:tabLst>
-              <a:defRPr sz="2000">
-                <a:solidFill>
-                  <a:schemeClr val="tx1"/>
-                </a:solidFill>
-                <a:latin typeface="Arial" charset="0"/>
-              </a:defRPr>
-            </a:lvl9pPr>
-          </a:lstStyle>
-          <a:p>
-            <a:pPr marL="180975" indent="-180975">
-              <a:lnSpc>
-                <a:spcPct val="90000"/>
-              </a:lnSpc>
-              <a:spcBef>
-                <a:spcPts val="800"/>
-              </a:spcBef>
-              <a:buClr>
-                <a:srgbClr val="A50021"/>
-              </a:buClr>
-              <a:buFont typeface="Wingdings" pitchFamily="2" charset="2"/>
-              <a:buChar char="q"/>
-            </a:pPr>
-            <a:r>
-              <a:rPr lang="ru-RU" sz="1200" dirty="0">
-                <a:latin typeface="+mj-lt"/>
-              </a:rPr>
-              <a:t>Обнаружение радиоактивно загрязненных участков местности, объектов и локальных источников гамма-излучения</a:t>
-            </a:r>
-          </a:p>
-          <a:p>
-            <a:pPr marL="180975" indent="-180975">
-              <a:lnSpc>
-                <a:spcPct val="90000"/>
-              </a:lnSpc>
-              <a:spcBef>
-                <a:spcPts val="800"/>
-              </a:spcBef>
-              <a:buClr>
-                <a:srgbClr val="A50021"/>
-              </a:buClr>
-              <a:buFont typeface="Wingdings" pitchFamily="2" charset="2"/>
-              <a:buChar char="q"/>
-            </a:pPr>
-            <a:r>
-              <a:rPr lang="ru-RU" sz="1200" dirty="0">
-                <a:latin typeface="+mj-lt"/>
-              </a:rPr>
-              <a:t>Измерение мощности поглощенной дозы и поглощенной дозы гамма-излучения</a:t>
-            </a:r>
-          </a:p>
-          <a:p>
-            <a:pPr marL="180975" indent="-180975">
-              <a:lnSpc>
-                <a:spcPct val="90000"/>
-              </a:lnSpc>
-              <a:spcBef>
-                <a:spcPts val="800"/>
-              </a:spcBef>
-              <a:buClr>
-                <a:srgbClr val="A50021"/>
-              </a:buClr>
-              <a:buFont typeface="Wingdings" pitchFamily="2" charset="2"/>
-              <a:buChar char="q"/>
-            </a:pPr>
-            <a:r>
-              <a:rPr lang="ru-RU" altLang="ja-JP" sz="1200" dirty="0">
-                <a:latin typeface="+mj-lt"/>
-              </a:rPr>
-              <a:t>Определение направления на локальные источники гамма-излучения и индикация азимутального распределения потоков гамма-излучения </a:t>
-            </a:r>
-          </a:p>
-          <a:p>
-            <a:pPr marL="180975" indent="-180975">
-              <a:lnSpc>
-                <a:spcPct val="90000"/>
-              </a:lnSpc>
-              <a:spcBef>
-                <a:spcPts val="800"/>
-              </a:spcBef>
-              <a:buClr>
-                <a:srgbClr val="A50021"/>
-              </a:buClr>
-              <a:buFont typeface="Wingdings" pitchFamily="2" charset="2"/>
-              <a:buChar char="q"/>
-            </a:pPr>
-            <a:r>
-              <a:rPr lang="ru-RU" sz="1200" dirty="0">
-                <a:latin typeface="+mj-lt"/>
-              </a:rPr>
-              <a:t>Выдача результатов измерения в телекодовый канал связи (</a:t>
-            </a:r>
-            <a:r>
-              <a:rPr lang="en-US" sz="1200" dirty="0">
-                <a:latin typeface="+mj-lt"/>
-              </a:rPr>
-              <a:t>RS-232)</a:t>
-            </a:r>
-            <a:endParaRPr lang="ru-RU" sz="1200" dirty="0">
-              <a:latin typeface="+mj-lt"/>
-            </a:endParaRPr>
-          </a:p>
-        </p:txBody>
-      </p:sp>
-      <p:sp>
-        <p:nvSpPr>
-          <p:cNvPr id="9" name="Rectangle 35"/>
-          <p:cNvSpPr>
-            <a:spLocks noChangeArrowheads="1"/>
-          </p:cNvSpPr>
-          <p:nvPr/>
-        </p:nvSpPr>
-        <p:spPr bwMode="auto">
-          <a:xfrm>
-            <a:off x="6045256" y="587400"/>
-            <a:ext cx="2744469" cy="184666"/>
-          </a:xfrm>
-          <a:prstGeom prst="rect">
-            <a:avLst/>
-          </a:prstGeom>
-          <a:noFill/>
-          <a:ln>
-            <a:noFill/>
-          </a:ln>
-          <a:effectLst/>
-          <a:extLst>
-            <a:ext uri="{909E8E84-426E-40DD-AFC4-6F175D3DCCD1}">
-              <a14:hiddenFill xmlns:a14="http://schemas.microsoft.com/office/drawing/2010/main">
-                <a:solidFill>
-                  <a:schemeClr val="accent1"/>
-                </a:solidFill>
-              </a14:hiddenFill>
-            </a:ext>
-            <a:ext uri="{91240B29-F687-4F45-9708-019B960494DF}">
-              <a14:hiddenLine xmlns:a14="http://schemas.microsoft.com/office/drawing/2010/main" w="9525">
-                <a:solidFill>
-                  <a:schemeClr val="tx1"/>
-                </a:solidFill>
-                <a:miter lim="800000"/>
-                <a:headEnd/>
-                <a:tailEnd/>
-              </a14:hiddenLine>
-            </a:ext>
-            <a:ext uri="{AF507438-7753-43E0-B8FC-AC1667EBCBE1}">
-              <a14:hiddenEffects xmlns:a14="http://schemas.microsoft.com/office/drawing/2010/main">
-                <a:effectLst>
-                  <a:outerShdw dist="35921" dir="2700000" algn="ctr" rotWithShape="0">
-                    <a:schemeClr val="bg2"/>
-                  </a:outerShdw>
-                </a:effectLst>
-              </a14:hiddenEffects>
-            </a:ext>
-          </a:extLst>
-        </p:spPr>
-        <p:txBody>
-          <a:bodyPr wrap="none" lIns="0" tIns="0" rIns="0" bIns="0">
-            <a:spAutoFit/>
-          </a:bodyPr>
-          <a:lstStyle/>
-          <a:p>
-            <a:pPr algn="r"/>
-            <a:r>
-              <a:rPr lang="ru-RU" sz="1200" b="1" i="1" dirty="0">
-                <a:solidFill>
-                  <a:srgbClr val="003366"/>
-                </a:solidFill>
-                <a:latin typeface="+mj-lt"/>
-              </a:rPr>
-              <a:t>Принят на снабжение МО </a:t>
-            </a:r>
-            <a:r>
-              <a:rPr lang="ru-RU" sz="1200" b="1" i="1" dirty="0" smtClean="0">
-                <a:solidFill>
-                  <a:srgbClr val="003366"/>
-                </a:solidFill>
-                <a:latin typeface="+mj-lt"/>
-              </a:rPr>
-              <a:t>РФ ГО.2.96.00</a:t>
-            </a:r>
-            <a:endParaRPr lang="ru-RU" sz="1200" b="1" i="1" dirty="0">
-              <a:solidFill>
-                <a:srgbClr val="003366"/>
-              </a:solidFill>
-              <a:latin typeface="+mj-lt"/>
-            </a:endParaRPr>
-          </a:p>
-        </p:txBody>
-      </p:sp>
-      <p:pic>
-        <p:nvPicPr>
-          <p:cNvPr id="10" name="Picture 20" descr="Изображение 046"/>
-          <p:cNvPicPr>
-            <a:picLocks noChangeAspect="1" noChangeArrowheads="1"/>
-          </p:cNvPicPr>
-          <p:nvPr/>
-        </p:nvPicPr>
-        <p:blipFill>
-          <a:blip r:embed="rId2" cstate="print">
-            <a:extLst>
-              <a:ext uri="{28A0092B-C50C-407E-A947-70E740481C1C}">
-                <a14:useLocalDpi xmlns:a14="http://schemas.microsoft.com/office/drawing/2010/main" val="0"/>
-              </a:ext>
-            </a:extLst>
-          </a:blip>
-          <a:srcRect/>
-          <a:stretch>
-            <a:fillRect/>
-          </a:stretch>
-        </p:blipFill>
-        <p:spPr bwMode="auto">
-          <a:xfrm>
-            <a:off x="461963" y="3390589"/>
-            <a:ext cx="1883017" cy="1501197"/>
-          </a:xfrm>
-          <a:prstGeom prst="rect">
-            <a:avLst/>
-          </a:prstGeom>
-          <a:noFill/>
-          <a:ln w="12700">
-            <a:solidFill>
-              <a:schemeClr val="bg1"/>
-            </a:solidFill>
-            <a:miter lim="800000"/>
-            <a:headEnd/>
-            <a:tailEnd/>
-          </a:ln>
-          <a:extLst>
-            <a:ext uri="{909E8E84-426E-40DD-AFC4-6F175D3DCCD1}">
-              <a14:hiddenFill xmlns:a14="http://schemas.microsoft.com/office/drawing/2010/main">
-                <a:solidFill>
-                  <a:srgbClr val="FFFFFF"/>
-                </a:solidFill>
-              </a14:hiddenFill>
-            </a:ext>
-          </a:extLst>
-        </p:spPr>
-      </p:pic>
-      <p:sp>
-        <p:nvSpPr>
-          <p:cNvPr id="11" name="Oval 7"/>
-          <p:cNvSpPr>
-            <a:spLocks noChangeArrowheads="1"/>
-          </p:cNvSpPr>
-          <p:nvPr/>
-        </p:nvSpPr>
-        <p:spPr bwMode="auto">
-          <a:xfrm>
-            <a:off x="1173784" y="3886614"/>
-            <a:ext cx="373343" cy="370108"/>
-          </a:xfrm>
-          <a:prstGeom prst="ellipse">
-            <a:avLst/>
-          </a:prstGeom>
-          <a:noFill/>
-          <a:ln w="28575">
-            <a:solidFill>
-              <a:srgbClr val="FF5050"/>
-            </a:solidFill>
-            <a:round/>
-            <a:headEnd/>
-            <a:tailEnd/>
-          </a:ln>
-          <a:extLst>
-            <a:ext uri="{909E8E84-426E-40DD-AFC4-6F175D3DCCD1}">
-              <a14:hiddenFill xmlns:a14="http://schemas.microsoft.com/office/drawing/2010/main">
-                <a:solidFill>
-                  <a:srgbClr val="FFFFFF"/>
-                </a:solidFill>
-              </a14:hiddenFill>
-            </a:ext>
-          </a:extLst>
-        </p:spPr>
-        <p:txBody>
-          <a:bodyPr wrap="none" anchor="ctr"/>
-          <a:lstStyle/>
-          <a:p>
-            <a:endParaRPr lang="ru-RU">
-              <a:latin typeface="+mj-lt"/>
-            </a:endParaRPr>
-          </a:p>
-        </p:txBody>
-      </p:sp>
-      <p:pic>
-        <p:nvPicPr>
-          <p:cNvPr id="12" name="Picture 6" descr="IMG_3067"/>
-          <p:cNvPicPr>
-            <a:picLocks noChangeAspect="1" noChangeArrowheads="1"/>
-          </p:cNvPicPr>
-          <p:nvPr/>
-        </p:nvPicPr>
-        <p:blipFill>
-          <a:blip r:embed="rId3" cstate="print">
-            <a:extLst>
-              <a:ext uri="{28A0092B-C50C-407E-A947-70E740481C1C}">
-                <a14:useLocalDpi xmlns:a14="http://schemas.microsoft.com/office/drawing/2010/main" val="0"/>
-              </a:ext>
-            </a:extLst>
-          </a:blip>
-          <a:srcRect/>
-          <a:stretch>
-            <a:fillRect/>
-          </a:stretch>
-        </p:blipFill>
-        <p:spPr bwMode="auto">
-          <a:xfrm>
-            <a:off x="2349480" y="3390589"/>
-            <a:ext cx="1967119" cy="1501197"/>
-          </a:xfrm>
-          <a:prstGeom prst="rect">
-            <a:avLst/>
-          </a:prstGeom>
-          <a:noFill/>
-          <a:ln w="12700">
-            <a:solidFill>
-              <a:schemeClr val="bg1"/>
-            </a:solidFill>
-            <a:miter lim="800000"/>
-            <a:headEnd/>
-            <a:tailEnd/>
-          </a:ln>
-          <a:extLst>
-            <a:ext uri="{909E8E84-426E-40DD-AFC4-6F175D3DCCD1}">
-              <a14:hiddenFill xmlns:a14="http://schemas.microsoft.com/office/drawing/2010/main">
-                <a:solidFill>
-                  <a:srgbClr val="FFFFFF"/>
-                </a:solidFill>
-              </a14:hiddenFill>
-            </a:ext>
-          </a:extLst>
-        </p:spPr>
-      </p:pic>
-      <p:sp>
-        <p:nvSpPr>
-          <p:cNvPr id="13" name="Oval 7"/>
-          <p:cNvSpPr>
-            <a:spLocks noChangeArrowheads="1"/>
-          </p:cNvSpPr>
-          <p:nvPr/>
-        </p:nvSpPr>
-        <p:spPr bwMode="auto">
-          <a:xfrm>
-            <a:off x="3471731" y="3664451"/>
-            <a:ext cx="387401" cy="370108"/>
-          </a:xfrm>
-          <a:prstGeom prst="ellipse">
-            <a:avLst/>
-          </a:prstGeom>
-          <a:noFill/>
-          <a:ln w="28575">
-            <a:solidFill>
-              <a:srgbClr val="FF5050"/>
-            </a:solidFill>
-            <a:round/>
-            <a:headEnd/>
-            <a:tailEnd/>
-          </a:ln>
-          <a:extLst>
-            <a:ext uri="{909E8E84-426E-40DD-AFC4-6F175D3DCCD1}">
-              <a14:hiddenFill xmlns:a14="http://schemas.microsoft.com/office/drawing/2010/main">
-                <a:solidFill>
-                  <a:srgbClr val="FFFFFF"/>
-                </a:solidFill>
-              </a14:hiddenFill>
-            </a:ext>
-          </a:extLst>
-        </p:spPr>
-        <p:txBody>
-          <a:bodyPr wrap="none" anchor="ctr"/>
-          <a:lstStyle/>
-          <a:p>
-            <a:endParaRPr lang="ru-RU">
-              <a:latin typeface="+mj-lt"/>
-            </a:endParaRPr>
-          </a:p>
-        </p:txBody>
-      </p:sp>
-      <p:pic>
-        <p:nvPicPr>
-          <p:cNvPr id="14" name="Picture 24" descr="Pribors"/>
-          <p:cNvPicPr>
-            <a:picLocks noChangeAspect="1" noChangeArrowheads="1"/>
-          </p:cNvPicPr>
-          <p:nvPr/>
-        </p:nvPicPr>
-        <p:blipFill rotWithShape="1">
-          <a:blip r:embed="rId4" cstate="print">
-            <a:extLst>
-              <a:ext uri="{28A0092B-C50C-407E-A947-70E740481C1C}">
-                <a14:useLocalDpi xmlns:a14="http://schemas.microsoft.com/office/drawing/2010/main" val="0"/>
-              </a:ext>
-            </a:extLst>
-          </a:blip>
-          <a:srcRect l="3441" t="8529" r="1449" b="691"/>
-          <a:stretch/>
-        </p:blipFill>
-        <p:spPr bwMode="auto">
-          <a:xfrm>
-            <a:off x="461963" y="900277"/>
-            <a:ext cx="3854636" cy="2602327"/>
-          </a:xfrm>
-          <a:prstGeom prst="rect">
-            <a:avLst/>
-          </a:prstGeom>
-          <a:noFill/>
-          <a:ln w="9525">
-            <a:solidFill>
-              <a:schemeClr val="bg1"/>
-            </a:solidFill>
-            <a:miter lim="800000"/>
-            <a:headEnd/>
-            <a:tailEnd/>
-          </a:ln>
-          <a:extLst>
-            <a:ext uri="{909E8E84-426E-40DD-AFC4-6F175D3DCCD1}">
-              <a14:hiddenFill xmlns:a14="http://schemas.microsoft.com/office/drawing/2010/main">
-                <a:solidFill>
-                  <a:srgbClr val="FFFFFF"/>
-                </a:solidFill>
-              </a14:hiddenFill>
-            </a:ext>
-          </a:extLst>
-        </p:spPr>
-      </p:pic>
-    </p:spTree>
-    <p:extLst>
-      <p:ext uri="{BB962C8B-B14F-4D97-AF65-F5344CB8AC3E}">
-        <p14:creationId xmlns:p14="http://schemas.microsoft.com/office/powerpoint/2010/main" val="1638731516"/>
-      </p:ext>
-    </p:extLst>
-  </p:cSld>
-  <p:clrMapOvr>
-    <a:masterClrMapping/>
-  </p:clrMapOvr>
-  <mc:AlternateContent xmlns:mc="http://schemas.openxmlformats.org/markup-compatibility/2006" xmlns:p14="http://schemas.microsoft.com/office/powerpoint/2010/main">
-    <mc:Choice Requires="p14">
-      <p:transition p14:dur="0"/>
-    </mc:Choice>
-    <mc:Fallback xmlns="">
-      <p:transition/>
-    </mc:Fallback>
-  </mc:AlternateContent>
-  <p:timing>
-    <p:tnLst>
-      <p:par>
-        <p:cTn id="1" dur="indefinite" restart="never" nodeType="tmRoot"/>
-      </p:par>
-    </p:tnLst>
-  </p:timing>
-</p:sld>
-</file>
-
-<file path=ppt/slides/slide8.xml><?xml version="1.0" encoding="utf-8"?>
+<file path=ppt/slides/slide10.xml><?xml version="1.0" encoding="utf-8"?>
 <p:sld xmlns:a="http://schemas.openxmlformats.org/drawingml/2006/main" xmlns:r="http://schemas.openxmlformats.org/officeDocument/2006/relationships" xmlns:p="http://schemas.openxmlformats.org/presentationml/2006/main">
   <p:cSld>
     <p:spTree>
@@ -8810,6 +4629,3345 @@
     <p:bldLst>
       <p:bldP spid="9" grpId="0" autoUpdateAnimBg="0"/>
     </p:bldLst>
+  </p:timing>
+</p:sld>
+</file>
+
+<file path=ppt/slides/slide2.xml><?xml version="1.0" encoding="utf-8"?>
+<p:sld xmlns:a="http://schemas.openxmlformats.org/drawingml/2006/main" xmlns:r="http://schemas.openxmlformats.org/officeDocument/2006/relationships" xmlns:p="http://schemas.openxmlformats.org/presentationml/2006/main">
+  <p:cSld>
+    <p:spTree>
+      <p:nvGrpSpPr>
+        <p:cNvPr id="1" name=""/>
+        <p:cNvGrpSpPr/>
+        <p:nvPr/>
+      </p:nvGrpSpPr>
+      <p:grpSpPr>
+        <a:xfrm>
+          <a:off x="0" y="0"/>
+          <a:ext cx="0" cy="0"/>
+          <a:chOff x="0" y="0"/>
+          <a:chExt cx="0" cy="0"/>
+        </a:xfrm>
+      </p:grpSpPr>
+      <p:sp>
+        <p:nvSpPr>
+          <p:cNvPr id="3" name="Заголовок 2"/>
+          <p:cNvSpPr>
+            <a:spLocks noGrp="1"/>
+          </p:cNvSpPr>
+          <p:nvPr>
+            <p:ph type="title"/>
+          </p:nvPr>
+        </p:nvSpPr>
+        <p:spPr/>
+        <p:txBody>
+          <a:bodyPr/>
+          <a:lstStyle/>
+          <a:p>
+            <a:r>
+              <a:rPr lang="ru-RU" dirty="0"/>
+              <a:t>Сложные климатические условия</a:t>
+            </a:r>
+          </a:p>
+        </p:txBody>
+      </p:sp>
+      <p:sp>
+        <p:nvSpPr>
+          <p:cNvPr id="4" name="Текст 3"/>
+          <p:cNvSpPr>
+            <a:spLocks noGrp="1"/>
+          </p:cNvSpPr>
+          <p:nvPr>
+            <p:ph type="body" sz="half" idx="2"/>
+          </p:nvPr>
+        </p:nvSpPr>
+        <p:spPr/>
+        <p:txBody>
+          <a:bodyPr/>
+          <a:lstStyle/>
+          <a:p>
+            <a:endParaRPr lang="ru-RU" sz="1600" dirty="0"/>
+          </a:p>
+        </p:txBody>
+      </p:sp>
+      <p:graphicFrame>
+        <p:nvGraphicFramePr>
+          <p:cNvPr id="2" name="Таблица 1"/>
+          <p:cNvGraphicFramePr>
+            <a:graphicFrameLocks noGrp="1"/>
+          </p:cNvGraphicFramePr>
+          <p:nvPr>
+            <p:extLst>
+              <p:ext uri="{D42A27DB-BD31-4B8C-83A1-F6EECF244321}">
+                <p14:modId xmlns:p14="http://schemas.microsoft.com/office/powerpoint/2010/main" val="3605519859"/>
+              </p:ext>
+            </p:extLst>
+          </p:nvPr>
+        </p:nvGraphicFramePr>
+        <p:xfrm>
+          <a:off x="4283968" y="1059582"/>
+          <a:ext cx="3960440" cy="2515736"/>
+        </p:xfrm>
+        <a:graphic>
+          <a:graphicData uri="http://schemas.openxmlformats.org/drawingml/2006/table">
+            <a:tbl>
+              <a:tblPr firstRow="1" bandRow="1">
+                <a:tableStyleId>{5C22544A-7EE6-4342-B048-85BDC9FD1C3A}</a:tableStyleId>
+              </a:tblPr>
+              <a:tblGrid>
+                <a:gridCol w="1368152"/>
+                <a:gridCol w="1440160"/>
+                <a:gridCol w="1152128"/>
+              </a:tblGrid>
+              <a:tr h="504056">
+                <a:tc>
+                  <a:txBody>
+                    <a:bodyPr/>
+                    <a:lstStyle/>
+                    <a:p>
+                      <a:pPr marL="0" marR="0" indent="0" algn="just">
+                        <a:lnSpc>
+                          <a:spcPct val="150000"/>
+                        </a:lnSpc>
+                        <a:spcBef>
+                          <a:spcPts val="0"/>
+                        </a:spcBef>
+                        <a:spcAft>
+                          <a:spcPts val="0"/>
+                        </a:spcAft>
+                      </a:pPr>
+                      <a:r>
+                        <a:rPr lang="ru-RU" sz="1100" dirty="0">
+                          <a:effectLst/>
+                        </a:rPr>
+                        <a:t>Датчик</a:t>
+                      </a:r>
+                      <a:endParaRPr lang="en-US" sz="1100" dirty="0">
+                        <a:effectLst/>
+                        <a:latin typeface="Times New Roman"/>
+                        <a:ea typeface="Times New Roman"/>
+                      </a:endParaRPr>
+                    </a:p>
+                  </a:txBody>
+                  <a:tcPr marL="30308" marR="30308" marT="0" marB="0"/>
+                </a:tc>
+                <a:tc>
+                  <a:txBody>
+                    <a:bodyPr/>
+                    <a:lstStyle/>
+                    <a:p>
+                      <a:pPr marL="0" marR="0" indent="0" algn="just">
+                        <a:lnSpc>
+                          <a:spcPct val="150000"/>
+                        </a:lnSpc>
+                        <a:spcBef>
+                          <a:spcPts val="0"/>
+                        </a:spcBef>
+                        <a:spcAft>
+                          <a:spcPts val="0"/>
+                        </a:spcAft>
+                      </a:pPr>
+                      <a:r>
+                        <a:rPr lang="ru-RU" sz="1100" dirty="0">
+                          <a:effectLst/>
+                        </a:rPr>
+                        <a:t>Погодные условия</a:t>
+                      </a:r>
+                      <a:endParaRPr lang="en-US" sz="1100" dirty="0">
+                        <a:effectLst/>
+                        <a:latin typeface="Times New Roman"/>
+                        <a:ea typeface="Times New Roman"/>
+                      </a:endParaRPr>
+                    </a:p>
+                  </a:txBody>
+                  <a:tcPr marL="30308" marR="30308" marT="0" marB="0"/>
+                </a:tc>
+                <a:tc>
+                  <a:txBody>
+                    <a:bodyPr/>
+                    <a:lstStyle/>
+                    <a:p>
+                      <a:pPr marL="0" marR="0" indent="0" algn="just">
+                        <a:lnSpc>
+                          <a:spcPct val="150000"/>
+                        </a:lnSpc>
+                        <a:spcBef>
+                          <a:spcPts val="0"/>
+                        </a:spcBef>
+                        <a:spcAft>
+                          <a:spcPts val="0"/>
+                        </a:spcAft>
+                      </a:pPr>
+                      <a:r>
+                        <a:rPr lang="ru-RU" sz="1100">
+                          <a:effectLst/>
+                        </a:rPr>
+                        <a:t>Применимость</a:t>
+                      </a:r>
+                      <a:endParaRPr lang="en-US" sz="1100">
+                        <a:effectLst/>
+                        <a:latin typeface="Times New Roman"/>
+                        <a:ea typeface="Times New Roman"/>
+                      </a:endParaRPr>
+                    </a:p>
+                  </a:txBody>
+                  <a:tcPr marL="30308" marR="30308" marT="0" marB="0"/>
+                </a:tc>
+              </a:tr>
+              <a:tr h="162817">
+                <a:tc rowSpan="4">
+                  <a:txBody>
+                    <a:bodyPr/>
+                    <a:lstStyle/>
+                    <a:p>
+                      <a:pPr marL="0" marR="0" indent="0" algn="just">
+                        <a:lnSpc>
+                          <a:spcPct val="150000"/>
+                        </a:lnSpc>
+                        <a:spcBef>
+                          <a:spcPts val="0"/>
+                        </a:spcBef>
+                        <a:spcAft>
+                          <a:spcPts val="0"/>
+                        </a:spcAft>
+                      </a:pPr>
+                      <a:r>
+                        <a:rPr lang="ru-RU" sz="1100" dirty="0">
+                          <a:effectLst/>
+                        </a:rPr>
+                        <a:t>Видеокамеры</a:t>
+                      </a:r>
+                      <a:endParaRPr lang="en-US" sz="1100" dirty="0">
+                        <a:effectLst/>
+                        <a:latin typeface="Times New Roman"/>
+                        <a:ea typeface="Times New Roman"/>
+                      </a:endParaRPr>
+                    </a:p>
+                  </a:txBody>
+                  <a:tcPr marL="30308" marR="30308" marT="0" marB="0"/>
+                </a:tc>
+                <a:tc>
+                  <a:txBody>
+                    <a:bodyPr/>
+                    <a:lstStyle/>
+                    <a:p>
+                      <a:pPr marL="0" marR="0" indent="0" algn="just">
+                        <a:lnSpc>
+                          <a:spcPct val="150000"/>
+                        </a:lnSpc>
+                        <a:spcBef>
+                          <a:spcPts val="0"/>
+                        </a:spcBef>
+                        <a:spcAft>
+                          <a:spcPts val="0"/>
+                        </a:spcAft>
+                      </a:pPr>
+                      <a:r>
+                        <a:rPr lang="ru-RU" sz="1100">
+                          <a:effectLst/>
+                        </a:rPr>
+                        <a:t>Полярная ночь</a:t>
+                      </a:r>
+                      <a:endParaRPr lang="en-US" sz="1100">
+                        <a:effectLst/>
+                        <a:latin typeface="Times New Roman"/>
+                        <a:ea typeface="Times New Roman"/>
+                      </a:endParaRPr>
+                    </a:p>
+                  </a:txBody>
+                  <a:tcPr marL="30308" marR="30308" marT="0" marB="0"/>
+                </a:tc>
+                <a:tc>
+                  <a:txBody>
+                    <a:bodyPr/>
+                    <a:lstStyle/>
+                    <a:p>
+                      <a:pPr marL="0" marR="0" indent="0" algn="ctr">
+                        <a:lnSpc>
+                          <a:spcPct val="150000"/>
+                        </a:lnSpc>
+                        <a:spcBef>
+                          <a:spcPts val="0"/>
+                        </a:spcBef>
+                        <a:spcAft>
+                          <a:spcPts val="0"/>
+                        </a:spcAft>
+                      </a:pPr>
+                      <a:r>
+                        <a:rPr lang="ru-RU" sz="1100" dirty="0">
+                          <a:effectLst/>
+                        </a:rPr>
+                        <a:t>-</a:t>
+                      </a:r>
+                      <a:endParaRPr lang="en-US" sz="1100" dirty="0">
+                        <a:effectLst/>
+                        <a:latin typeface="Times New Roman"/>
+                        <a:ea typeface="Times New Roman"/>
+                      </a:endParaRPr>
+                    </a:p>
+                  </a:txBody>
+                  <a:tcPr marL="30308" marR="30308" marT="0" marB="0"/>
+                </a:tc>
+              </a:tr>
+              <a:tr h="162817">
+                <a:tc vMerge="1">
+                  <a:txBody>
+                    <a:bodyPr/>
+                    <a:lstStyle/>
+                    <a:p>
+                      <a:endParaRPr lang="en-US"/>
+                    </a:p>
+                  </a:txBody>
+                  <a:tcPr/>
+                </a:tc>
+                <a:tc>
+                  <a:txBody>
+                    <a:bodyPr/>
+                    <a:lstStyle/>
+                    <a:p>
+                      <a:pPr marL="0" marR="0" indent="0" algn="just">
+                        <a:lnSpc>
+                          <a:spcPct val="150000"/>
+                        </a:lnSpc>
+                        <a:spcBef>
+                          <a:spcPts val="0"/>
+                        </a:spcBef>
+                        <a:spcAft>
+                          <a:spcPts val="0"/>
+                        </a:spcAft>
+                      </a:pPr>
+                      <a:r>
+                        <a:rPr lang="ru-RU" sz="1100">
+                          <a:effectLst/>
+                        </a:rPr>
+                        <a:t>Метель</a:t>
+                      </a:r>
+                      <a:endParaRPr lang="en-US" sz="1100">
+                        <a:effectLst/>
+                        <a:latin typeface="Times New Roman"/>
+                        <a:ea typeface="Times New Roman"/>
+                      </a:endParaRPr>
+                    </a:p>
+                  </a:txBody>
+                  <a:tcPr marL="30308" marR="30308" marT="0" marB="0"/>
+                </a:tc>
+                <a:tc>
+                  <a:txBody>
+                    <a:bodyPr/>
+                    <a:lstStyle/>
+                    <a:p>
+                      <a:pPr marL="0" marR="0" indent="0" algn="ctr">
+                        <a:lnSpc>
+                          <a:spcPct val="150000"/>
+                        </a:lnSpc>
+                        <a:spcBef>
+                          <a:spcPts val="0"/>
+                        </a:spcBef>
+                        <a:spcAft>
+                          <a:spcPts val="0"/>
+                        </a:spcAft>
+                      </a:pPr>
+                      <a:r>
+                        <a:rPr lang="ru-RU" sz="1100">
+                          <a:effectLst/>
+                        </a:rPr>
+                        <a:t>-</a:t>
+                      </a:r>
+                      <a:endParaRPr lang="en-US" sz="1100">
+                        <a:effectLst/>
+                        <a:latin typeface="Times New Roman"/>
+                        <a:ea typeface="Times New Roman"/>
+                      </a:endParaRPr>
+                    </a:p>
+                  </a:txBody>
+                  <a:tcPr marL="30308" marR="30308" marT="0" marB="0"/>
+                </a:tc>
+              </a:tr>
+              <a:tr h="162817">
+                <a:tc vMerge="1">
+                  <a:txBody>
+                    <a:bodyPr/>
+                    <a:lstStyle/>
+                    <a:p>
+                      <a:endParaRPr lang="en-US"/>
+                    </a:p>
+                  </a:txBody>
+                  <a:tcPr/>
+                </a:tc>
+                <a:tc>
+                  <a:txBody>
+                    <a:bodyPr/>
+                    <a:lstStyle/>
+                    <a:p>
+                      <a:pPr marL="0" marR="0" indent="0" algn="just">
+                        <a:lnSpc>
+                          <a:spcPct val="150000"/>
+                        </a:lnSpc>
+                        <a:spcBef>
+                          <a:spcPts val="0"/>
+                        </a:spcBef>
+                        <a:spcAft>
+                          <a:spcPts val="0"/>
+                        </a:spcAft>
+                      </a:pPr>
+                      <a:r>
+                        <a:rPr lang="ru-RU" sz="1100">
+                          <a:effectLst/>
+                        </a:rPr>
+                        <a:t>Сильный ветер</a:t>
+                      </a:r>
+                      <a:endParaRPr lang="en-US" sz="1100">
+                        <a:effectLst/>
+                        <a:latin typeface="Times New Roman"/>
+                        <a:ea typeface="Times New Roman"/>
+                      </a:endParaRPr>
+                    </a:p>
+                  </a:txBody>
+                  <a:tcPr marL="30308" marR="30308" marT="0" marB="0"/>
+                </a:tc>
+                <a:tc>
+                  <a:txBody>
+                    <a:bodyPr/>
+                    <a:lstStyle/>
+                    <a:p>
+                      <a:pPr marL="0" marR="0" indent="0" algn="ctr">
+                        <a:lnSpc>
+                          <a:spcPct val="150000"/>
+                        </a:lnSpc>
+                        <a:spcBef>
+                          <a:spcPts val="0"/>
+                        </a:spcBef>
+                        <a:spcAft>
+                          <a:spcPts val="0"/>
+                        </a:spcAft>
+                      </a:pPr>
+                      <a:r>
+                        <a:rPr lang="ru-RU" sz="1100">
+                          <a:effectLst/>
+                        </a:rPr>
+                        <a:t>+</a:t>
+                      </a:r>
+                      <a:endParaRPr lang="en-US" sz="1100">
+                        <a:effectLst/>
+                        <a:latin typeface="Times New Roman"/>
+                        <a:ea typeface="Times New Roman"/>
+                      </a:endParaRPr>
+                    </a:p>
+                  </a:txBody>
+                  <a:tcPr marL="30308" marR="30308" marT="0" marB="0"/>
+                </a:tc>
+              </a:tr>
+              <a:tr h="162817">
+                <a:tc vMerge="1">
+                  <a:txBody>
+                    <a:bodyPr/>
+                    <a:lstStyle/>
+                    <a:p>
+                      <a:endParaRPr lang="en-US"/>
+                    </a:p>
+                  </a:txBody>
+                  <a:tcPr/>
+                </a:tc>
+                <a:tc>
+                  <a:txBody>
+                    <a:bodyPr/>
+                    <a:lstStyle/>
+                    <a:p>
+                      <a:pPr marL="0" marR="0" indent="0" algn="just">
+                        <a:lnSpc>
+                          <a:spcPct val="150000"/>
+                        </a:lnSpc>
+                        <a:spcBef>
+                          <a:spcPts val="0"/>
+                        </a:spcBef>
+                        <a:spcAft>
+                          <a:spcPts val="0"/>
+                        </a:spcAft>
+                      </a:pPr>
+                      <a:r>
+                        <a:rPr lang="ru-RU" sz="1100" dirty="0">
+                          <a:effectLst/>
+                        </a:rPr>
+                        <a:t>Качка</a:t>
+                      </a:r>
+                      <a:endParaRPr lang="en-US" sz="1100" dirty="0">
+                        <a:effectLst/>
+                        <a:latin typeface="Times New Roman"/>
+                        <a:ea typeface="Times New Roman"/>
+                      </a:endParaRPr>
+                    </a:p>
+                  </a:txBody>
+                  <a:tcPr marL="30308" marR="30308" marT="0" marB="0"/>
+                </a:tc>
+                <a:tc>
+                  <a:txBody>
+                    <a:bodyPr/>
+                    <a:lstStyle/>
+                    <a:p>
+                      <a:pPr marL="0" marR="0" indent="0" algn="ctr">
+                        <a:lnSpc>
+                          <a:spcPct val="150000"/>
+                        </a:lnSpc>
+                        <a:spcBef>
+                          <a:spcPts val="0"/>
+                        </a:spcBef>
+                        <a:spcAft>
+                          <a:spcPts val="0"/>
+                        </a:spcAft>
+                      </a:pPr>
+                      <a:r>
+                        <a:rPr lang="ru-RU" sz="1100">
+                          <a:effectLst/>
+                        </a:rPr>
+                        <a:t>+</a:t>
+                      </a:r>
+                      <a:endParaRPr lang="en-US" sz="1100">
+                        <a:effectLst/>
+                        <a:latin typeface="Times New Roman"/>
+                        <a:ea typeface="Times New Roman"/>
+                      </a:endParaRPr>
+                    </a:p>
+                  </a:txBody>
+                  <a:tcPr marL="30308" marR="30308" marT="0" marB="0"/>
+                </a:tc>
+              </a:tr>
+              <a:tr h="162817">
+                <a:tc rowSpan="4">
+                  <a:txBody>
+                    <a:bodyPr/>
+                    <a:lstStyle/>
+                    <a:p>
+                      <a:pPr marL="0" marR="0" indent="0" algn="just">
+                        <a:lnSpc>
+                          <a:spcPct val="150000"/>
+                        </a:lnSpc>
+                        <a:spcBef>
+                          <a:spcPts val="0"/>
+                        </a:spcBef>
+                        <a:spcAft>
+                          <a:spcPts val="0"/>
+                        </a:spcAft>
+                      </a:pPr>
+                      <a:r>
+                        <a:rPr lang="ru-RU" sz="1100" dirty="0">
+                          <a:effectLst/>
+                        </a:rPr>
+                        <a:t>Ультразвуковой дальномер </a:t>
+                      </a:r>
+                      <a:endParaRPr lang="en-US" sz="1100" dirty="0">
+                        <a:effectLst/>
+                        <a:latin typeface="Times New Roman"/>
+                        <a:ea typeface="Times New Roman"/>
+                      </a:endParaRPr>
+                    </a:p>
+                  </a:txBody>
+                  <a:tcPr marL="30308" marR="30308" marT="0" marB="0"/>
+                </a:tc>
+                <a:tc>
+                  <a:txBody>
+                    <a:bodyPr/>
+                    <a:lstStyle/>
+                    <a:p>
+                      <a:pPr marL="0" marR="0" indent="0" algn="just">
+                        <a:lnSpc>
+                          <a:spcPct val="150000"/>
+                        </a:lnSpc>
+                        <a:spcBef>
+                          <a:spcPts val="0"/>
+                        </a:spcBef>
+                        <a:spcAft>
+                          <a:spcPts val="0"/>
+                        </a:spcAft>
+                      </a:pPr>
+                      <a:r>
+                        <a:rPr lang="ru-RU" sz="1100" dirty="0">
+                          <a:effectLst/>
+                        </a:rPr>
+                        <a:t>Полярная ночь</a:t>
+                      </a:r>
+                      <a:endParaRPr lang="en-US" sz="1100" dirty="0">
+                        <a:effectLst/>
+                        <a:latin typeface="Times New Roman"/>
+                        <a:ea typeface="Times New Roman"/>
+                      </a:endParaRPr>
+                    </a:p>
+                  </a:txBody>
+                  <a:tcPr marL="30308" marR="30308" marT="0" marB="0"/>
+                </a:tc>
+                <a:tc>
+                  <a:txBody>
+                    <a:bodyPr/>
+                    <a:lstStyle/>
+                    <a:p>
+                      <a:pPr marL="0" marR="0" indent="0" algn="ctr">
+                        <a:lnSpc>
+                          <a:spcPct val="150000"/>
+                        </a:lnSpc>
+                        <a:spcBef>
+                          <a:spcPts val="0"/>
+                        </a:spcBef>
+                        <a:spcAft>
+                          <a:spcPts val="0"/>
+                        </a:spcAft>
+                      </a:pPr>
+                      <a:r>
+                        <a:rPr lang="ru-RU" sz="1100">
+                          <a:effectLst/>
+                        </a:rPr>
+                        <a:t>+</a:t>
+                      </a:r>
+                      <a:endParaRPr lang="en-US" sz="1100">
+                        <a:effectLst/>
+                        <a:latin typeface="Times New Roman"/>
+                        <a:ea typeface="Times New Roman"/>
+                      </a:endParaRPr>
+                    </a:p>
+                  </a:txBody>
+                  <a:tcPr marL="30308" marR="30308" marT="0" marB="0"/>
+                </a:tc>
+              </a:tr>
+              <a:tr h="162817">
+                <a:tc vMerge="1">
+                  <a:txBody>
+                    <a:bodyPr/>
+                    <a:lstStyle/>
+                    <a:p>
+                      <a:endParaRPr lang="en-US"/>
+                    </a:p>
+                  </a:txBody>
+                  <a:tcPr/>
+                </a:tc>
+                <a:tc>
+                  <a:txBody>
+                    <a:bodyPr/>
+                    <a:lstStyle/>
+                    <a:p>
+                      <a:pPr marL="0" marR="0" indent="0" algn="just">
+                        <a:lnSpc>
+                          <a:spcPct val="150000"/>
+                        </a:lnSpc>
+                        <a:spcBef>
+                          <a:spcPts val="0"/>
+                        </a:spcBef>
+                        <a:spcAft>
+                          <a:spcPts val="0"/>
+                        </a:spcAft>
+                      </a:pPr>
+                      <a:r>
+                        <a:rPr lang="ru-RU" sz="1100" dirty="0">
+                          <a:effectLst/>
+                        </a:rPr>
+                        <a:t>Метель</a:t>
+                      </a:r>
+                      <a:endParaRPr lang="en-US" sz="1100" dirty="0">
+                        <a:effectLst/>
+                        <a:latin typeface="Times New Roman"/>
+                        <a:ea typeface="Times New Roman"/>
+                      </a:endParaRPr>
+                    </a:p>
+                  </a:txBody>
+                  <a:tcPr marL="30308" marR="30308" marT="0" marB="0"/>
+                </a:tc>
+                <a:tc>
+                  <a:txBody>
+                    <a:bodyPr/>
+                    <a:lstStyle/>
+                    <a:p>
+                      <a:pPr marL="0" marR="0" indent="0" algn="ctr">
+                        <a:lnSpc>
+                          <a:spcPct val="150000"/>
+                        </a:lnSpc>
+                        <a:spcBef>
+                          <a:spcPts val="0"/>
+                        </a:spcBef>
+                        <a:spcAft>
+                          <a:spcPts val="0"/>
+                        </a:spcAft>
+                      </a:pPr>
+                      <a:r>
+                        <a:rPr lang="ru-RU" sz="1100" dirty="0">
+                          <a:effectLst/>
+                        </a:rPr>
+                        <a:t>-</a:t>
+                      </a:r>
+                      <a:endParaRPr lang="en-US" sz="1100" dirty="0">
+                        <a:effectLst/>
+                        <a:latin typeface="Times New Roman"/>
+                        <a:ea typeface="Times New Roman"/>
+                      </a:endParaRPr>
+                    </a:p>
+                  </a:txBody>
+                  <a:tcPr marL="30308" marR="30308" marT="0" marB="0"/>
+                </a:tc>
+              </a:tr>
+              <a:tr h="162817">
+                <a:tc vMerge="1">
+                  <a:txBody>
+                    <a:bodyPr/>
+                    <a:lstStyle/>
+                    <a:p>
+                      <a:endParaRPr lang="en-US"/>
+                    </a:p>
+                  </a:txBody>
+                  <a:tcPr/>
+                </a:tc>
+                <a:tc>
+                  <a:txBody>
+                    <a:bodyPr/>
+                    <a:lstStyle/>
+                    <a:p>
+                      <a:pPr marL="0" marR="0" indent="0" algn="just">
+                        <a:lnSpc>
+                          <a:spcPct val="150000"/>
+                        </a:lnSpc>
+                        <a:spcBef>
+                          <a:spcPts val="0"/>
+                        </a:spcBef>
+                        <a:spcAft>
+                          <a:spcPts val="0"/>
+                        </a:spcAft>
+                      </a:pPr>
+                      <a:r>
+                        <a:rPr lang="ru-RU" sz="1100" dirty="0">
+                          <a:effectLst/>
+                        </a:rPr>
+                        <a:t>Сильный ветер</a:t>
+                      </a:r>
+                      <a:endParaRPr lang="en-US" sz="1100" dirty="0">
+                        <a:effectLst/>
+                        <a:latin typeface="Times New Roman"/>
+                        <a:ea typeface="Times New Roman"/>
+                      </a:endParaRPr>
+                    </a:p>
+                  </a:txBody>
+                  <a:tcPr marL="30308" marR="30308" marT="0" marB="0"/>
+                </a:tc>
+                <a:tc>
+                  <a:txBody>
+                    <a:bodyPr/>
+                    <a:lstStyle/>
+                    <a:p>
+                      <a:pPr marL="0" marR="0" indent="0" algn="ctr">
+                        <a:lnSpc>
+                          <a:spcPct val="150000"/>
+                        </a:lnSpc>
+                        <a:spcBef>
+                          <a:spcPts val="0"/>
+                        </a:spcBef>
+                        <a:spcAft>
+                          <a:spcPts val="0"/>
+                        </a:spcAft>
+                      </a:pPr>
+                      <a:r>
+                        <a:rPr lang="ru-RU" sz="1100" dirty="0">
+                          <a:effectLst/>
+                        </a:rPr>
+                        <a:t>-</a:t>
+                      </a:r>
+                      <a:endParaRPr lang="en-US" sz="1100" dirty="0">
+                        <a:effectLst/>
+                        <a:latin typeface="Times New Roman"/>
+                        <a:ea typeface="Times New Roman"/>
+                      </a:endParaRPr>
+                    </a:p>
+                  </a:txBody>
+                  <a:tcPr marL="30308" marR="30308" marT="0" marB="0"/>
+                </a:tc>
+              </a:tr>
+              <a:tr h="228000">
+                <a:tc vMerge="1">
+                  <a:txBody>
+                    <a:bodyPr/>
+                    <a:lstStyle/>
+                    <a:p>
+                      <a:endParaRPr lang="en-US"/>
+                    </a:p>
+                  </a:txBody>
+                  <a:tcPr/>
+                </a:tc>
+                <a:tc>
+                  <a:txBody>
+                    <a:bodyPr/>
+                    <a:lstStyle/>
+                    <a:p>
+                      <a:pPr marL="0" marR="0" indent="0" algn="just">
+                        <a:lnSpc>
+                          <a:spcPct val="150000"/>
+                        </a:lnSpc>
+                        <a:spcBef>
+                          <a:spcPts val="0"/>
+                        </a:spcBef>
+                        <a:spcAft>
+                          <a:spcPts val="0"/>
+                        </a:spcAft>
+                      </a:pPr>
+                      <a:r>
+                        <a:rPr lang="ru-RU" sz="1100" dirty="0">
+                          <a:effectLst/>
+                        </a:rPr>
+                        <a:t>Качка</a:t>
+                      </a:r>
+                      <a:endParaRPr lang="en-US" sz="1100" dirty="0">
+                        <a:effectLst/>
+                        <a:latin typeface="Times New Roman"/>
+                        <a:ea typeface="Times New Roman"/>
+                      </a:endParaRPr>
+                    </a:p>
+                  </a:txBody>
+                  <a:tcPr marL="30308" marR="30308" marT="0" marB="0"/>
+                </a:tc>
+                <a:tc>
+                  <a:txBody>
+                    <a:bodyPr/>
+                    <a:lstStyle/>
+                    <a:p>
+                      <a:pPr marL="0" marR="0" indent="0" algn="ctr">
+                        <a:lnSpc>
+                          <a:spcPct val="150000"/>
+                        </a:lnSpc>
+                        <a:spcBef>
+                          <a:spcPts val="0"/>
+                        </a:spcBef>
+                        <a:spcAft>
+                          <a:spcPts val="0"/>
+                        </a:spcAft>
+                      </a:pPr>
+                      <a:r>
+                        <a:rPr lang="ru-RU" sz="1100" dirty="0">
+                          <a:effectLst/>
+                        </a:rPr>
+                        <a:t>+</a:t>
+                      </a:r>
+                      <a:endParaRPr lang="en-US" sz="1100" dirty="0">
+                        <a:effectLst/>
+                        <a:latin typeface="Times New Roman"/>
+                        <a:ea typeface="Times New Roman"/>
+                      </a:endParaRPr>
+                    </a:p>
+                  </a:txBody>
+                  <a:tcPr marL="30308" marR="30308" marT="0" marB="0"/>
+                </a:tc>
+              </a:tr>
+            </a:tbl>
+          </a:graphicData>
+        </a:graphic>
+      </p:graphicFrame>
+      <p:graphicFrame>
+        <p:nvGraphicFramePr>
+          <p:cNvPr id="5" name="Таблица 4"/>
+          <p:cNvGraphicFramePr>
+            <a:graphicFrameLocks noGrp="1"/>
+          </p:cNvGraphicFramePr>
+          <p:nvPr>
+            <p:extLst>
+              <p:ext uri="{D42A27DB-BD31-4B8C-83A1-F6EECF244321}">
+                <p14:modId xmlns:p14="http://schemas.microsoft.com/office/powerpoint/2010/main" val="4225774929"/>
+              </p:ext>
+            </p:extLst>
+          </p:nvPr>
+        </p:nvGraphicFramePr>
+        <p:xfrm>
+          <a:off x="611560" y="1059576"/>
+          <a:ext cx="3600400" cy="3520440"/>
+        </p:xfrm>
+        <a:graphic>
+          <a:graphicData uri="http://schemas.openxmlformats.org/drawingml/2006/table">
+            <a:tbl>
+              <a:tblPr firstRow="1" bandRow="1">
+                <a:tableStyleId>{5C22544A-7EE6-4342-B048-85BDC9FD1C3A}</a:tableStyleId>
+              </a:tblPr>
+              <a:tblGrid>
+                <a:gridCol w="1400043"/>
+                <a:gridCol w="1120237"/>
+                <a:gridCol w="1080120"/>
+              </a:tblGrid>
+              <a:tr h="498376">
+                <a:tc>
+                  <a:txBody>
+                    <a:bodyPr/>
+                    <a:lstStyle/>
+                    <a:p>
+                      <a:pPr marL="0" marR="0" indent="0" algn="just">
+                        <a:lnSpc>
+                          <a:spcPct val="150000"/>
+                        </a:lnSpc>
+                        <a:spcBef>
+                          <a:spcPts val="0"/>
+                        </a:spcBef>
+                        <a:spcAft>
+                          <a:spcPts val="0"/>
+                        </a:spcAft>
+                      </a:pPr>
+                      <a:r>
+                        <a:rPr lang="ru-RU" sz="1100" dirty="0">
+                          <a:effectLst/>
+                        </a:rPr>
+                        <a:t>Датчик</a:t>
+                      </a:r>
+                      <a:endParaRPr lang="en-US" sz="1100" dirty="0">
+                        <a:effectLst/>
+                        <a:latin typeface="Times New Roman"/>
+                        <a:ea typeface="Times New Roman"/>
+                      </a:endParaRPr>
+                    </a:p>
+                  </a:txBody>
+                  <a:tcPr marL="30308" marR="30308" marT="0" marB="0"/>
+                </a:tc>
+                <a:tc>
+                  <a:txBody>
+                    <a:bodyPr/>
+                    <a:lstStyle/>
+                    <a:p>
+                      <a:pPr marL="0" marR="0" indent="0" algn="just">
+                        <a:lnSpc>
+                          <a:spcPct val="150000"/>
+                        </a:lnSpc>
+                        <a:spcBef>
+                          <a:spcPts val="0"/>
+                        </a:spcBef>
+                        <a:spcAft>
+                          <a:spcPts val="0"/>
+                        </a:spcAft>
+                      </a:pPr>
+                      <a:r>
+                        <a:rPr lang="ru-RU" sz="1100" dirty="0">
+                          <a:effectLst/>
+                        </a:rPr>
+                        <a:t>Погодные условия</a:t>
+                      </a:r>
+                      <a:endParaRPr lang="en-US" sz="1100" dirty="0">
+                        <a:effectLst/>
+                        <a:latin typeface="Times New Roman"/>
+                        <a:ea typeface="Times New Roman"/>
+                      </a:endParaRPr>
+                    </a:p>
+                  </a:txBody>
+                  <a:tcPr marL="30308" marR="30308" marT="0" marB="0"/>
+                </a:tc>
+                <a:tc>
+                  <a:txBody>
+                    <a:bodyPr/>
+                    <a:lstStyle/>
+                    <a:p>
+                      <a:pPr marL="0" marR="0" indent="0" algn="just">
+                        <a:lnSpc>
+                          <a:spcPct val="150000"/>
+                        </a:lnSpc>
+                        <a:spcBef>
+                          <a:spcPts val="0"/>
+                        </a:spcBef>
+                        <a:spcAft>
+                          <a:spcPts val="0"/>
+                        </a:spcAft>
+                      </a:pPr>
+                      <a:r>
+                        <a:rPr lang="ru-RU" sz="1100">
+                          <a:effectLst/>
+                        </a:rPr>
+                        <a:t>Применимость</a:t>
+                      </a:r>
+                      <a:endParaRPr lang="en-US" sz="1100">
+                        <a:effectLst/>
+                        <a:latin typeface="Times New Roman"/>
+                        <a:ea typeface="Times New Roman"/>
+                      </a:endParaRPr>
+                    </a:p>
+                  </a:txBody>
+                  <a:tcPr marL="30308" marR="30308" marT="0" marB="0"/>
+                </a:tc>
+              </a:tr>
+              <a:tr h="235129">
+                <a:tc rowSpan="4">
+                  <a:txBody>
+                    <a:bodyPr/>
+                    <a:lstStyle/>
+                    <a:p>
+                      <a:pPr marL="0" marR="0" indent="0" algn="just">
+                        <a:lnSpc>
+                          <a:spcPct val="150000"/>
+                        </a:lnSpc>
+                        <a:spcBef>
+                          <a:spcPts val="0"/>
+                        </a:spcBef>
+                        <a:spcAft>
+                          <a:spcPts val="0"/>
+                        </a:spcAft>
+                      </a:pPr>
+                      <a:r>
+                        <a:rPr lang="ru-RU" sz="1100" dirty="0">
+                          <a:effectLst/>
+                        </a:rPr>
+                        <a:t>Лазерный дальномер</a:t>
+                      </a:r>
+                      <a:endParaRPr lang="en-US" sz="1100" dirty="0">
+                        <a:effectLst/>
+                        <a:latin typeface="Times New Roman"/>
+                        <a:ea typeface="Times New Roman"/>
+                      </a:endParaRPr>
+                    </a:p>
+                  </a:txBody>
+                  <a:tcPr marL="30308" marR="30308" marT="0" marB="0"/>
+                </a:tc>
+                <a:tc>
+                  <a:txBody>
+                    <a:bodyPr/>
+                    <a:lstStyle/>
+                    <a:p>
+                      <a:pPr marL="0" marR="0" indent="0" algn="just">
+                        <a:lnSpc>
+                          <a:spcPct val="150000"/>
+                        </a:lnSpc>
+                        <a:spcBef>
+                          <a:spcPts val="0"/>
+                        </a:spcBef>
+                        <a:spcAft>
+                          <a:spcPts val="0"/>
+                        </a:spcAft>
+                      </a:pPr>
+                      <a:r>
+                        <a:rPr lang="ru-RU" sz="1100">
+                          <a:effectLst/>
+                        </a:rPr>
+                        <a:t>Полярная ночь</a:t>
+                      </a:r>
+                      <a:endParaRPr lang="en-US" sz="1100">
+                        <a:effectLst/>
+                        <a:latin typeface="Times New Roman"/>
+                        <a:ea typeface="Times New Roman"/>
+                      </a:endParaRPr>
+                    </a:p>
+                  </a:txBody>
+                  <a:tcPr marL="30308" marR="30308" marT="0" marB="0"/>
+                </a:tc>
+                <a:tc>
+                  <a:txBody>
+                    <a:bodyPr/>
+                    <a:lstStyle/>
+                    <a:p>
+                      <a:pPr marL="0" marR="0" indent="0" algn="ctr">
+                        <a:lnSpc>
+                          <a:spcPct val="150000"/>
+                        </a:lnSpc>
+                        <a:spcBef>
+                          <a:spcPts val="0"/>
+                        </a:spcBef>
+                        <a:spcAft>
+                          <a:spcPts val="0"/>
+                        </a:spcAft>
+                      </a:pPr>
+                      <a:r>
+                        <a:rPr lang="ru-RU" sz="1100">
+                          <a:effectLst/>
+                        </a:rPr>
+                        <a:t>+</a:t>
+                      </a:r>
+                      <a:endParaRPr lang="en-US" sz="1100">
+                        <a:effectLst/>
+                        <a:latin typeface="Times New Roman"/>
+                        <a:ea typeface="Times New Roman"/>
+                      </a:endParaRPr>
+                    </a:p>
+                  </a:txBody>
+                  <a:tcPr marL="30308" marR="30308" marT="0" marB="0"/>
+                </a:tc>
+              </a:tr>
+              <a:tr h="235129">
+                <a:tc vMerge="1">
+                  <a:txBody>
+                    <a:bodyPr/>
+                    <a:lstStyle/>
+                    <a:p>
+                      <a:endParaRPr lang="en-US"/>
+                    </a:p>
+                  </a:txBody>
+                  <a:tcPr/>
+                </a:tc>
+                <a:tc>
+                  <a:txBody>
+                    <a:bodyPr/>
+                    <a:lstStyle/>
+                    <a:p>
+                      <a:pPr marL="0" marR="0" indent="0" algn="just">
+                        <a:lnSpc>
+                          <a:spcPct val="150000"/>
+                        </a:lnSpc>
+                        <a:spcBef>
+                          <a:spcPts val="0"/>
+                        </a:spcBef>
+                        <a:spcAft>
+                          <a:spcPts val="0"/>
+                        </a:spcAft>
+                      </a:pPr>
+                      <a:r>
+                        <a:rPr lang="ru-RU" sz="1100">
+                          <a:effectLst/>
+                        </a:rPr>
+                        <a:t>Метель</a:t>
+                      </a:r>
+                      <a:endParaRPr lang="en-US" sz="1100">
+                        <a:effectLst/>
+                        <a:latin typeface="Times New Roman"/>
+                        <a:ea typeface="Times New Roman"/>
+                      </a:endParaRPr>
+                    </a:p>
+                  </a:txBody>
+                  <a:tcPr marL="30308" marR="30308" marT="0" marB="0"/>
+                </a:tc>
+                <a:tc>
+                  <a:txBody>
+                    <a:bodyPr/>
+                    <a:lstStyle/>
+                    <a:p>
+                      <a:pPr marL="0" marR="0" indent="0" algn="ctr">
+                        <a:lnSpc>
+                          <a:spcPct val="150000"/>
+                        </a:lnSpc>
+                        <a:spcBef>
+                          <a:spcPts val="0"/>
+                        </a:spcBef>
+                        <a:spcAft>
+                          <a:spcPts val="0"/>
+                        </a:spcAft>
+                      </a:pPr>
+                      <a:r>
+                        <a:rPr lang="ru-RU" sz="1100">
+                          <a:effectLst/>
+                        </a:rPr>
+                        <a:t>-</a:t>
+                      </a:r>
+                      <a:endParaRPr lang="en-US" sz="1100">
+                        <a:effectLst/>
+                        <a:latin typeface="Times New Roman"/>
+                        <a:ea typeface="Times New Roman"/>
+                      </a:endParaRPr>
+                    </a:p>
+                  </a:txBody>
+                  <a:tcPr marL="30308" marR="30308" marT="0" marB="0"/>
+                </a:tc>
+              </a:tr>
+              <a:tr h="235129">
+                <a:tc vMerge="1">
+                  <a:txBody>
+                    <a:bodyPr/>
+                    <a:lstStyle/>
+                    <a:p>
+                      <a:endParaRPr lang="en-US"/>
+                    </a:p>
+                  </a:txBody>
+                  <a:tcPr/>
+                </a:tc>
+                <a:tc>
+                  <a:txBody>
+                    <a:bodyPr/>
+                    <a:lstStyle/>
+                    <a:p>
+                      <a:pPr marL="0" marR="0" indent="0" algn="just">
+                        <a:lnSpc>
+                          <a:spcPct val="150000"/>
+                        </a:lnSpc>
+                        <a:spcBef>
+                          <a:spcPts val="0"/>
+                        </a:spcBef>
+                        <a:spcAft>
+                          <a:spcPts val="0"/>
+                        </a:spcAft>
+                      </a:pPr>
+                      <a:r>
+                        <a:rPr lang="ru-RU" sz="1100">
+                          <a:effectLst/>
+                        </a:rPr>
+                        <a:t>Сильный ветер</a:t>
+                      </a:r>
+                      <a:endParaRPr lang="en-US" sz="1100">
+                        <a:effectLst/>
+                        <a:latin typeface="Times New Roman"/>
+                        <a:ea typeface="Times New Roman"/>
+                      </a:endParaRPr>
+                    </a:p>
+                  </a:txBody>
+                  <a:tcPr marL="30308" marR="30308" marT="0" marB="0"/>
+                </a:tc>
+                <a:tc>
+                  <a:txBody>
+                    <a:bodyPr/>
+                    <a:lstStyle/>
+                    <a:p>
+                      <a:pPr marL="0" marR="0" indent="0" algn="ctr">
+                        <a:lnSpc>
+                          <a:spcPct val="150000"/>
+                        </a:lnSpc>
+                        <a:spcBef>
+                          <a:spcPts val="0"/>
+                        </a:spcBef>
+                        <a:spcAft>
+                          <a:spcPts val="0"/>
+                        </a:spcAft>
+                      </a:pPr>
+                      <a:r>
+                        <a:rPr lang="ru-RU" sz="1100">
+                          <a:effectLst/>
+                        </a:rPr>
+                        <a:t>+</a:t>
+                      </a:r>
+                      <a:endParaRPr lang="en-US" sz="1100">
+                        <a:effectLst/>
+                        <a:latin typeface="Times New Roman"/>
+                        <a:ea typeface="Times New Roman"/>
+                      </a:endParaRPr>
+                    </a:p>
+                  </a:txBody>
+                  <a:tcPr marL="30308" marR="30308" marT="0" marB="0"/>
+                </a:tc>
+              </a:tr>
+              <a:tr h="235129">
+                <a:tc vMerge="1">
+                  <a:txBody>
+                    <a:bodyPr/>
+                    <a:lstStyle/>
+                    <a:p>
+                      <a:endParaRPr lang="en-US"/>
+                    </a:p>
+                  </a:txBody>
+                  <a:tcPr/>
+                </a:tc>
+                <a:tc>
+                  <a:txBody>
+                    <a:bodyPr/>
+                    <a:lstStyle/>
+                    <a:p>
+                      <a:pPr marL="0" marR="0" indent="0" algn="just">
+                        <a:lnSpc>
+                          <a:spcPct val="150000"/>
+                        </a:lnSpc>
+                        <a:spcBef>
+                          <a:spcPts val="0"/>
+                        </a:spcBef>
+                        <a:spcAft>
+                          <a:spcPts val="0"/>
+                        </a:spcAft>
+                      </a:pPr>
+                      <a:r>
+                        <a:rPr lang="ru-RU" sz="1100" dirty="0">
+                          <a:effectLst/>
+                        </a:rPr>
+                        <a:t>Качка</a:t>
+                      </a:r>
+                      <a:endParaRPr lang="en-US" sz="1100" dirty="0">
+                        <a:effectLst/>
+                        <a:latin typeface="Times New Roman"/>
+                        <a:ea typeface="Times New Roman"/>
+                      </a:endParaRPr>
+                    </a:p>
+                  </a:txBody>
+                  <a:tcPr marL="30308" marR="30308" marT="0" marB="0"/>
+                </a:tc>
+                <a:tc>
+                  <a:txBody>
+                    <a:bodyPr/>
+                    <a:lstStyle/>
+                    <a:p>
+                      <a:pPr marL="0" marR="0" indent="0" algn="ctr">
+                        <a:lnSpc>
+                          <a:spcPct val="150000"/>
+                        </a:lnSpc>
+                        <a:spcBef>
+                          <a:spcPts val="0"/>
+                        </a:spcBef>
+                        <a:spcAft>
+                          <a:spcPts val="0"/>
+                        </a:spcAft>
+                      </a:pPr>
+                      <a:r>
+                        <a:rPr lang="ru-RU" sz="1100">
+                          <a:effectLst/>
+                        </a:rPr>
+                        <a:t>+</a:t>
+                      </a:r>
+                      <a:endParaRPr lang="en-US" sz="1100">
+                        <a:effectLst/>
+                        <a:latin typeface="Times New Roman"/>
+                        <a:ea typeface="Times New Roman"/>
+                      </a:endParaRPr>
+                    </a:p>
+                  </a:txBody>
+                  <a:tcPr marL="30308" marR="30308" marT="0" marB="0"/>
+                </a:tc>
+              </a:tr>
+              <a:tr h="235129">
+                <a:tc rowSpan="4">
+                  <a:txBody>
+                    <a:bodyPr/>
+                    <a:lstStyle/>
+                    <a:p>
+                      <a:pPr marL="0" marR="0" indent="0" algn="just">
+                        <a:lnSpc>
+                          <a:spcPct val="150000"/>
+                        </a:lnSpc>
+                        <a:spcBef>
+                          <a:spcPts val="0"/>
+                        </a:spcBef>
+                        <a:spcAft>
+                          <a:spcPts val="0"/>
+                        </a:spcAft>
+                      </a:pPr>
+                      <a:r>
+                        <a:rPr lang="ru-RU" sz="1100" dirty="0">
+                          <a:effectLst/>
+                        </a:rPr>
+                        <a:t>Глобальная система навигации</a:t>
+                      </a:r>
+                      <a:endParaRPr lang="en-US" sz="1100" dirty="0">
+                        <a:effectLst/>
+                        <a:latin typeface="Times New Roman"/>
+                        <a:ea typeface="Times New Roman"/>
+                      </a:endParaRPr>
+                    </a:p>
+                  </a:txBody>
+                  <a:tcPr marL="30308" marR="30308" marT="0" marB="0"/>
+                </a:tc>
+                <a:tc>
+                  <a:txBody>
+                    <a:bodyPr/>
+                    <a:lstStyle/>
+                    <a:p>
+                      <a:pPr marL="0" marR="0" indent="0" algn="just">
+                        <a:lnSpc>
+                          <a:spcPct val="150000"/>
+                        </a:lnSpc>
+                        <a:spcBef>
+                          <a:spcPts val="0"/>
+                        </a:spcBef>
+                        <a:spcAft>
+                          <a:spcPts val="0"/>
+                        </a:spcAft>
+                      </a:pPr>
+                      <a:r>
+                        <a:rPr lang="ru-RU" sz="1100" dirty="0">
+                          <a:effectLst/>
+                        </a:rPr>
+                        <a:t>Полярная ночь</a:t>
+                      </a:r>
+                      <a:endParaRPr lang="en-US" sz="1100" dirty="0">
+                        <a:effectLst/>
+                        <a:latin typeface="Times New Roman"/>
+                        <a:ea typeface="Times New Roman"/>
+                      </a:endParaRPr>
+                    </a:p>
+                  </a:txBody>
+                  <a:tcPr marL="30308" marR="30308" marT="0" marB="0"/>
+                </a:tc>
+                <a:tc>
+                  <a:txBody>
+                    <a:bodyPr/>
+                    <a:lstStyle/>
+                    <a:p>
+                      <a:pPr marL="0" marR="0" indent="0" algn="ctr">
+                        <a:lnSpc>
+                          <a:spcPct val="150000"/>
+                        </a:lnSpc>
+                        <a:spcBef>
+                          <a:spcPts val="0"/>
+                        </a:spcBef>
+                        <a:spcAft>
+                          <a:spcPts val="0"/>
+                        </a:spcAft>
+                      </a:pPr>
+                      <a:r>
+                        <a:rPr lang="ru-RU" sz="1100">
+                          <a:effectLst/>
+                        </a:rPr>
+                        <a:t>+</a:t>
+                      </a:r>
+                      <a:endParaRPr lang="en-US" sz="1100">
+                        <a:effectLst/>
+                        <a:latin typeface="Times New Roman"/>
+                        <a:ea typeface="Times New Roman"/>
+                      </a:endParaRPr>
+                    </a:p>
+                  </a:txBody>
+                  <a:tcPr marL="30308" marR="30308" marT="0" marB="0"/>
+                </a:tc>
+              </a:tr>
+              <a:tr h="235129">
+                <a:tc vMerge="1">
+                  <a:txBody>
+                    <a:bodyPr/>
+                    <a:lstStyle/>
+                    <a:p>
+                      <a:endParaRPr lang="en-US"/>
+                    </a:p>
+                  </a:txBody>
+                  <a:tcPr/>
+                </a:tc>
+                <a:tc>
+                  <a:txBody>
+                    <a:bodyPr/>
+                    <a:lstStyle/>
+                    <a:p>
+                      <a:pPr marL="0" marR="0" indent="0" algn="just">
+                        <a:lnSpc>
+                          <a:spcPct val="150000"/>
+                        </a:lnSpc>
+                        <a:spcBef>
+                          <a:spcPts val="0"/>
+                        </a:spcBef>
+                        <a:spcAft>
+                          <a:spcPts val="0"/>
+                        </a:spcAft>
+                      </a:pPr>
+                      <a:r>
+                        <a:rPr lang="ru-RU" sz="1100" dirty="0">
+                          <a:effectLst/>
+                        </a:rPr>
+                        <a:t>Метель</a:t>
+                      </a:r>
+                      <a:endParaRPr lang="en-US" sz="1100" dirty="0">
+                        <a:effectLst/>
+                        <a:latin typeface="Times New Roman"/>
+                        <a:ea typeface="Times New Roman"/>
+                      </a:endParaRPr>
+                    </a:p>
+                  </a:txBody>
+                  <a:tcPr marL="30308" marR="30308" marT="0" marB="0"/>
+                </a:tc>
+                <a:tc>
+                  <a:txBody>
+                    <a:bodyPr/>
+                    <a:lstStyle/>
+                    <a:p>
+                      <a:pPr marL="0" marR="0" indent="0" algn="ctr">
+                        <a:lnSpc>
+                          <a:spcPct val="150000"/>
+                        </a:lnSpc>
+                        <a:spcBef>
+                          <a:spcPts val="0"/>
+                        </a:spcBef>
+                        <a:spcAft>
+                          <a:spcPts val="0"/>
+                        </a:spcAft>
+                      </a:pPr>
+                      <a:r>
+                        <a:rPr lang="ru-RU" sz="1100">
+                          <a:effectLst/>
+                        </a:rPr>
+                        <a:t>+</a:t>
+                      </a:r>
+                      <a:endParaRPr lang="en-US" sz="1100">
+                        <a:effectLst/>
+                        <a:latin typeface="Times New Roman"/>
+                        <a:ea typeface="Times New Roman"/>
+                      </a:endParaRPr>
+                    </a:p>
+                  </a:txBody>
+                  <a:tcPr marL="30308" marR="30308" marT="0" marB="0"/>
+                </a:tc>
+              </a:tr>
+              <a:tr h="235129">
+                <a:tc vMerge="1">
+                  <a:txBody>
+                    <a:bodyPr/>
+                    <a:lstStyle/>
+                    <a:p>
+                      <a:endParaRPr lang="en-US"/>
+                    </a:p>
+                  </a:txBody>
+                  <a:tcPr/>
+                </a:tc>
+                <a:tc>
+                  <a:txBody>
+                    <a:bodyPr/>
+                    <a:lstStyle/>
+                    <a:p>
+                      <a:pPr marL="0" marR="0" indent="0" algn="just">
+                        <a:lnSpc>
+                          <a:spcPct val="150000"/>
+                        </a:lnSpc>
+                        <a:spcBef>
+                          <a:spcPts val="0"/>
+                        </a:spcBef>
+                        <a:spcAft>
+                          <a:spcPts val="0"/>
+                        </a:spcAft>
+                      </a:pPr>
+                      <a:r>
+                        <a:rPr lang="ru-RU" sz="1100" dirty="0">
+                          <a:effectLst/>
+                        </a:rPr>
+                        <a:t>Сильный ветер</a:t>
+                      </a:r>
+                      <a:endParaRPr lang="en-US" sz="1100" dirty="0">
+                        <a:effectLst/>
+                        <a:latin typeface="Times New Roman"/>
+                        <a:ea typeface="Times New Roman"/>
+                      </a:endParaRPr>
+                    </a:p>
+                  </a:txBody>
+                  <a:tcPr marL="30308" marR="30308" marT="0" marB="0"/>
+                </a:tc>
+                <a:tc>
+                  <a:txBody>
+                    <a:bodyPr/>
+                    <a:lstStyle/>
+                    <a:p>
+                      <a:pPr marL="0" marR="0" indent="0" algn="ctr">
+                        <a:lnSpc>
+                          <a:spcPct val="150000"/>
+                        </a:lnSpc>
+                        <a:spcBef>
+                          <a:spcPts val="0"/>
+                        </a:spcBef>
+                        <a:spcAft>
+                          <a:spcPts val="0"/>
+                        </a:spcAft>
+                      </a:pPr>
+                      <a:r>
+                        <a:rPr lang="ru-RU" sz="1100">
+                          <a:effectLst/>
+                        </a:rPr>
+                        <a:t>+</a:t>
+                      </a:r>
+                      <a:endParaRPr lang="en-US" sz="1100">
+                        <a:effectLst/>
+                        <a:latin typeface="Times New Roman"/>
+                        <a:ea typeface="Times New Roman"/>
+                      </a:endParaRPr>
+                    </a:p>
+                  </a:txBody>
+                  <a:tcPr marL="30308" marR="30308" marT="0" marB="0"/>
+                </a:tc>
+              </a:tr>
+              <a:tr h="235129">
+                <a:tc vMerge="1">
+                  <a:txBody>
+                    <a:bodyPr/>
+                    <a:lstStyle/>
+                    <a:p>
+                      <a:endParaRPr lang="en-US"/>
+                    </a:p>
+                  </a:txBody>
+                  <a:tcPr/>
+                </a:tc>
+                <a:tc>
+                  <a:txBody>
+                    <a:bodyPr/>
+                    <a:lstStyle/>
+                    <a:p>
+                      <a:pPr marL="0" marR="0" indent="0" algn="just">
+                        <a:lnSpc>
+                          <a:spcPct val="150000"/>
+                        </a:lnSpc>
+                        <a:spcBef>
+                          <a:spcPts val="0"/>
+                        </a:spcBef>
+                        <a:spcAft>
+                          <a:spcPts val="0"/>
+                        </a:spcAft>
+                      </a:pPr>
+                      <a:r>
+                        <a:rPr lang="ru-RU" sz="1100" dirty="0">
+                          <a:effectLst/>
+                        </a:rPr>
+                        <a:t>Качка</a:t>
+                      </a:r>
+                      <a:endParaRPr lang="en-US" sz="1100" dirty="0">
+                        <a:effectLst/>
+                        <a:latin typeface="Times New Roman"/>
+                        <a:ea typeface="Times New Roman"/>
+                      </a:endParaRPr>
+                    </a:p>
+                  </a:txBody>
+                  <a:tcPr marL="30308" marR="30308" marT="0" marB="0"/>
+                </a:tc>
+                <a:tc>
+                  <a:txBody>
+                    <a:bodyPr/>
+                    <a:lstStyle/>
+                    <a:p>
+                      <a:pPr marL="0" marR="0" indent="0" algn="ctr">
+                        <a:lnSpc>
+                          <a:spcPct val="150000"/>
+                        </a:lnSpc>
+                        <a:spcBef>
+                          <a:spcPts val="0"/>
+                        </a:spcBef>
+                        <a:spcAft>
+                          <a:spcPts val="0"/>
+                        </a:spcAft>
+                      </a:pPr>
+                      <a:r>
+                        <a:rPr lang="ru-RU" sz="1100" dirty="0">
+                          <a:effectLst/>
+                        </a:rPr>
+                        <a:t>+</a:t>
+                      </a:r>
+                      <a:endParaRPr lang="en-US" sz="1100" dirty="0">
+                        <a:effectLst/>
+                        <a:latin typeface="Times New Roman"/>
+                        <a:ea typeface="Times New Roman"/>
+                      </a:endParaRPr>
+                    </a:p>
+                  </a:txBody>
+                  <a:tcPr marL="30308" marR="30308" marT="0" marB="0"/>
+                </a:tc>
+              </a:tr>
+              <a:tr h="235129">
+                <a:tc rowSpan="4">
+                  <a:txBody>
+                    <a:bodyPr/>
+                    <a:lstStyle/>
+                    <a:p>
+                      <a:pPr marL="0" marR="0" indent="0" algn="just">
+                        <a:lnSpc>
+                          <a:spcPct val="150000"/>
+                        </a:lnSpc>
+                        <a:spcBef>
+                          <a:spcPts val="0"/>
+                        </a:spcBef>
+                        <a:spcAft>
+                          <a:spcPts val="0"/>
+                        </a:spcAft>
+                      </a:pPr>
+                      <a:r>
+                        <a:rPr lang="ru-RU" sz="1100" dirty="0">
+                          <a:effectLst/>
+                        </a:rPr>
+                        <a:t>Инерциальная навигационная система</a:t>
+                      </a:r>
+                      <a:endParaRPr lang="en-US" sz="1100" dirty="0">
+                        <a:effectLst/>
+                        <a:latin typeface="Times New Roman"/>
+                        <a:ea typeface="Times New Roman"/>
+                      </a:endParaRPr>
+                    </a:p>
+                  </a:txBody>
+                  <a:tcPr marL="30308" marR="30308" marT="0" marB="0"/>
+                </a:tc>
+                <a:tc>
+                  <a:txBody>
+                    <a:bodyPr/>
+                    <a:lstStyle/>
+                    <a:p>
+                      <a:pPr marL="0" marR="0" indent="0" algn="just">
+                        <a:lnSpc>
+                          <a:spcPct val="150000"/>
+                        </a:lnSpc>
+                        <a:spcBef>
+                          <a:spcPts val="0"/>
+                        </a:spcBef>
+                        <a:spcAft>
+                          <a:spcPts val="0"/>
+                        </a:spcAft>
+                      </a:pPr>
+                      <a:r>
+                        <a:rPr lang="ru-RU" sz="1100">
+                          <a:effectLst/>
+                        </a:rPr>
+                        <a:t>Полярная ночь</a:t>
+                      </a:r>
+                      <a:endParaRPr lang="en-US" sz="1100">
+                        <a:effectLst/>
+                        <a:latin typeface="Times New Roman"/>
+                        <a:ea typeface="Times New Roman"/>
+                      </a:endParaRPr>
+                    </a:p>
+                  </a:txBody>
+                  <a:tcPr marL="30308" marR="30308" marT="0" marB="0"/>
+                </a:tc>
+                <a:tc>
+                  <a:txBody>
+                    <a:bodyPr/>
+                    <a:lstStyle/>
+                    <a:p>
+                      <a:pPr marL="0" marR="0" indent="0" algn="ctr">
+                        <a:lnSpc>
+                          <a:spcPct val="150000"/>
+                        </a:lnSpc>
+                        <a:spcBef>
+                          <a:spcPts val="0"/>
+                        </a:spcBef>
+                        <a:spcAft>
+                          <a:spcPts val="0"/>
+                        </a:spcAft>
+                      </a:pPr>
+                      <a:r>
+                        <a:rPr lang="ru-RU" sz="1100" dirty="0">
+                          <a:effectLst/>
+                        </a:rPr>
+                        <a:t>+</a:t>
+                      </a:r>
+                      <a:endParaRPr lang="en-US" sz="1100" dirty="0">
+                        <a:effectLst/>
+                        <a:latin typeface="Times New Roman"/>
+                        <a:ea typeface="Times New Roman"/>
+                      </a:endParaRPr>
+                    </a:p>
+                  </a:txBody>
+                  <a:tcPr marL="30308" marR="30308" marT="0" marB="0"/>
+                </a:tc>
+              </a:tr>
+              <a:tr h="235129">
+                <a:tc vMerge="1">
+                  <a:txBody>
+                    <a:bodyPr/>
+                    <a:lstStyle/>
+                    <a:p>
+                      <a:endParaRPr lang="en-US"/>
+                    </a:p>
+                  </a:txBody>
+                  <a:tcPr/>
+                </a:tc>
+                <a:tc>
+                  <a:txBody>
+                    <a:bodyPr/>
+                    <a:lstStyle/>
+                    <a:p>
+                      <a:pPr marL="0" marR="0" indent="0" algn="just">
+                        <a:lnSpc>
+                          <a:spcPct val="150000"/>
+                        </a:lnSpc>
+                        <a:spcBef>
+                          <a:spcPts val="0"/>
+                        </a:spcBef>
+                        <a:spcAft>
+                          <a:spcPts val="0"/>
+                        </a:spcAft>
+                      </a:pPr>
+                      <a:r>
+                        <a:rPr lang="ru-RU" sz="1100">
+                          <a:effectLst/>
+                        </a:rPr>
+                        <a:t>Метель</a:t>
+                      </a:r>
+                      <a:endParaRPr lang="en-US" sz="1100">
+                        <a:effectLst/>
+                        <a:latin typeface="Times New Roman"/>
+                        <a:ea typeface="Times New Roman"/>
+                      </a:endParaRPr>
+                    </a:p>
+                  </a:txBody>
+                  <a:tcPr marL="30308" marR="30308" marT="0" marB="0"/>
+                </a:tc>
+                <a:tc>
+                  <a:txBody>
+                    <a:bodyPr/>
+                    <a:lstStyle/>
+                    <a:p>
+                      <a:pPr marL="0" marR="0" indent="0" algn="ctr">
+                        <a:lnSpc>
+                          <a:spcPct val="150000"/>
+                        </a:lnSpc>
+                        <a:spcBef>
+                          <a:spcPts val="0"/>
+                        </a:spcBef>
+                        <a:spcAft>
+                          <a:spcPts val="0"/>
+                        </a:spcAft>
+                      </a:pPr>
+                      <a:r>
+                        <a:rPr lang="ru-RU" sz="1100" dirty="0">
+                          <a:effectLst/>
+                        </a:rPr>
+                        <a:t>+</a:t>
+                      </a:r>
+                      <a:endParaRPr lang="en-US" sz="1100" dirty="0">
+                        <a:effectLst/>
+                        <a:latin typeface="Times New Roman"/>
+                        <a:ea typeface="Times New Roman"/>
+                      </a:endParaRPr>
+                    </a:p>
+                  </a:txBody>
+                  <a:tcPr marL="30308" marR="30308" marT="0" marB="0"/>
+                </a:tc>
+              </a:tr>
+              <a:tr h="235129">
+                <a:tc vMerge="1">
+                  <a:txBody>
+                    <a:bodyPr/>
+                    <a:lstStyle/>
+                    <a:p>
+                      <a:endParaRPr lang="en-US"/>
+                    </a:p>
+                  </a:txBody>
+                  <a:tcPr/>
+                </a:tc>
+                <a:tc>
+                  <a:txBody>
+                    <a:bodyPr/>
+                    <a:lstStyle/>
+                    <a:p>
+                      <a:pPr marL="0" marR="0" indent="0" algn="just">
+                        <a:lnSpc>
+                          <a:spcPct val="150000"/>
+                        </a:lnSpc>
+                        <a:spcBef>
+                          <a:spcPts val="0"/>
+                        </a:spcBef>
+                        <a:spcAft>
+                          <a:spcPts val="0"/>
+                        </a:spcAft>
+                      </a:pPr>
+                      <a:r>
+                        <a:rPr lang="ru-RU" sz="1100">
+                          <a:effectLst/>
+                        </a:rPr>
+                        <a:t>Сильный ветер</a:t>
+                      </a:r>
+                      <a:endParaRPr lang="en-US" sz="1100">
+                        <a:effectLst/>
+                        <a:latin typeface="Times New Roman"/>
+                        <a:ea typeface="Times New Roman"/>
+                      </a:endParaRPr>
+                    </a:p>
+                  </a:txBody>
+                  <a:tcPr marL="30308" marR="30308" marT="0" marB="0"/>
+                </a:tc>
+                <a:tc>
+                  <a:txBody>
+                    <a:bodyPr/>
+                    <a:lstStyle/>
+                    <a:p>
+                      <a:pPr marL="0" marR="0" indent="0" algn="ctr">
+                        <a:lnSpc>
+                          <a:spcPct val="150000"/>
+                        </a:lnSpc>
+                        <a:spcBef>
+                          <a:spcPts val="0"/>
+                        </a:spcBef>
+                        <a:spcAft>
+                          <a:spcPts val="0"/>
+                        </a:spcAft>
+                      </a:pPr>
+                      <a:r>
+                        <a:rPr lang="ru-RU" sz="1100" dirty="0">
+                          <a:effectLst/>
+                        </a:rPr>
+                        <a:t>+</a:t>
+                      </a:r>
+                      <a:endParaRPr lang="en-US" sz="1100" dirty="0">
+                        <a:effectLst/>
+                        <a:latin typeface="Times New Roman"/>
+                        <a:ea typeface="Times New Roman"/>
+                      </a:endParaRPr>
+                    </a:p>
+                  </a:txBody>
+                  <a:tcPr marL="30308" marR="30308" marT="0" marB="0"/>
+                </a:tc>
+              </a:tr>
+              <a:tr h="235129">
+                <a:tc vMerge="1">
+                  <a:txBody>
+                    <a:bodyPr/>
+                    <a:lstStyle/>
+                    <a:p>
+                      <a:endParaRPr lang="en-US"/>
+                    </a:p>
+                  </a:txBody>
+                  <a:tcPr/>
+                </a:tc>
+                <a:tc>
+                  <a:txBody>
+                    <a:bodyPr/>
+                    <a:lstStyle/>
+                    <a:p>
+                      <a:pPr marL="0" marR="0" indent="0" algn="just">
+                        <a:lnSpc>
+                          <a:spcPct val="150000"/>
+                        </a:lnSpc>
+                        <a:spcBef>
+                          <a:spcPts val="0"/>
+                        </a:spcBef>
+                        <a:spcAft>
+                          <a:spcPts val="0"/>
+                        </a:spcAft>
+                      </a:pPr>
+                      <a:r>
+                        <a:rPr lang="ru-RU" sz="1100" dirty="0">
+                          <a:effectLst/>
+                        </a:rPr>
+                        <a:t>Качка</a:t>
+                      </a:r>
+                      <a:endParaRPr lang="en-US" sz="1100" dirty="0">
+                        <a:effectLst/>
+                        <a:latin typeface="Times New Roman"/>
+                        <a:ea typeface="Times New Roman"/>
+                      </a:endParaRPr>
+                    </a:p>
+                  </a:txBody>
+                  <a:tcPr marL="30308" marR="30308" marT="0" marB="0"/>
+                </a:tc>
+                <a:tc>
+                  <a:txBody>
+                    <a:bodyPr/>
+                    <a:lstStyle/>
+                    <a:p>
+                      <a:pPr marL="0" marR="0" indent="0" algn="ctr">
+                        <a:lnSpc>
+                          <a:spcPct val="150000"/>
+                        </a:lnSpc>
+                        <a:spcBef>
+                          <a:spcPts val="0"/>
+                        </a:spcBef>
+                        <a:spcAft>
+                          <a:spcPts val="0"/>
+                        </a:spcAft>
+                      </a:pPr>
+                      <a:r>
+                        <a:rPr lang="ru-RU" sz="1100" dirty="0">
+                          <a:effectLst/>
+                        </a:rPr>
+                        <a:t>-</a:t>
+                      </a:r>
+                      <a:endParaRPr lang="en-US" sz="1100" dirty="0">
+                        <a:effectLst/>
+                        <a:latin typeface="Times New Roman"/>
+                        <a:ea typeface="Times New Roman"/>
+                      </a:endParaRPr>
+                    </a:p>
+                  </a:txBody>
+                  <a:tcPr marL="30308" marR="30308" marT="0" marB="0"/>
+                </a:tc>
+              </a:tr>
+            </a:tbl>
+          </a:graphicData>
+        </a:graphic>
+      </p:graphicFrame>
+      <p:sp>
+        <p:nvSpPr>
+          <p:cNvPr id="8" name="TextBox 7"/>
+          <p:cNvSpPr txBox="1"/>
+          <p:nvPr/>
+        </p:nvSpPr>
+        <p:spPr>
+          <a:xfrm>
+            <a:off x="4283968" y="3363838"/>
+            <a:ext cx="2880320" cy="1015663"/>
+          </a:xfrm>
+          <a:prstGeom prst="rect">
+            <a:avLst/>
+          </a:prstGeom>
+          <a:noFill/>
+        </p:spPr>
+        <p:txBody>
+          <a:bodyPr wrap="square" rtlCol="0">
+            <a:spAutoFit/>
+          </a:bodyPr>
+          <a:lstStyle/>
+          <a:p>
+            <a:pPr marL="800100" lvl="1" indent="-342900">
+              <a:buFont typeface="Arial" panose="020B0604020202020204" pitchFamily="34" charset="0"/>
+              <a:buChar char="•"/>
+            </a:pPr>
+            <a:r>
+              <a:rPr lang="ru-RU" sz="1200" dirty="0"/>
+              <a:t>сильный ветер </a:t>
+            </a:r>
+          </a:p>
+          <a:p>
+            <a:pPr marL="800100" lvl="1" indent="-342900">
+              <a:buFont typeface="Arial" panose="020B0604020202020204" pitchFamily="34" charset="0"/>
+              <a:buChar char="•"/>
+            </a:pPr>
+            <a:r>
+              <a:rPr lang="ru-RU" sz="1200" dirty="0"/>
+              <a:t>низкие </a:t>
+            </a:r>
+            <a:r>
+              <a:rPr lang="ru-RU" sz="1200" dirty="0" smtClean="0"/>
+              <a:t>температуры</a:t>
+            </a:r>
+          </a:p>
+          <a:p>
+            <a:pPr marL="800100" lvl="1" indent="-342900">
+              <a:buFont typeface="Arial" panose="020B0604020202020204" pitchFamily="34" charset="0"/>
+              <a:buChar char="•"/>
+            </a:pPr>
+            <a:r>
+              <a:rPr lang="ru-RU" sz="1200" dirty="0"/>
+              <a:t>метели </a:t>
+            </a:r>
+          </a:p>
+          <a:p>
+            <a:pPr marL="800100" lvl="1" indent="-342900">
+              <a:buFont typeface="Arial" panose="020B0604020202020204" pitchFamily="34" charset="0"/>
+              <a:buChar char="•"/>
+            </a:pPr>
+            <a:r>
+              <a:rPr lang="ru-RU" sz="1200" dirty="0"/>
+              <a:t>ледяные и снежные торосы</a:t>
+            </a:r>
+          </a:p>
+          <a:p>
+            <a:pPr marL="800100" lvl="1" indent="-342900">
+              <a:buFont typeface="Arial" panose="020B0604020202020204" pitchFamily="34" charset="0"/>
+              <a:buChar char="•"/>
+            </a:pPr>
+            <a:r>
+              <a:rPr lang="ru-RU" sz="1200" dirty="0"/>
+              <a:t>полярная </a:t>
+            </a:r>
+            <a:r>
+              <a:rPr lang="ru-RU" sz="1200" dirty="0" smtClean="0"/>
+              <a:t>ночь</a:t>
+            </a:r>
+            <a:endParaRPr lang="en-US" dirty="0"/>
+          </a:p>
+        </p:txBody>
+      </p:sp>
+    </p:spTree>
+    <p:extLst>
+      <p:ext uri="{BB962C8B-B14F-4D97-AF65-F5344CB8AC3E}">
+        <p14:creationId xmlns:p14="http://schemas.microsoft.com/office/powerpoint/2010/main" val="3567720544"/>
+      </p:ext>
+    </p:extLst>
+  </p:cSld>
+  <p:clrMapOvr>
+    <a:masterClrMapping/>
+  </p:clrMapOvr>
+  <p:timing>
+    <p:tnLst>
+      <p:par>
+        <p:cTn id="1" dur="indefinite" restart="never" nodeType="tmRoot"/>
+      </p:par>
+    </p:tnLst>
+  </p:timing>
+</p:sld>
+</file>
+
+<file path=ppt/slides/slide3.xml><?xml version="1.0" encoding="utf-8"?>
+<p:sld xmlns:a="http://schemas.openxmlformats.org/drawingml/2006/main" xmlns:r="http://schemas.openxmlformats.org/officeDocument/2006/relationships" xmlns:p="http://schemas.openxmlformats.org/presentationml/2006/main">
+  <p:cSld>
+    <p:spTree>
+      <p:nvGrpSpPr>
+        <p:cNvPr id="1" name=""/>
+        <p:cNvGrpSpPr/>
+        <p:nvPr/>
+      </p:nvGrpSpPr>
+      <p:grpSpPr>
+        <a:xfrm>
+          <a:off x="0" y="0"/>
+          <a:ext cx="0" cy="0"/>
+          <a:chOff x="0" y="0"/>
+          <a:chExt cx="0" cy="0"/>
+        </a:xfrm>
+      </p:grpSpPr>
+      <p:sp>
+        <p:nvSpPr>
+          <p:cNvPr id="2" name="Заголовок 1"/>
+          <p:cNvSpPr>
+            <a:spLocks noGrp="1"/>
+          </p:cNvSpPr>
+          <p:nvPr>
+            <p:ph type="title"/>
+          </p:nvPr>
+        </p:nvSpPr>
+        <p:spPr/>
+        <p:txBody>
+          <a:bodyPr/>
+          <a:lstStyle/>
+          <a:p>
+            <a:r>
+              <a:rPr lang="ru-RU" dirty="0"/>
+              <a:t>Требования к спасательной группировке роботов</a:t>
+            </a:r>
+          </a:p>
+        </p:txBody>
+      </p:sp>
+      <p:sp>
+        <p:nvSpPr>
+          <p:cNvPr id="3" name="Rectangle 3"/>
+          <p:cNvSpPr>
+            <a:spLocks noChangeArrowheads="1"/>
+          </p:cNvSpPr>
+          <p:nvPr/>
+        </p:nvSpPr>
+        <p:spPr bwMode="auto">
+          <a:xfrm>
+            <a:off x="467544" y="898126"/>
+            <a:ext cx="3960440" cy="3967210"/>
+          </a:xfrm>
+          <a:prstGeom prst="rect">
+            <a:avLst/>
+          </a:prstGeom>
+          <a:gradFill rotWithShape="0">
+            <a:gsLst>
+              <a:gs pos="0">
+                <a:srgbClr val="DDDDDD"/>
+              </a:gs>
+              <a:gs pos="100000">
+                <a:schemeClr val="bg1"/>
+              </a:gs>
+            </a:gsLst>
+            <a:lin ang="5400000" scaled="1"/>
+          </a:gradFill>
+          <a:ln w="12700">
+            <a:solidFill>
+              <a:schemeClr val="bg1"/>
+            </a:solidFill>
+            <a:miter lim="800000"/>
+            <a:headEnd/>
+            <a:tailEnd/>
+          </a:ln>
+          <a:effectLst/>
+          <a:extLst>
+            <a:ext uri="{AF507438-7753-43E0-B8FC-AC1667EBCBE1}">
+              <a14:hiddenEffects xmlns:a14="http://schemas.microsoft.com/office/drawing/2010/main">
+                <a:effectLst>
+                  <a:outerShdw dist="35921" dir="2700000" algn="ctr" rotWithShape="0">
+                    <a:schemeClr val="bg2"/>
+                  </a:outerShdw>
+                </a:effectLst>
+              </a14:hiddenEffects>
+            </a:ext>
+          </a:extLst>
+        </p:spPr>
+        <p:txBody>
+          <a:bodyPr wrap="none" anchor="ctr"/>
+          <a:lstStyle/>
+          <a:p>
+            <a:pPr algn="ctr" defTabSz="901700"/>
+            <a:endParaRPr lang="ru-RU" sz="1200" b="1">
+              <a:solidFill>
+                <a:schemeClr val="bg1"/>
+              </a:solidFill>
+            </a:endParaRPr>
+          </a:p>
+        </p:txBody>
+      </p:sp>
+      <p:sp>
+        <p:nvSpPr>
+          <p:cNvPr id="4" name="Rectangle 3"/>
+          <p:cNvSpPr>
+            <a:spLocks noChangeArrowheads="1"/>
+          </p:cNvSpPr>
+          <p:nvPr/>
+        </p:nvSpPr>
+        <p:spPr bwMode="auto">
+          <a:xfrm>
+            <a:off x="4715248" y="898126"/>
+            <a:ext cx="3960440" cy="3967210"/>
+          </a:xfrm>
+          <a:prstGeom prst="rect">
+            <a:avLst/>
+          </a:prstGeom>
+          <a:gradFill rotWithShape="0">
+            <a:gsLst>
+              <a:gs pos="0">
+                <a:srgbClr val="DDDDDD"/>
+              </a:gs>
+              <a:gs pos="100000">
+                <a:schemeClr val="bg1"/>
+              </a:gs>
+            </a:gsLst>
+            <a:lin ang="5400000" scaled="1"/>
+          </a:gradFill>
+          <a:ln w="12700">
+            <a:solidFill>
+              <a:schemeClr val="bg1"/>
+            </a:solidFill>
+            <a:miter lim="800000"/>
+            <a:headEnd/>
+            <a:tailEnd/>
+          </a:ln>
+          <a:effectLst/>
+          <a:extLst>
+            <a:ext uri="{AF507438-7753-43E0-B8FC-AC1667EBCBE1}">
+              <a14:hiddenEffects xmlns:a14="http://schemas.microsoft.com/office/drawing/2010/main">
+                <a:effectLst>
+                  <a:outerShdw dist="35921" dir="2700000" algn="ctr" rotWithShape="0">
+                    <a:schemeClr val="bg2"/>
+                  </a:outerShdw>
+                </a:effectLst>
+              </a14:hiddenEffects>
+            </a:ext>
+          </a:extLst>
+        </p:spPr>
+        <p:txBody>
+          <a:bodyPr wrap="none" anchor="ctr"/>
+          <a:lstStyle/>
+          <a:p>
+            <a:pPr algn="ctr" defTabSz="901700"/>
+            <a:endParaRPr lang="ru-RU" sz="1200" b="1" dirty="0">
+              <a:solidFill>
+                <a:schemeClr val="bg1"/>
+              </a:solidFill>
+            </a:endParaRPr>
+          </a:p>
+        </p:txBody>
+      </p:sp>
+      <p:sp>
+        <p:nvSpPr>
+          <p:cNvPr id="5" name="Объект 3"/>
+          <p:cNvSpPr txBox="1">
+            <a:spLocks/>
+          </p:cNvSpPr>
+          <p:nvPr/>
+        </p:nvSpPr>
+        <p:spPr>
+          <a:xfrm>
+            <a:off x="4844073" y="992017"/>
+            <a:ext cx="3702789" cy="3816424"/>
+          </a:xfrm>
+          <a:prstGeom prst="rect">
+            <a:avLst/>
+          </a:prstGeom>
+        </p:spPr>
+        <p:txBody>
+          <a:bodyPr/>
+          <a:lstStyle>
+            <a:lvl1pPr marL="342900" indent="-342900" algn="l" defTabSz="914400" rtl="0" eaLnBrk="1" latinLnBrk="0" hangingPunct="1">
+              <a:spcBef>
+                <a:spcPct val="20000"/>
+              </a:spcBef>
+              <a:buClr>
+                <a:srgbClr val="003399"/>
+              </a:buClr>
+              <a:buFont typeface="Wingdings" pitchFamily="2" charset="2"/>
+              <a:buChar char="q"/>
+              <a:defRPr sz="1800" kern="1200">
+                <a:solidFill>
+                  <a:schemeClr val="tx1"/>
+                </a:solidFill>
+                <a:latin typeface="+mn-lt"/>
+                <a:ea typeface="+mn-ea"/>
+                <a:cs typeface="+mn-cs"/>
+              </a:defRPr>
+            </a:lvl1pPr>
+            <a:lvl2pPr marL="625475" indent="-179388" algn="l" defTabSz="914400" rtl="0" eaLnBrk="1" latinLnBrk="0" hangingPunct="1">
+              <a:spcBef>
+                <a:spcPct val="20000"/>
+              </a:spcBef>
+              <a:buClr>
+                <a:srgbClr val="003399"/>
+              </a:buClr>
+              <a:buFont typeface="Wingdings" pitchFamily="2" charset="2"/>
+              <a:buChar char="§"/>
+              <a:tabLst>
+                <a:tab pos="538163" algn="l"/>
+              </a:tabLst>
+              <a:defRPr sz="1600" kern="1200">
+                <a:solidFill>
+                  <a:schemeClr val="tx1"/>
+                </a:solidFill>
+                <a:latin typeface="+mn-lt"/>
+                <a:ea typeface="+mn-ea"/>
+                <a:cs typeface="+mn-cs"/>
+              </a:defRPr>
+            </a:lvl2pPr>
+            <a:lvl3pPr marL="898525" indent="-160338" algn="l" defTabSz="914400" rtl="0" eaLnBrk="1" latinLnBrk="0" hangingPunct="1">
+              <a:spcBef>
+                <a:spcPct val="20000"/>
+              </a:spcBef>
+              <a:buFont typeface="Arial" panose="020B0604020202020204" pitchFamily="34" charset="0"/>
+              <a:buChar char="•"/>
+              <a:defRPr sz="1400" kern="1200">
+                <a:solidFill>
+                  <a:schemeClr val="tx1"/>
+                </a:solidFill>
+                <a:latin typeface="+mn-lt"/>
+                <a:ea typeface="+mn-ea"/>
+                <a:cs typeface="+mn-cs"/>
+              </a:defRPr>
+            </a:lvl3pPr>
+            <a:lvl4pPr marL="1166813" indent="-166688" algn="l" defTabSz="914400" rtl="0" eaLnBrk="1" latinLnBrk="0" hangingPunct="1">
+              <a:spcBef>
+                <a:spcPct val="20000"/>
+              </a:spcBef>
+              <a:buFont typeface="Arial" panose="020B0604020202020204" pitchFamily="34" charset="0"/>
+              <a:buChar char="–"/>
+              <a:defRPr sz="1200" kern="1200">
+                <a:solidFill>
+                  <a:schemeClr val="tx1"/>
+                </a:solidFill>
+                <a:latin typeface="+mn-lt"/>
+                <a:ea typeface="+mn-ea"/>
+                <a:cs typeface="+mn-cs"/>
+              </a:defRPr>
+            </a:lvl4pPr>
+            <a:lvl5pPr marL="2057400" indent="-228600" algn="l" defTabSz="914400" rtl="0" eaLnBrk="1" latinLnBrk="0" hangingPunct="1">
+              <a:spcBef>
+                <a:spcPct val="20000"/>
+              </a:spcBef>
+              <a:buFont typeface="Arial" panose="020B0604020202020204" pitchFamily="34" charset="0"/>
+              <a:buChar char="»"/>
+              <a:defRPr sz="2000" kern="1200">
+                <a:solidFill>
+                  <a:schemeClr val="tx1"/>
+                </a:solidFill>
+                <a:latin typeface="+mn-lt"/>
+                <a:ea typeface="+mn-ea"/>
+                <a:cs typeface="+mn-cs"/>
+              </a:defRPr>
+            </a:lvl5pPr>
+            <a:lvl6pPr marL="2514600" indent="-228600" algn="l" defTabSz="914400" rtl="0" eaLnBrk="1" latinLnBrk="0" hangingPunct="1">
+              <a:spcBef>
+                <a:spcPct val="20000"/>
+              </a:spcBef>
+              <a:buFont typeface="Arial" panose="020B0604020202020204" pitchFamily="34" charset="0"/>
+              <a:buChar char="•"/>
+              <a:defRPr sz="2000" kern="1200">
+                <a:solidFill>
+                  <a:schemeClr val="tx1"/>
+                </a:solidFill>
+                <a:latin typeface="+mn-lt"/>
+                <a:ea typeface="+mn-ea"/>
+                <a:cs typeface="+mn-cs"/>
+              </a:defRPr>
+            </a:lvl6pPr>
+            <a:lvl7pPr marL="2971800" indent="-228600" algn="l" defTabSz="914400" rtl="0" eaLnBrk="1" latinLnBrk="0" hangingPunct="1">
+              <a:spcBef>
+                <a:spcPct val="20000"/>
+              </a:spcBef>
+              <a:buFont typeface="Arial" panose="020B0604020202020204" pitchFamily="34" charset="0"/>
+              <a:buChar char="•"/>
+              <a:defRPr sz="2000" kern="1200">
+                <a:solidFill>
+                  <a:schemeClr val="tx1"/>
+                </a:solidFill>
+                <a:latin typeface="+mn-lt"/>
+                <a:ea typeface="+mn-ea"/>
+                <a:cs typeface="+mn-cs"/>
+              </a:defRPr>
+            </a:lvl7pPr>
+            <a:lvl8pPr marL="3429000" indent="-228600" algn="l" defTabSz="914400" rtl="0" eaLnBrk="1" latinLnBrk="0" hangingPunct="1">
+              <a:spcBef>
+                <a:spcPct val="20000"/>
+              </a:spcBef>
+              <a:buFont typeface="Arial" panose="020B0604020202020204" pitchFamily="34" charset="0"/>
+              <a:buChar char="•"/>
+              <a:defRPr sz="2000" kern="1200">
+                <a:solidFill>
+                  <a:schemeClr val="tx1"/>
+                </a:solidFill>
+                <a:latin typeface="+mn-lt"/>
+                <a:ea typeface="+mn-ea"/>
+                <a:cs typeface="+mn-cs"/>
+              </a:defRPr>
+            </a:lvl8pPr>
+            <a:lvl9pPr marL="3886200" indent="-228600" algn="l" defTabSz="914400" rtl="0" eaLnBrk="1" latinLnBrk="0" hangingPunct="1">
+              <a:spcBef>
+                <a:spcPct val="20000"/>
+              </a:spcBef>
+              <a:buFont typeface="Arial" panose="020B0604020202020204" pitchFamily="34" charset="0"/>
+              <a:buChar char="•"/>
+              <a:defRPr sz="2000" kern="1200">
+                <a:solidFill>
+                  <a:schemeClr val="tx1"/>
+                </a:solidFill>
+                <a:latin typeface="+mn-lt"/>
+                <a:ea typeface="+mn-ea"/>
+                <a:cs typeface="+mn-cs"/>
+              </a:defRPr>
+            </a:lvl9pPr>
+          </a:lstStyle>
+          <a:p>
+            <a:r>
+              <a:rPr lang="ru-RU" dirty="0" smtClean="0"/>
+              <a:t>Гетерогенность</a:t>
+            </a:r>
+          </a:p>
+          <a:p>
+            <a:r>
+              <a:rPr lang="ru-RU" dirty="0" smtClean="0"/>
+              <a:t>Автономность</a:t>
+            </a:r>
+          </a:p>
+          <a:p>
+            <a:r>
+              <a:rPr lang="ru-RU" dirty="0" smtClean="0"/>
+              <a:t>Избыточность</a:t>
+            </a:r>
+          </a:p>
+          <a:p>
+            <a:r>
+              <a:rPr lang="ru-RU" dirty="0" smtClean="0"/>
+              <a:t>Взаимозаменяемость роботов </a:t>
+            </a:r>
+          </a:p>
+          <a:p>
+            <a:r>
+              <a:rPr lang="ru-RU" dirty="0" smtClean="0"/>
+              <a:t>Робастность</a:t>
+            </a:r>
+            <a:endParaRPr lang="ru-RU" dirty="0"/>
+          </a:p>
+        </p:txBody>
+      </p:sp>
+      <p:sp>
+        <p:nvSpPr>
+          <p:cNvPr id="6" name="AutoShape 2" descr="https://pp.vk.me/c618223/v618223214/1fcc2/JqO3gkvPJEw.jpg"/>
+          <p:cNvSpPr>
+            <a:spLocks noChangeAspect="1" noChangeArrowheads="1"/>
+          </p:cNvSpPr>
+          <p:nvPr/>
+        </p:nvSpPr>
+        <p:spPr bwMode="auto">
+          <a:xfrm>
+            <a:off x="155575" y="-144463"/>
+            <a:ext cx="304800" cy="304801"/>
+          </a:xfrm>
+          <a:prstGeom prst="rect">
+            <a:avLst/>
+          </a:prstGeom>
+          <a:noFill/>
+          <a:extLst>
+            <a:ext uri="{909E8E84-426E-40DD-AFC4-6F175D3DCCD1}">
+              <a14:hiddenFill xmlns:a14="http://schemas.microsoft.com/office/drawing/2010/main">
+                <a:solidFill>
+                  <a:srgbClr val="FFFFFF"/>
+                </a:solidFill>
+              </a14:hiddenFill>
+            </a:ext>
+          </a:extLst>
+        </p:spPr>
+        <p:txBody>
+          <a:bodyPr vert="horz" wrap="square" lIns="91440" tIns="45720" rIns="91440" bIns="45720" numCol="1" anchor="t" anchorCtr="0" compatLnSpc="1">
+            <a:prstTxWarp prst="textNoShape">
+              <a:avLst/>
+            </a:prstTxWarp>
+          </a:bodyPr>
+          <a:lstStyle/>
+          <a:p>
+            <a:endParaRPr lang="en-US"/>
+          </a:p>
+        </p:txBody>
+      </p:sp>
+      <p:pic>
+        <p:nvPicPr>
+          <p:cNvPr id="1028" name="Picture 4" descr="https://pp.vk.me/c618223/v618223214/1fcc2/JqO3gkvPJEw.jpg"/>
+          <p:cNvPicPr>
+            <a:picLocks noChangeAspect="1" noChangeArrowheads="1"/>
+          </p:cNvPicPr>
+          <p:nvPr/>
+        </p:nvPicPr>
+        <p:blipFill>
+          <a:blip r:embed="rId3" cstate="print">
+            <a:extLst>
+              <a:ext uri="{28A0092B-C50C-407E-A947-70E740481C1C}">
+                <a14:useLocalDpi xmlns:a14="http://schemas.microsoft.com/office/drawing/2010/main" val="0"/>
+              </a:ext>
+            </a:extLst>
+          </a:blip>
+          <a:srcRect/>
+          <a:stretch>
+            <a:fillRect/>
+          </a:stretch>
+        </p:blipFill>
+        <p:spPr bwMode="auto">
+          <a:xfrm>
+            <a:off x="699568" y="898126"/>
+            <a:ext cx="3496392" cy="2096951"/>
+          </a:xfrm>
+          <a:prstGeom prst="rect">
+            <a:avLst/>
+          </a:prstGeom>
+          <a:noFill/>
+          <a:extLst>
+            <a:ext uri="{909E8E84-426E-40DD-AFC4-6F175D3DCCD1}">
+              <a14:hiddenFill xmlns:a14="http://schemas.microsoft.com/office/drawing/2010/main">
+                <a:solidFill>
+                  <a:srgbClr val="FFFFFF"/>
+                </a:solidFill>
+              </a14:hiddenFill>
+            </a:ext>
+          </a:extLst>
+        </p:spPr>
+      </p:pic>
+      <p:pic>
+        <p:nvPicPr>
+          <p:cNvPr id="8" name="Рисунок 7" descr="C:\Users\6B43~1.501\AppData\Local\Temp\УСС_1.jpg"/>
+          <p:cNvPicPr/>
+          <p:nvPr/>
+        </p:nvPicPr>
+        <p:blipFill>
+          <a:blip r:embed="rId4" cstate="print"/>
+          <a:srcRect/>
+          <a:stretch>
+            <a:fillRect/>
+          </a:stretch>
+        </p:blipFill>
+        <p:spPr bwMode="auto">
+          <a:xfrm>
+            <a:off x="699567" y="2930650"/>
+            <a:ext cx="3496393" cy="1959736"/>
+          </a:xfrm>
+          <a:prstGeom prst="rect">
+            <a:avLst/>
+          </a:prstGeom>
+          <a:noFill/>
+          <a:ln w="9525">
+            <a:noFill/>
+            <a:miter lim="800000"/>
+            <a:headEnd/>
+            <a:tailEnd/>
+          </a:ln>
+        </p:spPr>
+      </p:pic>
+    </p:spTree>
+    <p:extLst>
+      <p:ext uri="{BB962C8B-B14F-4D97-AF65-F5344CB8AC3E}">
+        <p14:creationId xmlns:p14="http://schemas.microsoft.com/office/powerpoint/2010/main" val="3061885509"/>
+      </p:ext>
+    </p:extLst>
+  </p:cSld>
+  <p:clrMapOvr>
+    <a:masterClrMapping/>
+  </p:clrMapOvr>
+  <p:timing>
+    <p:tnLst>
+      <p:par>
+        <p:cTn id="1" dur="indefinite" restart="never" nodeType="tmRoot"/>
+      </p:par>
+    </p:tnLst>
+  </p:timing>
+</p:sld>
+</file>
+
+<file path=ppt/slides/slide4.xml><?xml version="1.0" encoding="utf-8"?>
+<p:sld xmlns:a="http://schemas.openxmlformats.org/drawingml/2006/main" xmlns:r="http://schemas.openxmlformats.org/officeDocument/2006/relationships" xmlns:p="http://schemas.openxmlformats.org/presentationml/2006/main">
+  <p:cSld>
+    <p:spTree>
+      <p:nvGrpSpPr>
+        <p:cNvPr id="1" name=""/>
+        <p:cNvGrpSpPr/>
+        <p:nvPr/>
+      </p:nvGrpSpPr>
+      <p:grpSpPr>
+        <a:xfrm>
+          <a:off x="0" y="0"/>
+          <a:ext cx="0" cy="0"/>
+          <a:chOff x="0" y="0"/>
+          <a:chExt cx="0" cy="0"/>
+        </a:xfrm>
+      </p:grpSpPr>
+      <p:sp>
+        <p:nvSpPr>
+          <p:cNvPr id="3" name="Заголовок 2"/>
+          <p:cNvSpPr>
+            <a:spLocks noGrp="1"/>
+          </p:cNvSpPr>
+          <p:nvPr>
+            <p:ph type="title"/>
+          </p:nvPr>
+        </p:nvSpPr>
+        <p:spPr/>
+        <p:txBody>
+          <a:bodyPr/>
+          <a:lstStyle/>
+          <a:p>
+            <a:r>
+              <a:rPr lang="ru-RU" dirty="0" smtClean="0"/>
+              <a:t>Гетерогенность спасательной группировки роботов</a:t>
+            </a:r>
+            <a:endParaRPr lang="ru-RU" dirty="0"/>
+          </a:p>
+        </p:txBody>
+      </p:sp>
+      <p:sp>
+        <p:nvSpPr>
+          <p:cNvPr id="4" name="Объект 3"/>
+          <p:cNvSpPr>
+            <a:spLocks noGrp="1"/>
+          </p:cNvSpPr>
+          <p:nvPr>
+            <p:ph idx="1"/>
+          </p:nvPr>
+        </p:nvSpPr>
+        <p:spPr/>
+        <p:txBody>
+          <a:bodyPr/>
+          <a:lstStyle/>
+          <a:p>
+            <a:r>
+              <a:rPr lang="ru-RU" dirty="0" smtClean="0"/>
+              <a:t>Роботы-разведчики</a:t>
+            </a:r>
+          </a:p>
+          <a:p>
+            <a:pPr lvl="1"/>
+            <a:r>
+              <a:rPr lang="ru-RU" dirty="0"/>
+              <a:t>производят поиск людей, которым требуется эвакуация и опасных объектов, за динамикой состояний которых необходимо </a:t>
+            </a:r>
+            <a:r>
+              <a:rPr lang="ru-RU" dirty="0" smtClean="0"/>
+              <a:t>наблюдать</a:t>
+            </a:r>
+          </a:p>
+          <a:p>
+            <a:r>
+              <a:rPr lang="ru-RU" dirty="0" smtClean="0"/>
+              <a:t>Роботы-наблюдатели</a:t>
+            </a:r>
+          </a:p>
+          <a:p>
+            <a:pPr lvl="1"/>
+            <a:r>
+              <a:rPr lang="ru-RU" dirty="0" smtClean="0"/>
+              <a:t>осуществляют </a:t>
+            </a:r>
+            <a:r>
+              <a:rPr lang="ru-RU" dirty="0"/>
+              <a:t>круглосуточное наблюдение за обстановкой</a:t>
+            </a:r>
+            <a:endParaRPr lang="ru-RU" dirty="0" smtClean="0"/>
+          </a:p>
+          <a:p>
+            <a:r>
+              <a:rPr lang="ru-RU" dirty="0" smtClean="0"/>
+              <a:t>Роботы-рабочие</a:t>
+            </a:r>
+          </a:p>
+          <a:p>
+            <a:pPr lvl="1"/>
+            <a:r>
+              <a:rPr lang="ru-RU" dirty="0"/>
+              <a:t>т</a:t>
+            </a:r>
+            <a:r>
+              <a:rPr lang="ru-RU" dirty="0" smtClean="0"/>
+              <a:t>ребуются </a:t>
+            </a:r>
+            <a:r>
+              <a:rPr lang="ru-RU" dirty="0"/>
+              <a:t>для проведения неотложных аварийно-восстановительных работ</a:t>
+            </a:r>
+            <a:endParaRPr lang="ru-RU" dirty="0" smtClean="0"/>
+          </a:p>
+          <a:p>
+            <a:r>
+              <a:rPr lang="ru-RU" dirty="0" smtClean="0"/>
+              <a:t>Роботы-перегрузчики</a:t>
+            </a:r>
+          </a:p>
+          <a:p>
+            <a:pPr lvl="1"/>
+            <a:r>
+              <a:rPr lang="ru-RU" dirty="0" smtClean="0"/>
+              <a:t>помогают </a:t>
+            </a:r>
+            <a:r>
+              <a:rPr lang="ru-RU" dirty="0"/>
+              <a:t>людям выбраться из опасных </a:t>
+            </a:r>
+            <a:r>
+              <a:rPr lang="ru-RU" dirty="0" smtClean="0"/>
+              <a:t>мест</a:t>
+            </a:r>
+          </a:p>
+          <a:p>
+            <a:r>
+              <a:rPr lang="ru-RU" dirty="0"/>
+              <a:t>Транспортные </a:t>
+            </a:r>
+            <a:r>
+              <a:rPr lang="ru-RU" dirty="0" smtClean="0"/>
+              <a:t>роботы</a:t>
+            </a:r>
+          </a:p>
+          <a:p>
+            <a:pPr lvl="1"/>
+            <a:r>
+              <a:rPr lang="ru-RU" dirty="0"/>
+              <a:t>большие универсальные транспортные средства для перемещения групп людей в безопасные зоны</a:t>
+            </a:r>
+          </a:p>
+        </p:txBody>
+      </p:sp>
+    </p:spTree>
+    <p:extLst>
+      <p:ext uri="{BB962C8B-B14F-4D97-AF65-F5344CB8AC3E}">
+        <p14:creationId xmlns:p14="http://schemas.microsoft.com/office/powerpoint/2010/main" val="1607972103"/>
+      </p:ext>
+    </p:extLst>
+  </p:cSld>
+  <p:clrMapOvr>
+    <a:masterClrMapping/>
+  </p:clrMapOvr>
+  <p:timing>
+    <p:tnLst>
+      <p:par>
+        <p:cTn id="1" dur="indefinite" restart="never" nodeType="tmRoot"/>
+      </p:par>
+    </p:tnLst>
+  </p:timing>
+</p:sld>
+</file>
+
+<file path=ppt/slides/slide5.xml><?xml version="1.0" encoding="utf-8"?>
+<p:sld xmlns:a="http://schemas.openxmlformats.org/drawingml/2006/main" xmlns:r="http://schemas.openxmlformats.org/officeDocument/2006/relationships" xmlns:p="http://schemas.openxmlformats.org/presentationml/2006/main">
+  <p:cSld>
+    <p:spTree>
+      <p:nvGrpSpPr>
+        <p:cNvPr id="1" name=""/>
+        <p:cNvGrpSpPr/>
+        <p:nvPr/>
+      </p:nvGrpSpPr>
+      <p:grpSpPr>
+        <a:xfrm>
+          <a:off x="0" y="0"/>
+          <a:ext cx="0" cy="0"/>
+          <a:chOff x="0" y="0"/>
+          <a:chExt cx="0" cy="0"/>
+        </a:xfrm>
+      </p:grpSpPr>
+      <p:sp>
+        <p:nvSpPr>
+          <p:cNvPr id="4" name="Заголовок 3"/>
+          <p:cNvSpPr>
+            <a:spLocks noGrp="1"/>
+          </p:cNvSpPr>
+          <p:nvPr>
+            <p:ph type="title"/>
+          </p:nvPr>
+        </p:nvSpPr>
+        <p:spPr/>
+        <p:txBody>
+          <a:bodyPr/>
+          <a:lstStyle/>
+          <a:p>
+            <a:r>
+              <a:rPr lang="ru-RU" dirty="0"/>
+              <a:t>Автономность</a:t>
+            </a:r>
+          </a:p>
+        </p:txBody>
+      </p:sp>
+      <p:sp>
+        <p:nvSpPr>
+          <p:cNvPr id="5" name="Рисунок 4"/>
+          <p:cNvSpPr>
+            <a:spLocks noGrp="1"/>
+          </p:cNvSpPr>
+          <p:nvPr>
+            <p:ph type="pic" sz="quarter" idx="13"/>
+          </p:nvPr>
+        </p:nvSpPr>
+        <p:spPr/>
+      </p:sp>
+      <p:sp>
+        <p:nvSpPr>
+          <p:cNvPr id="3" name="Rectangle 2"/>
+          <p:cNvSpPr>
+            <a:spLocks noChangeArrowheads="1"/>
+          </p:cNvSpPr>
+          <p:nvPr/>
+        </p:nvSpPr>
+        <p:spPr bwMode="auto">
+          <a:xfrm>
+            <a:off x="0" y="0"/>
+            <a:ext cx="9144000" cy="0"/>
+          </a:xfrm>
+          <a:prstGeom prst="rect">
+            <a:avLst/>
+          </a:prstGeom>
+          <a:noFill/>
+          <a:ln>
+            <a:noFill/>
+          </a:ln>
+          <a:effectLst/>
+          <a:extLst>
+            <a:ext uri="{909E8E84-426E-40DD-AFC4-6F175D3DCCD1}">
+              <a14:hiddenFill xmlns:a14="http://schemas.microsoft.com/office/drawing/2010/main">
+                <a:solidFill>
+                  <a:schemeClr val="accent1"/>
+                </a:solidFill>
+              </a14:hiddenFill>
+            </a:ext>
+            <a:ext uri="{91240B29-F687-4F45-9708-019B960494DF}">
+              <a14:hiddenLine xmlns:a14="http://schemas.microsoft.com/office/drawing/2010/main" w="9525">
+                <a:solidFill>
+                  <a:schemeClr val="tx1"/>
+                </a:solidFill>
+                <a:miter lim="800000"/>
+                <a:headEnd/>
+                <a:tailEnd/>
+              </a14:hiddenLine>
+            </a:ext>
+            <a:ext uri="{AF507438-7753-43E0-B8FC-AC1667EBCBE1}">
+              <a14:hiddenEffects xmlns:a14="http://schemas.microsoft.com/office/drawing/2010/main">
+                <a:effectLst>
+                  <a:outerShdw dist="35921" dir="2700000" algn="ctr" rotWithShape="0">
+                    <a:schemeClr val="bg2"/>
+                  </a:outerShdw>
+                </a:effectLst>
+              </a14:hiddenEffects>
+            </a:ext>
+          </a:extLst>
+        </p:spPr>
+        <p:txBody>
+          <a:bodyPr vert="horz" wrap="none" lIns="91440" tIns="45720" rIns="91440" bIns="45720" numCol="1" anchor="ctr" anchorCtr="0" compatLnSpc="1">
+            <a:prstTxWarp prst="textNoShape">
+              <a:avLst/>
+            </a:prstTxWarp>
+            <a:spAutoFit/>
+          </a:bodyPr>
+          <a:lstStyle/>
+          <a:p>
+            <a:endParaRPr lang="en-US"/>
+          </a:p>
+        </p:txBody>
+      </p:sp>
+      <p:graphicFrame>
+        <p:nvGraphicFramePr>
+          <p:cNvPr id="6" name="Объект 5"/>
+          <p:cNvGraphicFramePr>
+            <a:graphicFrameLocks noChangeAspect="1"/>
+          </p:cNvGraphicFramePr>
+          <p:nvPr>
+            <p:extLst>
+              <p:ext uri="{D42A27DB-BD31-4B8C-83A1-F6EECF244321}">
+                <p14:modId xmlns:p14="http://schemas.microsoft.com/office/powerpoint/2010/main" val="2799718167"/>
+              </p:ext>
+            </p:extLst>
+          </p:nvPr>
+        </p:nvGraphicFramePr>
+        <p:xfrm>
+          <a:off x="1619672" y="1131590"/>
+          <a:ext cx="4824536" cy="3067845"/>
+        </p:xfrm>
+        <a:graphic>
+          <a:graphicData uri="http://schemas.openxmlformats.org/presentationml/2006/ole">
+            <mc:AlternateContent xmlns:mc="http://schemas.openxmlformats.org/markup-compatibility/2006">
+              <mc:Choice xmlns:v="urn:schemas-microsoft-com:vml" Requires="v">
+                <p:oleObj spid="_x0000_s2055" r:id="rId3" imgW="9869040" imgH="6237000" progId="CorelDRAW.Graphic.13">
+                  <p:embed/>
+                </p:oleObj>
+              </mc:Choice>
+              <mc:Fallback>
+                <p:oleObj r:id="rId3" imgW="9869040" imgH="6237000" progId="CorelDRAW.Graphic.13">
+                  <p:embed/>
+                  <p:pic>
+                    <p:nvPicPr>
+                      <p:cNvPr id="0" name="Object 1"/>
+                      <p:cNvPicPr>
+                        <a:picLocks noChangeAspect="1" noChangeArrowheads="1"/>
+                      </p:cNvPicPr>
+                      <p:nvPr/>
+                    </p:nvPicPr>
+                    <p:blipFill>
+                      <a:blip r:embed="rId4">
+                        <a:extLst>
+                          <a:ext uri="{28A0092B-C50C-407E-A947-70E740481C1C}">
+                            <a14:useLocalDpi xmlns:a14="http://schemas.microsoft.com/office/drawing/2010/main" val="0"/>
+                          </a:ext>
+                        </a:extLst>
+                      </a:blip>
+                      <a:srcRect/>
+                      <a:stretch>
+                        <a:fillRect/>
+                      </a:stretch>
+                    </p:blipFill>
+                    <p:spPr bwMode="auto">
+                      <a:xfrm>
+                        <a:off x="1619672" y="1131590"/>
+                        <a:ext cx="4824536" cy="3067845"/>
+                      </a:xfrm>
+                      <a:prstGeom prst="rect">
+                        <a:avLst/>
+                      </a:prstGeom>
+                      <a:noFill/>
+                    </p:spPr>
+                  </p:pic>
+                </p:oleObj>
+              </mc:Fallback>
+            </mc:AlternateContent>
+          </a:graphicData>
+        </a:graphic>
+      </p:graphicFrame>
+    </p:spTree>
+    <p:extLst>
+      <p:ext uri="{BB962C8B-B14F-4D97-AF65-F5344CB8AC3E}">
+        <p14:creationId xmlns:p14="http://schemas.microsoft.com/office/powerpoint/2010/main" val="1227060376"/>
+      </p:ext>
+    </p:extLst>
+  </p:cSld>
+  <p:clrMapOvr>
+    <a:masterClrMapping/>
+  </p:clrMapOvr>
+  <p:timing>
+    <p:tnLst>
+      <p:par>
+        <p:cTn id="1" dur="indefinite" restart="never" nodeType="tmRoot"/>
+      </p:par>
+    </p:tnLst>
+  </p:timing>
+</p:sld>
+</file>
+
+<file path=ppt/slides/slide6.xml><?xml version="1.0" encoding="utf-8"?>
+<p:sld xmlns:a="http://schemas.openxmlformats.org/drawingml/2006/main" xmlns:r="http://schemas.openxmlformats.org/officeDocument/2006/relationships" xmlns:p="http://schemas.openxmlformats.org/presentationml/2006/main">
+  <p:cSld>
+    <p:spTree>
+      <p:nvGrpSpPr>
+        <p:cNvPr id="1" name=""/>
+        <p:cNvGrpSpPr/>
+        <p:nvPr/>
+      </p:nvGrpSpPr>
+      <p:grpSpPr>
+        <a:xfrm>
+          <a:off x="0" y="0"/>
+          <a:ext cx="0" cy="0"/>
+          <a:chOff x="0" y="0"/>
+          <a:chExt cx="0" cy="0"/>
+        </a:xfrm>
+      </p:grpSpPr>
+      <p:sp>
+        <p:nvSpPr>
+          <p:cNvPr id="4" name="Заголовок 3"/>
+          <p:cNvSpPr>
+            <a:spLocks noGrp="1"/>
+          </p:cNvSpPr>
+          <p:nvPr>
+            <p:ph type="title"/>
+          </p:nvPr>
+        </p:nvSpPr>
+        <p:spPr/>
+        <p:txBody>
+          <a:bodyPr/>
+          <a:lstStyle/>
+          <a:p>
+            <a:r>
+              <a:rPr lang="ru-RU" dirty="0" smtClean="0"/>
+              <a:t>Избыточность</a:t>
+            </a:r>
+            <a:endParaRPr lang="ru-RU" dirty="0"/>
+          </a:p>
+        </p:txBody>
+      </p:sp>
+      <p:sp>
+        <p:nvSpPr>
+          <p:cNvPr id="5" name="Объект 4"/>
+          <p:cNvSpPr>
+            <a:spLocks noGrp="1"/>
+          </p:cNvSpPr>
+          <p:nvPr>
+            <p:ph idx="1"/>
+          </p:nvPr>
+        </p:nvSpPr>
+        <p:spPr>
+          <a:xfrm>
+            <a:off x="4355976" y="2178769"/>
+            <a:ext cx="4248472" cy="2451656"/>
+          </a:xfrm>
+        </p:spPr>
+        <p:txBody>
+          <a:bodyPr/>
+          <a:lstStyle/>
+          <a:p>
+            <a:r>
+              <a:rPr lang="ru-RU" dirty="0"/>
+              <a:t>разные функциональные возможности </a:t>
+            </a:r>
+            <a:endParaRPr lang="ru-RU" dirty="0" smtClean="0"/>
+          </a:p>
+          <a:p>
+            <a:r>
+              <a:rPr lang="ru-RU" dirty="0"/>
+              <a:t>разные условия работы разных </a:t>
+            </a:r>
+            <a:r>
+              <a:rPr lang="ru-RU" dirty="0" smtClean="0"/>
+              <a:t>подгрупп</a:t>
+            </a:r>
+          </a:p>
+          <a:p>
+            <a:r>
+              <a:rPr lang="ru-RU" dirty="0"/>
+              <a:t>разная стоимость роботов</a:t>
+            </a:r>
+            <a:endParaRPr lang="ru-RU" dirty="0" smtClean="0"/>
+          </a:p>
+          <a:p>
+            <a:endParaRPr lang="ru-RU" dirty="0"/>
+          </a:p>
+        </p:txBody>
+      </p:sp>
+      <p:pic>
+        <p:nvPicPr>
+          <p:cNvPr id="6" name="Рисунок 5" descr="C:\Users\6B43~1.501\AppData\Local\Temp\УСС_1.jpg"/>
+          <p:cNvPicPr/>
+          <p:nvPr/>
+        </p:nvPicPr>
+        <p:blipFill>
+          <a:blip r:embed="rId2" cstate="print"/>
+          <a:srcRect/>
+          <a:stretch>
+            <a:fillRect/>
+          </a:stretch>
+        </p:blipFill>
+        <p:spPr bwMode="auto">
+          <a:xfrm>
+            <a:off x="683568" y="1059582"/>
+            <a:ext cx="3456384" cy="2238375"/>
+          </a:xfrm>
+          <a:prstGeom prst="rect">
+            <a:avLst/>
+          </a:prstGeom>
+          <a:noFill/>
+          <a:ln w="9525">
+            <a:noFill/>
+            <a:miter lim="800000"/>
+            <a:headEnd/>
+            <a:tailEnd/>
+          </a:ln>
+        </p:spPr>
+      </p:pic>
+      <p:sp>
+        <p:nvSpPr>
+          <p:cNvPr id="3" name="TextBox 2"/>
+          <p:cNvSpPr txBox="1"/>
+          <p:nvPr/>
+        </p:nvSpPr>
+        <p:spPr>
+          <a:xfrm>
+            <a:off x="683568" y="3723878"/>
+            <a:ext cx="3456384" cy="1138773"/>
+          </a:xfrm>
+          <a:prstGeom prst="rect">
+            <a:avLst/>
+          </a:prstGeom>
+          <a:noFill/>
+        </p:spPr>
+        <p:txBody>
+          <a:bodyPr wrap="square" rtlCol="0">
+            <a:spAutoFit/>
+          </a:bodyPr>
+          <a:lstStyle/>
+          <a:p>
+            <a:r>
+              <a:rPr lang="ru-RU" sz="1400" dirty="0"/>
+              <a:t>Универсальное спасательное средство разработки </a:t>
+            </a:r>
+            <a:r>
+              <a:rPr lang="ru-RU" sz="1400" dirty="0" smtClean="0"/>
+              <a:t>Нижегородского </a:t>
+            </a:r>
+            <a:r>
+              <a:rPr lang="ru-RU" sz="1400" dirty="0"/>
+              <a:t>Государственного Технического </a:t>
+            </a:r>
+            <a:r>
+              <a:rPr lang="ru-RU" sz="1400" dirty="0" smtClean="0"/>
+              <a:t>Университета </a:t>
+            </a:r>
+            <a:r>
+              <a:rPr lang="ru-RU" sz="1400" dirty="0"/>
+              <a:t>им. Р.Е. Алексеева</a:t>
+            </a:r>
+            <a:endParaRPr lang="en-US" sz="1400" dirty="0"/>
+          </a:p>
+          <a:p>
+            <a:endParaRPr lang="en-US" sz="1200" dirty="0"/>
+          </a:p>
+        </p:txBody>
+      </p:sp>
+      <p:sp>
+        <p:nvSpPr>
+          <p:cNvPr id="7" name="TextBox 6"/>
+          <p:cNvSpPr txBox="1"/>
+          <p:nvPr/>
+        </p:nvSpPr>
+        <p:spPr>
+          <a:xfrm>
+            <a:off x="4211960" y="1053762"/>
+            <a:ext cx="4392488" cy="646331"/>
+          </a:xfrm>
+          <a:prstGeom prst="rect">
+            <a:avLst/>
+          </a:prstGeom>
+          <a:gradFill>
+            <a:gsLst>
+              <a:gs pos="0">
+                <a:schemeClr val="accent1">
+                  <a:tint val="66000"/>
+                  <a:satMod val="160000"/>
+                </a:schemeClr>
+              </a:gs>
+              <a:gs pos="39000">
+                <a:schemeClr val="accent1">
+                  <a:tint val="44500"/>
+                  <a:satMod val="160000"/>
+                </a:schemeClr>
+              </a:gs>
+              <a:gs pos="100000">
+                <a:schemeClr val="accent1">
+                  <a:tint val="23500"/>
+                  <a:satMod val="160000"/>
+                </a:schemeClr>
+              </a:gs>
+            </a:gsLst>
+            <a:lin ang="5400000" scaled="0"/>
+          </a:gradFill>
+        </p:spPr>
+        <p:txBody>
+          <a:bodyPr wrap="square" rtlCol="0">
+            <a:spAutoFit/>
+          </a:bodyPr>
+          <a:lstStyle/>
+          <a:p>
+            <a:r>
+              <a:rPr lang="ru-RU" dirty="0" smtClean="0"/>
+              <a:t>Один из способов повышения надежности </a:t>
+            </a:r>
+            <a:r>
+              <a:rPr lang="ru-RU" dirty="0"/>
+              <a:t>и безопасности</a:t>
+            </a:r>
+            <a:endParaRPr lang="en-US" dirty="0"/>
+          </a:p>
+        </p:txBody>
+      </p:sp>
+    </p:spTree>
+    <p:extLst>
+      <p:ext uri="{BB962C8B-B14F-4D97-AF65-F5344CB8AC3E}">
+        <p14:creationId xmlns:p14="http://schemas.microsoft.com/office/powerpoint/2010/main" val="3052861268"/>
+      </p:ext>
+    </p:extLst>
+  </p:cSld>
+  <p:clrMapOvr>
+    <a:masterClrMapping/>
+  </p:clrMapOvr>
+  <p:timing>
+    <p:tnLst>
+      <p:par>
+        <p:cTn id="1" dur="indefinite" restart="never" nodeType="tmRoot"/>
+      </p:par>
+    </p:tnLst>
+  </p:timing>
+</p:sld>
+</file>
+
+<file path=ppt/slides/slide7.xml><?xml version="1.0" encoding="utf-8"?>
+<p:sld xmlns:a="http://schemas.openxmlformats.org/drawingml/2006/main" xmlns:r="http://schemas.openxmlformats.org/officeDocument/2006/relationships" xmlns:p="http://schemas.openxmlformats.org/presentationml/2006/main">
+  <p:cSld>
+    <p:spTree>
+      <p:nvGrpSpPr>
+        <p:cNvPr id="1" name=""/>
+        <p:cNvGrpSpPr/>
+        <p:nvPr/>
+      </p:nvGrpSpPr>
+      <p:grpSpPr>
+        <a:xfrm>
+          <a:off x="0" y="0"/>
+          <a:ext cx="0" cy="0"/>
+          <a:chOff x="0" y="0"/>
+          <a:chExt cx="0" cy="0"/>
+        </a:xfrm>
+      </p:grpSpPr>
+      <p:sp>
+        <p:nvSpPr>
+          <p:cNvPr id="4" name="Заголовок 3"/>
+          <p:cNvSpPr>
+            <a:spLocks noGrp="1"/>
+          </p:cNvSpPr>
+          <p:nvPr>
+            <p:ph type="title"/>
+          </p:nvPr>
+        </p:nvSpPr>
+        <p:spPr/>
+        <p:txBody>
+          <a:bodyPr/>
+          <a:lstStyle/>
+          <a:p>
+            <a:r>
+              <a:rPr lang="ru-RU" dirty="0"/>
+              <a:t>Взаимозаменяемость</a:t>
+            </a:r>
+          </a:p>
+        </p:txBody>
+      </p:sp>
+      <p:sp>
+        <p:nvSpPr>
+          <p:cNvPr id="5" name="Объект 4"/>
+          <p:cNvSpPr>
+            <a:spLocks noGrp="1"/>
+          </p:cNvSpPr>
+          <p:nvPr>
+            <p:ph idx="1"/>
+          </p:nvPr>
+        </p:nvSpPr>
+        <p:spPr/>
+        <p:txBody>
+          <a:bodyPr/>
+          <a:lstStyle/>
+          <a:p>
+            <a:endParaRPr lang="ru-RU" dirty="0"/>
+          </a:p>
+        </p:txBody>
+      </p:sp>
+    </p:spTree>
+    <p:extLst>
+      <p:ext uri="{BB962C8B-B14F-4D97-AF65-F5344CB8AC3E}">
+        <p14:creationId xmlns:p14="http://schemas.microsoft.com/office/powerpoint/2010/main" val="3205345642"/>
+      </p:ext>
+    </p:extLst>
+  </p:cSld>
+  <p:clrMapOvr>
+    <a:masterClrMapping/>
+  </p:clrMapOvr>
+  <p:timing>
+    <p:tnLst>
+      <p:par>
+        <p:cTn id="1" dur="indefinite" restart="never" nodeType="tmRoot"/>
+      </p:par>
+    </p:tnLst>
+  </p:timing>
+</p:sld>
+</file>
+
+<file path=ppt/slides/slide8.xml><?xml version="1.0" encoding="utf-8"?>
+<p:sld xmlns:a="http://schemas.openxmlformats.org/drawingml/2006/main" xmlns:r="http://schemas.openxmlformats.org/officeDocument/2006/relationships" xmlns:p="http://schemas.openxmlformats.org/presentationml/2006/main">
+  <p:cSld>
+    <p:spTree>
+      <p:nvGrpSpPr>
+        <p:cNvPr id="1" name=""/>
+        <p:cNvGrpSpPr/>
+        <p:nvPr/>
+      </p:nvGrpSpPr>
+      <p:grpSpPr>
+        <a:xfrm>
+          <a:off x="0" y="0"/>
+          <a:ext cx="0" cy="0"/>
+          <a:chOff x="0" y="0"/>
+          <a:chExt cx="0" cy="0"/>
+        </a:xfrm>
+      </p:grpSpPr>
+      <p:sp>
+        <p:nvSpPr>
+          <p:cNvPr id="4" name="Заголовок 3"/>
+          <p:cNvSpPr>
+            <a:spLocks noGrp="1"/>
+          </p:cNvSpPr>
+          <p:nvPr>
+            <p:ph type="title"/>
+          </p:nvPr>
+        </p:nvSpPr>
+        <p:spPr/>
+        <p:txBody>
+          <a:bodyPr/>
+          <a:lstStyle/>
+          <a:p>
+            <a:r>
+              <a:rPr lang="ru-RU" dirty="0"/>
+              <a:t>Взаимозаменяемость</a:t>
+            </a:r>
+          </a:p>
+        </p:txBody>
+      </p:sp>
+      <p:sp>
+        <p:nvSpPr>
+          <p:cNvPr id="5" name="Объект 4"/>
+          <p:cNvSpPr>
+            <a:spLocks noGrp="1"/>
+          </p:cNvSpPr>
+          <p:nvPr>
+            <p:ph idx="1"/>
+          </p:nvPr>
+        </p:nvSpPr>
+        <p:spPr/>
+        <p:txBody>
+          <a:bodyPr/>
+          <a:lstStyle/>
+          <a:p>
+            <a:endParaRPr lang="ru-RU" dirty="0"/>
+          </a:p>
+        </p:txBody>
+      </p:sp>
+    </p:spTree>
+    <p:extLst>
+      <p:ext uri="{BB962C8B-B14F-4D97-AF65-F5344CB8AC3E}">
+        <p14:creationId xmlns:p14="http://schemas.microsoft.com/office/powerpoint/2010/main" val="3052861268"/>
+      </p:ext>
+    </p:extLst>
+  </p:cSld>
+  <p:clrMapOvr>
+    <a:masterClrMapping/>
+  </p:clrMapOvr>
+  <p:timing>
+    <p:tnLst>
+      <p:par>
+        <p:cTn id="1" dur="indefinite" restart="never" nodeType="tmRoot"/>
+      </p:par>
+    </p:tnLst>
+  </p:timing>
+</p:sld>
+</file>
+
+<file path=ppt/slides/slide9.xml><?xml version="1.0" encoding="utf-8"?>
+<p:sld xmlns:a="http://schemas.openxmlformats.org/drawingml/2006/main" xmlns:r="http://schemas.openxmlformats.org/officeDocument/2006/relationships" xmlns:p="http://schemas.openxmlformats.org/presentationml/2006/main">
+  <p:cSld>
+    <p:spTree>
+      <p:nvGrpSpPr>
+        <p:cNvPr id="1" name=""/>
+        <p:cNvGrpSpPr/>
+        <p:nvPr/>
+      </p:nvGrpSpPr>
+      <p:grpSpPr>
+        <a:xfrm>
+          <a:off x="0" y="0"/>
+          <a:ext cx="0" cy="0"/>
+          <a:chOff x="0" y="0"/>
+          <a:chExt cx="0" cy="0"/>
+        </a:xfrm>
+      </p:grpSpPr>
+      <p:sp>
+        <p:nvSpPr>
+          <p:cNvPr id="4" name="Заголовок 3"/>
+          <p:cNvSpPr>
+            <a:spLocks noGrp="1"/>
+          </p:cNvSpPr>
+          <p:nvPr>
+            <p:ph type="title"/>
+          </p:nvPr>
+        </p:nvSpPr>
+        <p:spPr/>
+        <p:txBody>
+          <a:bodyPr/>
+          <a:lstStyle/>
+          <a:p>
+            <a:r>
+              <a:rPr lang="ru-RU" dirty="0"/>
+              <a:t>Взаимозаменяемость</a:t>
+            </a:r>
+          </a:p>
+        </p:txBody>
+      </p:sp>
+      <p:sp>
+        <p:nvSpPr>
+          <p:cNvPr id="5" name="Объект 4"/>
+          <p:cNvSpPr>
+            <a:spLocks noGrp="1"/>
+          </p:cNvSpPr>
+          <p:nvPr>
+            <p:ph idx="1"/>
+          </p:nvPr>
+        </p:nvSpPr>
+        <p:spPr/>
+        <p:txBody>
+          <a:bodyPr/>
+          <a:lstStyle/>
+          <a:p>
+            <a:endParaRPr lang="ru-RU" dirty="0"/>
+          </a:p>
+        </p:txBody>
+      </p:sp>
+    </p:spTree>
+    <p:extLst>
+      <p:ext uri="{BB962C8B-B14F-4D97-AF65-F5344CB8AC3E}">
+        <p14:creationId xmlns:p14="http://schemas.microsoft.com/office/powerpoint/2010/main" val="3052861268"/>
+      </p:ext>
+    </p:extLst>
+  </p:cSld>
+  <p:clrMapOvr>
+    <a:masterClrMapping/>
+  </p:clrMapOvr>
+  <p:timing>
+    <p:tnLst>
+      <p:par>
+        <p:cTn id="1" dur="indefinite" restart="never" nodeType="tmRoot"/>
+      </p:par>
+    </p:tnLst>
   </p:timing>
 </p:sld>
 </file>

--- a/MorskoySalon.pptx
+++ b/MorskoySalon.pptx
@@ -5,7 +5,7 @@
     <p:sldMasterId id="2147483648" r:id="rId1"/>
   </p:sldMasterIdLst>
   <p:notesMasterIdLst>
-    <p:notesMasterId r:id="rId12"/>
+    <p:notesMasterId r:id="rId11"/>
   </p:notesMasterIdLst>
   <p:sldIdLst>
     <p:sldId id="256" r:id="rId2"/>
@@ -16,8 +16,7 @@
     <p:sldId id="300" r:id="rId7"/>
     <p:sldId id="296" r:id="rId8"/>
     <p:sldId id="298" r:id="rId9"/>
-    <p:sldId id="299" r:id="rId10"/>
-    <p:sldId id="292" r:id="rId11"/>
+    <p:sldId id="292" r:id="rId10"/>
   </p:sldIdLst>
   <p:sldSz cx="9144000" cy="5143500" type="screen16x9"/>
   <p:notesSz cx="6858000" cy="9144000"/>
@@ -3589,7 +3588,3645 @@
 </p:sld>
 </file>
 
-<file path=ppt/slides/slide10.xml><?xml version="1.0" encoding="utf-8"?>
+<file path=ppt/slides/slide2.xml><?xml version="1.0" encoding="utf-8"?>
+<p:sld xmlns:a="http://schemas.openxmlformats.org/drawingml/2006/main" xmlns:r="http://schemas.openxmlformats.org/officeDocument/2006/relationships" xmlns:p="http://schemas.openxmlformats.org/presentationml/2006/main">
+  <p:cSld>
+    <p:spTree>
+      <p:nvGrpSpPr>
+        <p:cNvPr id="1" name=""/>
+        <p:cNvGrpSpPr/>
+        <p:nvPr/>
+      </p:nvGrpSpPr>
+      <p:grpSpPr>
+        <a:xfrm>
+          <a:off x="0" y="0"/>
+          <a:ext cx="0" cy="0"/>
+          <a:chOff x="0" y="0"/>
+          <a:chExt cx="0" cy="0"/>
+        </a:xfrm>
+      </p:grpSpPr>
+      <p:sp>
+        <p:nvSpPr>
+          <p:cNvPr id="3" name="Заголовок 2"/>
+          <p:cNvSpPr>
+            <a:spLocks noGrp="1"/>
+          </p:cNvSpPr>
+          <p:nvPr>
+            <p:ph type="title"/>
+          </p:nvPr>
+        </p:nvSpPr>
+        <p:spPr/>
+        <p:txBody>
+          <a:bodyPr/>
+          <a:lstStyle/>
+          <a:p>
+            <a:r>
+              <a:rPr lang="ru-RU" dirty="0"/>
+              <a:t>Сложные климатические условия</a:t>
+            </a:r>
+          </a:p>
+        </p:txBody>
+      </p:sp>
+      <p:sp>
+        <p:nvSpPr>
+          <p:cNvPr id="4" name="Текст 3"/>
+          <p:cNvSpPr>
+            <a:spLocks noGrp="1"/>
+          </p:cNvSpPr>
+          <p:nvPr>
+            <p:ph type="body" sz="half" idx="2"/>
+          </p:nvPr>
+        </p:nvSpPr>
+        <p:spPr/>
+        <p:txBody>
+          <a:bodyPr/>
+          <a:lstStyle/>
+          <a:p>
+            <a:endParaRPr lang="ru-RU" sz="1600" dirty="0"/>
+          </a:p>
+        </p:txBody>
+      </p:sp>
+      <p:graphicFrame>
+        <p:nvGraphicFramePr>
+          <p:cNvPr id="2" name="Таблица 1"/>
+          <p:cNvGraphicFramePr>
+            <a:graphicFrameLocks noGrp="1"/>
+          </p:cNvGraphicFramePr>
+          <p:nvPr>
+            <p:extLst>
+              <p:ext uri="{D42A27DB-BD31-4B8C-83A1-F6EECF244321}">
+                <p14:modId xmlns:p14="http://schemas.microsoft.com/office/powerpoint/2010/main" val="3605519859"/>
+              </p:ext>
+            </p:extLst>
+          </p:nvPr>
+        </p:nvGraphicFramePr>
+        <p:xfrm>
+          <a:off x="4283968" y="1059582"/>
+          <a:ext cx="3960440" cy="2515736"/>
+        </p:xfrm>
+        <a:graphic>
+          <a:graphicData uri="http://schemas.openxmlformats.org/drawingml/2006/table">
+            <a:tbl>
+              <a:tblPr firstRow="1" bandRow="1">
+                <a:tableStyleId>{5C22544A-7EE6-4342-B048-85BDC9FD1C3A}</a:tableStyleId>
+              </a:tblPr>
+              <a:tblGrid>
+                <a:gridCol w="1368152"/>
+                <a:gridCol w="1440160"/>
+                <a:gridCol w="1152128"/>
+              </a:tblGrid>
+              <a:tr h="504056">
+                <a:tc>
+                  <a:txBody>
+                    <a:bodyPr/>
+                    <a:lstStyle/>
+                    <a:p>
+                      <a:pPr marL="0" marR="0" indent="0" algn="just">
+                        <a:lnSpc>
+                          <a:spcPct val="150000"/>
+                        </a:lnSpc>
+                        <a:spcBef>
+                          <a:spcPts val="0"/>
+                        </a:spcBef>
+                        <a:spcAft>
+                          <a:spcPts val="0"/>
+                        </a:spcAft>
+                      </a:pPr>
+                      <a:r>
+                        <a:rPr lang="ru-RU" sz="1100" dirty="0">
+                          <a:effectLst/>
+                        </a:rPr>
+                        <a:t>Датчик</a:t>
+                      </a:r>
+                      <a:endParaRPr lang="en-US" sz="1100" dirty="0">
+                        <a:effectLst/>
+                        <a:latin typeface="Times New Roman"/>
+                        <a:ea typeface="Times New Roman"/>
+                      </a:endParaRPr>
+                    </a:p>
+                  </a:txBody>
+                  <a:tcPr marL="30308" marR="30308" marT="0" marB="0"/>
+                </a:tc>
+                <a:tc>
+                  <a:txBody>
+                    <a:bodyPr/>
+                    <a:lstStyle/>
+                    <a:p>
+                      <a:pPr marL="0" marR="0" indent="0" algn="just">
+                        <a:lnSpc>
+                          <a:spcPct val="150000"/>
+                        </a:lnSpc>
+                        <a:spcBef>
+                          <a:spcPts val="0"/>
+                        </a:spcBef>
+                        <a:spcAft>
+                          <a:spcPts val="0"/>
+                        </a:spcAft>
+                      </a:pPr>
+                      <a:r>
+                        <a:rPr lang="ru-RU" sz="1100" dirty="0">
+                          <a:effectLst/>
+                        </a:rPr>
+                        <a:t>Погодные условия</a:t>
+                      </a:r>
+                      <a:endParaRPr lang="en-US" sz="1100" dirty="0">
+                        <a:effectLst/>
+                        <a:latin typeface="Times New Roman"/>
+                        <a:ea typeface="Times New Roman"/>
+                      </a:endParaRPr>
+                    </a:p>
+                  </a:txBody>
+                  <a:tcPr marL="30308" marR="30308" marT="0" marB="0"/>
+                </a:tc>
+                <a:tc>
+                  <a:txBody>
+                    <a:bodyPr/>
+                    <a:lstStyle/>
+                    <a:p>
+                      <a:pPr marL="0" marR="0" indent="0" algn="just">
+                        <a:lnSpc>
+                          <a:spcPct val="150000"/>
+                        </a:lnSpc>
+                        <a:spcBef>
+                          <a:spcPts val="0"/>
+                        </a:spcBef>
+                        <a:spcAft>
+                          <a:spcPts val="0"/>
+                        </a:spcAft>
+                      </a:pPr>
+                      <a:r>
+                        <a:rPr lang="ru-RU" sz="1100">
+                          <a:effectLst/>
+                        </a:rPr>
+                        <a:t>Применимость</a:t>
+                      </a:r>
+                      <a:endParaRPr lang="en-US" sz="1100">
+                        <a:effectLst/>
+                        <a:latin typeface="Times New Roman"/>
+                        <a:ea typeface="Times New Roman"/>
+                      </a:endParaRPr>
+                    </a:p>
+                  </a:txBody>
+                  <a:tcPr marL="30308" marR="30308" marT="0" marB="0"/>
+                </a:tc>
+              </a:tr>
+              <a:tr h="162817">
+                <a:tc rowSpan="4">
+                  <a:txBody>
+                    <a:bodyPr/>
+                    <a:lstStyle/>
+                    <a:p>
+                      <a:pPr marL="0" marR="0" indent="0" algn="just">
+                        <a:lnSpc>
+                          <a:spcPct val="150000"/>
+                        </a:lnSpc>
+                        <a:spcBef>
+                          <a:spcPts val="0"/>
+                        </a:spcBef>
+                        <a:spcAft>
+                          <a:spcPts val="0"/>
+                        </a:spcAft>
+                      </a:pPr>
+                      <a:r>
+                        <a:rPr lang="ru-RU" sz="1100" dirty="0">
+                          <a:effectLst/>
+                        </a:rPr>
+                        <a:t>Видеокамеры</a:t>
+                      </a:r>
+                      <a:endParaRPr lang="en-US" sz="1100" dirty="0">
+                        <a:effectLst/>
+                        <a:latin typeface="Times New Roman"/>
+                        <a:ea typeface="Times New Roman"/>
+                      </a:endParaRPr>
+                    </a:p>
+                  </a:txBody>
+                  <a:tcPr marL="30308" marR="30308" marT="0" marB="0"/>
+                </a:tc>
+                <a:tc>
+                  <a:txBody>
+                    <a:bodyPr/>
+                    <a:lstStyle/>
+                    <a:p>
+                      <a:pPr marL="0" marR="0" indent="0" algn="just">
+                        <a:lnSpc>
+                          <a:spcPct val="150000"/>
+                        </a:lnSpc>
+                        <a:spcBef>
+                          <a:spcPts val="0"/>
+                        </a:spcBef>
+                        <a:spcAft>
+                          <a:spcPts val="0"/>
+                        </a:spcAft>
+                      </a:pPr>
+                      <a:r>
+                        <a:rPr lang="ru-RU" sz="1100">
+                          <a:effectLst/>
+                        </a:rPr>
+                        <a:t>Полярная ночь</a:t>
+                      </a:r>
+                      <a:endParaRPr lang="en-US" sz="1100">
+                        <a:effectLst/>
+                        <a:latin typeface="Times New Roman"/>
+                        <a:ea typeface="Times New Roman"/>
+                      </a:endParaRPr>
+                    </a:p>
+                  </a:txBody>
+                  <a:tcPr marL="30308" marR="30308" marT="0" marB="0"/>
+                </a:tc>
+                <a:tc>
+                  <a:txBody>
+                    <a:bodyPr/>
+                    <a:lstStyle/>
+                    <a:p>
+                      <a:pPr marL="0" marR="0" indent="0" algn="ctr">
+                        <a:lnSpc>
+                          <a:spcPct val="150000"/>
+                        </a:lnSpc>
+                        <a:spcBef>
+                          <a:spcPts val="0"/>
+                        </a:spcBef>
+                        <a:spcAft>
+                          <a:spcPts val="0"/>
+                        </a:spcAft>
+                      </a:pPr>
+                      <a:r>
+                        <a:rPr lang="ru-RU" sz="1100" dirty="0">
+                          <a:effectLst/>
+                        </a:rPr>
+                        <a:t>-</a:t>
+                      </a:r>
+                      <a:endParaRPr lang="en-US" sz="1100" dirty="0">
+                        <a:effectLst/>
+                        <a:latin typeface="Times New Roman"/>
+                        <a:ea typeface="Times New Roman"/>
+                      </a:endParaRPr>
+                    </a:p>
+                  </a:txBody>
+                  <a:tcPr marL="30308" marR="30308" marT="0" marB="0"/>
+                </a:tc>
+              </a:tr>
+              <a:tr h="162817">
+                <a:tc vMerge="1">
+                  <a:txBody>
+                    <a:bodyPr/>
+                    <a:lstStyle/>
+                    <a:p>
+                      <a:endParaRPr lang="en-US"/>
+                    </a:p>
+                  </a:txBody>
+                  <a:tcPr/>
+                </a:tc>
+                <a:tc>
+                  <a:txBody>
+                    <a:bodyPr/>
+                    <a:lstStyle/>
+                    <a:p>
+                      <a:pPr marL="0" marR="0" indent="0" algn="just">
+                        <a:lnSpc>
+                          <a:spcPct val="150000"/>
+                        </a:lnSpc>
+                        <a:spcBef>
+                          <a:spcPts val="0"/>
+                        </a:spcBef>
+                        <a:spcAft>
+                          <a:spcPts val="0"/>
+                        </a:spcAft>
+                      </a:pPr>
+                      <a:r>
+                        <a:rPr lang="ru-RU" sz="1100">
+                          <a:effectLst/>
+                        </a:rPr>
+                        <a:t>Метель</a:t>
+                      </a:r>
+                      <a:endParaRPr lang="en-US" sz="1100">
+                        <a:effectLst/>
+                        <a:latin typeface="Times New Roman"/>
+                        <a:ea typeface="Times New Roman"/>
+                      </a:endParaRPr>
+                    </a:p>
+                  </a:txBody>
+                  <a:tcPr marL="30308" marR="30308" marT="0" marB="0"/>
+                </a:tc>
+                <a:tc>
+                  <a:txBody>
+                    <a:bodyPr/>
+                    <a:lstStyle/>
+                    <a:p>
+                      <a:pPr marL="0" marR="0" indent="0" algn="ctr">
+                        <a:lnSpc>
+                          <a:spcPct val="150000"/>
+                        </a:lnSpc>
+                        <a:spcBef>
+                          <a:spcPts val="0"/>
+                        </a:spcBef>
+                        <a:spcAft>
+                          <a:spcPts val="0"/>
+                        </a:spcAft>
+                      </a:pPr>
+                      <a:r>
+                        <a:rPr lang="ru-RU" sz="1100">
+                          <a:effectLst/>
+                        </a:rPr>
+                        <a:t>-</a:t>
+                      </a:r>
+                      <a:endParaRPr lang="en-US" sz="1100">
+                        <a:effectLst/>
+                        <a:latin typeface="Times New Roman"/>
+                        <a:ea typeface="Times New Roman"/>
+                      </a:endParaRPr>
+                    </a:p>
+                  </a:txBody>
+                  <a:tcPr marL="30308" marR="30308" marT="0" marB="0"/>
+                </a:tc>
+              </a:tr>
+              <a:tr h="162817">
+                <a:tc vMerge="1">
+                  <a:txBody>
+                    <a:bodyPr/>
+                    <a:lstStyle/>
+                    <a:p>
+                      <a:endParaRPr lang="en-US"/>
+                    </a:p>
+                  </a:txBody>
+                  <a:tcPr/>
+                </a:tc>
+                <a:tc>
+                  <a:txBody>
+                    <a:bodyPr/>
+                    <a:lstStyle/>
+                    <a:p>
+                      <a:pPr marL="0" marR="0" indent="0" algn="just">
+                        <a:lnSpc>
+                          <a:spcPct val="150000"/>
+                        </a:lnSpc>
+                        <a:spcBef>
+                          <a:spcPts val="0"/>
+                        </a:spcBef>
+                        <a:spcAft>
+                          <a:spcPts val="0"/>
+                        </a:spcAft>
+                      </a:pPr>
+                      <a:r>
+                        <a:rPr lang="ru-RU" sz="1100">
+                          <a:effectLst/>
+                        </a:rPr>
+                        <a:t>Сильный ветер</a:t>
+                      </a:r>
+                      <a:endParaRPr lang="en-US" sz="1100">
+                        <a:effectLst/>
+                        <a:latin typeface="Times New Roman"/>
+                        <a:ea typeface="Times New Roman"/>
+                      </a:endParaRPr>
+                    </a:p>
+                  </a:txBody>
+                  <a:tcPr marL="30308" marR="30308" marT="0" marB="0"/>
+                </a:tc>
+                <a:tc>
+                  <a:txBody>
+                    <a:bodyPr/>
+                    <a:lstStyle/>
+                    <a:p>
+                      <a:pPr marL="0" marR="0" indent="0" algn="ctr">
+                        <a:lnSpc>
+                          <a:spcPct val="150000"/>
+                        </a:lnSpc>
+                        <a:spcBef>
+                          <a:spcPts val="0"/>
+                        </a:spcBef>
+                        <a:spcAft>
+                          <a:spcPts val="0"/>
+                        </a:spcAft>
+                      </a:pPr>
+                      <a:r>
+                        <a:rPr lang="ru-RU" sz="1100">
+                          <a:effectLst/>
+                        </a:rPr>
+                        <a:t>+</a:t>
+                      </a:r>
+                      <a:endParaRPr lang="en-US" sz="1100">
+                        <a:effectLst/>
+                        <a:latin typeface="Times New Roman"/>
+                        <a:ea typeface="Times New Roman"/>
+                      </a:endParaRPr>
+                    </a:p>
+                  </a:txBody>
+                  <a:tcPr marL="30308" marR="30308" marT="0" marB="0"/>
+                </a:tc>
+              </a:tr>
+              <a:tr h="162817">
+                <a:tc vMerge="1">
+                  <a:txBody>
+                    <a:bodyPr/>
+                    <a:lstStyle/>
+                    <a:p>
+                      <a:endParaRPr lang="en-US"/>
+                    </a:p>
+                  </a:txBody>
+                  <a:tcPr/>
+                </a:tc>
+                <a:tc>
+                  <a:txBody>
+                    <a:bodyPr/>
+                    <a:lstStyle/>
+                    <a:p>
+                      <a:pPr marL="0" marR="0" indent="0" algn="just">
+                        <a:lnSpc>
+                          <a:spcPct val="150000"/>
+                        </a:lnSpc>
+                        <a:spcBef>
+                          <a:spcPts val="0"/>
+                        </a:spcBef>
+                        <a:spcAft>
+                          <a:spcPts val="0"/>
+                        </a:spcAft>
+                      </a:pPr>
+                      <a:r>
+                        <a:rPr lang="ru-RU" sz="1100" dirty="0">
+                          <a:effectLst/>
+                        </a:rPr>
+                        <a:t>Качка</a:t>
+                      </a:r>
+                      <a:endParaRPr lang="en-US" sz="1100" dirty="0">
+                        <a:effectLst/>
+                        <a:latin typeface="Times New Roman"/>
+                        <a:ea typeface="Times New Roman"/>
+                      </a:endParaRPr>
+                    </a:p>
+                  </a:txBody>
+                  <a:tcPr marL="30308" marR="30308" marT="0" marB="0"/>
+                </a:tc>
+                <a:tc>
+                  <a:txBody>
+                    <a:bodyPr/>
+                    <a:lstStyle/>
+                    <a:p>
+                      <a:pPr marL="0" marR="0" indent="0" algn="ctr">
+                        <a:lnSpc>
+                          <a:spcPct val="150000"/>
+                        </a:lnSpc>
+                        <a:spcBef>
+                          <a:spcPts val="0"/>
+                        </a:spcBef>
+                        <a:spcAft>
+                          <a:spcPts val="0"/>
+                        </a:spcAft>
+                      </a:pPr>
+                      <a:r>
+                        <a:rPr lang="ru-RU" sz="1100">
+                          <a:effectLst/>
+                        </a:rPr>
+                        <a:t>+</a:t>
+                      </a:r>
+                      <a:endParaRPr lang="en-US" sz="1100">
+                        <a:effectLst/>
+                        <a:latin typeface="Times New Roman"/>
+                        <a:ea typeface="Times New Roman"/>
+                      </a:endParaRPr>
+                    </a:p>
+                  </a:txBody>
+                  <a:tcPr marL="30308" marR="30308" marT="0" marB="0"/>
+                </a:tc>
+              </a:tr>
+              <a:tr h="162817">
+                <a:tc rowSpan="4">
+                  <a:txBody>
+                    <a:bodyPr/>
+                    <a:lstStyle/>
+                    <a:p>
+                      <a:pPr marL="0" marR="0" indent="0" algn="just">
+                        <a:lnSpc>
+                          <a:spcPct val="150000"/>
+                        </a:lnSpc>
+                        <a:spcBef>
+                          <a:spcPts val="0"/>
+                        </a:spcBef>
+                        <a:spcAft>
+                          <a:spcPts val="0"/>
+                        </a:spcAft>
+                      </a:pPr>
+                      <a:r>
+                        <a:rPr lang="ru-RU" sz="1100" dirty="0">
+                          <a:effectLst/>
+                        </a:rPr>
+                        <a:t>Ультразвуковой дальномер </a:t>
+                      </a:r>
+                      <a:endParaRPr lang="en-US" sz="1100" dirty="0">
+                        <a:effectLst/>
+                        <a:latin typeface="Times New Roman"/>
+                        <a:ea typeface="Times New Roman"/>
+                      </a:endParaRPr>
+                    </a:p>
+                  </a:txBody>
+                  <a:tcPr marL="30308" marR="30308" marT="0" marB="0"/>
+                </a:tc>
+                <a:tc>
+                  <a:txBody>
+                    <a:bodyPr/>
+                    <a:lstStyle/>
+                    <a:p>
+                      <a:pPr marL="0" marR="0" indent="0" algn="just">
+                        <a:lnSpc>
+                          <a:spcPct val="150000"/>
+                        </a:lnSpc>
+                        <a:spcBef>
+                          <a:spcPts val="0"/>
+                        </a:spcBef>
+                        <a:spcAft>
+                          <a:spcPts val="0"/>
+                        </a:spcAft>
+                      </a:pPr>
+                      <a:r>
+                        <a:rPr lang="ru-RU" sz="1100" dirty="0">
+                          <a:effectLst/>
+                        </a:rPr>
+                        <a:t>Полярная ночь</a:t>
+                      </a:r>
+                      <a:endParaRPr lang="en-US" sz="1100" dirty="0">
+                        <a:effectLst/>
+                        <a:latin typeface="Times New Roman"/>
+                        <a:ea typeface="Times New Roman"/>
+                      </a:endParaRPr>
+                    </a:p>
+                  </a:txBody>
+                  <a:tcPr marL="30308" marR="30308" marT="0" marB="0"/>
+                </a:tc>
+                <a:tc>
+                  <a:txBody>
+                    <a:bodyPr/>
+                    <a:lstStyle/>
+                    <a:p>
+                      <a:pPr marL="0" marR="0" indent="0" algn="ctr">
+                        <a:lnSpc>
+                          <a:spcPct val="150000"/>
+                        </a:lnSpc>
+                        <a:spcBef>
+                          <a:spcPts val="0"/>
+                        </a:spcBef>
+                        <a:spcAft>
+                          <a:spcPts val="0"/>
+                        </a:spcAft>
+                      </a:pPr>
+                      <a:r>
+                        <a:rPr lang="ru-RU" sz="1100">
+                          <a:effectLst/>
+                        </a:rPr>
+                        <a:t>+</a:t>
+                      </a:r>
+                      <a:endParaRPr lang="en-US" sz="1100">
+                        <a:effectLst/>
+                        <a:latin typeface="Times New Roman"/>
+                        <a:ea typeface="Times New Roman"/>
+                      </a:endParaRPr>
+                    </a:p>
+                  </a:txBody>
+                  <a:tcPr marL="30308" marR="30308" marT="0" marB="0"/>
+                </a:tc>
+              </a:tr>
+              <a:tr h="162817">
+                <a:tc vMerge="1">
+                  <a:txBody>
+                    <a:bodyPr/>
+                    <a:lstStyle/>
+                    <a:p>
+                      <a:endParaRPr lang="en-US"/>
+                    </a:p>
+                  </a:txBody>
+                  <a:tcPr/>
+                </a:tc>
+                <a:tc>
+                  <a:txBody>
+                    <a:bodyPr/>
+                    <a:lstStyle/>
+                    <a:p>
+                      <a:pPr marL="0" marR="0" indent="0" algn="just">
+                        <a:lnSpc>
+                          <a:spcPct val="150000"/>
+                        </a:lnSpc>
+                        <a:spcBef>
+                          <a:spcPts val="0"/>
+                        </a:spcBef>
+                        <a:spcAft>
+                          <a:spcPts val="0"/>
+                        </a:spcAft>
+                      </a:pPr>
+                      <a:r>
+                        <a:rPr lang="ru-RU" sz="1100" dirty="0">
+                          <a:effectLst/>
+                        </a:rPr>
+                        <a:t>Метель</a:t>
+                      </a:r>
+                      <a:endParaRPr lang="en-US" sz="1100" dirty="0">
+                        <a:effectLst/>
+                        <a:latin typeface="Times New Roman"/>
+                        <a:ea typeface="Times New Roman"/>
+                      </a:endParaRPr>
+                    </a:p>
+                  </a:txBody>
+                  <a:tcPr marL="30308" marR="30308" marT="0" marB="0"/>
+                </a:tc>
+                <a:tc>
+                  <a:txBody>
+                    <a:bodyPr/>
+                    <a:lstStyle/>
+                    <a:p>
+                      <a:pPr marL="0" marR="0" indent="0" algn="ctr">
+                        <a:lnSpc>
+                          <a:spcPct val="150000"/>
+                        </a:lnSpc>
+                        <a:spcBef>
+                          <a:spcPts val="0"/>
+                        </a:spcBef>
+                        <a:spcAft>
+                          <a:spcPts val="0"/>
+                        </a:spcAft>
+                      </a:pPr>
+                      <a:r>
+                        <a:rPr lang="ru-RU" sz="1100" dirty="0">
+                          <a:effectLst/>
+                        </a:rPr>
+                        <a:t>-</a:t>
+                      </a:r>
+                      <a:endParaRPr lang="en-US" sz="1100" dirty="0">
+                        <a:effectLst/>
+                        <a:latin typeface="Times New Roman"/>
+                        <a:ea typeface="Times New Roman"/>
+                      </a:endParaRPr>
+                    </a:p>
+                  </a:txBody>
+                  <a:tcPr marL="30308" marR="30308" marT="0" marB="0"/>
+                </a:tc>
+              </a:tr>
+              <a:tr h="162817">
+                <a:tc vMerge="1">
+                  <a:txBody>
+                    <a:bodyPr/>
+                    <a:lstStyle/>
+                    <a:p>
+                      <a:endParaRPr lang="en-US"/>
+                    </a:p>
+                  </a:txBody>
+                  <a:tcPr/>
+                </a:tc>
+                <a:tc>
+                  <a:txBody>
+                    <a:bodyPr/>
+                    <a:lstStyle/>
+                    <a:p>
+                      <a:pPr marL="0" marR="0" indent="0" algn="just">
+                        <a:lnSpc>
+                          <a:spcPct val="150000"/>
+                        </a:lnSpc>
+                        <a:spcBef>
+                          <a:spcPts val="0"/>
+                        </a:spcBef>
+                        <a:spcAft>
+                          <a:spcPts val="0"/>
+                        </a:spcAft>
+                      </a:pPr>
+                      <a:r>
+                        <a:rPr lang="ru-RU" sz="1100" dirty="0">
+                          <a:effectLst/>
+                        </a:rPr>
+                        <a:t>Сильный ветер</a:t>
+                      </a:r>
+                      <a:endParaRPr lang="en-US" sz="1100" dirty="0">
+                        <a:effectLst/>
+                        <a:latin typeface="Times New Roman"/>
+                        <a:ea typeface="Times New Roman"/>
+                      </a:endParaRPr>
+                    </a:p>
+                  </a:txBody>
+                  <a:tcPr marL="30308" marR="30308" marT="0" marB="0"/>
+                </a:tc>
+                <a:tc>
+                  <a:txBody>
+                    <a:bodyPr/>
+                    <a:lstStyle/>
+                    <a:p>
+                      <a:pPr marL="0" marR="0" indent="0" algn="ctr">
+                        <a:lnSpc>
+                          <a:spcPct val="150000"/>
+                        </a:lnSpc>
+                        <a:spcBef>
+                          <a:spcPts val="0"/>
+                        </a:spcBef>
+                        <a:spcAft>
+                          <a:spcPts val="0"/>
+                        </a:spcAft>
+                      </a:pPr>
+                      <a:r>
+                        <a:rPr lang="ru-RU" sz="1100" dirty="0">
+                          <a:effectLst/>
+                        </a:rPr>
+                        <a:t>-</a:t>
+                      </a:r>
+                      <a:endParaRPr lang="en-US" sz="1100" dirty="0">
+                        <a:effectLst/>
+                        <a:latin typeface="Times New Roman"/>
+                        <a:ea typeface="Times New Roman"/>
+                      </a:endParaRPr>
+                    </a:p>
+                  </a:txBody>
+                  <a:tcPr marL="30308" marR="30308" marT="0" marB="0"/>
+                </a:tc>
+              </a:tr>
+              <a:tr h="228000">
+                <a:tc vMerge="1">
+                  <a:txBody>
+                    <a:bodyPr/>
+                    <a:lstStyle/>
+                    <a:p>
+                      <a:endParaRPr lang="en-US"/>
+                    </a:p>
+                  </a:txBody>
+                  <a:tcPr/>
+                </a:tc>
+                <a:tc>
+                  <a:txBody>
+                    <a:bodyPr/>
+                    <a:lstStyle/>
+                    <a:p>
+                      <a:pPr marL="0" marR="0" indent="0" algn="just">
+                        <a:lnSpc>
+                          <a:spcPct val="150000"/>
+                        </a:lnSpc>
+                        <a:spcBef>
+                          <a:spcPts val="0"/>
+                        </a:spcBef>
+                        <a:spcAft>
+                          <a:spcPts val="0"/>
+                        </a:spcAft>
+                      </a:pPr>
+                      <a:r>
+                        <a:rPr lang="ru-RU" sz="1100" dirty="0">
+                          <a:effectLst/>
+                        </a:rPr>
+                        <a:t>Качка</a:t>
+                      </a:r>
+                      <a:endParaRPr lang="en-US" sz="1100" dirty="0">
+                        <a:effectLst/>
+                        <a:latin typeface="Times New Roman"/>
+                        <a:ea typeface="Times New Roman"/>
+                      </a:endParaRPr>
+                    </a:p>
+                  </a:txBody>
+                  <a:tcPr marL="30308" marR="30308" marT="0" marB="0"/>
+                </a:tc>
+                <a:tc>
+                  <a:txBody>
+                    <a:bodyPr/>
+                    <a:lstStyle/>
+                    <a:p>
+                      <a:pPr marL="0" marR="0" indent="0" algn="ctr">
+                        <a:lnSpc>
+                          <a:spcPct val="150000"/>
+                        </a:lnSpc>
+                        <a:spcBef>
+                          <a:spcPts val="0"/>
+                        </a:spcBef>
+                        <a:spcAft>
+                          <a:spcPts val="0"/>
+                        </a:spcAft>
+                      </a:pPr>
+                      <a:r>
+                        <a:rPr lang="ru-RU" sz="1100" dirty="0">
+                          <a:effectLst/>
+                        </a:rPr>
+                        <a:t>+</a:t>
+                      </a:r>
+                      <a:endParaRPr lang="en-US" sz="1100" dirty="0">
+                        <a:effectLst/>
+                        <a:latin typeface="Times New Roman"/>
+                        <a:ea typeface="Times New Roman"/>
+                      </a:endParaRPr>
+                    </a:p>
+                  </a:txBody>
+                  <a:tcPr marL="30308" marR="30308" marT="0" marB="0"/>
+                </a:tc>
+              </a:tr>
+            </a:tbl>
+          </a:graphicData>
+        </a:graphic>
+      </p:graphicFrame>
+      <p:graphicFrame>
+        <p:nvGraphicFramePr>
+          <p:cNvPr id="5" name="Таблица 4"/>
+          <p:cNvGraphicFramePr>
+            <a:graphicFrameLocks noGrp="1"/>
+          </p:cNvGraphicFramePr>
+          <p:nvPr>
+            <p:extLst>
+              <p:ext uri="{D42A27DB-BD31-4B8C-83A1-F6EECF244321}">
+                <p14:modId xmlns:p14="http://schemas.microsoft.com/office/powerpoint/2010/main" val="4225774929"/>
+              </p:ext>
+            </p:extLst>
+          </p:nvPr>
+        </p:nvGraphicFramePr>
+        <p:xfrm>
+          <a:off x="611560" y="1059576"/>
+          <a:ext cx="3600400" cy="3520440"/>
+        </p:xfrm>
+        <a:graphic>
+          <a:graphicData uri="http://schemas.openxmlformats.org/drawingml/2006/table">
+            <a:tbl>
+              <a:tblPr firstRow="1" bandRow="1">
+                <a:tableStyleId>{5C22544A-7EE6-4342-B048-85BDC9FD1C3A}</a:tableStyleId>
+              </a:tblPr>
+              <a:tblGrid>
+                <a:gridCol w="1400043"/>
+                <a:gridCol w="1120237"/>
+                <a:gridCol w="1080120"/>
+              </a:tblGrid>
+              <a:tr h="498376">
+                <a:tc>
+                  <a:txBody>
+                    <a:bodyPr/>
+                    <a:lstStyle/>
+                    <a:p>
+                      <a:pPr marL="0" marR="0" indent="0" algn="just">
+                        <a:lnSpc>
+                          <a:spcPct val="150000"/>
+                        </a:lnSpc>
+                        <a:spcBef>
+                          <a:spcPts val="0"/>
+                        </a:spcBef>
+                        <a:spcAft>
+                          <a:spcPts val="0"/>
+                        </a:spcAft>
+                      </a:pPr>
+                      <a:r>
+                        <a:rPr lang="ru-RU" sz="1100" dirty="0">
+                          <a:effectLst/>
+                        </a:rPr>
+                        <a:t>Датчик</a:t>
+                      </a:r>
+                      <a:endParaRPr lang="en-US" sz="1100" dirty="0">
+                        <a:effectLst/>
+                        <a:latin typeface="Times New Roman"/>
+                        <a:ea typeface="Times New Roman"/>
+                      </a:endParaRPr>
+                    </a:p>
+                  </a:txBody>
+                  <a:tcPr marL="30308" marR="30308" marT="0" marB="0"/>
+                </a:tc>
+                <a:tc>
+                  <a:txBody>
+                    <a:bodyPr/>
+                    <a:lstStyle/>
+                    <a:p>
+                      <a:pPr marL="0" marR="0" indent="0" algn="just">
+                        <a:lnSpc>
+                          <a:spcPct val="150000"/>
+                        </a:lnSpc>
+                        <a:spcBef>
+                          <a:spcPts val="0"/>
+                        </a:spcBef>
+                        <a:spcAft>
+                          <a:spcPts val="0"/>
+                        </a:spcAft>
+                      </a:pPr>
+                      <a:r>
+                        <a:rPr lang="ru-RU" sz="1100" dirty="0">
+                          <a:effectLst/>
+                        </a:rPr>
+                        <a:t>Погодные условия</a:t>
+                      </a:r>
+                      <a:endParaRPr lang="en-US" sz="1100" dirty="0">
+                        <a:effectLst/>
+                        <a:latin typeface="Times New Roman"/>
+                        <a:ea typeface="Times New Roman"/>
+                      </a:endParaRPr>
+                    </a:p>
+                  </a:txBody>
+                  <a:tcPr marL="30308" marR="30308" marT="0" marB="0"/>
+                </a:tc>
+                <a:tc>
+                  <a:txBody>
+                    <a:bodyPr/>
+                    <a:lstStyle/>
+                    <a:p>
+                      <a:pPr marL="0" marR="0" indent="0" algn="just">
+                        <a:lnSpc>
+                          <a:spcPct val="150000"/>
+                        </a:lnSpc>
+                        <a:spcBef>
+                          <a:spcPts val="0"/>
+                        </a:spcBef>
+                        <a:spcAft>
+                          <a:spcPts val="0"/>
+                        </a:spcAft>
+                      </a:pPr>
+                      <a:r>
+                        <a:rPr lang="ru-RU" sz="1100">
+                          <a:effectLst/>
+                        </a:rPr>
+                        <a:t>Применимость</a:t>
+                      </a:r>
+                      <a:endParaRPr lang="en-US" sz="1100">
+                        <a:effectLst/>
+                        <a:latin typeface="Times New Roman"/>
+                        <a:ea typeface="Times New Roman"/>
+                      </a:endParaRPr>
+                    </a:p>
+                  </a:txBody>
+                  <a:tcPr marL="30308" marR="30308" marT="0" marB="0"/>
+                </a:tc>
+              </a:tr>
+              <a:tr h="235129">
+                <a:tc rowSpan="4">
+                  <a:txBody>
+                    <a:bodyPr/>
+                    <a:lstStyle/>
+                    <a:p>
+                      <a:pPr marL="0" marR="0" indent="0" algn="just">
+                        <a:lnSpc>
+                          <a:spcPct val="150000"/>
+                        </a:lnSpc>
+                        <a:spcBef>
+                          <a:spcPts val="0"/>
+                        </a:spcBef>
+                        <a:spcAft>
+                          <a:spcPts val="0"/>
+                        </a:spcAft>
+                      </a:pPr>
+                      <a:r>
+                        <a:rPr lang="ru-RU" sz="1100" dirty="0">
+                          <a:effectLst/>
+                        </a:rPr>
+                        <a:t>Лазерный дальномер</a:t>
+                      </a:r>
+                      <a:endParaRPr lang="en-US" sz="1100" dirty="0">
+                        <a:effectLst/>
+                        <a:latin typeface="Times New Roman"/>
+                        <a:ea typeface="Times New Roman"/>
+                      </a:endParaRPr>
+                    </a:p>
+                  </a:txBody>
+                  <a:tcPr marL="30308" marR="30308" marT="0" marB="0"/>
+                </a:tc>
+                <a:tc>
+                  <a:txBody>
+                    <a:bodyPr/>
+                    <a:lstStyle/>
+                    <a:p>
+                      <a:pPr marL="0" marR="0" indent="0" algn="just">
+                        <a:lnSpc>
+                          <a:spcPct val="150000"/>
+                        </a:lnSpc>
+                        <a:spcBef>
+                          <a:spcPts val="0"/>
+                        </a:spcBef>
+                        <a:spcAft>
+                          <a:spcPts val="0"/>
+                        </a:spcAft>
+                      </a:pPr>
+                      <a:r>
+                        <a:rPr lang="ru-RU" sz="1100">
+                          <a:effectLst/>
+                        </a:rPr>
+                        <a:t>Полярная ночь</a:t>
+                      </a:r>
+                      <a:endParaRPr lang="en-US" sz="1100">
+                        <a:effectLst/>
+                        <a:latin typeface="Times New Roman"/>
+                        <a:ea typeface="Times New Roman"/>
+                      </a:endParaRPr>
+                    </a:p>
+                  </a:txBody>
+                  <a:tcPr marL="30308" marR="30308" marT="0" marB="0"/>
+                </a:tc>
+                <a:tc>
+                  <a:txBody>
+                    <a:bodyPr/>
+                    <a:lstStyle/>
+                    <a:p>
+                      <a:pPr marL="0" marR="0" indent="0" algn="ctr">
+                        <a:lnSpc>
+                          <a:spcPct val="150000"/>
+                        </a:lnSpc>
+                        <a:spcBef>
+                          <a:spcPts val="0"/>
+                        </a:spcBef>
+                        <a:spcAft>
+                          <a:spcPts val="0"/>
+                        </a:spcAft>
+                      </a:pPr>
+                      <a:r>
+                        <a:rPr lang="ru-RU" sz="1100">
+                          <a:effectLst/>
+                        </a:rPr>
+                        <a:t>+</a:t>
+                      </a:r>
+                      <a:endParaRPr lang="en-US" sz="1100">
+                        <a:effectLst/>
+                        <a:latin typeface="Times New Roman"/>
+                        <a:ea typeface="Times New Roman"/>
+                      </a:endParaRPr>
+                    </a:p>
+                  </a:txBody>
+                  <a:tcPr marL="30308" marR="30308" marT="0" marB="0"/>
+                </a:tc>
+              </a:tr>
+              <a:tr h="235129">
+                <a:tc vMerge="1">
+                  <a:txBody>
+                    <a:bodyPr/>
+                    <a:lstStyle/>
+                    <a:p>
+                      <a:endParaRPr lang="en-US"/>
+                    </a:p>
+                  </a:txBody>
+                  <a:tcPr/>
+                </a:tc>
+                <a:tc>
+                  <a:txBody>
+                    <a:bodyPr/>
+                    <a:lstStyle/>
+                    <a:p>
+                      <a:pPr marL="0" marR="0" indent="0" algn="just">
+                        <a:lnSpc>
+                          <a:spcPct val="150000"/>
+                        </a:lnSpc>
+                        <a:spcBef>
+                          <a:spcPts val="0"/>
+                        </a:spcBef>
+                        <a:spcAft>
+                          <a:spcPts val="0"/>
+                        </a:spcAft>
+                      </a:pPr>
+                      <a:r>
+                        <a:rPr lang="ru-RU" sz="1100">
+                          <a:effectLst/>
+                        </a:rPr>
+                        <a:t>Метель</a:t>
+                      </a:r>
+                      <a:endParaRPr lang="en-US" sz="1100">
+                        <a:effectLst/>
+                        <a:latin typeface="Times New Roman"/>
+                        <a:ea typeface="Times New Roman"/>
+                      </a:endParaRPr>
+                    </a:p>
+                  </a:txBody>
+                  <a:tcPr marL="30308" marR="30308" marT="0" marB="0"/>
+                </a:tc>
+                <a:tc>
+                  <a:txBody>
+                    <a:bodyPr/>
+                    <a:lstStyle/>
+                    <a:p>
+                      <a:pPr marL="0" marR="0" indent="0" algn="ctr">
+                        <a:lnSpc>
+                          <a:spcPct val="150000"/>
+                        </a:lnSpc>
+                        <a:spcBef>
+                          <a:spcPts val="0"/>
+                        </a:spcBef>
+                        <a:spcAft>
+                          <a:spcPts val="0"/>
+                        </a:spcAft>
+                      </a:pPr>
+                      <a:r>
+                        <a:rPr lang="ru-RU" sz="1100">
+                          <a:effectLst/>
+                        </a:rPr>
+                        <a:t>-</a:t>
+                      </a:r>
+                      <a:endParaRPr lang="en-US" sz="1100">
+                        <a:effectLst/>
+                        <a:latin typeface="Times New Roman"/>
+                        <a:ea typeface="Times New Roman"/>
+                      </a:endParaRPr>
+                    </a:p>
+                  </a:txBody>
+                  <a:tcPr marL="30308" marR="30308" marT="0" marB="0"/>
+                </a:tc>
+              </a:tr>
+              <a:tr h="235129">
+                <a:tc vMerge="1">
+                  <a:txBody>
+                    <a:bodyPr/>
+                    <a:lstStyle/>
+                    <a:p>
+                      <a:endParaRPr lang="en-US"/>
+                    </a:p>
+                  </a:txBody>
+                  <a:tcPr/>
+                </a:tc>
+                <a:tc>
+                  <a:txBody>
+                    <a:bodyPr/>
+                    <a:lstStyle/>
+                    <a:p>
+                      <a:pPr marL="0" marR="0" indent="0" algn="just">
+                        <a:lnSpc>
+                          <a:spcPct val="150000"/>
+                        </a:lnSpc>
+                        <a:spcBef>
+                          <a:spcPts val="0"/>
+                        </a:spcBef>
+                        <a:spcAft>
+                          <a:spcPts val="0"/>
+                        </a:spcAft>
+                      </a:pPr>
+                      <a:r>
+                        <a:rPr lang="ru-RU" sz="1100">
+                          <a:effectLst/>
+                        </a:rPr>
+                        <a:t>Сильный ветер</a:t>
+                      </a:r>
+                      <a:endParaRPr lang="en-US" sz="1100">
+                        <a:effectLst/>
+                        <a:latin typeface="Times New Roman"/>
+                        <a:ea typeface="Times New Roman"/>
+                      </a:endParaRPr>
+                    </a:p>
+                  </a:txBody>
+                  <a:tcPr marL="30308" marR="30308" marT="0" marB="0"/>
+                </a:tc>
+                <a:tc>
+                  <a:txBody>
+                    <a:bodyPr/>
+                    <a:lstStyle/>
+                    <a:p>
+                      <a:pPr marL="0" marR="0" indent="0" algn="ctr">
+                        <a:lnSpc>
+                          <a:spcPct val="150000"/>
+                        </a:lnSpc>
+                        <a:spcBef>
+                          <a:spcPts val="0"/>
+                        </a:spcBef>
+                        <a:spcAft>
+                          <a:spcPts val="0"/>
+                        </a:spcAft>
+                      </a:pPr>
+                      <a:r>
+                        <a:rPr lang="ru-RU" sz="1100">
+                          <a:effectLst/>
+                        </a:rPr>
+                        <a:t>+</a:t>
+                      </a:r>
+                      <a:endParaRPr lang="en-US" sz="1100">
+                        <a:effectLst/>
+                        <a:latin typeface="Times New Roman"/>
+                        <a:ea typeface="Times New Roman"/>
+                      </a:endParaRPr>
+                    </a:p>
+                  </a:txBody>
+                  <a:tcPr marL="30308" marR="30308" marT="0" marB="0"/>
+                </a:tc>
+              </a:tr>
+              <a:tr h="235129">
+                <a:tc vMerge="1">
+                  <a:txBody>
+                    <a:bodyPr/>
+                    <a:lstStyle/>
+                    <a:p>
+                      <a:endParaRPr lang="en-US"/>
+                    </a:p>
+                  </a:txBody>
+                  <a:tcPr/>
+                </a:tc>
+                <a:tc>
+                  <a:txBody>
+                    <a:bodyPr/>
+                    <a:lstStyle/>
+                    <a:p>
+                      <a:pPr marL="0" marR="0" indent="0" algn="just">
+                        <a:lnSpc>
+                          <a:spcPct val="150000"/>
+                        </a:lnSpc>
+                        <a:spcBef>
+                          <a:spcPts val="0"/>
+                        </a:spcBef>
+                        <a:spcAft>
+                          <a:spcPts val="0"/>
+                        </a:spcAft>
+                      </a:pPr>
+                      <a:r>
+                        <a:rPr lang="ru-RU" sz="1100" dirty="0">
+                          <a:effectLst/>
+                        </a:rPr>
+                        <a:t>Качка</a:t>
+                      </a:r>
+                      <a:endParaRPr lang="en-US" sz="1100" dirty="0">
+                        <a:effectLst/>
+                        <a:latin typeface="Times New Roman"/>
+                        <a:ea typeface="Times New Roman"/>
+                      </a:endParaRPr>
+                    </a:p>
+                  </a:txBody>
+                  <a:tcPr marL="30308" marR="30308" marT="0" marB="0"/>
+                </a:tc>
+                <a:tc>
+                  <a:txBody>
+                    <a:bodyPr/>
+                    <a:lstStyle/>
+                    <a:p>
+                      <a:pPr marL="0" marR="0" indent="0" algn="ctr">
+                        <a:lnSpc>
+                          <a:spcPct val="150000"/>
+                        </a:lnSpc>
+                        <a:spcBef>
+                          <a:spcPts val="0"/>
+                        </a:spcBef>
+                        <a:spcAft>
+                          <a:spcPts val="0"/>
+                        </a:spcAft>
+                      </a:pPr>
+                      <a:r>
+                        <a:rPr lang="ru-RU" sz="1100">
+                          <a:effectLst/>
+                        </a:rPr>
+                        <a:t>+</a:t>
+                      </a:r>
+                      <a:endParaRPr lang="en-US" sz="1100">
+                        <a:effectLst/>
+                        <a:latin typeface="Times New Roman"/>
+                        <a:ea typeface="Times New Roman"/>
+                      </a:endParaRPr>
+                    </a:p>
+                  </a:txBody>
+                  <a:tcPr marL="30308" marR="30308" marT="0" marB="0"/>
+                </a:tc>
+              </a:tr>
+              <a:tr h="235129">
+                <a:tc rowSpan="4">
+                  <a:txBody>
+                    <a:bodyPr/>
+                    <a:lstStyle/>
+                    <a:p>
+                      <a:pPr marL="0" marR="0" indent="0" algn="just">
+                        <a:lnSpc>
+                          <a:spcPct val="150000"/>
+                        </a:lnSpc>
+                        <a:spcBef>
+                          <a:spcPts val="0"/>
+                        </a:spcBef>
+                        <a:spcAft>
+                          <a:spcPts val="0"/>
+                        </a:spcAft>
+                      </a:pPr>
+                      <a:r>
+                        <a:rPr lang="ru-RU" sz="1100" dirty="0">
+                          <a:effectLst/>
+                        </a:rPr>
+                        <a:t>Глобальная система навигации</a:t>
+                      </a:r>
+                      <a:endParaRPr lang="en-US" sz="1100" dirty="0">
+                        <a:effectLst/>
+                        <a:latin typeface="Times New Roman"/>
+                        <a:ea typeface="Times New Roman"/>
+                      </a:endParaRPr>
+                    </a:p>
+                  </a:txBody>
+                  <a:tcPr marL="30308" marR="30308" marT="0" marB="0"/>
+                </a:tc>
+                <a:tc>
+                  <a:txBody>
+                    <a:bodyPr/>
+                    <a:lstStyle/>
+                    <a:p>
+                      <a:pPr marL="0" marR="0" indent="0" algn="just">
+                        <a:lnSpc>
+                          <a:spcPct val="150000"/>
+                        </a:lnSpc>
+                        <a:spcBef>
+                          <a:spcPts val="0"/>
+                        </a:spcBef>
+                        <a:spcAft>
+                          <a:spcPts val="0"/>
+                        </a:spcAft>
+                      </a:pPr>
+                      <a:r>
+                        <a:rPr lang="ru-RU" sz="1100" dirty="0">
+                          <a:effectLst/>
+                        </a:rPr>
+                        <a:t>Полярная ночь</a:t>
+                      </a:r>
+                      <a:endParaRPr lang="en-US" sz="1100" dirty="0">
+                        <a:effectLst/>
+                        <a:latin typeface="Times New Roman"/>
+                        <a:ea typeface="Times New Roman"/>
+                      </a:endParaRPr>
+                    </a:p>
+                  </a:txBody>
+                  <a:tcPr marL="30308" marR="30308" marT="0" marB="0"/>
+                </a:tc>
+                <a:tc>
+                  <a:txBody>
+                    <a:bodyPr/>
+                    <a:lstStyle/>
+                    <a:p>
+                      <a:pPr marL="0" marR="0" indent="0" algn="ctr">
+                        <a:lnSpc>
+                          <a:spcPct val="150000"/>
+                        </a:lnSpc>
+                        <a:spcBef>
+                          <a:spcPts val="0"/>
+                        </a:spcBef>
+                        <a:spcAft>
+                          <a:spcPts val="0"/>
+                        </a:spcAft>
+                      </a:pPr>
+                      <a:r>
+                        <a:rPr lang="ru-RU" sz="1100">
+                          <a:effectLst/>
+                        </a:rPr>
+                        <a:t>+</a:t>
+                      </a:r>
+                      <a:endParaRPr lang="en-US" sz="1100">
+                        <a:effectLst/>
+                        <a:latin typeface="Times New Roman"/>
+                        <a:ea typeface="Times New Roman"/>
+                      </a:endParaRPr>
+                    </a:p>
+                  </a:txBody>
+                  <a:tcPr marL="30308" marR="30308" marT="0" marB="0"/>
+                </a:tc>
+              </a:tr>
+              <a:tr h="235129">
+                <a:tc vMerge="1">
+                  <a:txBody>
+                    <a:bodyPr/>
+                    <a:lstStyle/>
+                    <a:p>
+                      <a:endParaRPr lang="en-US"/>
+                    </a:p>
+                  </a:txBody>
+                  <a:tcPr/>
+                </a:tc>
+                <a:tc>
+                  <a:txBody>
+                    <a:bodyPr/>
+                    <a:lstStyle/>
+                    <a:p>
+                      <a:pPr marL="0" marR="0" indent="0" algn="just">
+                        <a:lnSpc>
+                          <a:spcPct val="150000"/>
+                        </a:lnSpc>
+                        <a:spcBef>
+                          <a:spcPts val="0"/>
+                        </a:spcBef>
+                        <a:spcAft>
+                          <a:spcPts val="0"/>
+                        </a:spcAft>
+                      </a:pPr>
+                      <a:r>
+                        <a:rPr lang="ru-RU" sz="1100" dirty="0">
+                          <a:effectLst/>
+                        </a:rPr>
+                        <a:t>Метель</a:t>
+                      </a:r>
+                      <a:endParaRPr lang="en-US" sz="1100" dirty="0">
+                        <a:effectLst/>
+                        <a:latin typeface="Times New Roman"/>
+                        <a:ea typeface="Times New Roman"/>
+                      </a:endParaRPr>
+                    </a:p>
+                  </a:txBody>
+                  <a:tcPr marL="30308" marR="30308" marT="0" marB="0"/>
+                </a:tc>
+                <a:tc>
+                  <a:txBody>
+                    <a:bodyPr/>
+                    <a:lstStyle/>
+                    <a:p>
+                      <a:pPr marL="0" marR="0" indent="0" algn="ctr">
+                        <a:lnSpc>
+                          <a:spcPct val="150000"/>
+                        </a:lnSpc>
+                        <a:spcBef>
+                          <a:spcPts val="0"/>
+                        </a:spcBef>
+                        <a:spcAft>
+                          <a:spcPts val="0"/>
+                        </a:spcAft>
+                      </a:pPr>
+                      <a:r>
+                        <a:rPr lang="ru-RU" sz="1100">
+                          <a:effectLst/>
+                        </a:rPr>
+                        <a:t>+</a:t>
+                      </a:r>
+                      <a:endParaRPr lang="en-US" sz="1100">
+                        <a:effectLst/>
+                        <a:latin typeface="Times New Roman"/>
+                        <a:ea typeface="Times New Roman"/>
+                      </a:endParaRPr>
+                    </a:p>
+                  </a:txBody>
+                  <a:tcPr marL="30308" marR="30308" marT="0" marB="0"/>
+                </a:tc>
+              </a:tr>
+              <a:tr h="235129">
+                <a:tc vMerge="1">
+                  <a:txBody>
+                    <a:bodyPr/>
+                    <a:lstStyle/>
+                    <a:p>
+                      <a:endParaRPr lang="en-US"/>
+                    </a:p>
+                  </a:txBody>
+                  <a:tcPr/>
+                </a:tc>
+                <a:tc>
+                  <a:txBody>
+                    <a:bodyPr/>
+                    <a:lstStyle/>
+                    <a:p>
+                      <a:pPr marL="0" marR="0" indent="0" algn="just">
+                        <a:lnSpc>
+                          <a:spcPct val="150000"/>
+                        </a:lnSpc>
+                        <a:spcBef>
+                          <a:spcPts val="0"/>
+                        </a:spcBef>
+                        <a:spcAft>
+                          <a:spcPts val="0"/>
+                        </a:spcAft>
+                      </a:pPr>
+                      <a:r>
+                        <a:rPr lang="ru-RU" sz="1100" dirty="0">
+                          <a:effectLst/>
+                        </a:rPr>
+                        <a:t>Сильный ветер</a:t>
+                      </a:r>
+                      <a:endParaRPr lang="en-US" sz="1100" dirty="0">
+                        <a:effectLst/>
+                        <a:latin typeface="Times New Roman"/>
+                        <a:ea typeface="Times New Roman"/>
+                      </a:endParaRPr>
+                    </a:p>
+                  </a:txBody>
+                  <a:tcPr marL="30308" marR="30308" marT="0" marB="0"/>
+                </a:tc>
+                <a:tc>
+                  <a:txBody>
+                    <a:bodyPr/>
+                    <a:lstStyle/>
+                    <a:p>
+                      <a:pPr marL="0" marR="0" indent="0" algn="ctr">
+                        <a:lnSpc>
+                          <a:spcPct val="150000"/>
+                        </a:lnSpc>
+                        <a:spcBef>
+                          <a:spcPts val="0"/>
+                        </a:spcBef>
+                        <a:spcAft>
+                          <a:spcPts val="0"/>
+                        </a:spcAft>
+                      </a:pPr>
+                      <a:r>
+                        <a:rPr lang="ru-RU" sz="1100">
+                          <a:effectLst/>
+                        </a:rPr>
+                        <a:t>+</a:t>
+                      </a:r>
+                      <a:endParaRPr lang="en-US" sz="1100">
+                        <a:effectLst/>
+                        <a:latin typeface="Times New Roman"/>
+                        <a:ea typeface="Times New Roman"/>
+                      </a:endParaRPr>
+                    </a:p>
+                  </a:txBody>
+                  <a:tcPr marL="30308" marR="30308" marT="0" marB="0"/>
+                </a:tc>
+              </a:tr>
+              <a:tr h="235129">
+                <a:tc vMerge="1">
+                  <a:txBody>
+                    <a:bodyPr/>
+                    <a:lstStyle/>
+                    <a:p>
+                      <a:endParaRPr lang="en-US"/>
+                    </a:p>
+                  </a:txBody>
+                  <a:tcPr/>
+                </a:tc>
+                <a:tc>
+                  <a:txBody>
+                    <a:bodyPr/>
+                    <a:lstStyle/>
+                    <a:p>
+                      <a:pPr marL="0" marR="0" indent="0" algn="just">
+                        <a:lnSpc>
+                          <a:spcPct val="150000"/>
+                        </a:lnSpc>
+                        <a:spcBef>
+                          <a:spcPts val="0"/>
+                        </a:spcBef>
+                        <a:spcAft>
+                          <a:spcPts val="0"/>
+                        </a:spcAft>
+                      </a:pPr>
+                      <a:r>
+                        <a:rPr lang="ru-RU" sz="1100" dirty="0">
+                          <a:effectLst/>
+                        </a:rPr>
+                        <a:t>Качка</a:t>
+                      </a:r>
+                      <a:endParaRPr lang="en-US" sz="1100" dirty="0">
+                        <a:effectLst/>
+                        <a:latin typeface="Times New Roman"/>
+                        <a:ea typeface="Times New Roman"/>
+                      </a:endParaRPr>
+                    </a:p>
+                  </a:txBody>
+                  <a:tcPr marL="30308" marR="30308" marT="0" marB="0"/>
+                </a:tc>
+                <a:tc>
+                  <a:txBody>
+                    <a:bodyPr/>
+                    <a:lstStyle/>
+                    <a:p>
+                      <a:pPr marL="0" marR="0" indent="0" algn="ctr">
+                        <a:lnSpc>
+                          <a:spcPct val="150000"/>
+                        </a:lnSpc>
+                        <a:spcBef>
+                          <a:spcPts val="0"/>
+                        </a:spcBef>
+                        <a:spcAft>
+                          <a:spcPts val="0"/>
+                        </a:spcAft>
+                      </a:pPr>
+                      <a:r>
+                        <a:rPr lang="ru-RU" sz="1100" dirty="0">
+                          <a:effectLst/>
+                        </a:rPr>
+                        <a:t>+</a:t>
+                      </a:r>
+                      <a:endParaRPr lang="en-US" sz="1100" dirty="0">
+                        <a:effectLst/>
+                        <a:latin typeface="Times New Roman"/>
+                        <a:ea typeface="Times New Roman"/>
+                      </a:endParaRPr>
+                    </a:p>
+                  </a:txBody>
+                  <a:tcPr marL="30308" marR="30308" marT="0" marB="0"/>
+                </a:tc>
+              </a:tr>
+              <a:tr h="235129">
+                <a:tc rowSpan="4">
+                  <a:txBody>
+                    <a:bodyPr/>
+                    <a:lstStyle/>
+                    <a:p>
+                      <a:pPr marL="0" marR="0" indent="0" algn="just">
+                        <a:lnSpc>
+                          <a:spcPct val="150000"/>
+                        </a:lnSpc>
+                        <a:spcBef>
+                          <a:spcPts val="0"/>
+                        </a:spcBef>
+                        <a:spcAft>
+                          <a:spcPts val="0"/>
+                        </a:spcAft>
+                      </a:pPr>
+                      <a:r>
+                        <a:rPr lang="ru-RU" sz="1100" dirty="0">
+                          <a:effectLst/>
+                        </a:rPr>
+                        <a:t>Инерциальная навигационная система</a:t>
+                      </a:r>
+                      <a:endParaRPr lang="en-US" sz="1100" dirty="0">
+                        <a:effectLst/>
+                        <a:latin typeface="Times New Roman"/>
+                        <a:ea typeface="Times New Roman"/>
+                      </a:endParaRPr>
+                    </a:p>
+                  </a:txBody>
+                  <a:tcPr marL="30308" marR="30308" marT="0" marB="0"/>
+                </a:tc>
+                <a:tc>
+                  <a:txBody>
+                    <a:bodyPr/>
+                    <a:lstStyle/>
+                    <a:p>
+                      <a:pPr marL="0" marR="0" indent="0" algn="just">
+                        <a:lnSpc>
+                          <a:spcPct val="150000"/>
+                        </a:lnSpc>
+                        <a:spcBef>
+                          <a:spcPts val="0"/>
+                        </a:spcBef>
+                        <a:spcAft>
+                          <a:spcPts val="0"/>
+                        </a:spcAft>
+                      </a:pPr>
+                      <a:r>
+                        <a:rPr lang="ru-RU" sz="1100">
+                          <a:effectLst/>
+                        </a:rPr>
+                        <a:t>Полярная ночь</a:t>
+                      </a:r>
+                      <a:endParaRPr lang="en-US" sz="1100">
+                        <a:effectLst/>
+                        <a:latin typeface="Times New Roman"/>
+                        <a:ea typeface="Times New Roman"/>
+                      </a:endParaRPr>
+                    </a:p>
+                  </a:txBody>
+                  <a:tcPr marL="30308" marR="30308" marT="0" marB="0"/>
+                </a:tc>
+                <a:tc>
+                  <a:txBody>
+                    <a:bodyPr/>
+                    <a:lstStyle/>
+                    <a:p>
+                      <a:pPr marL="0" marR="0" indent="0" algn="ctr">
+                        <a:lnSpc>
+                          <a:spcPct val="150000"/>
+                        </a:lnSpc>
+                        <a:spcBef>
+                          <a:spcPts val="0"/>
+                        </a:spcBef>
+                        <a:spcAft>
+                          <a:spcPts val="0"/>
+                        </a:spcAft>
+                      </a:pPr>
+                      <a:r>
+                        <a:rPr lang="ru-RU" sz="1100" dirty="0">
+                          <a:effectLst/>
+                        </a:rPr>
+                        <a:t>+</a:t>
+                      </a:r>
+                      <a:endParaRPr lang="en-US" sz="1100" dirty="0">
+                        <a:effectLst/>
+                        <a:latin typeface="Times New Roman"/>
+                        <a:ea typeface="Times New Roman"/>
+                      </a:endParaRPr>
+                    </a:p>
+                  </a:txBody>
+                  <a:tcPr marL="30308" marR="30308" marT="0" marB="0"/>
+                </a:tc>
+              </a:tr>
+              <a:tr h="235129">
+                <a:tc vMerge="1">
+                  <a:txBody>
+                    <a:bodyPr/>
+                    <a:lstStyle/>
+                    <a:p>
+                      <a:endParaRPr lang="en-US"/>
+                    </a:p>
+                  </a:txBody>
+                  <a:tcPr/>
+                </a:tc>
+                <a:tc>
+                  <a:txBody>
+                    <a:bodyPr/>
+                    <a:lstStyle/>
+                    <a:p>
+                      <a:pPr marL="0" marR="0" indent="0" algn="just">
+                        <a:lnSpc>
+                          <a:spcPct val="150000"/>
+                        </a:lnSpc>
+                        <a:spcBef>
+                          <a:spcPts val="0"/>
+                        </a:spcBef>
+                        <a:spcAft>
+                          <a:spcPts val="0"/>
+                        </a:spcAft>
+                      </a:pPr>
+                      <a:r>
+                        <a:rPr lang="ru-RU" sz="1100">
+                          <a:effectLst/>
+                        </a:rPr>
+                        <a:t>Метель</a:t>
+                      </a:r>
+                      <a:endParaRPr lang="en-US" sz="1100">
+                        <a:effectLst/>
+                        <a:latin typeface="Times New Roman"/>
+                        <a:ea typeface="Times New Roman"/>
+                      </a:endParaRPr>
+                    </a:p>
+                  </a:txBody>
+                  <a:tcPr marL="30308" marR="30308" marT="0" marB="0"/>
+                </a:tc>
+                <a:tc>
+                  <a:txBody>
+                    <a:bodyPr/>
+                    <a:lstStyle/>
+                    <a:p>
+                      <a:pPr marL="0" marR="0" indent="0" algn="ctr">
+                        <a:lnSpc>
+                          <a:spcPct val="150000"/>
+                        </a:lnSpc>
+                        <a:spcBef>
+                          <a:spcPts val="0"/>
+                        </a:spcBef>
+                        <a:spcAft>
+                          <a:spcPts val="0"/>
+                        </a:spcAft>
+                      </a:pPr>
+                      <a:r>
+                        <a:rPr lang="ru-RU" sz="1100" dirty="0">
+                          <a:effectLst/>
+                        </a:rPr>
+                        <a:t>+</a:t>
+                      </a:r>
+                      <a:endParaRPr lang="en-US" sz="1100" dirty="0">
+                        <a:effectLst/>
+                        <a:latin typeface="Times New Roman"/>
+                        <a:ea typeface="Times New Roman"/>
+                      </a:endParaRPr>
+                    </a:p>
+                  </a:txBody>
+                  <a:tcPr marL="30308" marR="30308" marT="0" marB="0"/>
+                </a:tc>
+              </a:tr>
+              <a:tr h="235129">
+                <a:tc vMerge="1">
+                  <a:txBody>
+                    <a:bodyPr/>
+                    <a:lstStyle/>
+                    <a:p>
+                      <a:endParaRPr lang="en-US"/>
+                    </a:p>
+                  </a:txBody>
+                  <a:tcPr/>
+                </a:tc>
+                <a:tc>
+                  <a:txBody>
+                    <a:bodyPr/>
+                    <a:lstStyle/>
+                    <a:p>
+                      <a:pPr marL="0" marR="0" indent="0" algn="just">
+                        <a:lnSpc>
+                          <a:spcPct val="150000"/>
+                        </a:lnSpc>
+                        <a:spcBef>
+                          <a:spcPts val="0"/>
+                        </a:spcBef>
+                        <a:spcAft>
+                          <a:spcPts val="0"/>
+                        </a:spcAft>
+                      </a:pPr>
+                      <a:r>
+                        <a:rPr lang="ru-RU" sz="1100">
+                          <a:effectLst/>
+                        </a:rPr>
+                        <a:t>Сильный ветер</a:t>
+                      </a:r>
+                      <a:endParaRPr lang="en-US" sz="1100">
+                        <a:effectLst/>
+                        <a:latin typeface="Times New Roman"/>
+                        <a:ea typeface="Times New Roman"/>
+                      </a:endParaRPr>
+                    </a:p>
+                  </a:txBody>
+                  <a:tcPr marL="30308" marR="30308" marT="0" marB="0"/>
+                </a:tc>
+                <a:tc>
+                  <a:txBody>
+                    <a:bodyPr/>
+                    <a:lstStyle/>
+                    <a:p>
+                      <a:pPr marL="0" marR="0" indent="0" algn="ctr">
+                        <a:lnSpc>
+                          <a:spcPct val="150000"/>
+                        </a:lnSpc>
+                        <a:spcBef>
+                          <a:spcPts val="0"/>
+                        </a:spcBef>
+                        <a:spcAft>
+                          <a:spcPts val="0"/>
+                        </a:spcAft>
+                      </a:pPr>
+                      <a:r>
+                        <a:rPr lang="ru-RU" sz="1100" dirty="0">
+                          <a:effectLst/>
+                        </a:rPr>
+                        <a:t>+</a:t>
+                      </a:r>
+                      <a:endParaRPr lang="en-US" sz="1100" dirty="0">
+                        <a:effectLst/>
+                        <a:latin typeface="Times New Roman"/>
+                        <a:ea typeface="Times New Roman"/>
+                      </a:endParaRPr>
+                    </a:p>
+                  </a:txBody>
+                  <a:tcPr marL="30308" marR="30308" marT="0" marB="0"/>
+                </a:tc>
+              </a:tr>
+              <a:tr h="235129">
+                <a:tc vMerge="1">
+                  <a:txBody>
+                    <a:bodyPr/>
+                    <a:lstStyle/>
+                    <a:p>
+                      <a:endParaRPr lang="en-US"/>
+                    </a:p>
+                  </a:txBody>
+                  <a:tcPr/>
+                </a:tc>
+                <a:tc>
+                  <a:txBody>
+                    <a:bodyPr/>
+                    <a:lstStyle/>
+                    <a:p>
+                      <a:pPr marL="0" marR="0" indent="0" algn="just">
+                        <a:lnSpc>
+                          <a:spcPct val="150000"/>
+                        </a:lnSpc>
+                        <a:spcBef>
+                          <a:spcPts val="0"/>
+                        </a:spcBef>
+                        <a:spcAft>
+                          <a:spcPts val="0"/>
+                        </a:spcAft>
+                      </a:pPr>
+                      <a:r>
+                        <a:rPr lang="ru-RU" sz="1100" dirty="0">
+                          <a:effectLst/>
+                        </a:rPr>
+                        <a:t>Качка</a:t>
+                      </a:r>
+                      <a:endParaRPr lang="en-US" sz="1100" dirty="0">
+                        <a:effectLst/>
+                        <a:latin typeface="Times New Roman"/>
+                        <a:ea typeface="Times New Roman"/>
+                      </a:endParaRPr>
+                    </a:p>
+                  </a:txBody>
+                  <a:tcPr marL="30308" marR="30308" marT="0" marB="0"/>
+                </a:tc>
+                <a:tc>
+                  <a:txBody>
+                    <a:bodyPr/>
+                    <a:lstStyle/>
+                    <a:p>
+                      <a:pPr marL="0" marR="0" indent="0" algn="ctr">
+                        <a:lnSpc>
+                          <a:spcPct val="150000"/>
+                        </a:lnSpc>
+                        <a:spcBef>
+                          <a:spcPts val="0"/>
+                        </a:spcBef>
+                        <a:spcAft>
+                          <a:spcPts val="0"/>
+                        </a:spcAft>
+                      </a:pPr>
+                      <a:r>
+                        <a:rPr lang="ru-RU" sz="1100" dirty="0">
+                          <a:effectLst/>
+                        </a:rPr>
+                        <a:t>-</a:t>
+                      </a:r>
+                      <a:endParaRPr lang="en-US" sz="1100" dirty="0">
+                        <a:effectLst/>
+                        <a:latin typeface="Times New Roman"/>
+                        <a:ea typeface="Times New Roman"/>
+                      </a:endParaRPr>
+                    </a:p>
+                  </a:txBody>
+                  <a:tcPr marL="30308" marR="30308" marT="0" marB="0"/>
+                </a:tc>
+              </a:tr>
+            </a:tbl>
+          </a:graphicData>
+        </a:graphic>
+      </p:graphicFrame>
+      <p:sp>
+        <p:nvSpPr>
+          <p:cNvPr id="8" name="TextBox 7"/>
+          <p:cNvSpPr txBox="1"/>
+          <p:nvPr/>
+        </p:nvSpPr>
+        <p:spPr>
+          <a:xfrm>
+            <a:off x="4283968" y="3363838"/>
+            <a:ext cx="2880320" cy="1015663"/>
+          </a:xfrm>
+          <a:prstGeom prst="rect">
+            <a:avLst/>
+          </a:prstGeom>
+          <a:noFill/>
+        </p:spPr>
+        <p:txBody>
+          <a:bodyPr wrap="square" rtlCol="0">
+            <a:spAutoFit/>
+          </a:bodyPr>
+          <a:lstStyle/>
+          <a:p>
+            <a:pPr marL="800100" lvl="1" indent="-342900">
+              <a:buFont typeface="Arial" panose="020B0604020202020204" pitchFamily="34" charset="0"/>
+              <a:buChar char="•"/>
+            </a:pPr>
+            <a:r>
+              <a:rPr lang="ru-RU" sz="1200" dirty="0"/>
+              <a:t>сильный ветер </a:t>
+            </a:r>
+          </a:p>
+          <a:p>
+            <a:pPr marL="800100" lvl="1" indent="-342900">
+              <a:buFont typeface="Arial" panose="020B0604020202020204" pitchFamily="34" charset="0"/>
+              <a:buChar char="•"/>
+            </a:pPr>
+            <a:r>
+              <a:rPr lang="ru-RU" sz="1200" dirty="0"/>
+              <a:t>низкие </a:t>
+            </a:r>
+            <a:r>
+              <a:rPr lang="ru-RU" sz="1200" dirty="0" smtClean="0"/>
+              <a:t>температуры</a:t>
+            </a:r>
+          </a:p>
+          <a:p>
+            <a:pPr marL="800100" lvl="1" indent="-342900">
+              <a:buFont typeface="Arial" panose="020B0604020202020204" pitchFamily="34" charset="0"/>
+              <a:buChar char="•"/>
+            </a:pPr>
+            <a:r>
+              <a:rPr lang="ru-RU" sz="1200" dirty="0"/>
+              <a:t>метели </a:t>
+            </a:r>
+          </a:p>
+          <a:p>
+            <a:pPr marL="800100" lvl="1" indent="-342900">
+              <a:buFont typeface="Arial" panose="020B0604020202020204" pitchFamily="34" charset="0"/>
+              <a:buChar char="•"/>
+            </a:pPr>
+            <a:r>
+              <a:rPr lang="ru-RU" sz="1200" dirty="0"/>
+              <a:t>ледяные и снежные торосы</a:t>
+            </a:r>
+          </a:p>
+          <a:p>
+            <a:pPr marL="800100" lvl="1" indent="-342900">
+              <a:buFont typeface="Arial" panose="020B0604020202020204" pitchFamily="34" charset="0"/>
+              <a:buChar char="•"/>
+            </a:pPr>
+            <a:r>
+              <a:rPr lang="ru-RU" sz="1200" dirty="0"/>
+              <a:t>полярная </a:t>
+            </a:r>
+            <a:r>
+              <a:rPr lang="ru-RU" sz="1200" dirty="0" smtClean="0"/>
+              <a:t>ночь</a:t>
+            </a:r>
+            <a:endParaRPr lang="en-US" dirty="0"/>
+          </a:p>
+        </p:txBody>
+      </p:sp>
+    </p:spTree>
+    <p:extLst>
+      <p:ext uri="{BB962C8B-B14F-4D97-AF65-F5344CB8AC3E}">
+        <p14:creationId xmlns:p14="http://schemas.microsoft.com/office/powerpoint/2010/main" val="3567720544"/>
+      </p:ext>
+    </p:extLst>
+  </p:cSld>
+  <p:clrMapOvr>
+    <a:masterClrMapping/>
+  </p:clrMapOvr>
+  <p:timing>
+    <p:tnLst>
+      <p:par>
+        <p:cTn id="1" dur="indefinite" restart="never" nodeType="tmRoot"/>
+      </p:par>
+    </p:tnLst>
+  </p:timing>
+</p:sld>
+</file>
+
+<file path=ppt/slides/slide3.xml><?xml version="1.0" encoding="utf-8"?>
+<p:sld xmlns:a="http://schemas.openxmlformats.org/drawingml/2006/main" xmlns:r="http://schemas.openxmlformats.org/officeDocument/2006/relationships" xmlns:p="http://schemas.openxmlformats.org/presentationml/2006/main">
+  <p:cSld>
+    <p:spTree>
+      <p:nvGrpSpPr>
+        <p:cNvPr id="1" name=""/>
+        <p:cNvGrpSpPr/>
+        <p:nvPr/>
+      </p:nvGrpSpPr>
+      <p:grpSpPr>
+        <a:xfrm>
+          <a:off x="0" y="0"/>
+          <a:ext cx="0" cy="0"/>
+          <a:chOff x="0" y="0"/>
+          <a:chExt cx="0" cy="0"/>
+        </a:xfrm>
+      </p:grpSpPr>
+      <p:sp>
+        <p:nvSpPr>
+          <p:cNvPr id="2" name="Заголовок 1"/>
+          <p:cNvSpPr>
+            <a:spLocks noGrp="1"/>
+          </p:cNvSpPr>
+          <p:nvPr>
+            <p:ph type="title"/>
+          </p:nvPr>
+        </p:nvSpPr>
+        <p:spPr/>
+        <p:txBody>
+          <a:bodyPr/>
+          <a:lstStyle/>
+          <a:p>
+            <a:r>
+              <a:rPr lang="ru-RU" dirty="0"/>
+              <a:t>Требования к спасательной группировке роботов</a:t>
+            </a:r>
+          </a:p>
+        </p:txBody>
+      </p:sp>
+      <p:sp>
+        <p:nvSpPr>
+          <p:cNvPr id="3" name="Rectangle 3"/>
+          <p:cNvSpPr>
+            <a:spLocks noChangeArrowheads="1"/>
+          </p:cNvSpPr>
+          <p:nvPr/>
+        </p:nvSpPr>
+        <p:spPr bwMode="auto">
+          <a:xfrm>
+            <a:off x="467544" y="898126"/>
+            <a:ext cx="3960440" cy="3967210"/>
+          </a:xfrm>
+          <a:prstGeom prst="rect">
+            <a:avLst/>
+          </a:prstGeom>
+          <a:gradFill rotWithShape="0">
+            <a:gsLst>
+              <a:gs pos="0">
+                <a:srgbClr val="DDDDDD"/>
+              </a:gs>
+              <a:gs pos="100000">
+                <a:schemeClr val="bg1"/>
+              </a:gs>
+            </a:gsLst>
+            <a:lin ang="5400000" scaled="1"/>
+          </a:gradFill>
+          <a:ln w="12700">
+            <a:solidFill>
+              <a:schemeClr val="bg1"/>
+            </a:solidFill>
+            <a:miter lim="800000"/>
+            <a:headEnd/>
+            <a:tailEnd/>
+          </a:ln>
+          <a:effectLst/>
+          <a:extLst>
+            <a:ext uri="{AF507438-7753-43E0-B8FC-AC1667EBCBE1}">
+              <a14:hiddenEffects xmlns:a14="http://schemas.microsoft.com/office/drawing/2010/main">
+                <a:effectLst>
+                  <a:outerShdw dist="35921" dir="2700000" algn="ctr" rotWithShape="0">
+                    <a:schemeClr val="bg2"/>
+                  </a:outerShdw>
+                </a:effectLst>
+              </a14:hiddenEffects>
+            </a:ext>
+          </a:extLst>
+        </p:spPr>
+        <p:txBody>
+          <a:bodyPr wrap="none" anchor="ctr"/>
+          <a:lstStyle/>
+          <a:p>
+            <a:pPr algn="ctr" defTabSz="901700"/>
+            <a:endParaRPr lang="ru-RU" sz="1200" b="1">
+              <a:solidFill>
+                <a:schemeClr val="bg1"/>
+              </a:solidFill>
+            </a:endParaRPr>
+          </a:p>
+        </p:txBody>
+      </p:sp>
+      <p:sp>
+        <p:nvSpPr>
+          <p:cNvPr id="4" name="Rectangle 3"/>
+          <p:cNvSpPr>
+            <a:spLocks noChangeArrowheads="1"/>
+          </p:cNvSpPr>
+          <p:nvPr/>
+        </p:nvSpPr>
+        <p:spPr bwMode="auto">
+          <a:xfrm>
+            <a:off x="4715248" y="898126"/>
+            <a:ext cx="3960440" cy="3967210"/>
+          </a:xfrm>
+          <a:prstGeom prst="rect">
+            <a:avLst/>
+          </a:prstGeom>
+          <a:gradFill rotWithShape="0">
+            <a:gsLst>
+              <a:gs pos="0">
+                <a:srgbClr val="DDDDDD"/>
+              </a:gs>
+              <a:gs pos="100000">
+                <a:schemeClr val="bg1"/>
+              </a:gs>
+            </a:gsLst>
+            <a:lin ang="5400000" scaled="1"/>
+          </a:gradFill>
+          <a:ln w="12700">
+            <a:solidFill>
+              <a:schemeClr val="bg1"/>
+            </a:solidFill>
+            <a:miter lim="800000"/>
+            <a:headEnd/>
+            <a:tailEnd/>
+          </a:ln>
+          <a:effectLst/>
+          <a:extLst>
+            <a:ext uri="{AF507438-7753-43E0-B8FC-AC1667EBCBE1}">
+              <a14:hiddenEffects xmlns:a14="http://schemas.microsoft.com/office/drawing/2010/main">
+                <a:effectLst>
+                  <a:outerShdw dist="35921" dir="2700000" algn="ctr" rotWithShape="0">
+                    <a:schemeClr val="bg2"/>
+                  </a:outerShdw>
+                </a:effectLst>
+              </a14:hiddenEffects>
+            </a:ext>
+          </a:extLst>
+        </p:spPr>
+        <p:txBody>
+          <a:bodyPr wrap="none" anchor="ctr"/>
+          <a:lstStyle/>
+          <a:p>
+            <a:pPr algn="ctr" defTabSz="901700"/>
+            <a:endParaRPr lang="ru-RU" sz="1200" b="1" dirty="0">
+              <a:solidFill>
+                <a:schemeClr val="bg1"/>
+              </a:solidFill>
+            </a:endParaRPr>
+          </a:p>
+        </p:txBody>
+      </p:sp>
+      <p:sp>
+        <p:nvSpPr>
+          <p:cNvPr id="5" name="Объект 3"/>
+          <p:cNvSpPr txBox="1">
+            <a:spLocks/>
+          </p:cNvSpPr>
+          <p:nvPr/>
+        </p:nvSpPr>
+        <p:spPr>
+          <a:xfrm>
+            <a:off x="4844073" y="992017"/>
+            <a:ext cx="3702789" cy="3816424"/>
+          </a:xfrm>
+          <a:prstGeom prst="rect">
+            <a:avLst/>
+          </a:prstGeom>
+        </p:spPr>
+        <p:txBody>
+          <a:bodyPr/>
+          <a:lstStyle>
+            <a:lvl1pPr marL="342900" indent="-342900" algn="l" defTabSz="914400" rtl="0" eaLnBrk="1" latinLnBrk="0" hangingPunct="1">
+              <a:spcBef>
+                <a:spcPct val="20000"/>
+              </a:spcBef>
+              <a:buClr>
+                <a:srgbClr val="003399"/>
+              </a:buClr>
+              <a:buFont typeface="Wingdings" pitchFamily="2" charset="2"/>
+              <a:buChar char="q"/>
+              <a:defRPr sz="1800" kern="1200">
+                <a:solidFill>
+                  <a:schemeClr val="tx1"/>
+                </a:solidFill>
+                <a:latin typeface="+mn-lt"/>
+                <a:ea typeface="+mn-ea"/>
+                <a:cs typeface="+mn-cs"/>
+              </a:defRPr>
+            </a:lvl1pPr>
+            <a:lvl2pPr marL="625475" indent="-179388" algn="l" defTabSz="914400" rtl="0" eaLnBrk="1" latinLnBrk="0" hangingPunct="1">
+              <a:spcBef>
+                <a:spcPct val="20000"/>
+              </a:spcBef>
+              <a:buClr>
+                <a:srgbClr val="003399"/>
+              </a:buClr>
+              <a:buFont typeface="Wingdings" pitchFamily="2" charset="2"/>
+              <a:buChar char="§"/>
+              <a:tabLst>
+                <a:tab pos="538163" algn="l"/>
+              </a:tabLst>
+              <a:defRPr sz="1600" kern="1200">
+                <a:solidFill>
+                  <a:schemeClr val="tx1"/>
+                </a:solidFill>
+                <a:latin typeface="+mn-lt"/>
+                <a:ea typeface="+mn-ea"/>
+                <a:cs typeface="+mn-cs"/>
+              </a:defRPr>
+            </a:lvl2pPr>
+            <a:lvl3pPr marL="898525" indent="-160338" algn="l" defTabSz="914400" rtl="0" eaLnBrk="1" latinLnBrk="0" hangingPunct="1">
+              <a:spcBef>
+                <a:spcPct val="20000"/>
+              </a:spcBef>
+              <a:buFont typeface="Arial" panose="020B0604020202020204" pitchFamily="34" charset="0"/>
+              <a:buChar char="•"/>
+              <a:defRPr sz="1400" kern="1200">
+                <a:solidFill>
+                  <a:schemeClr val="tx1"/>
+                </a:solidFill>
+                <a:latin typeface="+mn-lt"/>
+                <a:ea typeface="+mn-ea"/>
+                <a:cs typeface="+mn-cs"/>
+              </a:defRPr>
+            </a:lvl3pPr>
+            <a:lvl4pPr marL="1166813" indent="-166688" algn="l" defTabSz="914400" rtl="0" eaLnBrk="1" latinLnBrk="0" hangingPunct="1">
+              <a:spcBef>
+                <a:spcPct val="20000"/>
+              </a:spcBef>
+              <a:buFont typeface="Arial" panose="020B0604020202020204" pitchFamily="34" charset="0"/>
+              <a:buChar char="–"/>
+              <a:defRPr sz="1200" kern="1200">
+                <a:solidFill>
+                  <a:schemeClr val="tx1"/>
+                </a:solidFill>
+                <a:latin typeface="+mn-lt"/>
+                <a:ea typeface="+mn-ea"/>
+                <a:cs typeface="+mn-cs"/>
+              </a:defRPr>
+            </a:lvl4pPr>
+            <a:lvl5pPr marL="2057400" indent="-228600" algn="l" defTabSz="914400" rtl="0" eaLnBrk="1" latinLnBrk="0" hangingPunct="1">
+              <a:spcBef>
+                <a:spcPct val="20000"/>
+              </a:spcBef>
+              <a:buFont typeface="Arial" panose="020B0604020202020204" pitchFamily="34" charset="0"/>
+              <a:buChar char="»"/>
+              <a:defRPr sz="2000" kern="1200">
+                <a:solidFill>
+                  <a:schemeClr val="tx1"/>
+                </a:solidFill>
+                <a:latin typeface="+mn-lt"/>
+                <a:ea typeface="+mn-ea"/>
+                <a:cs typeface="+mn-cs"/>
+              </a:defRPr>
+            </a:lvl5pPr>
+            <a:lvl6pPr marL="2514600" indent="-228600" algn="l" defTabSz="914400" rtl="0" eaLnBrk="1" latinLnBrk="0" hangingPunct="1">
+              <a:spcBef>
+                <a:spcPct val="20000"/>
+              </a:spcBef>
+              <a:buFont typeface="Arial" panose="020B0604020202020204" pitchFamily="34" charset="0"/>
+              <a:buChar char="•"/>
+              <a:defRPr sz="2000" kern="1200">
+                <a:solidFill>
+                  <a:schemeClr val="tx1"/>
+                </a:solidFill>
+                <a:latin typeface="+mn-lt"/>
+                <a:ea typeface="+mn-ea"/>
+                <a:cs typeface="+mn-cs"/>
+              </a:defRPr>
+            </a:lvl6pPr>
+            <a:lvl7pPr marL="2971800" indent="-228600" algn="l" defTabSz="914400" rtl="0" eaLnBrk="1" latinLnBrk="0" hangingPunct="1">
+              <a:spcBef>
+                <a:spcPct val="20000"/>
+              </a:spcBef>
+              <a:buFont typeface="Arial" panose="020B0604020202020204" pitchFamily="34" charset="0"/>
+              <a:buChar char="•"/>
+              <a:defRPr sz="2000" kern="1200">
+                <a:solidFill>
+                  <a:schemeClr val="tx1"/>
+                </a:solidFill>
+                <a:latin typeface="+mn-lt"/>
+                <a:ea typeface="+mn-ea"/>
+                <a:cs typeface="+mn-cs"/>
+              </a:defRPr>
+            </a:lvl7pPr>
+            <a:lvl8pPr marL="3429000" indent="-228600" algn="l" defTabSz="914400" rtl="0" eaLnBrk="1" latinLnBrk="0" hangingPunct="1">
+              <a:spcBef>
+                <a:spcPct val="20000"/>
+              </a:spcBef>
+              <a:buFont typeface="Arial" panose="020B0604020202020204" pitchFamily="34" charset="0"/>
+              <a:buChar char="•"/>
+              <a:defRPr sz="2000" kern="1200">
+                <a:solidFill>
+                  <a:schemeClr val="tx1"/>
+                </a:solidFill>
+                <a:latin typeface="+mn-lt"/>
+                <a:ea typeface="+mn-ea"/>
+                <a:cs typeface="+mn-cs"/>
+              </a:defRPr>
+            </a:lvl8pPr>
+            <a:lvl9pPr marL="3886200" indent="-228600" algn="l" defTabSz="914400" rtl="0" eaLnBrk="1" latinLnBrk="0" hangingPunct="1">
+              <a:spcBef>
+                <a:spcPct val="20000"/>
+              </a:spcBef>
+              <a:buFont typeface="Arial" panose="020B0604020202020204" pitchFamily="34" charset="0"/>
+              <a:buChar char="•"/>
+              <a:defRPr sz="2000" kern="1200">
+                <a:solidFill>
+                  <a:schemeClr val="tx1"/>
+                </a:solidFill>
+                <a:latin typeface="+mn-lt"/>
+                <a:ea typeface="+mn-ea"/>
+                <a:cs typeface="+mn-cs"/>
+              </a:defRPr>
+            </a:lvl9pPr>
+          </a:lstStyle>
+          <a:p>
+            <a:r>
+              <a:rPr lang="ru-RU" dirty="0" smtClean="0"/>
+              <a:t>Гетерогенность</a:t>
+            </a:r>
+          </a:p>
+          <a:p>
+            <a:r>
+              <a:rPr lang="ru-RU" dirty="0" smtClean="0"/>
+              <a:t>Автономность</a:t>
+            </a:r>
+          </a:p>
+          <a:p>
+            <a:r>
+              <a:rPr lang="ru-RU" dirty="0" smtClean="0"/>
+              <a:t>Избыточность</a:t>
+            </a:r>
+          </a:p>
+          <a:p>
+            <a:r>
+              <a:rPr lang="ru-RU" dirty="0" smtClean="0"/>
+              <a:t>Взаимозаменяемость роботов </a:t>
+            </a:r>
+          </a:p>
+          <a:p>
+            <a:r>
+              <a:rPr lang="ru-RU" dirty="0" smtClean="0"/>
+              <a:t>Робастность</a:t>
+            </a:r>
+            <a:endParaRPr lang="ru-RU" dirty="0"/>
+          </a:p>
+        </p:txBody>
+      </p:sp>
+      <p:sp>
+        <p:nvSpPr>
+          <p:cNvPr id="6" name="AutoShape 2" descr="https://pp.vk.me/c618223/v618223214/1fcc2/JqO3gkvPJEw.jpg"/>
+          <p:cNvSpPr>
+            <a:spLocks noChangeAspect="1" noChangeArrowheads="1"/>
+          </p:cNvSpPr>
+          <p:nvPr/>
+        </p:nvSpPr>
+        <p:spPr bwMode="auto">
+          <a:xfrm>
+            <a:off x="155575" y="-144463"/>
+            <a:ext cx="304800" cy="304801"/>
+          </a:xfrm>
+          <a:prstGeom prst="rect">
+            <a:avLst/>
+          </a:prstGeom>
+          <a:noFill/>
+          <a:extLst>
+            <a:ext uri="{909E8E84-426E-40DD-AFC4-6F175D3DCCD1}">
+              <a14:hiddenFill xmlns:a14="http://schemas.microsoft.com/office/drawing/2010/main">
+                <a:solidFill>
+                  <a:srgbClr val="FFFFFF"/>
+                </a:solidFill>
+              </a14:hiddenFill>
+            </a:ext>
+          </a:extLst>
+        </p:spPr>
+        <p:txBody>
+          <a:bodyPr vert="horz" wrap="square" lIns="91440" tIns="45720" rIns="91440" bIns="45720" numCol="1" anchor="t" anchorCtr="0" compatLnSpc="1">
+            <a:prstTxWarp prst="textNoShape">
+              <a:avLst/>
+            </a:prstTxWarp>
+          </a:bodyPr>
+          <a:lstStyle/>
+          <a:p>
+            <a:endParaRPr lang="en-US"/>
+          </a:p>
+        </p:txBody>
+      </p:sp>
+      <p:pic>
+        <p:nvPicPr>
+          <p:cNvPr id="1028" name="Picture 4" descr="https://pp.vk.me/c618223/v618223214/1fcc2/JqO3gkvPJEw.jpg"/>
+          <p:cNvPicPr>
+            <a:picLocks noChangeAspect="1" noChangeArrowheads="1"/>
+          </p:cNvPicPr>
+          <p:nvPr/>
+        </p:nvPicPr>
+        <p:blipFill>
+          <a:blip r:embed="rId3" cstate="print">
+            <a:extLst>
+              <a:ext uri="{28A0092B-C50C-407E-A947-70E740481C1C}">
+                <a14:useLocalDpi xmlns:a14="http://schemas.microsoft.com/office/drawing/2010/main" val="0"/>
+              </a:ext>
+            </a:extLst>
+          </a:blip>
+          <a:srcRect/>
+          <a:stretch>
+            <a:fillRect/>
+          </a:stretch>
+        </p:blipFill>
+        <p:spPr bwMode="auto">
+          <a:xfrm>
+            <a:off x="699568" y="898126"/>
+            <a:ext cx="3496392" cy="2096951"/>
+          </a:xfrm>
+          <a:prstGeom prst="rect">
+            <a:avLst/>
+          </a:prstGeom>
+          <a:noFill/>
+          <a:extLst>
+            <a:ext uri="{909E8E84-426E-40DD-AFC4-6F175D3DCCD1}">
+              <a14:hiddenFill xmlns:a14="http://schemas.microsoft.com/office/drawing/2010/main">
+                <a:solidFill>
+                  <a:srgbClr val="FFFFFF"/>
+                </a:solidFill>
+              </a14:hiddenFill>
+            </a:ext>
+          </a:extLst>
+        </p:spPr>
+      </p:pic>
+      <p:pic>
+        <p:nvPicPr>
+          <p:cNvPr id="8" name="Рисунок 7" descr="C:\Users\6B43~1.501\AppData\Local\Temp\УСС_1.jpg"/>
+          <p:cNvPicPr/>
+          <p:nvPr/>
+        </p:nvPicPr>
+        <p:blipFill>
+          <a:blip r:embed="rId4" cstate="print"/>
+          <a:srcRect/>
+          <a:stretch>
+            <a:fillRect/>
+          </a:stretch>
+        </p:blipFill>
+        <p:spPr bwMode="auto">
+          <a:xfrm>
+            <a:off x="699567" y="2930650"/>
+            <a:ext cx="3496393" cy="1959736"/>
+          </a:xfrm>
+          <a:prstGeom prst="rect">
+            <a:avLst/>
+          </a:prstGeom>
+          <a:noFill/>
+          <a:ln w="9525">
+            <a:noFill/>
+            <a:miter lim="800000"/>
+            <a:headEnd/>
+            <a:tailEnd/>
+          </a:ln>
+        </p:spPr>
+      </p:pic>
+    </p:spTree>
+    <p:extLst>
+      <p:ext uri="{BB962C8B-B14F-4D97-AF65-F5344CB8AC3E}">
+        <p14:creationId xmlns:p14="http://schemas.microsoft.com/office/powerpoint/2010/main" val="3061885509"/>
+      </p:ext>
+    </p:extLst>
+  </p:cSld>
+  <p:clrMapOvr>
+    <a:masterClrMapping/>
+  </p:clrMapOvr>
+  <p:timing>
+    <p:tnLst>
+      <p:par>
+        <p:cTn id="1" dur="indefinite" restart="never" nodeType="tmRoot"/>
+      </p:par>
+    </p:tnLst>
+  </p:timing>
+</p:sld>
+</file>
+
+<file path=ppt/slides/slide4.xml><?xml version="1.0" encoding="utf-8"?>
+<p:sld xmlns:a="http://schemas.openxmlformats.org/drawingml/2006/main" xmlns:r="http://schemas.openxmlformats.org/officeDocument/2006/relationships" xmlns:p="http://schemas.openxmlformats.org/presentationml/2006/main">
+  <p:cSld>
+    <p:spTree>
+      <p:nvGrpSpPr>
+        <p:cNvPr id="1" name=""/>
+        <p:cNvGrpSpPr/>
+        <p:nvPr/>
+      </p:nvGrpSpPr>
+      <p:grpSpPr>
+        <a:xfrm>
+          <a:off x="0" y="0"/>
+          <a:ext cx="0" cy="0"/>
+          <a:chOff x="0" y="0"/>
+          <a:chExt cx="0" cy="0"/>
+        </a:xfrm>
+      </p:grpSpPr>
+      <p:sp>
+        <p:nvSpPr>
+          <p:cNvPr id="3" name="Заголовок 2"/>
+          <p:cNvSpPr>
+            <a:spLocks noGrp="1"/>
+          </p:cNvSpPr>
+          <p:nvPr>
+            <p:ph type="title"/>
+          </p:nvPr>
+        </p:nvSpPr>
+        <p:spPr/>
+        <p:txBody>
+          <a:bodyPr/>
+          <a:lstStyle/>
+          <a:p>
+            <a:r>
+              <a:rPr lang="ru-RU" dirty="0" smtClean="0"/>
+              <a:t>Гетерогенность спасательной группировки роботов</a:t>
+            </a:r>
+            <a:endParaRPr lang="ru-RU" dirty="0"/>
+          </a:p>
+        </p:txBody>
+      </p:sp>
+      <p:sp>
+        <p:nvSpPr>
+          <p:cNvPr id="4" name="Объект 3"/>
+          <p:cNvSpPr>
+            <a:spLocks noGrp="1"/>
+          </p:cNvSpPr>
+          <p:nvPr>
+            <p:ph idx="1"/>
+          </p:nvPr>
+        </p:nvSpPr>
+        <p:spPr/>
+        <p:txBody>
+          <a:bodyPr/>
+          <a:lstStyle/>
+          <a:p>
+            <a:r>
+              <a:rPr lang="ru-RU" dirty="0" smtClean="0"/>
+              <a:t>Роботы-разведчики</a:t>
+            </a:r>
+          </a:p>
+          <a:p>
+            <a:pPr lvl="1"/>
+            <a:r>
+              <a:rPr lang="ru-RU" dirty="0"/>
+              <a:t>производят поиск людей, которым требуется эвакуация и опасных объектов, за динамикой состояний которых необходимо </a:t>
+            </a:r>
+            <a:r>
+              <a:rPr lang="ru-RU" dirty="0" smtClean="0"/>
+              <a:t>наблюдать</a:t>
+            </a:r>
+          </a:p>
+          <a:p>
+            <a:r>
+              <a:rPr lang="ru-RU" dirty="0" smtClean="0"/>
+              <a:t>Роботы-наблюдатели</a:t>
+            </a:r>
+          </a:p>
+          <a:p>
+            <a:pPr lvl="1"/>
+            <a:r>
+              <a:rPr lang="ru-RU" dirty="0" smtClean="0"/>
+              <a:t>осуществляют </a:t>
+            </a:r>
+            <a:r>
+              <a:rPr lang="ru-RU" dirty="0"/>
+              <a:t>круглосуточное наблюдение за обстановкой</a:t>
+            </a:r>
+            <a:endParaRPr lang="ru-RU" dirty="0" smtClean="0"/>
+          </a:p>
+          <a:p>
+            <a:r>
+              <a:rPr lang="ru-RU" dirty="0" smtClean="0"/>
+              <a:t>Роботы-рабочие</a:t>
+            </a:r>
+          </a:p>
+          <a:p>
+            <a:pPr lvl="1"/>
+            <a:r>
+              <a:rPr lang="ru-RU" dirty="0"/>
+              <a:t>т</a:t>
+            </a:r>
+            <a:r>
+              <a:rPr lang="ru-RU" dirty="0" smtClean="0"/>
+              <a:t>ребуются </a:t>
+            </a:r>
+            <a:r>
+              <a:rPr lang="ru-RU" dirty="0"/>
+              <a:t>для проведения неотложных аварийно-восстановительных работ</a:t>
+            </a:r>
+            <a:endParaRPr lang="ru-RU" dirty="0" smtClean="0"/>
+          </a:p>
+          <a:p>
+            <a:r>
+              <a:rPr lang="ru-RU" dirty="0" smtClean="0"/>
+              <a:t>Роботы-перегрузчики</a:t>
+            </a:r>
+          </a:p>
+          <a:p>
+            <a:pPr lvl="1"/>
+            <a:r>
+              <a:rPr lang="ru-RU" dirty="0" smtClean="0"/>
+              <a:t>помогают </a:t>
+            </a:r>
+            <a:r>
+              <a:rPr lang="ru-RU" dirty="0"/>
+              <a:t>людям выбраться из опасных </a:t>
+            </a:r>
+            <a:r>
+              <a:rPr lang="ru-RU" dirty="0" smtClean="0"/>
+              <a:t>мест</a:t>
+            </a:r>
+          </a:p>
+          <a:p>
+            <a:r>
+              <a:rPr lang="ru-RU" dirty="0"/>
+              <a:t>Транспортные </a:t>
+            </a:r>
+            <a:r>
+              <a:rPr lang="ru-RU" dirty="0" smtClean="0"/>
+              <a:t>роботы</a:t>
+            </a:r>
+          </a:p>
+          <a:p>
+            <a:pPr lvl="1"/>
+            <a:r>
+              <a:rPr lang="ru-RU" dirty="0"/>
+              <a:t>большие универсальные транспортные средства для перемещения групп людей в безопасные зоны</a:t>
+            </a:r>
+          </a:p>
+        </p:txBody>
+      </p:sp>
+    </p:spTree>
+    <p:extLst>
+      <p:ext uri="{BB962C8B-B14F-4D97-AF65-F5344CB8AC3E}">
+        <p14:creationId xmlns:p14="http://schemas.microsoft.com/office/powerpoint/2010/main" val="1607972103"/>
+      </p:ext>
+    </p:extLst>
+  </p:cSld>
+  <p:clrMapOvr>
+    <a:masterClrMapping/>
+  </p:clrMapOvr>
+  <p:timing>
+    <p:tnLst>
+      <p:par>
+        <p:cTn id="1" dur="indefinite" restart="never" nodeType="tmRoot"/>
+      </p:par>
+    </p:tnLst>
+  </p:timing>
+</p:sld>
+</file>
+
+<file path=ppt/slides/slide5.xml><?xml version="1.0" encoding="utf-8"?>
+<p:sld xmlns:a="http://schemas.openxmlformats.org/drawingml/2006/main" xmlns:r="http://schemas.openxmlformats.org/officeDocument/2006/relationships" xmlns:p="http://schemas.openxmlformats.org/presentationml/2006/main">
+  <p:cSld>
+    <p:spTree>
+      <p:nvGrpSpPr>
+        <p:cNvPr id="1" name=""/>
+        <p:cNvGrpSpPr/>
+        <p:nvPr/>
+      </p:nvGrpSpPr>
+      <p:grpSpPr>
+        <a:xfrm>
+          <a:off x="0" y="0"/>
+          <a:ext cx="0" cy="0"/>
+          <a:chOff x="0" y="0"/>
+          <a:chExt cx="0" cy="0"/>
+        </a:xfrm>
+      </p:grpSpPr>
+      <p:sp>
+        <p:nvSpPr>
+          <p:cNvPr id="4" name="Заголовок 3"/>
+          <p:cNvSpPr>
+            <a:spLocks noGrp="1"/>
+          </p:cNvSpPr>
+          <p:nvPr>
+            <p:ph type="title"/>
+          </p:nvPr>
+        </p:nvSpPr>
+        <p:spPr/>
+        <p:txBody>
+          <a:bodyPr/>
+          <a:lstStyle/>
+          <a:p>
+            <a:r>
+              <a:rPr lang="ru-RU" dirty="0"/>
+              <a:t>Автономность</a:t>
+            </a:r>
+          </a:p>
+        </p:txBody>
+      </p:sp>
+      <p:sp>
+        <p:nvSpPr>
+          <p:cNvPr id="5" name="Рисунок 4"/>
+          <p:cNvSpPr>
+            <a:spLocks noGrp="1"/>
+          </p:cNvSpPr>
+          <p:nvPr>
+            <p:ph type="pic" sz="quarter" idx="13"/>
+          </p:nvPr>
+        </p:nvSpPr>
+        <p:spPr/>
+      </p:sp>
+      <p:sp>
+        <p:nvSpPr>
+          <p:cNvPr id="3" name="Rectangle 2"/>
+          <p:cNvSpPr>
+            <a:spLocks noChangeArrowheads="1"/>
+          </p:cNvSpPr>
+          <p:nvPr/>
+        </p:nvSpPr>
+        <p:spPr bwMode="auto">
+          <a:xfrm>
+            <a:off x="0" y="0"/>
+            <a:ext cx="9144000" cy="0"/>
+          </a:xfrm>
+          <a:prstGeom prst="rect">
+            <a:avLst/>
+          </a:prstGeom>
+          <a:noFill/>
+          <a:ln>
+            <a:noFill/>
+          </a:ln>
+          <a:effectLst/>
+          <a:extLst>
+            <a:ext uri="{909E8E84-426E-40DD-AFC4-6F175D3DCCD1}">
+              <a14:hiddenFill xmlns:a14="http://schemas.microsoft.com/office/drawing/2010/main">
+                <a:solidFill>
+                  <a:schemeClr val="accent1"/>
+                </a:solidFill>
+              </a14:hiddenFill>
+            </a:ext>
+            <a:ext uri="{91240B29-F687-4F45-9708-019B960494DF}">
+              <a14:hiddenLine xmlns:a14="http://schemas.microsoft.com/office/drawing/2010/main" w="9525">
+                <a:solidFill>
+                  <a:schemeClr val="tx1"/>
+                </a:solidFill>
+                <a:miter lim="800000"/>
+                <a:headEnd/>
+                <a:tailEnd/>
+              </a14:hiddenLine>
+            </a:ext>
+            <a:ext uri="{AF507438-7753-43E0-B8FC-AC1667EBCBE1}">
+              <a14:hiddenEffects xmlns:a14="http://schemas.microsoft.com/office/drawing/2010/main">
+                <a:effectLst>
+                  <a:outerShdw dist="35921" dir="2700000" algn="ctr" rotWithShape="0">
+                    <a:schemeClr val="bg2"/>
+                  </a:outerShdw>
+                </a:effectLst>
+              </a14:hiddenEffects>
+            </a:ext>
+          </a:extLst>
+        </p:spPr>
+        <p:txBody>
+          <a:bodyPr vert="horz" wrap="none" lIns="91440" tIns="45720" rIns="91440" bIns="45720" numCol="1" anchor="ctr" anchorCtr="0" compatLnSpc="1">
+            <a:prstTxWarp prst="textNoShape">
+              <a:avLst/>
+            </a:prstTxWarp>
+            <a:spAutoFit/>
+          </a:bodyPr>
+          <a:lstStyle/>
+          <a:p>
+            <a:endParaRPr lang="en-US"/>
+          </a:p>
+        </p:txBody>
+      </p:sp>
+      <p:graphicFrame>
+        <p:nvGraphicFramePr>
+          <p:cNvPr id="6" name="Объект 5"/>
+          <p:cNvGraphicFramePr>
+            <a:graphicFrameLocks noChangeAspect="1"/>
+          </p:cNvGraphicFramePr>
+          <p:nvPr>
+            <p:extLst>
+              <p:ext uri="{D42A27DB-BD31-4B8C-83A1-F6EECF244321}">
+                <p14:modId xmlns:p14="http://schemas.microsoft.com/office/powerpoint/2010/main" val="2799718167"/>
+              </p:ext>
+            </p:extLst>
+          </p:nvPr>
+        </p:nvGraphicFramePr>
+        <p:xfrm>
+          <a:off x="1619672" y="1131590"/>
+          <a:ext cx="4824536" cy="3067845"/>
+        </p:xfrm>
+        <a:graphic>
+          <a:graphicData uri="http://schemas.openxmlformats.org/presentationml/2006/ole">
+            <mc:AlternateContent xmlns:mc="http://schemas.openxmlformats.org/markup-compatibility/2006">
+              <mc:Choice xmlns:v="urn:schemas-microsoft-com:vml" Requires="v">
+                <p:oleObj spid="_x0000_s2060" r:id="rId3" imgW="9869040" imgH="6237000" progId="CorelDRAW.Graphic.13">
+                  <p:embed/>
+                </p:oleObj>
+              </mc:Choice>
+              <mc:Fallback>
+                <p:oleObj r:id="rId3" imgW="9869040" imgH="6237000" progId="CorelDRAW.Graphic.13">
+                  <p:embed/>
+                  <p:pic>
+                    <p:nvPicPr>
+                      <p:cNvPr id="0" name="Object 1"/>
+                      <p:cNvPicPr>
+                        <a:picLocks noChangeAspect="1" noChangeArrowheads="1"/>
+                      </p:cNvPicPr>
+                      <p:nvPr/>
+                    </p:nvPicPr>
+                    <p:blipFill>
+                      <a:blip r:embed="rId4">
+                        <a:extLst>
+                          <a:ext uri="{28A0092B-C50C-407E-A947-70E740481C1C}">
+                            <a14:useLocalDpi xmlns:a14="http://schemas.microsoft.com/office/drawing/2010/main" val="0"/>
+                          </a:ext>
+                        </a:extLst>
+                      </a:blip>
+                      <a:srcRect/>
+                      <a:stretch>
+                        <a:fillRect/>
+                      </a:stretch>
+                    </p:blipFill>
+                    <p:spPr bwMode="auto">
+                      <a:xfrm>
+                        <a:off x="1619672" y="1131590"/>
+                        <a:ext cx="4824536" cy="3067845"/>
+                      </a:xfrm>
+                      <a:prstGeom prst="rect">
+                        <a:avLst/>
+                      </a:prstGeom>
+                      <a:noFill/>
+                    </p:spPr>
+                  </p:pic>
+                </p:oleObj>
+              </mc:Fallback>
+            </mc:AlternateContent>
+          </a:graphicData>
+        </a:graphic>
+      </p:graphicFrame>
+    </p:spTree>
+    <p:extLst>
+      <p:ext uri="{BB962C8B-B14F-4D97-AF65-F5344CB8AC3E}">
+        <p14:creationId xmlns:p14="http://schemas.microsoft.com/office/powerpoint/2010/main" val="1227060376"/>
+      </p:ext>
+    </p:extLst>
+  </p:cSld>
+  <p:clrMapOvr>
+    <a:masterClrMapping/>
+  </p:clrMapOvr>
+  <p:timing>
+    <p:tnLst>
+      <p:par>
+        <p:cTn id="1" dur="indefinite" restart="never" nodeType="tmRoot"/>
+      </p:par>
+    </p:tnLst>
+  </p:timing>
+</p:sld>
+</file>
+
+<file path=ppt/slides/slide6.xml><?xml version="1.0" encoding="utf-8"?>
+<p:sld xmlns:a="http://schemas.openxmlformats.org/drawingml/2006/main" xmlns:r="http://schemas.openxmlformats.org/officeDocument/2006/relationships" xmlns:p="http://schemas.openxmlformats.org/presentationml/2006/main">
+  <p:cSld>
+    <p:spTree>
+      <p:nvGrpSpPr>
+        <p:cNvPr id="1" name=""/>
+        <p:cNvGrpSpPr/>
+        <p:nvPr/>
+      </p:nvGrpSpPr>
+      <p:grpSpPr>
+        <a:xfrm>
+          <a:off x="0" y="0"/>
+          <a:ext cx="0" cy="0"/>
+          <a:chOff x="0" y="0"/>
+          <a:chExt cx="0" cy="0"/>
+        </a:xfrm>
+      </p:grpSpPr>
+      <p:sp>
+        <p:nvSpPr>
+          <p:cNvPr id="4" name="Заголовок 3"/>
+          <p:cNvSpPr>
+            <a:spLocks noGrp="1"/>
+          </p:cNvSpPr>
+          <p:nvPr>
+            <p:ph type="title"/>
+          </p:nvPr>
+        </p:nvSpPr>
+        <p:spPr/>
+        <p:txBody>
+          <a:bodyPr/>
+          <a:lstStyle/>
+          <a:p>
+            <a:r>
+              <a:rPr lang="ru-RU" dirty="0" smtClean="0"/>
+              <a:t>Избыточность</a:t>
+            </a:r>
+            <a:endParaRPr lang="ru-RU" dirty="0"/>
+          </a:p>
+        </p:txBody>
+      </p:sp>
+      <p:sp>
+        <p:nvSpPr>
+          <p:cNvPr id="5" name="Объект 4"/>
+          <p:cNvSpPr>
+            <a:spLocks noGrp="1"/>
+          </p:cNvSpPr>
+          <p:nvPr>
+            <p:ph idx="1"/>
+          </p:nvPr>
+        </p:nvSpPr>
+        <p:spPr>
+          <a:xfrm>
+            <a:off x="4283968" y="2072129"/>
+            <a:ext cx="4248472" cy="2451656"/>
+          </a:xfrm>
+          <a:ln w="28575">
+            <a:solidFill>
+              <a:schemeClr val="accent1"/>
+            </a:solidFill>
+          </a:ln>
+        </p:spPr>
+        <p:txBody>
+          <a:bodyPr/>
+          <a:lstStyle/>
+          <a:p>
+            <a:endParaRPr lang="ru-RU" dirty="0" smtClean="0"/>
+          </a:p>
+          <a:p>
+            <a:r>
+              <a:rPr lang="ru-RU" dirty="0" smtClean="0"/>
+              <a:t>разные </a:t>
+            </a:r>
+            <a:r>
+              <a:rPr lang="ru-RU" dirty="0"/>
+              <a:t>функциональные возможности </a:t>
+            </a:r>
+            <a:endParaRPr lang="ru-RU" dirty="0" smtClean="0"/>
+          </a:p>
+          <a:p>
+            <a:r>
+              <a:rPr lang="ru-RU" dirty="0"/>
+              <a:t>разные условия работы разных </a:t>
+            </a:r>
+            <a:r>
+              <a:rPr lang="ru-RU" dirty="0" smtClean="0"/>
+              <a:t>подгрупп</a:t>
+            </a:r>
+          </a:p>
+          <a:p>
+            <a:r>
+              <a:rPr lang="ru-RU" dirty="0"/>
+              <a:t>разная стоимость роботов</a:t>
+            </a:r>
+            <a:endParaRPr lang="ru-RU" dirty="0" smtClean="0"/>
+          </a:p>
+          <a:p>
+            <a:endParaRPr lang="ru-RU" dirty="0"/>
+          </a:p>
+        </p:txBody>
+      </p:sp>
+      <p:pic>
+        <p:nvPicPr>
+          <p:cNvPr id="6" name="Рисунок 5" descr="C:\Users\6B43~1.501\AppData\Local\Temp\УСС_1.jpg"/>
+          <p:cNvPicPr/>
+          <p:nvPr/>
+        </p:nvPicPr>
+        <p:blipFill>
+          <a:blip r:embed="rId2" cstate="print"/>
+          <a:srcRect/>
+          <a:stretch>
+            <a:fillRect/>
+          </a:stretch>
+        </p:blipFill>
+        <p:spPr bwMode="auto">
+          <a:xfrm>
+            <a:off x="683568" y="1059582"/>
+            <a:ext cx="3456384" cy="2238375"/>
+          </a:xfrm>
+          <a:prstGeom prst="rect">
+            <a:avLst/>
+          </a:prstGeom>
+          <a:noFill/>
+          <a:ln w="9525">
+            <a:noFill/>
+            <a:miter lim="800000"/>
+            <a:headEnd/>
+            <a:tailEnd/>
+          </a:ln>
+        </p:spPr>
+      </p:pic>
+      <p:sp>
+        <p:nvSpPr>
+          <p:cNvPr id="3" name="TextBox 2"/>
+          <p:cNvSpPr txBox="1"/>
+          <p:nvPr/>
+        </p:nvSpPr>
+        <p:spPr>
+          <a:xfrm>
+            <a:off x="683568" y="3723878"/>
+            <a:ext cx="3456384" cy="1138773"/>
+          </a:xfrm>
+          <a:prstGeom prst="rect">
+            <a:avLst/>
+          </a:prstGeom>
+          <a:noFill/>
+        </p:spPr>
+        <p:txBody>
+          <a:bodyPr wrap="square" rtlCol="0">
+            <a:spAutoFit/>
+          </a:bodyPr>
+          <a:lstStyle/>
+          <a:p>
+            <a:r>
+              <a:rPr lang="ru-RU" sz="1400" dirty="0"/>
+              <a:t>Универсальное спасательное средство разработки </a:t>
+            </a:r>
+            <a:r>
+              <a:rPr lang="ru-RU" sz="1400" dirty="0" smtClean="0"/>
+              <a:t>Нижегородского </a:t>
+            </a:r>
+            <a:r>
+              <a:rPr lang="ru-RU" sz="1400" dirty="0"/>
+              <a:t>Государственного Технического </a:t>
+            </a:r>
+            <a:r>
+              <a:rPr lang="ru-RU" sz="1400" dirty="0" smtClean="0"/>
+              <a:t>Университета </a:t>
+            </a:r>
+            <a:r>
+              <a:rPr lang="ru-RU" sz="1400" dirty="0"/>
+              <a:t>им. Р.Е. Алексеева</a:t>
+            </a:r>
+            <a:endParaRPr lang="en-US" sz="1400" dirty="0"/>
+          </a:p>
+          <a:p>
+            <a:endParaRPr lang="en-US" sz="1200" dirty="0"/>
+          </a:p>
+        </p:txBody>
+      </p:sp>
+      <p:sp>
+        <p:nvSpPr>
+          <p:cNvPr id="7" name="TextBox 6"/>
+          <p:cNvSpPr txBox="1"/>
+          <p:nvPr/>
+        </p:nvSpPr>
+        <p:spPr>
+          <a:xfrm>
+            <a:off x="4211960" y="1053762"/>
+            <a:ext cx="4392488" cy="646331"/>
+          </a:xfrm>
+          <a:prstGeom prst="rect">
+            <a:avLst/>
+          </a:prstGeom>
+          <a:gradFill>
+            <a:gsLst>
+              <a:gs pos="0">
+                <a:schemeClr val="accent1">
+                  <a:tint val="66000"/>
+                  <a:satMod val="160000"/>
+                </a:schemeClr>
+              </a:gs>
+              <a:gs pos="39000">
+                <a:schemeClr val="accent1">
+                  <a:tint val="44500"/>
+                  <a:satMod val="160000"/>
+                </a:schemeClr>
+              </a:gs>
+              <a:gs pos="100000">
+                <a:schemeClr val="accent1">
+                  <a:tint val="23500"/>
+                  <a:satMod val="160000"/>
+                </a:schemeClr>
+              </a:gs>
+            </a:gsLst>
+            <a:lin ang="5400000" scaled="0"/>
+          </a:gradFill>
+        </p:spPr>
+        <p:txBody>
+          <a:bodyPr wrap="square" rtlCol="0">
+            <a:spAutoFit/>
+          </a:bodyPr>
+          <a:lstStyle/>
+          <a:p>
+            <a:r>
+              <a:rPr lang="ru-RU" dirty="0" smtClean="0"/>
+              <a:t>Один из способов повышения надежности </a:t>
+            </a:r>
+            <a:r>
+              <a:rPr lang="ru-RU" dirty="0"/>
+              <a:t>и безопасности</a:t>
+            </a:r>
+            <a:endParaRPr lang="en-US" dirty="0"/>
+          </a:p>
+        </p:txBody>
+      </p:sp>
+      <p:sp>
+        <p:nvSpPr>
+          <p:cNvPr id="2" name="Скругленный прямоугольник 1"/>
+          <p:cNvSpPr/>
+          <p:nvPr/>
+        </p:nvSpPr>
+        <p:spPr>
+          <a:xfrm>
+            <a:off x="4211960" y="1836421"/>
+            <a:ext cx="4371620" cy="457200"/>
+          </a:xfrm>
+          <a:prstGeom prst="roundRect">
+            <a:avLst/>
+          </a:prstGeom>
+        </p:spPr>
+        <p:style>
+          <a:lnRef idx="2">
+            <a:schemeClr val="accent1">
+              <a:shade val="50000"/>
+            </a:schemeClr>
+          </a:lnRef>
+          <a:fillRef idx="1">
+            <a:schemeClr val="accent1"/>
+          </a:fillRef>
+          <a:effectRef idx="0">
+            <a:schemeClr val="accent1"/>
+          </a:effectRef>
+          <a:fontRef idx="minor">
+            <a:schemeClr val="lt1"/>
+          </a:fontRef>
+        </p:style>
+        <p:txBody>
+          <a:bodyPr rtlCol="0" anchor="ctr"/>
+          <a:lstStyle/>
+          <a:p>
+            <a:pPr algn="ctr"/>
+            <a:r>
+              <a:rPr lang="ru-RU" dirty="0" smtClean="0"/>
+              <a:t>Особенности гетерогенной группировки</a:t>
+            </a:r>
+            <a:endParaRPr lang="ru-RU" dirty="0"/>
+          </a:p>
+        </p:txBody>
+      </p:sp>
+    </p:spTree>
+    <p:extLst>
+      <p:ext uri="{BB962C8B-B14F-4D97-AF65-F5344CB8AC3E}">
+        <p14:creationId xmlns:p14="http://schemas.microsoft.com/office/powerpoint/2010/main" val="3052861268"/>
+      </p:ext>
+    </p:extLst>
+  </p:cSld>
+  <p:clrMapOvr>
+    <a:masterClrMapping/>
+  </p:clrMapOvr>
+  <p:timing>
+    <p:tnLst>
+      <p:par>
+        <p:cTn id="1" dur="indefinite" restart="never" nodeType="tmRoot"/>
+      </p:par>
+    </p:tnLst>
+  </p:timing>
+</p:sld>
+</file>
+
+<file path=ppt/slides/slide7.xml><?xml version="1.0" encoding="utf-8"?>
+<p:sld xmlns:a="http://schemas.openxmlformats.org/drawingml/2006/main" xmlns:r="http://schemas.openxmlformats.org/officeDocument/2006/relationships" xmlns:p="http://schemas.openxmlformats.org/presentationml/2006/main">
+  <p:cSld>
+    <p:spTree>
+      <p:nvGrpSpPr>
+        <p:cNvPr id="1" name=""/>
+        <p:cNvGrpSpPr/>
+        <p:nvPr/>
+      </p:nvGrpSpPr>
+      <p:grpSpPr>
+        <a:xfrm>
+          <a:off x="0" y="0"/>
+          <a:ext cx="0" cy="0"/>
+          <a:chOff x="0" y="0"/>
+          <a:chExt cx="0" cy="0"/>
+        </a:xfrm>
+      </p:grpSpPr>
+      <p:sp>
+        <p:nvSpPr>
+          <p:cNvPr id="4" name="Заголовок 3"/>
+          <p:cNvSpPr>
+            <a:spLocks noGrp="1"/>
+          </p:cNvSpPr>
+          <p:nvPr>
+            <p:ph type="title"/>
+          </p:nvPr>
+        </p:nvSpPr>
+        <p:spPr>
+          <a:xfrm>
+            <a:off x="611560" y="123478"/>
+            <a:ext cx="8075240" cy="574042"/>
+          </a:xfrm>
+        </p:spPr>
+        <p:txBody>
+          <a:bodyPr/>
+          <a:lstStyle/>
+          <a:p>
+            <a:r>
+              <a:rPr lang="ru-RU" dirty="0" smtClean="0"/>
+              <a:t>Взаимозаменяемость</a:t>
+            </a:r>
+            <a:endParaRPr lang="ru-RU" dirty="0"/>
+          </a:p>
+        </p:txBody>
+      </p:sp>
+      <p:sp>
+        <p:nvSpPr>
+          <p:cNvPr id="2" name="Объект 1"/>
+          <p:cNvSpPr>
+            <a:spLocks noGrp="1"/>
+          </p:cNvSpPr>
+          <p:nvPr>
+            <p:ph idx="1"/>
+          </p:nvPr>
+        </p:nvSpPr>
+        <p:spPr>
+          <a:xfrm>
+            <a:off x="539552" y="2139702"/>
+            <a:ext cx="8023269" cy="2736304"/>
+          </a:xfrm>
+          <a:ln w="19050">
+            <a:solidFill>
+              <a:schemeClr val="accent1"/>
+            </a:solidFill>
+          </a:ln>
+        </p:spPr>
+        <p:style>
+          <a:lnRef idx="1">
+            <a:schemeClr val="dk1"/>
+          </a:lnRef>
+          <a:fillRef idx="2">
+            <a:schemeClr val="dk1"/>
+          </a:fillRef>
+          <a:effectRef idx="1">
+            <a:schemeClr val="dk1"/>
+          </a:effectRef>
+          <a:fontRef idx="minor">
+            <a:schemeClr val="dk1"/>
+          </a:fontRef>
+        </p:style>
+        <p:txBody>
+          <a:bodyPr/>
+          <a:lstStyle/>
+          <a:p>
+            <a:endParaRPr lang="ru-RU" dirty="0" smtClean="0"/>
+          </a:p>
+          <a:p>
+            <a:r>
+              <a:rPr lang="ru-RU" dirty="0" smtClean="0"/>
+              <a:t>отказ </a:t>
+            </a:r>
+            <a:r>
+              <a:rPr lang="ru-RU" dirty="0"/>
+              <a:t>бортового вычислителя системы управления </a:t>
+            </a:r>
+            <a:r>
+              <a:rPr lang="ru-RU" dirty="0" smtClean="0"/>
+              <a:t>робота</a:t>
+            </a:r>
+          </a:p>
+          <a:p>
+            <a:r>
+              <a:rPr lang="ru-RU" dirty="0"/>
+              <a:t>отказ бортового </a:t>
+            </a:r>
+            <a:r>
+              <a:rPr lang="ru-RU" dirty="0" smtClean="0"/>
+              <a:t>радиоканала</a:t>
+            </a:r>
+          </a:p>
+          <a:p>
+            <a:r>
+              <a:rPr lang="ru-RU" dirty="0"/>
+              <a:t>отказ двигателей и/или </a:t>
+            </a:r>
+            <a:r>
+              <a:rPr lang="ru-RU" dirty="0" smtClean="0"/>
+              <a:t>движителей</a:t>
+            </a:r>
+          </a:p>
+          <a:p>
+            <a:r>
+              <a:rPr lang="ru-RU" dirty="0"/>
+              <a:t>отказ какого-то сенсора</a:t>
+            </a:r>
+            <a:endParaRPr lang="ru-RU" dirty="0"/>
+          </a:p>
+        </p:txBody>
+      </p:sp>
+      <p:sp>
+        <p:nvSpPr>
+          <p:cNvPr id="3" name="TextBox 2"/>
+          <p:cNvSpPr txBox="1"/>
+          <p:nvPr/>
+        </p:nvSpPr>
+        <p:spPr>
+          <a:xfrm>
+            <a:off x="755576" y="1059581"/>
+            <a:ext cx="7704856" cy="646331"/>
+          </a:xfrm>
+          <a:prstGeom prst="rect">
+            <a:avLst/>
+          </a:prstGeom>
+        </p:spPr>
+        <p:style>
+          <a:lnRef idx="2">
+            <a:schemeClr val="accent1"/>
+          </a:lnRef>
+          <a:fillRef idx="1">
+            <a:schemeClr val="lt1"/>
+          </a:fillRef>
+          <a:effectRef idx="0">
+            <a:schemeClr val="accent1"/>
+          </a:effectRef>
+          <a:fontRef idx="minor">
+            <a:schemeClr val="dk1"/>
+          </a:fontRef>
+        </p:style>
+        <p:txBody>
+          <a:bodyPr wrap="square" rtlCol="0">
+            <a:spAutoFit/>
+          </a:bodyPr>
+          <a:lstStyle/>
+          <a:p>
+            <a:r>
+              <a:rPr lang="ru-RU" dirty="0"/>
+              <a:t>Для повышения надёжности группировки без излишней избыточности возможно применение взаимозаменяемости роботов</a:t>
+            </a:r>
+            <a:endParaRPr lang="ru-RU" dirty="0"/>
+          </a:p>
+        </p:txBody>
+      </p:sp>
+      <p:sp>
+        <p:nvSpPr>
+          <p:cNvPr id="7" name="Скругленный прямоугольник 6"/>
+          <p:cNvSpPr/>
+          <p:nvPr/>
+        </p:nvSpPr>
+        <p:spPr>
+          <a:xfrm>
+            <a:off x="611560" y="1923678"/>
+            <a:ext cx="1728192" cy="386101"/>
+          </a:xfrm>
+          <a:prstGeom prst="roundRect">
+            <a:avLst/>
+          </a:prstGeom>
+        </p:spPr>
+        <p:style>
+          <a:lnRef idx="2">
+            <a:schemeClr val="accent1">
+              <a:shade val="50000"/>
+            </a:schemeClr>
+          </a:lnRef>
+          <a:fillRef idx="1">
+            <a:schemeClr val="accent1"/>
+          </a:fillRef>
+          <a:effectRef idx="0">
+            <a:schemeClr val="accent1"/>
+          </a:effectRef>
+          <a:fontRef idx="minor">
+            <a:schemeClr val="lt1"/>
+          </a:fontRef>
+        </p:style>
+        <p:txBody>
+          <a:bodyPr rtlCol="0" anchor="ctr"/>
+          <a:lstStyle/>
+          <a:p>
+            <a:pPr algn="ctr"/>
+            <a:r>
+              <a:rPr lang="ru-RU" dirty="0"/>
+              <a:t>виды отказов </a:t>
+            </a:r>
+            <a:endParaRPr lang="ru-RU" dirty="0"/>
+          </a:p>
+        </p:txBody>
+      </p:sp>
+    </p:spTree>
+    <p:extLst>
+      <p:ext uri="{BB962C8B-B14F-4D97-AF65-F5344CB8AC3E}">
+        <p14:creationId xmlns:p14="http://schemas.microsoft.com/office/powerpoint/2010/main" val="3205345642"/>
+      </p:ext>
+    </p:extLst>
+  </p:cSld>
+  <p:clrMapOvr>
+    <a:masterClrMapping/>
+  </p:clrMapOvr>
+  <p:timing>
+    <p:tnLst>
+      <p:par>
+        <p:cTn id="1" dur="indefinite" restart="never" nodeType="tmRoot"/>
+      </p:par>
+    </p:tnLst>
+  </p:timing>
+</p:sld>
+</file>
+
+<file path=ppt/slides/slide8.xml><?xml version="1.0" encoding="utf-8"?>
+<p:sld xmlns:a="http://schemas.openxmlformats.org/drawingml/2006/main" xmlns:r="http://schemas.openxmlformats.org/officeDocument/2006/relationships" xmlns:p="http://schemas.openxmlformats.org/presentationml/2006/main">
+  <p:cSld>
+    <p:spTree>
+      <p:nvGrpSpPr>
+        <p:cNvPr id="1" name=""/>
+        <p:cNvGrpSpPr/>
+        <p:nvPr/>
+      </p:nvGrpSpPr>
+      <p:grpSpPr>
+        <a:xfrm>
+          <a:off x="0" y="0"/>
+          <a:ext cx="0" cy="0"/>
+          <a:chOff x="0" y="0"/>
+          <a:chExt cx="0" cy="0"/>
+        </a:xfrm>
+      </p:grpSpPr>
+      <p:sp>
+        <p:nvSpPr>
+          <p:cNvPr id="4" name="Заголовок 3"/>
+          <p:cNvSpPr>
+            <a:spLocks noGrp="1"/>
+          </p:cNvSpPr>
+          <p:nvPr>
+            <p:ph type="title"/>
+          </p:nvPr>
+        </p:nvSpPr>
+        <p:spPr/>
+        <p:txBody>
+          <a:bodyPr/>
+          <a:lstStyle/>
+          <a:p>
+            <a:r>
+              <a:rPr lang="ru-RU" dirty="0"/>
+              <a:t>Робастность</a:t>
+            </a:r>
+            <a:endParaRPr lang="ru-RU" dirty="0"/>
+          </a:p>
+        </p:txBody>
+      </p:sp>
+      <p:sp>
+        <p:nvSpPr>
+          <p:cNvPr id="5" name="Объект 4"/>
+          <p:cNvSpPr>
+            <a:spLocks noGrp="1"/>
+          </p:cNvSpPr>
+          <p:nvPr>
+            <p:ph idx="1"/>
+          </p:nvPr>
+        </p:nvSpPr>
+        <p:spPr>
+          <a:xfrm>
+            <a:off x="611560" y="1203598"/>
+            <a:ext cx="8023269" cy="3816424"/>
+          </a:xfrm>
+          <a:ln w="19050">
+            <a:solidFill>
+              <a:schemeClr val="tx2"/>
+            </a:solidFill>
+          </a:ln>
+        </p:spPr>
+        <p:txBody>
+          <a:bodyPr/>
+          <a:lstStyle/>
+          <a:p>
+            <a:r>
+              <a:rPr lang="ru-RU" dirty="0" smtClean="0"/>
+              <a:t>непостоянное </a:t>
+            </a:r>
+            <a:r>
+              <a:rPr lang="ru-RU" dirty="0"/>
+              <a:t>количество </a:t>
+            </a:r>
+            <a:r>
+              <a:rPr lang="ru-RU" dirty="0" smtClean="0"/>
+              <a:t>роботов</a:t>
+            </a:r>
+          </a:p>
+          <a:p>
+            <a:pPr lvl="1"/>
+            <a:r>
+              <a:rPr lang="ru-RU" dirty="0" smtClean="0"/>
+              <a:t>часть роботов может выйти из строя</a:t>
+            </a:r>
+          </a:p>
+          <a:p>
+            <a:pPr lvl="1"/>
+            <a:r>
+              <a:rPr lang="ru-RU" dirty="0" smtClean="0"/>
+              <a:t>часть </a:t>
+            </a:r>
+            <a:r>
+              <a:rPr lang="ru-RU" dirty="0"/>
+              <a:t>роботов может быть в </a:t>
+            </a:r>
+            <a:r>
+              <a:rPr lang="ru-RU" dirty="0" smtClean="0"/>
+              <a:t>резерве</a:t>
+            </a:r>
+          </a:p>
+          <a:p>
+            <a:pPr lvl="1"/>
+            <a:r>
+              <a:rPr lang="ru-RU" dirty="0"/>
+              <a:t>ранее отказавшие роботы могут быть вновь введены для выполнения операции</a:t>
+            </a:r>
+            <a:endParaRPr lang="ru-RU" dirty="0" smtClean="0"/>
+          </a:p>
+          <a:p>
+            <a:r>
+              <a:rPr lang="ru-RU" dirty="0"/>
+              <a:t>погрешности построения </a:t>
+            </a:r>
+            <a:r>
+              <a:rPr lang="ru-RU" dirty="0" smtClean="0"/>
+              <a:t>карты</a:t>
+            </a:r>
+          </a:p>
+          <a:p>
+            <a:pPr lvl="1"/>
+            <a:r>
+              <a:rPr lang="ru-RU" dirty="0"/>
+              <a:t>строить карты частями и эти карты </a:t>
+            </a:r>
+            <a:r>
+              <a:rPr lang="ru-RU" dirty="0" smtClean="0"/>
+              <a:t>сравнивать</a:t>
+            </a:r>
+          </a:p>
+          <a:p>
+            <a:pPr lvl="1"/>
+            <a:r>
+              <a:rPr lang="ru-RU" dirty="0"/>
+              <a:t>применять «взвешивание» разных частей карты </a:t>
+            </a:r>
+            <a:endParaRPr lang="ru-RU" dirty="0" smtClean="0"/>
+          </a:p>
+          <a:p>
+            <a:pPr lvl="1"/>
+            <a:r>
+              <a:rPr lang="ru-RU" dirty="0"/>
+              <a:t>«нелинейное масштабирование», зависящее от текущей конфигурации группировки</a:t>
+            </a:r>
+            <a:endParaRPr lang="ru-RU" dirty="0" smtClean="0"/>
+          </a:p>
+          <a:p>
+            <a:r>
+              <a:rPr lang="ru-RU" dirty="0"/>
+              <a:t>отказ текущей используемой системы </a:t>
+            </a:r>
+            <a:r>
+              <a:rPr lang="ru-RU" dirty="0" smtClean="0"/>
+              <a:t>локализации</a:t>
+            </a:r>
+          </a:p>
+          <a:p>
+            <a:pPr lvl="1"/>
+            <a:r>
+              <a:rPr lang="ru-RU" dirty="0"/>
+              <a:t>необходимо применять логические проверки доверия к локализации </a:t>
+            </a:r>
+            <a:endParaRPr lang="ru-RU" dirty="0" smtClean="0"/>
+          </a:p>
+          <a:p>
+            <a:pPr lvl="1"/>
+            <a:r>
+              <a:rPr lang="ru-RU" dirty="0"/>
+              <a:t>использовать для локализации комплексирование </a:t>
+            </a:r>
+            <a:r>
+              <a:rPr lang="ru-RU" dirty="0" smtClean="0"/>
+              <a:t>разных сенсоров</a:t>
+            </a:r>
+            <a:endParaRPr lang="ru-RU" dirty="0"/>
+          </a:p>
+        </p:txBody>
+      </p:sp>
+      <p:sp>
+        <p:nvSpPr>
+          <p:cNvPr id="2" name="Скругленный прямоугольник 1"/>
+          <p:cNvSpPr/>
+          <p:nvPr/>
+        </p:nvSpPr>
+        <p:spPr>
+          <a:xfrm>
+            <a:off x="539552" y="915566"/>
+            <a:ext cx="5976664" cy="288032"/>
+          </a:xfrm>
+          <a:prstGeom prst="roundRect">
+            <a:avLst/>
+          </a:prstGeom>
+        </p:spPr>
+        <p:style>
+          <a:lnRef idx="2">
+            <a:schemeClr val="accent1">
+              <a:shade val="50000"/>
+            </a:schemeClr>
+          </a:lnRef>
+          <a:fillRef idx="1">
+            <a:schemeClr val="accent1"/>
+          </a:fillRef>
+          <a:effectRef idx="0">
+            <a:schemeClr val="accent1"/>
+          </a:effectRef>
+          <a:fontRef idx="minor">
+            <a:schemeClr val="lt1"/>
+          </a:fontRef>
+        </p:style>
+        <p:txBody>
+          <a:bodyPr rtlCol="0" anchor="ctr"/>
+          <a:lstStyle/>
+          <a:p>
+            <a:pPr algn="ctr"/>
+            <a:r>
+              <a:rPr lang="ru-RU" dirty="0" smtClean="0"/>
+              <a:t>Особенности применения спасательной группировки</a:t>
+            </a:r>
+            <a:endParaRPr lang="ru-RU" dirty="0"/>
+          </a:p>
+        </p:txBody>
+      </p:sp>
+    </p:spTree>
+    <p:extLst>
+      <p:ext uri="{BB962C8B-B14F-4D97-AF65-F5344CB8AC3E}">
+        <p14:creationId xmlns:p14="http://schemas.microsoft.com/office/powerpoint/2010/main" val="3052861268"/>
+      </p:ext>
+    </p:extLst>
+  </p:cSld>
+  <p:clrMapOvr>
+    <a:masterClrMapping/>
+  </p:clrMapOvr>
+  <p:timing>
+    <p:tnLst>
+      <p:par>
+        <p:cTn id="1" dur="indefinite" restart="never" nodeType="tmRoot"/>
+      </p:par>
+    </p:tnLst>
+  </p:timing>
+</p:sld>
+</file>
+
+<file path=ppt/slides/slide9.xml><?xml version="1.0" encoding="utf-8"?>
 <p:sld xmlns:a="http://schemas.openxmlformats.org/drawingml/2006/main" xmlns:r="http://schemas.openxmlformats.org/officeDocument/2006/relationships" xmlns:p="http://schemas.openxmlformats.org/presentationml/2006/main">
   <p:cSld>
     <p:spTree>
@@ -4629,3345 +8266,6 @@
     <p:bldLst>
       <p:bldP spid="9" grpId="0" autoUpdateAnimBg="0"/>
     </p:bldLst>
-  </p:timing>
-</p:sld>
-</file>
-
-<file path=ppt/slides/slide2.xml><?xml version="1.0" encoding="utf-8"?>
-<p:sld xmlns:a="http://schemas.openxmlformats.org/drawingml/2006/main" xmlns:r="http://schemas.openxmlformats.org/officeDocument/2006/relationships" xmlns:p="http://schemas.openxmlformats.org/presentationml/2006/main">
-  <p:cSld>
-    <p:spTree>
-      <p:nvGrpSpPr>
-        <p:cNvPr id="1" name=""/>
-        <p:cNvGrpSpPr/>
-        <p:nvPr/>
-      </p:nvGrpSpPr>
-      <p:grpSpPr>
-        <a:xfrm>
-          <a:off x="0" y="0"/>
-          <a:ext cx="0" cy="0"/>
-          <a:chOff x="0" y="0"/>
-          <a:chExt cx="0" cy="0"/>
-        </a:xfrm>
-      </p:grpSpPr>
-      <p:sp>
-        <p:nvSpPr>
-          <p:cNvPr id="3" name="Заголовок 2"/>
-          <p:cNvSpPr>
-            <a:spLocks noGrp="1"/>
-          </p:cNvSpPr>
-          <p:nvPr>
-            <p:ph type="title"/>
-          </p:nvPr>
-        </p:nvSpPr>
-        <p:spPr/>
-        <p:txBody>
-          <a:bodyPr/>
-          <a:lstStyle/>
-          <a:p>
-            <a:r>
-              <a:rPr lang="ru-RU" dirty="0"/>
-              <a:t>Сложные климатические условия</a:t>
-            </a:r>
-          </a:p>
-        </p:txBody>
-      </p:sp>
-      <p:sp>
-        <p:nvSpPr>
-          <p:cNvPr id="4" name="Текст 3"/>
-          <p:cNvSpPr>
-            <a:spLocks noGrp="1"/>
-          </p:cNvSpPr>
-          <p:nvPr>
-            <p:ph type="body" sz="half" idx="2"/>
-          </p:nvPr>
-        </p:nvSpPr>
-        <p:spPr/>
-        <p:txBody>
-          <a:bodyPr/>
-          <a:lstStyle/>
-          <a:p>
-            <a:endParaRPr lang="ru-RU" sz="1600" dirty="0"/>
-          </a:p>
-        </p:txBody>
-      </p:sp>
-      <p:graphicFrame>
-        <p:nvGraphicFramePr>
-          <p:cNvPr id="2" name="Таблица 1"/>
-          <p:cNvGraphicFramePr>
-            <a:graphicFrameLocks noGrp="1"/>
-          </p:cNvGraphicFramePr>
-          <p:nvPr>
-            <p:extLst>
-              <p:ext uri="{D42A27DB-BD31-4B8C-83A1-F6EECF244321}">
-                <p14:modId xmlns:p14="http://schemas.microsoft.com/office/powerpoint/2010/main" val="3605519859"/>
-              </p:ext>
-            </p:extLst>
-          </p:nvPr>
-        </p:nvGraphicFramePr>
-        <p:xfrm>
-          <a:off x="4283968" y="1059582"/>
-          <a:ext cx="3960440" cy="2515736"/>
-        </p:xfrm>
-        <a:graphic>
-          <a:graphicData uri="http://schemas.openxmlformats.org/drawingml/2006/table">
-            <a:tbl>
-              <a:tblPr firstRow="1" bandRow="1">
-                <a:tableStyleId>{5C22544A-7EE6-4342-B048-85BDC9FD1C3A}</a:tableStyleId>
-              </a:tblPr>
-              <a:tblGrid>
-                <a:gridCol w="1368152"/>
-                <a:gridCol w="1440160"/>
-                <a:gridCol w="1152128"/>
-              </a:tblGrid>
-              <a:tr h="504056">
-                <a:tc>
-                  <a:txBody>
-                    <a:bodyPr/>
-                    <a:lstStyle/>
-                    <a:p>
-                      <a:pPr marL="0" marR="0" indent="0" algn="just">
-                        <a:lnSpc>
-                          <a:spcPct val="150000"/>
-                        </a:lnSpc>
-                        <a:spcBef>
-                          <a:spcPts val="0"/>
-                        </a:spcBef>
-                        <a:spcAft>
-                          <a:spcPts val="0"/>
-                        </a:spcAft>
-                      </a:pPr>
-                      <a:r>
-                        <a:rPr lang="ru-RU" sz="1100" dirty="0">
-                          <a:effectLst/>
-                        </a:rPr>
-                        <a:t>Датчик</a:t>
-                      </a:r>
-                      <a:endParaRPr lang="en-US" sz="1100" dirty="0">
-                        <a:effectLst/>
-                        <a:latin typeface="Times New Roman"/>
-                        <a:ea typeface="Times New Roman"/>
-                      </a:endParaRPr>
-                    </a:p>
-                  </a:txBody>
-                  <a:tcPr marL="30308" marR="30308" marT="0" marB="0"/>
-                </a:tc>
-                <a:tc>
-                  <a:txBody>
-                    <a:bodyPr/>
-                    <a:lstStyle/>
-                    <a:p>
-                      <a:pPr marL="0" marR="0" indent="0" algn="just">
-                        <a:lnSpc>
-                          <a:spcPct val="150000"/>
-                        </a:lnSpc>
-                        <a:spcBef>
-                          <a:spcPts val="0"/>
-                        </a:spcBef>
-                        <a:spcAft>
-                          <a:spcPts val="0"/>
-                        </a:spcAft>
-                      </a:pPr>
-                      <a:r>
-                        <a:rPr lang="ru-RU" sz="1100" dirty="0">
-                          <a:effectLst/>
-                        </a:rPr>
-                        <a:t>Погодные условия</a:t>
-                      </a:r>
-                      <a:endParaRPr lang="en-US" sz="1100" dirty="0">
-                        <a:effectLst/>
-                        <a:latin typeface="Times New Roman"/>
-                        <a:ea typeface="Times New Roman"/>
-                      </a:endParaRPr>
-                    </a:p>
-                  </a:txBody>
-                  <a:tcPr marL="30308" marR="30308" marT="0" marB="0"/>
-                </a:tc>
-                <a:tc>
-                  <a:txBody>
-                    <a:bodyPr/>
-                    <a:lstStyle/>
-                    <a:p>
-                      <a:pPr marL="0" marR="0" indent="0" algn="just">
-                        <a:lnSpc>
-                          <a:spcPct val="150000"/>
-                        </a:lnSpc>
-                        <a:spcBef>
-                          <a:spcPts val="0"/>
-                        </a:spcBef>
-                        <a:spcAft>
-                          <a:spcPts val="0"/>
-                        </a:spcAft>
-                      </a:pPr>
-                      <a:r>
-                        <a:rPr lang="ru-RU" sz="1100">
-                          <a:effectLst/>
-                        </a:rPr>
-                        <a:t>Применимость</a:t>
-                      </a:r>
-                      <a:endParaRPr lang="en-US" sz="1100">
-                        <a:effectLst/>
-                        <a:latin typeface="Times New Roman"/>
-                        <a:ea typeface="Times New Roman"/>
-                      </a:endParaRPr>
-                    </a:p>
-                  </a:txBody>
-                  <a:tcPr marL="30308" marR="30308" marT="0" marB="0"/>
-                </a:tc>
-              </a:tr>
-              <a:tr h="162817">
-                <a:tc rowSpan="4">
-                  <a:txBody>
-                    <a:bodyPr/>
-                    <a:lstStyle/>
-                    <a:p>
-                      <a:pPr marL="0" marR="0" indent="0" algn="just">
-                        <a:lnSpc>
-                          <a:spcPct val="150000"/>
-                        </a:lnSpc>
-                        <a:spcBef>
-                          <a:spcPts val="0"/>
-                        </a:spcBef>
-                        <a:spcAft>
-                          <a:spcPts val="0"/>
-                        </a:spcAft>
-                      </a:pPr>
-                      <a:r>
-                        <a:rPr lang="ru-RU" sz="1100" dirty="0">
-                          <a:effectLst/>
-                        </a:rPr>
-                        <a:t>Видеокамеры</a:t>
-                      </a:r>
-                      <a:endParaRPr lang="en-US" sz="1100" dirty="0">
-                        <a:effectLst/>
-                        <a:latin typeface="Times New Roman"/>
-                        <a:ea typeface="Times New Roman"/>
-                      </a:endParaRPr>
-                    </a:p>
-                  </a:txBody>
-                  <a:tcPr marL="30308" marR="30308" marT="0" marB="0"/>
-                </a:tc>
-                <a:tc>
-                  <a:txBody>
-                    <a:bodyPr/>
-                    <a:lstStyle/>
-                    <a:p>
-                      <a:pPr marL="0" marR="0" indent="0" algn="just">
-                        <a:lnSpc>
-                          <a:spcPct val="150000"/>
-                        </a:lnSpc>
-                        <a:spcBef>
-                          <a:spcPts val="0"/>
-                        </a:spcBef>
-                        <a:spcAft>
-                          <a:spcPts val="0"/>
-                        </a:spcAft>
-                      </a:pPr>
-                      <a:r>
-                        <a:rPr lang="ru-RU" sz="1100">
-                          <a:effectLst/>
-                        </a:rPr>
-                        <a:t>Полярная ночь</a:t>
-                      </a:r>
-                      <a:endParaRPr lang="en-US" sz="1100">
-                        <a:effectLst/>
-                        <a:latin typeface="Times New Roman"/>
-                        <a:ea typeface="Times New Roman"/>
-                      </a:endParaRPr>
-                    </a:p>
-                  </a:txBody>
-                  <a:tcPr marL="30308" marR="30308" marT="0" marB="0"/>
-                </a:tc>
-                <a:tc>
-                  <a:txBody>
-                    <a:bodyPr/>
-                    <a:lstStyle/>
-                    <a:p>
-                      <a:pPr marL="0" marR="0" indent="0" algn="ctr">
-                        <a:lnSpc>
-                          <a:spcPct val="150000"/>
-                        </a:lnSpc>
-                        <a:spcBef>
-                          <a:spcPts val="0"/>
-                        </a:spcBef>
-                        <a:spcAft>
-                          <a:spcPts val="0"/>
-                        </a:spcAft>
-                      </a:pPr>
-                      <a:r>
-                        <a:rPr lang="ru-RU" sz="1100" dirty="0">
-                          <a:effectLst/>
-                        </a:rPr>
-                        <a:t>-</a:t>
-                      </a:r>
-                      <a:endParaRPr lang="en-US" sz="1100" dirty="0">
-                        <a:effectLst/>
-                        <a:latin typeface="Times New Roman"/>
-                        <a:ea typeface="Times New Roman"/>
-                      </a:endParaRPr>
-                    </a:p>
-                  </a:txBody>
-                  <a:tcPr marL="30308" marR="30308" marT="0" marB="0"/>
-                </a:tc>
-              </a:tr>
-              <a:tr h="162817">
-                <a:tc vMerge="1">
-                  <a:txBody>
-                    <a:bodyPr/>
-                    <a:lstStyle/>
-                    <a:p>
-                      <a:endParaRPr lang="en-US"/>
-                    </a:p>
-                  </a:txBody>
-                  <a:tcPr/>
-                </a:tc>
-                <a:tc>
-                  <a:txBody>
-                    <a:bodyPr/>
-                    <a:lstStyle/>
-                    <a:p>
-                      <a:pPr marL="0" marR="0" indent="0" algn="just">
-                        <a:lnSpc>
-                          <a:spcPct val="150000"/>
-                        </a:lnSpc>
-                        <a:spcBef>
-                          <a:spcPts val="0"/>
-                        </a:spcBef>
-                        <a:spcAft>
-                          <a:spcPts val="0"/>
-                        </a:spcAft>
-                      </a:pPr>
-                      <a:r>
-                        <a:rPr lang="ru-RU" sz="1100">
-                          <a:effectLst/>
-                        </a:rPr>
-                        <a:t>Метель</a:t>
-                      </a:r>
-                      <a:endParaRPr lang="en-US" sz="1100">
-                        <a:effectLst/>
-                        <a:latin typeface="Times New Roman"/>
-                        <a:ea typeface="Times New Roman"/>
-                      </a:endParaRPr>
-                    </a:p>
-                  </a:txBody>
-                  <a:tcPr marL="30308" marR="30308" marT="0" marB="0"/>
-                </a:tc>
-                <a:tc>
-                  <a:txBody>
-                    <a:bodyPr/>
-                    <a:lstStyle/>
-                    <a:p>
-                      <a:pPr marL="0" marR="0" indent="0" algn="ctr">
-                        <a:lnSpc>
-                          <a:spcPct val="150000"/>
-                        </a:lnSpc>
-                        <a:spcBef>
-                          <a:spcPts val="0"/>
-                        </a:spcBef>
-                        <a:spcAft>
-                          <a:spcPts val="0"/>
-                        </a:spcAft>
-                      </a:pPr>
-                      <a:r>
-                        <a:rPr lang="ru-RU" sz="1100">
-                          <a:effectLst/>
-                        </a:rPr>
-                        <a:t>-</a:t>
-                      </a:r>
-                      <a:endParaRPr lang="en-US" sz="1100">
-                        <a:effectLst/>
-                        <a:latin typeface="Times New Roman"/>
-                        <a:ea typeface="Times New Roman"/>
-                      </a:endParaRPr>
-                    </a:p>
-                  </a:txBody>
-                  <a:tcPr marL="30308" marR="30308" marT="0" marB="0"/>
-                </a:tc>
-              </a:tr>
-              <a:tr h="162817">
-                <a:tc vMerge="1">
-                  <a:txBody>
-                    <a:bodyPr/>
-                    <a:lstStyle/>
-                    <a:p>
-                      <a:endParaRPr lang="en-US"/>
-                    </a:p>
-                  </a:txBody>
-                  <a:tcPr/>
-                </a:tc>
-                <a:tc>
-                  <a:txBody>
-                    <a:bodyPr/>
-                    <a:lstStyle/>
-                    <a:p>
-                      <a:pPr marL="0" marR="0" indent="0" algn="just">
-                        <a:lnSpc>
-                          <a:spcPct val="150000"/>
-                        </a:lnSpc>
-                        <a:spcBef>
-                          <a:spcPts val="0"/>
-                        </a:spcBef>
-                        <a:spcAft>
-                          <a:spcPts val="0"/>
-                        </a:spcAft>
-                      </a:pPr>
-                      <a:r>
-                        <a:rPr lang="ru-RU" sz="1100">
-                          <a:effectLst/>
-                        </a:rPr>
-                        <a:t>Сильный ветер</a:t>
-                      </a:r>
-                      <a:endParaRPr lang="en-US" sz="1100">
-                        <a:effectLst/>
-                        <a:latin typeface="Times New Roman"/>
-                        <a:ea typeface="Times New Roman"/>
-                      </a:endParaRPr>
-                    </a:p>
-                  </a:txBody>
-                  <a:tcPr marL="30308" marR="30308" marT="0" marB="0"/>
-                </a:tc>
-                <a:tc>
-                  <a:txBody>
-                    <a:bodyPr/>
-                    <a:lstStyle/>
-                    <a:p>
-                      <a:pPr marL="0" marR="0" indent="0" algn="ctr">
-                        <a:lnSpc>
-                          <a:spcPct val="150000"/>
-                        </a:lnSpc>
-                        <a:spcBef>
-                          <a:spcPts val="0"/>
-                        </a:spcBef>
-                        <a:spcAft>
-                          <a:spcPts val="0"/>
-                        </a:spcAft>
-                      </a:pPr>
-                      <a:r>
-                        <a:rPr lang="ru-RU" sz="1100">
-                          <a:effectLst/>
-                        </a:rPr>
-                        <a:t>+</a:t>
-                      </a:r>
-                      <a:endParaRPr lang="en-US" sz="1100">
-                        <a:effectLst/>
-                        <a:latin typeface="Times New Roman"/>
-                        <a:ea typeface="Times New Roman"/>
-                      </a:endParaRPr>
-                    </a:p>
-                  </a:txBody>
-                  <a:tcPr marL="30308" marR="30308" marT="0" marB="0"/>
-                </a:tc>
-              </a:tr>
-              <a:tr h="162817">
-                <a:tc vMerge="1">
-                  <a:txBody>
-                    <a:bodyPr/>
-                    <a:lstStyle/>
-                    <a:p>
-                      <a:endParaRPr lang="en-US"/>
-                    </a:p>
-                  </a:txBody>
-                  <a:tcPr/>
-                </a:tc>
-                <a:tc>
-                  <a:txBody>
-                    <a:bodyPr/>
-                    <a:lstStyle/>
-                    <a:p>
-                      <a:pPr marL="0" marR="0" indent="0" algn="just">
-                        <a:lnSpc>
-                          <a:spcPct val="150000"/>
-                        </a:lnSpc>
-                        <a:spcBef>
-                          <a:spcPts val="0"/>
-                        </a:spcBef>
-                        <a:spcAft>
-                          <a:spcPts val="0"/>
-                        </a:spcAft>
-                      </a:pPr>
-                      <a:r>
-                        <a:rPr lang="ru-RU" sz="1100" dirty="0">
-                          <a:effectLst/>
-                        </a:rPr>
-                        <a:t>Качка</a:t>
-                      </a:r>
-                      <a:endParaRPr lang="en-US" sz="1100" dirty="0">
-                        <a:effectLst/>
-                        <a:latin typeface="Times New Roman"/>
-                        <a:ea typeface="Times New Roman"/>
-                      </a:endParaRPr>
-                    </a:p>
-                  </a:txBody>
-                  <a:tcPr marL="30308" marR="30308" marT="0" marB="0"/>
-                </a:tc>
-                <a:tc>
-                  <a:txBody>
-                    <a:bodyPr/>
-                    <a:lstStyle/>
-                    <a:p>
-                      <a:pPr marL="0" marR="0" indent="0" algn="ctr">
-                        <a:lnSpc>
-                          <a:spcPct val="150000"/>
-                        </a:lnSpc>
-                        <a:spcBef>
-                          <a:spcPts val="0"/>
-                        </a:spcBef>
-                        <a:spcAft>
-                          <a:spcPts val="0"/>
-                        </a:spcAft>
-                      </a:pPr>
-                      <a:r>
-                        <a:rPr lang="ru-RU" sz="1100">
-                          <a:effectLst/>
-                        </a:rPr>
-                        <a:t>+</a:t>
-                      </a:r>
-                      <a:endParaRPr lang="en-US" sz="1100">
-                        <a:effectLst/>
-                        <a:latin typeface="Times New Roman"/>
-                        <a:ea typeface="Times New Roman"/>
-                      </a:endParaRPr>
-                    </a:p>
-                  </a:txBody>
-                  <a:tcPr marL="30308" marR="30308" marT="0" marB="0"/>
-                </a:tc>
-              </a:tr>
-              <a:tr h="162817">
-                <a:tc rowSpan="4">
-                  <a:txBody>
-                    <a:bodyPr/>
-                    <a:lstStyle/>
-                    <a:p>
-                      <a:pPr marL="0" marR="0" indent="0" algn="just">
-                        <a:lnSpc>
-                          <a:spcPct val="150000"/>
-                        </a:lnSpc>
-                        <a:spcBef>
-                          <a:spcPts val="0"/>
-                        </a:spcBef>
-                        <a:spcAft>
-                          <a:spcPts val="0"/>
-                        </a:spcAft>
-                      </a:pPr>
-                      <a:r>
-                        <a:rPr lang="ru-RU" sz="1100" dirty="0">
-                          <a:effectLst/>
-                        </a:rPr>
-                        <a:t>Ультразвуковой дальномер </a:t>
-                      </a:r>
-                      <a:endParaRPr lang="en-US" sz="1100" dirty="0">
-                        <a:effectLst/>
-                        <a:latin typeface="Times New Roman"/>
-                        <a:ea typeface="Times New Roman"/>
-                      </a:endParaRPr>
-                    </a:p>
-                  </a:txBody>
-                  <a:tcPr marL="30308" marR="30308" marT="0" marB="0"/>
-                </a:tc>
-                <a:tc>
-                  <a:txBody>
-                    <a:bodyPr/>
-                    <a:lstStyle/>
-                    <a:p>
-                      <a:pPr marL="0" marR="0" indent="0" algn="just">
-                        <a:lnSpc>
-                          <a:spcPct val="150000"/>
-                        </a:lnSpc>
-                        <a:spcBef>
-                          <a:spcPts val="0"/>
-                        </a:spcBef>
-                        <a:spcAft>
-                          <a:spcPts val="0"/>
-                        </a:spcAft>
-                      </a:pPr>
-                      <a:r>
-                        <a:rPr lang="ru-RU" sz="1100" dirty="0">
-                          <a:effectLst/>
-                        </a:rPr>
-                        <a:t>Полярная ночь</a:t>
-                      </a:r>
-                      <a:endParaRPr lang="en-US" sz="1100" dirty="0">
-                        <a:effectLst/>
-                        <a:latin typeface="Times New Roman"/>
-                        <a:ea typeface="Times New Roman"/>
-                      </a:endParaRPr>
-                    </a:p>
-                  </a:txBody>
-                  <a:tcPr marL="30308" marR="30308" marT="0" marB="0"/>
-                </a:tc>
-                <a:tc>
-                  <a:txBody>
-                    <a:bodyPr/>
-                    <a:lstStyle/>
-                    <a:p>
-                      <a:pPr marL="0" marR="0" indent="0" algn="ctr">
-                        <a:lnSpc>
-                          <a:spcPct val="150000"/>
-                        </a:lnSpc>
-                        <a:spcBef>
-                          <a:spcPts val="0"/>
-                        </a:spcBef>
-                        <a:spcAft>
-                          <a:spcPts val="0"/>
-                        </a:spcAft>
-                      </a:pPr>
-                      <a:r>
-                        <a:rPr lang="ru-RU" sz="1100">
-                          <a:effectLst/>
-                        </a:rPr>
-                        <a:t>+</a:t>
-                      </a:r>
-                      <a:endParaRPr lang="en-US" sz="1100">
-                        <a:effectLst/>
-                        <a:latin typeface="Times New Roman"/>
-                        <a:ea typeface="Times New Roman"/>
-                      </a:endParaRPr>
-                    </a:p>
-                  </a:txBody>
-                  <a:tcPr marL="30308" marR="30308" marT="0" marB="0"/>
-                </a:tc>
-              </a:tr>
-              <a:tr h="162817">
-                <a:tc vMerge="1">
-                  <a:txBody>
-                    <a:bodyPr/>
-                    <a:lstStyle/>
-                    <a:p>
-                      <a:endParaRPr lang="en-US"/>
-                    </a:p>
-                  </a:txBody>
-                  <a:tcPr/>
-                </a:tc>
-                <a:tc>
-                  <a:txBody>
-                    <a:bodyPr/>
-                    <a:lstStyle/>
-                    <a:p>
-                      <a:pPr marL="0" marR="0" indent="0" algn="just">
-                        <a:lnSpc>
-                          <a:spcPct val="150000"/>
-                        </a:lnSpc>
-                        <a:spcBef>
-                          <a:spcPts val="0"/>
-                        </a:spcBef>
-                        <a:spcAft>
-                          <a:spcPts val="0"/>
-                        </a:spcAft>
-                      </a:pPr>
-                      <a:r>
-                        <a:rPr lang="ru-RU" sz="1100" dirty="0">
-                          <a:effectLst/>
-                        </a:rPr>
-                        <a:t>Метель</a:t>
-                      </a:r>
-                      <a:endParaRPr lang="en-US" sz="1100" dirty="0">
-                        <a:effectLst/>
-                        <a:latin typeface="Times New Roman"/>
-                        <a:ea typeface="Times New Roman"/>
-                      </a:endParaRPr>
-                    </a:p>
-                  </a:txBody>
-                  <a:tcPr marL="30308" marR="30308" marT="0" marB="0"/>
-                </a:tc>
-                <a:tc>
-                  <a:txBody>
-                    <a:bodyPr/>
-                    <a:lstStyle/>
-                    <a:p>
-                      <a:pPr marL="0" marR="0" indent="0" algn="ctr">
-                        <a:lnSpc>
-                          <a:spcPct val="150000"/>
-                        </a:lnSpc>
-                        <a:spcBef>
-                          <a:spcPts val="0"/>
-                        </a:spcBef>
-                        <a:spcAft>
-                          <a:spcPts val="0"/>
-                        </a:spcAft>
-                      </a:pPr>
-                      <a:r>
-                        <a:rPr lang="ru-RU" sz="1100" dirty="0">
-                          <a:effectLst/>
-                        </a:rPr>
-                        <a:t>-</a:t>
-                      </a:r>
-                      <a:endParaRPr lang="en-US" sz="1100" dirty="0">
-                        <a:effectLst/>
-                        <a:latin typeface="Times New Roman"/>
-                        <a:ea typeface="Times New Roman"/>
-                      </a:endParaRPr>
-                    </a:p>
-                  </a:txBody>
-                  <a:tcPr marL="30308" marR="30308" marT="0" marB="0"/>
-                </a:tc>
-              </a:tr>
-              <a:tr h="162817">
-                <a:tc vMerge="1">
-                  <a:txBody>
-                    <a:bodyPr/>
-                    <a:lstStyle/>
-                    <a:p>
-                      <a:endParaRPr lang="en-US"/>
-                    </a:p>
-                  </a:txBody>
-                  <a:tcPr/>
-                </a:tc>
-                <a:tc>
-                  <a:txBody>
-                    <a:bodyPr/>
-                    <a:lstStyle/>
-                    <a:p>
-                      <a:pPr marL="0" marR="0" indent="0" algn="just">
-                        <a:lnSpc>
-                          <a:spcPct val="150000"/>
-                        </a:lnSpc>
-                        <a:spcBef>
-                          <a:spcPts val="0"/>
-                        </a:spcBef>
-                        <a:spcAft>
-                          <a:spcPts val="0"/>
-                        </a:spcAft>
-                      </a:pPr>
-                      <a:r>
-                        <a:rPr lang="ru-RU" sz="1100" dirty="0">
-                          <a:effectLst/>
-                        </a:rPr>
-                        <a:t>Сильный ветер</a:t>
-                      </a:r>
-                      <a:endParaRPr lang="en-US" sz="1100" dirty="0">
-                        <a:effectLst/>
-                        <a:latin typeface="Times New Roman"/>
-                        <a:ea typeface="Times New Roman"/>
-                      </a:endParaRPr>
-                    </a:p>
-                  </a:txBody>
-                  <a:tcPr marL="30308" marR="30308" marT="0" marB="0"/>
-                </a:tc>
-                <a:tc>
-                  <a:txBody>
-                    <a:bodyPr/>
-                    <a:lstStyle/>
-                    <a:p>
-                      <a:pPr marL="0" marR="0" indent="0" algn="ctr">
-                        <a:lnSpc>
-                          <a:spcPct val="150000"/>
-                        </a:lnSpc>
-                        <a:spcBef>
-                          <a:spcPts val="0"/>
-                        </a:spcBef>
-                        <a:spcAft>
-                          <a:spcPts val="0"/>
-                        </a:spcAft>
-                      </a:pPr>
-                      <a:r>
-                        <a:rPr lang="ru-RU" sz="1100" dirty="0">
-                          <a:effectLst/>
-                        </a:rPr>
-                        <a:t>-</a:t>
-                      </a:r>
-                      <a:endParaRPr lang="en-US" sz="1100" dirty="0">
-                        <a:effectLst/>
-                        <a:latin typeface="Times New Roman"/>
-                        <a:ea typeface="Times New Roman"/>
-                      </a:endParaRPr>
-                    </a:p>
-                  </a:txBody>
-                  <a:tcPr marL="30308" marR="30308" marT="0" marB="0"/>
-                </a:tc>
-              </a:tr>
-              <a:tr h="228000">
-                <a:tc vMerge="1">
-                  <a:txBody>
-                    <a:bodyPr/>
-                    <a:lstStyle/>
-                    <a:p>
-                      <a:endParaRPr lang="en-US"/>
-                    </a:p>
-                  </a:txBody>
-                  <a:tcPr/>
-                </a:tc>
-                <a:tc>
-                  <a:txBody>
-                    <a:bodyPr/>
-                    <a:lstStyle/>
-                    <a:p>
-                      <a:pPr marL="0" marR="0" indent="0" algn="just">
-                        <a:lnSpc>
-                          <a:spcPct val="150000"/>
-                        </a:lnSpc>
-                        <a:spcBef>
-                          <a:spcPts val="0"/>
-                        </a:spcBef>
-                        <a:spcAft>
-                          <a:spcPts val="0"/>
-                        </a:spcAft>
-                      </a:pPr>
-                      <a:r>
-                        <a:rPr lang="ru-RU" sz="1100" dirty="0">
-                          <a:effectLst/>
-                        </a:rPr>
-                        <a:t>Качка</a:t>
-                      </a:r>
-                      <a:endParaRPr lang="en-US" sz="1100" dirty="0">
-                        <a:effectLst/>
-                        <a:latin typeface="Times New Roman"/>
-                        <a:ea typeface="Times New Roman"/>
-                      </a:endParaRPr>
-                    </a:p>
-                  </a:txBody>
-                  <a:tcPr marL="30308" marR="30308" marT="0" marB="0"/>
-                </a:tc>
-                <a:tc>
-                  <a:txBody>
-                    <a:bodyPr/>
-                    <a:lstStyle/>
-                    <a:p>
-                      <a:pPr marL="0" marR="0" indent="0" algn="ctr">
-                        <a:lnSpc>
-                          <a:spcPct val="150000"/>
-                        </a:lnSpc>
-                        <a:spcBef>
-                          <a:spcPts val="0"/>
-                        </a:spcBef>
-                        <a:spcAft>
-                          <a:spcPts val="0"/>
-                        </a:spcAft>
-                      </a:pPr>
-                      <a:r>
-                        <a:rPr lang="ru-RU" sz="1100" dirty="0">
-                          <a:effectLst/>
-                        </a:rPr>
-                        <a:t>+</a:t>
-                      </a:r>
-                      <a:endParaRPr lang="en-US" sz="1100" dirty="0">
-                        <a:effectLst/>
-                        <a:latin typeface="Times New Roman"/>
-                        <a:ea typeface="Times New Roman"/>
-                      </a:endParaRPr>
-                    </a:p>
-                  </a:txBody>
-                  <a:tcPr marL="30308" marR="30308" marT="0" marB="0"/>
-                </a:tc>
-              </a:tr>
-            </a:tbl>
-          </a:graphicData>
-        </a:graphic>
-      </p:graphicFrame>
-      <p:graphicFrame>
-        <p:nvGraphicFramePr>
-          <p:cNvPr id="5" name="Таблица 4"/>
-          <p:cNvGraphicFramePr>
-            <a:graphicFrameLocks noGrp="1"/>
-          </p:cNvGraphicFramePr>
-          <p:nvPr>
-            <p:extLst>
-              <p:ext uri="{D42A27DB-BD31-4B8C-83A1-F6EECF244321}">
-                <p14:modId xmlns:p14="http://schemas.microsoft.com/office/powerpoint/2010/main" val="4225774929"/>
-              </p:ext>
-            </p:extLst>
-          </p:nvPr>
-        </p:nvGraphicFramePr>
-        <p:xfrm>
-          <a:off x="611560" y="1059576"/>
-          <a:ext cx="3600400" cy="3520440"/>
-        </p:xfrm>
-        <a:graphic>
-          <a:graphicData uri="http://schemas.openxmlformats.org/drawingml/2006/table">
-            <a:tbl>
-              <a:tblPr firstRow="1" bandRow="1">
-                <a:tableStyleId>{5C22544A-7EE6-4342-B048-85BDC9FD1C3A}</a:tableStyleId>
-              </a:tblPr>
-              <a:tblGrid>
-                <a:gridCol w="1400043"/>
-                <a:gridCol w="1120237"/>
-                <a:gridCol w="1080120"/>
-              </a:tblGrid>
-              <a:tr h="498376">
-                <a:tc>
-                  <a:txBody>
-                    <a:bodyPr/>
-                    <a:lstStyle/>
-                    <a:p>
-                      <a:pPr marL="0" marR="0" indent="0" algn="just">
-                        <a:lnSpc>
-                          <a:spcPct val="150000"/>
-                        </a:lnSpc>
-                        <a:spcBef>
-                          <a:spcPts val="0"/>
-                        </a:spcBef>
-                        <a:spcAft>
-                          <a:spcPts val="0"/>
-                        </a:spcAft>
-                      </a:pPr>
-                      <a:r>
-                        <a:rPr lang="ru-RU" sz="1100" dirty="0">
-                          <a:effectLst/>
-                        </a:rPr>
-                        <a:t>Датчик</a:t>
-                      </a:r>
-                      <a:endParaRPr lang="en-US" sz="1100" dirty="0">
-                        <a:effectLst/>
-                        <a:latin typeface="Times New Roman"/>
-                        <a:ea typeface="Times New Roman"/>
-                      </a:endParaRPr>
-                    </a:p>
-                  </a:txBody>
-                  <a:tcPr marL="30308" marR="30308" marT="0" marB="0"/>
-                </a:tc>
-                <a:tc>
-                  <a:txBody>
-                    <a:bodyPr/>
-                    <a:lstStyle/>
-                    <a:p>
-                      <a:pPr marL="0" marR="0" indent="0" algn="just">
-                        <a:lnSpc>
-                          <a:spcPct val="150000"/>
-                        </a:lnSpc>
-                        <a:spcBef>
-                          <a:spcPts val="0"/>
-                        </a:spcBef>
-                        <a:spcAft>
-                          <a:spcPts val="0"/>
-                        </a:spcAft>
-                      </a:pPr>
-                      <a:r>
-                        <a:rPr lang="ru-RU" sz="1100" dirty="0">
-                          <a:effectLst/>
-                        </a:rPr>
-                        <a:t>Погодные условия</a:t>
-                      </a:r>
-                      <a:endParaRPr lang="en-US" sz="1100" dirty="0">
-                        <a:effectLst/>
-                        <a:latin typeface="Times New Roman"/>
-                        <a:ea typeface="Times New Roman"/>
-                      </a:endParaRPr>
-                    </a:p>
-                  </a:txBody>
-                  <a:tcPr marL="30308" marR="30308" marT="0" marB="0"/>
-                </a:tc>
-                <a:tc>
-                  <a:txBody>
-                    <a:bodyPr/>
-                    <a:lstStyle/>
-                    <a:p>
-                      <a:pPr marL="0" marR="0" indent="0" algn="just">
-                        <a:lnSpc>
-                          <a:spcPct val="150000"/>
-                        </a:lnSpc>
-                        <a:spcBef>
-                          <a:spcPts val="0"/>
-                        </a:spcBef>
-                        <a:spcAft>
-                          <a:spcPts val="0"/>
-                        </a:spcAft>
-                      </a:pPr>
-                      <a:r>
-                        <a:rPr lang="ru-RU" sz="1100">
-                          <a:effectLst/>
-                        </a:rPr>
-                        <a:t>Применимость</a:t>
-                      </a:r>
-                      <a:endParaRPr lang="en-US" sz="1100">
-                        <a:effectLst/>
-                        <a:latin typeface="Times New Roman"/>
-                        <a:ea typeface="Times New Roman"/>
-                      </a:endParaRPr>
-                    </a:p>
-                  </a:txBody>
-                  <a:tcPr marL="30308" marR="30308" marT="0" marB="0"/>
-                </a:tc>
-              </a:tr>
-              <a:tr h="235129">
-                <a:tc rowSpan="4">
-                  <a:txBody>
-                    <a:bodyPr/>
-                    <a:lstStyle/>
-                    <a:p>
-                      <a:pPr marL="0" marR="0" indent="0" algn="just">
-                        <a:lnSpc>
-                          <a:spcPct val="150000"/>
-                        </a:lnSpc>
-                        <a:spcBef>
-                          <a:spcPts val="0"/>
-                        </a:spcBef>
-                        <a:spcAft>
-                          <a:spcPts val="0"/>
-                        </a:spcAft>
-                      </a:pPr>
-                      <a:r>
-                        <a:rPr lang="ru-RU" sz="1100" dirty="0">
-                          <a:effectLst/>
-                        </a:rPr>
-                        <a:t>Лазерный дальномер</a:t>
-                      </a:r>
-                      <a:endParaRPr lang="en-US" sz="1100" dirty="0">
-                        <a:effectLst/>
-                        <a:latin typeface="Times New Roman"/>
-                        <a:ea typeface="Times New Roman"/>
-                      </a:endParaRPr>
-                    </a:p>
-                  </a:txBody>
-                  <a:tcPr marL="30308" marR="30308" marT="0" marB="0"/>
-                </a:tc>
-                <a:tc>
-                  <a:txBody>
-                    <a:bodyPr/>
-                    <a:lstStyle/>
-                    <a:p>
-                      <a:pPr marL="0" marR="0" indent="0" algn="just">
-                        <a:lnSpc>
-                          <a:spcPct val="150000"/>
-                        </a:lnSpc>
-                        <a:spcBef>
-                          <a:spcPts val="0"/>
-                        </a:spcBef>
-                        <a:spcAft>
-                          <a:spcPts val="0"/>
-                        </a:spcAft>
-                      </a:pPr>
-                      <a:r>
-                        <a:rPr lang="ru-RU" sz="1100">
-                          <a:effectLst/>
-                        </a:rPr>
-                        <a:t>Полярная ночь</a:t>
-                      </a:r>
-                      <a:endParaRPr lang="en-US" sz="1100">
-                        <a:effectLst/>
-                        <a:latin typeface="Times New Roman"/>
-                        <a:ea typeface="Times New Roman"/>
-                      </a:endParaRPr>
-                    </a:p>
-                  </a:txBody>
-                  <a:tcPr marL="30308" marR="30308" marT="0" marB="0"/>
-                </a:tc>
-                <a:tc>
-                  <a:txBody>
-                    <a:bodyPr/>
-                    <a:lstStyle/>
-                    <a:p>
-                      <a:pPr marL="0" marR="0" indent="0" algn="ctr">
-                        <a:lnSpc>
-                          <a:spcPct val="150000"/>
-                        </a:lnSpc>
-                        <a:spcBef>
-                          <a:spcPts val="0"/>
-                        </a:spcBef>
-                        <a:spcAft>
-                          <a:spcPts val="0"/>
-                        </a:spcAft>
-                      </a:pPr>
-                      <a:r>
-                        <a:rPr lang="ru-RU" sz="1100">
-                          <a:effectLst/>
-                        </a:rPr>
-                        <a:t>+</a:t>
-                      </a:r>
-                      <a:endParaRPr lang="en-US" sz="1100">
-                        <a:effectLst/>
-                        <a:latin typeface="Times New Roman"/>
-                        <a:ea typeface="Times New Roman"/>
-                      </a:endParaRPr>
-                    </a:p>
-                  </a:txBody>
-                  <a:tcPr marL="30308" marR="30308" marT="0" marB="0"/>
-                </a:tc>
-              </a:tr>
-              <a:tr h="235129">
-                <a:tc vMerge="1">
-                  <a:txBody>
-                    <a:bodyPr/>
-                    <a:lstStyle/>
-                    <a:p>
-                      <a:endParaRPr lang="en-US"/>
-                    </a:p>
-                  </a:txBody>
-                  <a:tcPr/>
-                </a:tc>
-                <a:tc>
-                  <a:txBody>
-                    <a:bodyPr/>
-                    <a:lstStyle/>
-                    <a:p>
-                      <a:pPr marL="0" marR="0" indent="0" algn="just">
-                        <a:lnSpc>
-                          <a:spcPct val="150000"/>
-                        </a:lnSpc>
-                        <a:spcBef>
-                          <a:spcPts val="0"/>
-                        </a:spcBef>
-                        <a:spcAft>
-                          <a:spcPts val="0"/>
-                        </a:spcAft>
-                      </a:pPr>
-                      <a:r>
-                        <a:rPr lang="ru-RU" sz="1100">
-                          <a:effectLst/>
-                        </a:rPr>
-                        <a:t>Метель</a:t>
-                      </a:r>
-                      <a:endParaRPr lang="en-US" sz="1100">
-                        <a:effectLst/>
-                        <a:latin typeface="Times New Roman"/>
-                        <a:ea typeface="Times New Roman"/>
-                      </a:endParaRPr>
-                    </a:p>
-                  </a:txBody>
-                  <a:tcPr marL="30308" marR="30308" marT="0" marB="0"/>
-                </a:tc>
-                <a:tc>
-                  <a:txBody>
-                    <a:bodyPr/>
-                    <a:lstStyle/>
-                    <a:p>
-                      <a:pPr marL="0" marR="0" indent="0" algn="ctr">
-                        <a:lnSpc>
-                          <a:spcPct val="150000"/>
-                        </a:lnSpc>
-                        <a:spcBef>
-                          <a:spcPts val="0"/>
-                        </a:spcBef>
-                        <a:spcAft>
-                          <a:spcPts val="0"/>
-                        </a:spcAft>
-                      </a:pPr>
-                      <a:r>
-                        <a:rPr lang="ru-RU" sz="1100">
-                          <a:effectLst/>
-                        </a:rPr>
-                        <a:t>-</a:t>
-                      </a:r>
-                      <a:endParaRPr lang="en-US" sz="1100">
-                        <a:effectLst/>
-                        <a:latin typeface="Times New Roman"/>
-                        <a:ea typeface="Times New Roman"/>
-                      </a:endParaRPr>
-                    </a:p>
-                  </a:txBody>
-                  <a:tcPr marL="30308" marR="30308" marT="0" marB="0"/>
-                </a:tc>
-              </a:tr>
-              <a:tr h="235129">
-                <a:tc vMerge="1">
-                  <a:txBody>
-                    <a:bodyPr/>
-                    <a:lstStyle/>
-                    <a:p>
-                      <a:endParaRPr lang="en-US"/>
-                    </a:p>
-                  </a:txBody>
-                  <a:tcPr/>
-                </a:tc>
-                <a:tc>
-                  <a:txBody>
-                    <a:bodyPr/>
-                    <a:lstStyle/>
-                    <a:p>
-                      <a:pPr marL="0" marR="0" indent="0" algn="just">
-                        <a:lnSpc>
-                          <a:spcPct val="150000"/>
-                        </a:lnSpc>
-                        <a:spcBef>
-                          <a:spcPts val="0"/>
-                        </a:spcBef>
-                        <a:spcAft>
-                          <a:spcPts val="0"/>
-                        </a:spcAft>
-                      </a:pPr>
-                      <a:r>
-                        <a:rPr lang="ru-RU" sz="1100">
-                          <a:effectLst/>
-                        </a:rPr>
-                        <a:t>Сильный ветер</a:t>
-                      </a:r>
-                      <a:endParaRPr lang="en-US" sz="1100">
-                        <a:effectLst/>
-                        <a:latin typeface="Times New Roman"/>
-                        <a:ea typeface="Times New Roman"/>
-                      </a:endParaRPr>
-                    </a:p>
-                  </a:txBody>
-                  <a:tcPr marL="30308" marR="30308" marT="0" marB="0"/>
-                </a:tc>
-                <a:tc>
-                  <a:txBody>
-                    <a:bodyPr/>
-                    <a:lstStyle/>
-                    <a:p>
-                      <a:pPr marL="0" marR="0" indent="0" algn="ctr">
-                        <a:lnSpc>
-                          <a:spcPct val="150000"/>
-                        </a:lnSpc>
-                        <a:spcBef>
-                          <a:spcPts val="0"/>
-                        </a:spcBef>
-                        <a:spcAft>
-                          <a:spcPts val="0"/>
-                        </a:spcAft>
-                      </a:pPr>
-                      <a:r>
-                        <a:rPr lang="ru-RU" sz="1100">
-                          <a:effectLst/>
-                        </a:rPr>
-                        <a:t>+</a:t>
-                      </a:r>
-                      <a:endParaRPr lang="en-US" sz="1100">
-                        <a:effectLst/>
-                        <a:latin typeface="Times New Roman"/>
-                        <a:ea typeface="Times New Roman"/>
-                      </a:endParaRPr>
-                    </a:p>
-                  </a:txBody>
-                  <a:tcPr marL="30308" marR="30308" marT="0" marB="0"/>
-                </a:tc>
-              </a:tr>
-              <a:tr h="235129">
-                <a:tc vMerge="1">
-                  <a:txBody>
-                    <a:bodyPr/>
-                    <a:lstStyle/>
-                    <a:p>
-                      <a:endParaRPr lang="en-US"/>
-                    </a:p>
-                  </a:txBody>
-                  <a:tcPr/>
-                </a:tc>
-                <a:tc>
-                  <a:txBody>
-                    <a:bodyPr/>
-                    <a:lstStyle/>
-                    <a:p>
-                      <a:pPr marL="0" marR="0" indent="0" algn="just">
-                        <a:lnSpc>
-                          <a:spcPct val="150000"/>
-                        </a:lnSpc>
-                        <a:spcBef>
-                          <a:spcPts val="0"/>
-                        </a:spcBef>
-                        <a:spcAft>
-                          <a:spcPts val="0"/>
-                        </a:spcAft>
-                      </a:pPr>
-                      <a:r>
-                        <a:rPr lang="ru-RU" sz="1100" dirty="0">
-                          <a:effectLst/>
-                        </a:rPr>
-                        <a:t>Качка</a:t>
-                      </a:r>
-                      <a:endParaRPr lang="en-US" sz="1100" dirty="0">
-                        <a:effectLst/>
-                        <a:latin typeface="Times New Roman"/>
-                        <a:ea typeface="Times New Roman"/>
-                      </a:endParaRPr>
-                    </a:p>
-                  </a:txBody>
-                  <a:tcPr marL="30308" marR="30308" marT="0" marB="0"/>
-                </a:tc>
-                <a:tc>
-                  <a:txBody>
-                    <a:bodyPr/>
-                    <a:lstStyle/>
-                    <a:p>
-                      <a:pPr marL="0" marR="0" indent="0" algn="ctr">
-                        <a:lnSpc>
-                          <a:spcPct val="150000"/>
-                        </a:lnSpc>
-                        <a:spcBef>
-                          <a:spcPts val="0"/>
-                        </a:spcBef>
-                        <a:spcAft>
-                          <a:spcPts val="0"/>
-                        </a:spcAft>
-                      </a:pPr>
-                      <a:r>
-                        <a:rPr lang="ru-RU" sz="1100">
-                          <a:effectLst/>
-                        </a:rPr>
-                        <a:t>+</a:t>
-                      </a:r>
-                      <a:endParaRPr lang="en-US" sz="1100">
-                        <a:effectLst/>
-                        <a:latin typeface="Times New Roman"/>
-                        <a:ea typeface="Times New Roman"/>
-                      </a:endParaRPr>
-                    </a:p>
-                  </a:txBody>
-                  <a:tcPr marL="30308" marR="30308" marT="0" marB="0"/>
-                </a:tc>
-              </a:tr>
-              <a:tr h="235129">
-                <a:tc rowSpan="4">
-                  <a:txBody>
-                    <a:bodyPr/>
-                    <a:lstStyle/>
-                    <a:p>
-                      <a:pPr marL="0" marR="0" indent="0" algn="just">
-                        <a:lnSpc>
-                          <a:spcPct val="150000"/>
-                        </a:lnSpc>
-                        <a:spcBef>
-                          <a:spcPts val="0"/>
-                        </a:spcBef>
-                        <a:spcAft>
-                          <a:spcPts val="0"/>
-                        </a:spcAft>
-                      </a:pPr>
-                      <a:r>
-                        <a:rPr lang="ru-RU" sz="1100" dirty="0">
-                          <a:effectLst/>
-                        </a:rPr>
-                        <a:t>Глобальная система навигации</a:t>
-                      </a:r>
-                      <a:endParaRPr lang="en-US" sz="1100" dirty="0">
-                        <a:effectLst/>
-                        <a:latin typeface="Times New Roman"/>
-                        <a:ea typeface="Times New Roman"/>
-                      </a:endParaRPr>
-                    </a:p>
-                  </a:txBody>
-                  <a:tcPr marL="30308" marR="30308" marT="0" marB="0"/>
-                </a:tc>
-                <a:tc>
-                  <a:txBody>
-                    <a:bodyPr/>
-                    <a:lstStyle/>
-                    <a:p>
-                      <a:pPr marL="0" marR="0" indent="0" algn="just">
-                        <a:lnSpc>
-                          <a:spcPct val="150000"/>
-                        </a:lnSpc>
-                        <a:spcBef>
-                          <a:spcPts val="0"/>
-                        </a:spcBef>
-                        <a:spcAft>
-                          <a:spcPts val="0"/>
-                        </a:spcAft>
-                      </a:pPr>
-                      <a:r>
-                        <a:rPr lang="ru-RU" sz="1100" dirty="0">
-                          <a:effectLst/>
-                        </a:rPr>
-                        <a:t>Полярная ночь</a:t>
-                      </a:r>
-                      <a:endParaRPr lang="en-US" sz="1100" dirty="0">
-                        <a:effectLst/>
-                        <a:latin typeface="Times New Roman"/>
-                        <a:ea typeface="Times New Roman"/>
-                      </a:endParaRPr>
-                    </a:p>
-                  </a:txBody>
-                  <a:tcPr marL="30308" marR="30308" marT="0" marB="0"/>
-                </a:tc>
-                <a:tc>
-                  <a:txBody>
-                    <a:bodyPr/>
-                    <a:lstStyle/>
-                    <a:p>
-                      <a:pPr marL="0" marR="0" indent="0" algn="ctr">
-                        <a:lnSpc>
-                          <a:spcPct val="150000"/>
-                        </a:lnSpc>
-                        <a:spcBef>
-                          <a:spcPts val="0"/>
-                        </a:spcBef>
-                        <a:spcAft>
-                          <a:spcPts val="0"/>
-                        </a:spcAft>
-                      </a:pPr>
-                      <a:r>
-                        <a:rPr lang="ru-RU" sz="1100">
-                          <a:effectLst/>
-                        </a:rPr>
-                        <a:t>+</a:t>
-                      </a:r>
-                      <a:endParaRPr lang="en-US" sz="1100">
-                        <a:effectLst/>
-                        <a:latin typeface="Times New Roman"/>
-                        <a:ea typeface="Times New Roman"/>
-                      </a:endParaRPr>
-                    </a:p>
-                  </a:txBody>
-                  <a:tcPr marL="30308" marR="30308" marT="0" marB="0"/>
-                </a:tc>
-              </a:tr>
-              <a:tr h="235129">
-                <a:tc vMerge="1">
-                  <a:txBody>
-                    <a:bodyPr/>
-                    <a:lstStyle/>
-                    <a:p>
-                      <a:endParaRPr lang="en-US"/>
-                    </a:p>
-                  </a:txBody>
-                  <a:tcPr/>
-                </a:tc>
-                <a:tc>
-                  <a:txBody>
-                    <a:bodyPr/>
-                    <a:lstStyle/>
-                    <a:p>
-                      <a:pPr marL="0" marR="0" indent="0" algn="just">
-                        <a:lnSpc>
-                          <a:spcPct val="150000"/>
-                        </a:lnSpc>
-                        <a:spcBef>
-                          <a:spcPts val="0"/>
-                        </a:spcBef>
-                        <a:spcAft>
-                          <a:spcPts val="0"/>
-                        </a:spcAft>
-                      </a:pPr>
-                      <a:r>
-                        <a:rPr lang="ru-RU" sz="1100" dirty="0">
-                          <a:effectLst/>
-                        </a:rPr>
-                        <a:t>Метель</a:t>
-                      </a:r>
-                      <a:endParaRPr lang="en-US" sz="1100" dirty="0">
-                        <a:effectLst/>
-                        <a:latin typeface="Times New Roman"/>
-                        <a:ea typeface="Times New Roman"/>
-                      </a:endParaRPr>
-                    </a:p>
-                  </a:txBody>
-                  <a:tcPr marL="30308" marR="30308" marT="0" marB="0"/>
-                </a:tc>
-                <a:tc>
-                  <a:txBody>
-                    <a:bodyPr/>
-                    <a:lstStyle/>
-                    <a:p>
-                      <a:pPr marL="0" marR="0" indent="0" algn="ctr">
-                        <a:lnSpc>
-                          <a:spcPct val="150000"/>
-                        </a:lnSpc>
-                        <a:spcBef>
-                          <a:spcPts val="0"/>
-                        </a:spcBef>
-                        <a:spcAft>
-                          <a:spcPts val="0"/>
-                        </a:spcAft>
-                      </a:pPr>
-                      <a:r>
-                        <a:rPr lang="ru-RU" sz="1100">
-                          <a:effectLst/>
-                        </a:rPr>
-                        <a:t>+</a:t>
-                      </a:r>
-                      <a:endParaRPr lang="en-US" sz="1100">
-                        <a:effectLst/>
-                        <a:latin typeface="Times New Roman"/>
-                        <a:ea typeface="Times New Roman"/>
-                      </a:endParaRPr>
-                    </a:p>
-                  </a:txBody>
-                  <a:tcPr marL="30308" marR="30308" marT="0" marB="0"/>
-                </a:tc>
-              </a:tr>
-              <a:tr h="235129">
-                <a:tc vMerge="1">
-                  <a:txBody>
-                    <a:bodyPr/>
-                    <a:lstStyle/>
-                    <a:p>
-                      <a:endParaRPr lang="en-US"/>
-                    </a:p>
-                  </a:txBody>
-                  <a:tcPr/>
-                </a:tc>
-                <a:tc>
-                  <a:txBody>
-                    <a:bodyPr/>
-                    <a:lstStyle/>
-                    <a:p>
-                      <a:pPr marL="0" marR="0" indent="0" algn="just">
-                        <a:lnSpc>
-                          <a:spcPct val="150000"/>
-                        </a:lnSpc>
-                        <a:spcBef>
-                          <a:spcPts val="0"/>
-                        </a:spcBef>
-                        <a:spcAft>
-                          <a:spcPts val="0"/>
-                        </a:spcAft>
-                      </a:pPr>
-                      <a:r>
-                        <a:rPr lang="ru-RU" sz="1100" dirty="0">
-                          <a:effectLst/>
-                        </a:rPr>
-                        <a:t>Сильный ветер</a:t>
-                      </a:r>
-                      <a:endParaRPr lang="en-US" sz="1100" dirty="0">
-                        <a:effectLst/>
-                        <a:latin typeface="Times New Roman"/>
-                        <a:ea typeface="Times New Roman"/>
-                      </a:endParaRPr>
-                    </a:p>
-                  </a:txBody>
-                  <a:tcPr marL="30308" marR="30308" marT="0" marB="0"/>
-                </a:tc>
-                <a:tc>
-                  <a:txBody>
-                    <a:bodyPr/>
-                    <a:lstStyle/>
-                    <a:p>
-                      <a:pPr marL="0" marR="0" indent="0" algn="ctr">
-                        <a:lnSpc>
-                          <a:spcPct val="150000"/>
-                        </a:lnSpc>
-                        <a:spcBef>
-                          <a:spcPts val="0"/>
-                        </a:spcBef>
-                        <a:spcAft>
-                          <a:spcPts val="0"/>
-                        </a:spcAft>
-                      </a:pPr>
-                      <a:r>
-                        <a:rPr lang="ru-RU" sz="1100">
-                          <a:effectLst/>
-                        </a:rPr>
-                        <a:t>+</a:t>
-                      </a:r>
-                      <a:endParaRPr lang="en-US" sz="1100">
-                        <a:effectLst/>
-                        <a:latin typeface="Times New Roman"/>
-                        <a:ea typeface="Times New Roman"/>
-                      </a:endParaRPr>
-                    </a:p>
-                  </a:txBody>
-                  <a:tcPr marL="30308" marR="30308" marT="0" marB="0"/>
-                </a:tc>
-              </a:tr>
-              <a:tr h="235129">
-                <a:tc vMerge="1">
-                  <a:txBody>
-                    <a:bodyPr/>
-                    <a:lstStyle/>
-                    <a:p>
-                      <a:endParaRPr lang="en-US"/>
-                    </a:p>
-                  </a:txBody>
-                  <a:tcPr/>
-                </a:tc>
-                <a:tc>
-                  <a:txBody>
-                    <a:bodyPr/>
-                    <a:lstStyle/>
-                    <a:p>
-                      <a:pPr marL="0" marR="0" indent="0" algn="just">
-                        <a:lnSpc>
-                          <a:spcPct val="150000"/>
-                        </a:lnSpc>
-                        <a:spcBef>
-                          <a:spcPts val="0"/>
-                        </a:spcBef>
-                        <a:spcAft>
-                          <a:spcPts val="0"/>
-                        </a:spcAft>
-                      </a:pPr>
-                      <a:r>
-                        <a:rPr lang="ru-RU" sz="1100" dirty="0">
-                          <a:effectLst/>
-                        </a:rPr>
-                        <a:t>Качка</a:t>
-                      </a:r>
-                      <a:endParaRPr lang="en-US" sz="1100" dirty="0">
-                        <a:effectLst/>
-                        <a:latin typeface="Times New Roman"/>
-                        <a:ea typeface="Times New Roman"/>
-                      </a:endParaRPr>
-                    </a:p>
-                  </a:txBody>
-                  <a:tcPr marL="30308" marR="30308" marT="0" marB="0"/>
-                </a:tc>
-                <a:tc>
-                  <a:txBody>
-                    <a:bodyPr/>
-                    <a:lstStyle/>
-                    <a:p>
-                      <a:pPr marL="0" marR="0" indent="0" algn="ctr">
-                        <a:lnSpc>
-                          <a:spcPct val="150000"/>
-                        </a:lnSpc>
-                        <a:spcBef>
-                          <a:spcPts val="0"/>
-                        </a:spcBef>
-                        <a:spcAft>
-                          <a:spcPts val="0"/>
-                        </a:spcAft>
-                      </a:pPr>
-                      <a:r>
-                        <a:rPr lang="ru-RU" sz="1100" dirty="0">
-                          <a:effectLst/>
-                        </a:rPr>
-                        <a:t>+</a:t>
-                      </a:r>
-                      <a:endParaRPr lang="en-US" sz="1100" dirty="0">
-                        <a:effectLst/>
-                        <a:latin typeface="Times New Roman"/>
-                        <a:ea typeface="Times New Roman"/>
-                      </a:endParaRPr>
-                    </a:p>
-                  </a:txBody>
-                  <a:tcPr marL="30308" marR="30308" marT="0" marB="0"/>
-                </a:tc>
-              </a:tr>
-              <a:tr h="235129">
-                <a:tc rowSpan="4">
-                  <a:txBody>
-                    <a:bodyPr/>
-                    <a:lstStyle/>
-                    <a:p>
-                      <a:pPr marL="0" marR="0" indent="0" algn="just">
-                        <a:lnSpc>
-                          <a:spcPct val="150000"/>
-                        </a:lnSpc>
-                        <a:spcBef>
-                          <a:spcPts val="0"/>
-                        </a:spcBef>
-                        <a:spcAft>
-                          <a:spcPts val="0"/>
-                        </a:spcAft>
-                      </a:pPr>
-                      <a:r>
-                        <a:rPr lang="ru-RU" sz="1100" dirty="0">
-                          <a:effectLst/>
-                        </a:rPr>
-                        <a:t>Инерциальная навигационная система</a:t>
-                      </a:r>
-                      <a:endParaRPr lang="en-US" sz="1100" dirty="0">
-                        <a:effectLst/>
-                        <a:latin typeface="Times New Roman"/>
-                        <a:ea typeface="Times New Roman"/>
-                      </a:endParaRPr>
-                    </a:p>
-                  </a:txBody>
-                  <a:tcPr marL="30308" marR="30308" marT="0" marB="0"/>
-                </a:tc>
-                <a:tc>
-                  <a:txBody>
-                    <a:bodyPr/>
-                    <a:lstStyle/>
-                    <a:p>
-                      <a:pPr marL="0" marR="0" indent="0" algn="just">
-                        <a:lnSpc>
-                          <a:spcPct val="150000"/>
-                        </a:lnSpc>
-                        <a:spcBef>
-                          <a:spcPts val="0"/>
-                        </a:spcBef>
-                        <a:spcAft>
-                          <a:spcPts val="0"/>
-                        </a:spcAft>
-                      </a:pPr>
-                      <a:r>
-                        <a:rPr lang="ru-RU" sz="1100">
-                          <a:effectLst/>
-                        </a:rPr>
-                        <a:t>Полярная ночь</a:t>
-                      </a:r>
-                      <a:endParaRPr lang="en-US" sz="1100">
-                        <a:effectLst/>
-                        <a:latin typeface="Times New Roman"/>
-                        <a:ea typeface="Times New Roman"/>
-                      </a:endParaRPr>
-                    </a:p>
-                  </a:txBody>
-                  <a:tcPr marL="30308" marR="30308" marT="0" marB="0"/>
-                </a:tc>
-                <a:tc>
-                  <a:txBody>
-                    <a:bodyPr/>
-                    <a:lstStyle/>
-                    <a:p>
-                      <a:pPr marL="0" marR="0" indent="0" algn="ctr">
-                        <a:lnSpc>
-                          <a:spcPct val="150000"/>
-                        </a:lnSpc>
-                        <a:spcBef>
-                          <a:spcPts val="0"/>
-                        </a:spcBef>
-                        <a:spcAft>
-                          <a:spcPts val="0"/>
-                        </a:spcAft>
-                      </a:pPr>
-                      <a:r>
-                        <a:rPr lang="ru-RU" sz="1100" dirty="0">
-                          <a:effectLst/>
-                        </a:rPr>
-                        <a:t>+</a:t>
-                      </a:r>
-                      <a:endParaRPr lang="en-US" sz="1100" dirty="0">
-                        <a:effectLst/>
-                        <a:latin typeface="Times New Roman"/>
-                        <a:ea typeface="Times New Roman"/>
-                      </a:endParaRPr>
-                    </a:p>
-                  </a:txBody>
-                  <a:tcPr marL="30308" marR="30308" marT="0" marB="0"/>
-                </a:tc>
-              </a:tr>
-              <a:tr h="235129">
-                <a:tc vMerge="1">
-                  <a:txBody>
-                    <a:bodyPr/>
-                    <a:lstStyle/>
-                    <a:p>
-                      <a:endParaRPr lang="en-US"/>
-                    </a:p>
-                  </a:txBody>
-                  <a:tcPr/>
-                </a:tc>
-                <a:tc>
-                  <a:txBody>
-                    <a:bodyPr/>
-                    <a:lstStyle/>
-                    <a:p>
-                      <a:pPr marL="0" marR="0" indent="0" algn="just">
-                        <a:lnSpc>
-                          <a:spcPct val="150000"/>
-                        </a:lnSpc>
-                        <a:spcBef>
-                          <a:spcPts val="0"/>
-                        </a:spcBef>
-                        <a:spcAft>
-                          <a:spcPts val="0"/>
-                        </a:spcAft>
-                      </a:pPr>
-                      <a:r>
-                        <a:rPr lang="ru-RU" sz="1100">
-                          <a:effectLst/>
-                        </a:rPr>
-                        <a:t>Метель</a:t>
-                      </a:r>
-                      <a:endParaRPr lang="en-US" sz="1100">
-                        <a:effectLst/>
-                        <a:latin typeface="Times New Roman"/>
-                        <a:ea typeface="Times New Roman"/>
-                      </a:endParaRPr>
-                    </a:p>
-                  </a:txBody>
-                  <a:tcPr marL="30308" marR="30308" marT="0" marB="0"/>
-                </a:tc>
-                <a:tc>
-                  <a:txBody>
-                    <a:bodyPr/>
-                    <a:lstStyle/>
-                    <a:p>
-                      <a:pPr marL="0" marR="0" indent="0" algn="ctr">
-                        <a:lnSpc>
-                          <a:spcPct val="150000"/>
-                        </a:lnSpc>
-                        <a:spcBef>
-                          <a:spcPts val="0"/>
-                        </a:spcBef>
-                        <a:spcAft>
-                          <a:spcPts val="0"/>
-                        </a:spcAft>
-                      </a:pPr>
-                      <a:r>
-                        <a:rPr lang="ru-RU" sz="1100" dirty="0">
-                          <a:effectLst/>
-                        </a:rPr>
-                        <a:t>+</a:t>
-                      </a:r>
-                      <a:endParaRPr lang="en-US" sz="1100" dirty="0">
-                        <a:effectLst/>
-                        <a:latin typeface="Times New Roman"/>
-                        <a:ea typeface="Times New Roman"/>
-                      </a:endParaRPr>
-                    </a:p>
-                  </a:txBody>
-                  <a:tcPr marL="30308" marR="30308" marT="0" marB="0"/>
-                </a:tc>
-              </a:tr>
-              <a:tr h="235129">
-                <a:tc vMerge="1">
-                  <a:txBody>
-                    <a:bodyPr/>
-                    <a:lstStyle/>
-                    <a:p>
-                      <a:endParaRPr lang="en-US"/>
-                    </a:p>
-                  </a:txBody>
-                  <a:tcPr/>
-                </a:tc>
-                <a:tc>
-                  <a:txBody>
-                    <a:bodyPr/>
-                    <a:lstStyle/>
-                    <a:p>
-                      <a:pPr marL="0" marR="0" indent="0" algn="just">
-                        <a:lnSpc>
-                          <a:spcPct val="150000"/>
-                        </a:lnSpc>
-                        <a:spcBef>
-                          <a:spcPts val="0"/>
-                        </a:spcBef>
-                        <a:spcAft>
-                          <a:spcPts val="0"/>
-                        </a:spcAft>
-                      </a:pPr>
-                      <a:r>
-                        <a:rPr lang="ru-RU" sz="1100">
-                          <a:effectLst/>
-                        </a:rPr>
-                        <a:t>Сильный ветер</a:t>
-                      </a:r>
-                      <a:endParaRPr lang="en-US" sz="1100">
-                        <a:effectLst/>
-                        <a:latin typeface="Times New Roman"/>
-                        <a:ea typeface="Times New Roman"/>
-                      </a:endParaRPr>
-                    </a:p>
-                  </a:txBody>
-                  <a:tcPr marL="30308" marR="30308" marT="0" marB="0"/>
-                </a:tc>
-                <a:tc>
-                  <a:txBody>
-                    <a:bodyPr/>
-                    <a:lstStyle/>
-                    <a:p>
-                      <a:pPr marL="0" marR="0" indent="0" algn="ctr">
-                        <a:lnSpc>
-                          <a:spcPct val="150000"/>
-                        </a:lnSpc>
-                        <a:spcBef>
-                          <a:spcPts val="0"/>
-                        </a:spcBef>
-                        <a:spcAft>
-                          <a:spcPts val="0"/>
-                        </a:spcAft>
-                      </a:pPr>
-                      <a:r>
-                        <a:rPr lang="ru-RU" sz="1100" dirty="0">
-                          <a:effectLst/>
-                        </a:rPr>
-                        <a:t>+</a:t>
-                      </a:r>
-                      <a:endParaRPr lang="en-US" sz="1100" dirty="0">
-                        <a:effectLst/>
-                        <a:latin typeface="Times New Roman"/>
-                        <a:ea typeface="Times New Roman"/>
-                      </a:endParaRPr>
-                    </a:p>
-                  </a:txBody>
-                  <a:tcPr marL="30308" marR="30308" marT="0" marB="0"/>
-                </a:tc>
-              </a:tr>
-              <a:tr h="235129">
-                <a:tc vMerge="1">
-                  <a:txBody>
-                    <a:bodyPr/>
-                    <a:lstStyle/>
-                    <a:p>
-                      <a:endParaRPr lang="en-US"/>
-                    </a:p>
-                  </a:txBody>
-                  <a:tcPr/>
-                </a:tc>
-                <a:tc>
-                  <a:txBody>
-                    <a:bodyPr/>
-                    <a:lstStyle/>
-                    <a:p>
-                      <a:pPr marL="0" marR="0" indent="0" algn="just">
-                        <a:lnSpc>
-                          <a:spcPct val="150000"/>
-                        </a:lnSpc>
-                        <a:spcBef>
-                          <a:spcPts val="0"/>
-                        </a:spcBef>
-                        <a:spcAft>
-                          <a:spcPts val="0"/>
-                        </a:spcAft>
-                      </a:pPr>
-                      <a:r>
-                        <a:rPr lang="ru-RU" sz="1100" dirty="0">
-                          <a:effectLst/>
-                        </a:rPr>
-                        <a:t>Качка</a:t>
-                      </a:r>
-                      <a:endParaRPr lang="en-US" sz="1100" dirty="0">
-                        <a:effectLst/>
-                        <a:latin typeface="Times New Roman"/>
-                        <a:ea typeface="Times New Roman"/>
-                      </a:endParaRPr>
-                    </a:p>
-                  </a:txBody>
-                  <a:tcPr marL="30308" marR="30308" marT="0" marB="0"/>
-                </a:tc>
-                <a:tc>
-                  <a:txBody>
-                    <a:bodyPr/>
-                    <a:lstStyle/>
-                    <a:p>
-                      <a:pPr marL="0" marR="0" indent="0" algn="ctr">
-                        <a:lnSpc>
-                          <a:spcPct val="150000"/>
-                        </a:lnSpc>
-                        <a:spcBef>
-                          <a:spcPts val="0"/>
-                        </a:spcBef>
-                        <a:spcAft>
-                          <a:spcPts val="0"/>
-                        </a:spcAft>
-                      </a:pPr>
-                      <a:r>
-                        <a:rPr lang="ru-RU" sz="1100" dirty="0">
-                          <a:effectLst/>
-                        </a:rPr>
-                        <a:t>-</a:t>
-                      </a:r>
-                      <a:endParaRPr lang="en-US" sz="1100" dirty="0">
-                        <a:effectLst/>
-                        <a:latin typeface="Times New Roman"/>
-                        <a:ea typeface="Times New Roman"/>
-                      </a:endParaRPr>
-                    </a:p>
-                  </a:txBody>
-                  <a:tcPr marL="30308" marR="30308" marT="0" marB="0"/>
-                </a:tc>
-              </a:tr>
-            </a:tbl>
-          </a:graphicData>
-        </a:graphic>
-      </p:graphicFrame>
-      <p:sp>
-        <p:nvSpPr>
-          <p:cNvPr id="8" name="TextBox 7"/>
-          <p:cNvSpPr txBox="1"/>
-          <p:nvPr/>
-        </p:nvSpPr>
-        <p:spPr>
-          <a:xfrm>
-            <a:off x="4283968" y="3363838"/>
-            <a:ext cx="2880320" cy="1015663"/>
-          </a:xfrm>
-          <a:prstGeom prst="rect">
-            <a:avLst/>
-          </a:prstGeom>
-          <a:noFill/>
-        </p:spPr>
-        <p:txBody>
-          <a:bodyPr wrap="square" rtlCol="0">
-            <a:spAutoFit/>
-          </a:bodyPr>
-          <a:lstStyle/>
-          <a:p>
-            <a:pPr marL="800100" lvl="1" indent="-342900">
-              <a:buFont typeface="Arial" panose="020B0604020202020204" pitchFamily="34" charset="0"/>
-              <a:buChar char="•"/>
-            </a:pPr>
-            <a:r>
-              <a:rPr lang="ru-RU" sz="1200" dirty="0"/>
-              <a:t>сильный ветер </a:t>
-            </a:r>
-          </a:p>
-          <a:p>
-            <a:pPr marL="800100" lvl="1" indent="-342900">
-              <a:buFont typeface="Arial" panose="020B0604020202020204" pitchFamily="34" charset="0"/>
-              <a:buChar char="•"/>
-            </a:pPr>
-            <a:r>
-              <a:rPr lang="ru-RU" sz="1200" dirty="0"/>
-              <a:t>низкие </a:t>
-            </a:r>
-            <a:r>
-              <a:rPr lang="ru-RU" sz="1200" dirty="0" smtClean="0"/>
-              <a:t>температуры</a:t>
-            </a:r>
-          </a:p>
-          <a:p>
-            <a:pPr marL="800100" lvl="1" indent="-342900">
-              <a:buFont typeface="Arial" panose="020B0604020202020204" pitchFamily="34" charset="0"/>
-              <a:buChar char="•"/>
-            </a:pPr>
-            <a:r>
-              <a:rPr lang="ru-RU" sz="1200" dirty="0"/>
-              <a:t>метели </a:t>
-            </a:r>
-          </a:p>
-          <a:p>
-            <a:pPr marL="800100" lvl="1" indent="-342900">
-              <a:buFont typeface="Arial" panose="020B0604020202020204" pitchFamily="34" charset="0"/>
-              <a:buChar char="•"/>
-            </a:pPr>
-            <a:r>
-              <a:rPr lang="ru-RU" sz="1200" dirty="0"/>
-              <a:t>ледяные и снежные торосы</a:t>
-            </a:r>
-          </a:p>
-          <a:p>
-            <a:pPr marL="800100" lvl="1" indent="-342900">
-              <a:buFont typeface="Arial" panose="020B0604020202020204" pitchFamily="34" charset="0"/>
-              <a:buChar char="•"/>
-            </a:pPr>
-            <a:r>
-              <a:rPr lang="ru-RU" sz="1200" dirty="0"/>
-              <a:t>полярная </a:t>
-            </a:r>
-            <a:r>
-              <a:rPr lang="ru-RU" sz="1200" dirty="0" smtClean="0"/>
-              <a:t>ночь</a:t>
-            </a:r>
-            <a:endParaRPr lang="en-US" dirty="0"/>
-          </a:p>
-        </p:txBody>
-      </p:sp>
-    </p:spTree>
-    <p:extLst>
-      <p:ext uri="{BB962C8B-B14F-4D97-AF65-F5344CB8AC3E}">
-        <p14:creationId xmlns:p14="http://schemas.microsoft.com/office/powerpoint/2010/main" val="3567720544"/>
-      </p:ext>
-    </p:extLst>
-  </p:cSld>
-  <p:clrMapOvr>
-    <a:masterClrMapping/>
-  </p:clrMapOvr>
-  <p:timing>
-    <p:tnLst>
-      <p:par>
-        <p:cTn id="1" dur="indefinite" restart="never" nodeType="tmRoot"/>
-      </p:par>
-    </p:tnLst>
-  </p:timing>
-</p:sld>
-</file>
-
-<file path=ppt/slides/slide3.xml><?xml version="1.0" encoding="utf-8"?>
-<p:sld xmlns:a="http://schemas.openxmlformats.org/drawingml/2006/main" xmlns:r="http://schemas.openxmlformats.org/officeDocument/2006/relationships" xmlns:p="http://schemas.openxmlformats.org/presentationml/2006/main">
-  <p:cSld>
-    <p:spTree>
-      <p:nvGrpSpPr>
-        <p:cNvPr id="1" name=""/>
-        <p:cNvGrpSpPr/>
-        <p:nvPr/>
-      </p:nvGrpSpPr>
-      <p:grpSpPr>
-        <a:xfrm>
-          <a:off x="0" y="0"/>
-          <a:ext cx="0" cy="0"/>
-          <a:chOff x="0" y="0"/>
-          <a:chExt cx="0" cy="0"/>
-        </a:xfrm>
-      </p:grpSpPr>
-      <p:sp>
-        <p:nvSpPr>
-          <p:cNvPr id="2" name="Заголовок 1"/>
-          <p:cNvSpPr>
-            <a:spLocks noGrp="1"/>
-          </p:cNvSpPr>
-          <p:nvPr>
-            <p:ph type="title"/>
-          </p:nvPr>
-        </p:nvSpPr>
-        <p:spPr/>
-        <p:txBody>
-          <a:bodyPr/>
-          <a:lstStyle/>
-          <a:p>
-            <a:r>
-              <a:rPr lang="ru-RU" dirty="0"/>
-              <a:t>Требования к спасательной группировке роботов</a:t>
-            </a:r>
-          </a:p>
-        </p:txBody>
-      </p:sp>
-      <p:sp>
-        <p:nvSpPr>
-          <p:cNvPr id="3" name="Rectangle 3"/>
-          <p:cNvSpPr>
-            <a:spLocks noChangeArrowheads="1"/>
-          </p:cNvSpPr>
-          <p:nvPr/>
-        </p:nvSpPr>
-        <p:spPr bwMode="auto">
-          <a:xfrm>
-            <a:off x="467544" y="898126"/>
-            <a:ext cx="3960440" cy="3967210"/>
-          </a:xfrm>
-          <a:prstGeom prst="rect">
-            <a:avLst/>
-          </a:prstGeom>
-          <a:gradFill rotWithShape="0">
-            <a:gsLst>
-              <a:gs pos="0">
-                <a:srgbClr val="DDDDDD"/>
-              </a:gs>
-              <a:gs pos="100000">
-                <a:schemeClr val="bg1"/>
-              </a:gs>
-            </a:gsLst>
-            <a:lin ang="5400000" scaled="1"/>
-          </a:gradFill>
-          <a:ln w="12700">
-            <a:solidFill>
-              <a:schemeClr val="bg1"/>
-            </a:solidFill>
-            <a:miter lim="800000"/>
-            <a:headEnd/>
-            <a:tailEnd/>
-          </a:ln>
-          <a:effectLst/>
-          <a:extLst>
-            <a:ext uri="{AF507438-7753-43E0-B8FC-AC1667EBCBE1}">
-              <a14:hiddenEffects xmlns:a14="http://schemas.microsoft.com/office/drawing/2010/main">
-                <a:effectLst>
-                  <a:outerShdw dist="35921" dir="2700000" algn="ctr" rotWithShape="0">
-                    <a:schemeClr val="bg2"/>
-                  </a:outerShdw>
-                </a:effectLst>
-              </a14:hiddenEffects>
-            </a:ext>
-          </a:extLst>
-        </p:spPr>
-        <p:txBody>
-          <a:bodyPr wrap="none" anchor="ctr"/>
-          <a:lstStyle/>
-          <a:p>
-            <a:pPr algn="ctr" defTabSz="901700"/>
-            <a:endParaRPr lang="ru-RU" sz="1200" b="1">
-              <a:solidFill>
-                <a:schemeClr val="bg1"/>
-              </a:solidFill>
-            </a:endParaRPr>
-          </a:p>
-        </p:txBody>
-      </p:sp>
-      <p:sp>
-        <p:nvSpPr>
-          <p:cNvPr id="4" name="Rectangle 3"/>
-          <p:cNvSpPr>
-            <a:spLocks noChangeArrowheads="1"/>
-          </p:cNvSpPr>
-          <p:nvPr/>
-        </p:nvSpPr>
-        <p:spPr bwMode="auto">
-          <a:xfrm>
-            <a:off x="4715248" y="898126"/>
-            <a:ext cx="3960440" cy="3967210"/>
-          </a:xfrm>
-          <a:prstGeom prst="rect">
-            <a:avLst/>
-          </a:prstGeom>
-          <a:gradFill rotWithShape="0">
-            <a:gsLst>
-              <a:gs pos="0">
-                <a:srgbClr val="DDDDDD"/>
-              </a:gs>
-              <a:gs pos="100000">
-                <a:schemeClr val="bg1"/>
-              </a:gs>
-            </a:gsLst>
-            <a:lin ang="5400000" scaled="1"/>
-          </a:gradFill>
-          <a:ln w="12700">
-            <a:solidFill>
-              <a:schemeClr val="bg1"/>
-            </a:solidFill>
-            <a:miter lim="800000"/>
-            <a:headEnd/>
-            <a:tailEnd/>
-          </a:ln>
-          <a:effectLst/>
-          <a:extLst>
-            <a:ext uri="{AF507438-7753-43E0-B8FC-AC1667EBCBE1}">
-              <a14:hiddenEffects xmlns:a14="http://schemas.microsoft.com/office/drawing/2010/main">
-                <a:effectLst>
-                  <a:outerShdw dist="35921" dir="2700000" algn="ctr" rotWithShape="0">
-                    <a:schemeClr val="bg2"/>
-                  </a:outerShdw>
-                </a:effectLst>
-              </a14:hiddenEffects>
-            </a:ext>
-          </a:extLst>
-        </p:spPr>
-        <p:txBody>
-          <a:bodyPr wrap="none" anchor="ctr"/>
-          <a:lstStyle/>
-          <a:p>
-            <a:pPr algn="ctr" defTabSz="901700"/>
-            <a:endParaRPr lang="ru-RU" sz="1200" b="1" dirty="0">
-              <a:solidFill>
-                <a:schemeClr val="bg1"/>
-              </a:solidFill>
-            </a:endParaRPr>
-          </a:p>
-        </p:txBody>
-      </p:sp>
-      <p:sp>
-        <p:nvSpPr>
-          <p:cNvPr id="5" name="Объект 3"/>
-          <p:cNvSpPr txBox="1">
-            <a:spLocks/>
-          </p:cNvSpPr>
-          <p:nvPr/>
-        </p:nvSpPr>
-        <p:spPr>
-          <a:xfrm>
-            <a:off x="4844073" y="992017"/>
-            <a:ext cx="3702789" cy="3816424"/>
-          </a:xfrm>
-          <a:prstGeom prst="rect">
-            <a:avLst/>
-          </a:prstGeom>
-        </p:spPr>
-        <p:txBody>
-          <a:bodyPr/>
-          <a:lstStyle>
-            <a:lvl1pPr marL="342900" indent="-342900" algn="l" defTabSz="914400" rtl="0" eaLnBrk="1" latinLnBrk="0" hangingPunct="1">
-              <a:spcBef>
-                <a:spcPct val="20000"/>
-              </a:spcBef>
-              <a:buClr>
-                <a:srgbClr val="003399"/>
-              </a:buClr>
-              <a:buFont typeface="Wingdings" pitchFamily="2" charset="2"/>
-              <a:buChar char="q"/>
-              <a:defRPr sz="1800" kern="1200">
-                <a:solidFill>
-                  <a:schemeClr val="tx1"/>
-                </a:solidFill>
-                <a:latin typeface="+mn-lt"/>
-                <a:ea typeface="+mn-ea"/>
-                <a:cs typeface="+mn-cs"/>
-              </a:defRPr>
-            </a:lvl1pPr>
-            <a:lvl2pPr marL="625475" indent="-179388" algn="l" defTabSz="914400" rtl="0" eaLnBrk="1" latinLnBrk="0" hangingPunct="1">
-              <a:spcBef>
-                <a:spcPct val="20000"/>
-              </a:spcBef>
-              <a:buClr>
-                <a:srgbClr val="003399"/>
-              </a:buClr>
-              <a:buFont typeface="Wingdings" pitchFamily="2" charset="2"/>
-              <a:buChar char="§"/>
-              <a:tabLst>
-                <a:tab pos="538163" algn="l"/>
-              </a:tabLst>
-              <a:defRPr sz="1600" kern="1200">
-                <a:solidFill>
-                  <a:schemeClr val="tx1"/>
-                </a:solidFill>
-                <a:latin typeface="+mn-lt"/>
-                <a:ea typeface="+mn-ea"/>
-                <a:cs typeface="+mn-cs"/>
-              </a:defRPr>
-            </a:lvl2pPr>
-            <a:lvl3pPr marL="898525" indent="-160338" algn="l" defTabSz="914400" rtl="0" eaLnBrk="1" latinLnBrk="0" hangingPunct="1">
-              <a:spcBef>
-                <a:spcPct val="20000"/>
-              </a:spcBef>
-              <a:buFont typeface="Arial" panose="020B0604020202020204" pitchFamily="34" charset="0"/>
-              <a:buChar char="•"/>
-              <a:defRPr sz="1400" kern="1200">
-                <a:solidFill>
-                  <a:schemeClr val="tx1"/>
-                </a:solidFill>
-                <a:latin typeface="+mn-lt"/>
-                <a:ea typeface="+mn-ea"/>
-                <a:cs typeface="+mn-cs"/>
-              </a:defRPr>
-            </a:lvl3pPr>
-            <a:lvl4pPr marL="1166813" indent="-166688" algn="l" defTabSz="914400" rtl="0" eaLnBrk="1" latinLnBrk="0" hangingPunct="1">
-              <a:spcBef>
-                <a:spcPct val="20000"/>
-              </a:spcBef>
-              <a:buFont typeface="Arial" panose="020B0604020202020204" pitchFamily="34" charset="0"/>
-              <a:buChar char="–"/>
-              <a:defRPr sz="1200" kern="1200">
-                <a:solidFill>
-                  <a:schemeClr val="tx1"/>
-                </a:solidFill>
-                <a:latin typeface="+mn-lt"/>
-                <a:ea typeface="+mn-ea"/>
-                <a:cs typeface="+mn-cs"/>
-              </a:defRPr>
-            </a:lvl4pPr>
-            <a:lvl5pPr marL="2057400" indent="-228600" algn="l" defTabSz="914400" rtl="0" eaLnBrk="1" latinLnBrk="0" hangingPunct="1">
-              <a:spcBef>
-                <a:spcPct val="20000"/>
-              </a:spcBef>
-              <a:buFont typeface="Arial" panose="020B0604020202020204" pitchFamily="34" charset="0"/>
-              <a:buChar char="»"/>
-              <a:defRPr sz="2000" kern="1200">
-                <a:solidFill>
-                  <a:schemeClr val="tx1"/>
-                </a:solidFill>
-                <a:latin typeface="+mn-lt"/>
-                <a:ea typeface="+mn-ea"/>
-                <a:cs typeface="+mn-cs"/>
-              </a:defRPr>
-            </a:lvl5pPr>
-            <a:lvl6pPr marL="2514600" indent="-228600" algn="l" defTabSz="914400" rtl="0" eaLnBrk="1" latinLnBrk="0" hangingPunct="1">
-              <a:spcBef>
-                <a:spcPct val="20000"/>
-              </a:spcBef>
-              <a:buFont typeface="Arial" panose="020B0604020202020204" pitchFamily="34" charset="0"/>
-              <a:buChar char="•"/>
-              <a:defRPr sz="2000" kern="1200">
-                <a:solidFill>
-                  <a:schemeClr val="tx1"/>
-                </a:solidFill>
-                <a:latin typeface="+mn-lt"/>
-                <a:ea typeface="+mn-ea"/>
-                <a:cs typeface="+mn-cs"/>
-              </a:defRPr>
-            </a:lvl6pPr>
-            <a:lvl7pPr marL="2971800" indent="-228600" algn="l" defTabSz="914400" rtl="0" eaLnBrk="1" latinLnBrk="0" hangingPunct="1">
-              <a:spcBef>
-                <a:spcPct val="20000"/>
-              </a:spcBef>
-              <a:buFont typeface="Arial" panose="020B0604020202020204" pitchFamily="34" charset="0"/>
-              <a:buChar char="•"/>
-              <a:defRPr sz="2000" kern="1200">
-                <a:solidFill>
-                  <a:schemeClr val="tx1"/>
-                </a:solidFill>
-                <a:latin typeface="+mn-lt"/>
-                <a:ea typeface="+mn-ea"/>
-                <a:cs typeface="+mn-cs"/>
-              </a:defRPr>
-            </a:lvl7pPr>
-            <a:lvl8pPr marL="3429000" indent="-228600" algn="l" defTabSz="914400" rtl="0" eaLnBrk="1" latinLnBrk="0" hangingPunct="1">
-              <a:spcBef>
-                <a:spcPct val="20000"/>
-              </a:spcBef>
-              <a:buFont typeface="Arial" panose="020B0604020202020204" pitchFamily="34" charset="0"/>
-              <a:buChar char="•"/>
-              <a:defRPr sz="2000" kern="1200">
-                <a:solidFill>
-                  <a:schemeClr val="tx1"/>
-                </a:solidFill>
-                <a:latin typeface="+mn-lt"/>
-                <a:ea typeface="+mn-ea"/>
-                <a:cs typeface="+mn-cs"/>
-              </a:defRPr>
-            </a:lvl8pPr>
-            <a:lvl9pPr marL="3886200" indent="-228600" algn="l" defTabSz="914400" rtl="0" eaLnBrk="1" latinLnBrk="0" hangingPunct="1">
-              <a:spcBef>
-                <a:spcPct val="20000"/>
-              </a:spcBef>
-              <a:buFont typeface="Arial" panose="020B0604020202020204" pitchFamily="34" charset="0"/>
-              <a:buChar char="•"/>
-              <a:defRPr sz="2000" kern="1200">
-                <a:solidFill>
-                  <a:schemeClr val="tx1"/>
-                </a:solidFill>
-                <a:latin typeface="+mn-lt"/>
-                <a:ea typeface="+mn-ea"/>
-                <a:cs typeface="+mn-cs"/>
-              </a:defRPr>
-            </a:lvl9pPr>
-          </a:lstStyle>
-          <a:p>
-            <a:r>
-              <a:rPr lang="ru-RU" dirty="0" smtClean="0"/>
-              <a:t>Гетерогенность</a:t>
-            </a:r>
-          </a:p>
-          <a:p>
-            <a:r>
-              <a:rPr lang="ru-RU" dirty="0" smtClean="0"/>
-              <a:t>Автономность</a:t>
-            </a:r>
-          </a:p>
-          <a:p>
-            <a:r>
-              <a:rPr lang="ru-RU" dirty="0" smtClean="0"/>
-              <a:t>Избыточность</a:t>
-            </a:r>
-          </a:p>
-          <a:p>
-            <a:r>
-              <a:rPr lang="ru-RU" dirty="0" smtClean="0"/>
-              <a:t>Взаимозаменяемость роботов </a:t>
-            </a:r>
-          </a:p>
-          <a:p>
-            <a:r>
-              <a:rPr lang="ru-RU" dirty="0" smtClean="0"/>
-              <a:t>Робастность</a:t>
-            </a:r>
-            <a:endParaRPr lang="ru-RU" dirty="0"/>
-          </a:p>
-        </p:txBody>
-      </p:sp>
-      <p:sp>
-        <p:nvSpPr>
-          <p:cNvPr id="6" name="AutoShape 2" descr="https://pp.vk.me/c618223/v618223214/1fcc2/JqO3gkvPJEw.jpg"/>
-          <p:cNvSpPr>
-            <a:spLocks noChangeAspect="1" noChangeArrowheads="1"/>
-          </p:cNvSpPr>
-          <p:nvPr/>
-        </p:nvSpPr>
-        <p:spPr bwMode="auto">
-          <a:xfrm>
-            <a:off x="155575" y="-144463"/>
-            <a:ext cx="304800" cy="304801"/>
-          </a:xfrm>
-          <a:prstGeom prst="rect">
-            <a:avLst/>
-          </a:prstGeom>
-          <a:noFill/>
-          <a:extLst>
-            <a:ext uri="{909E8E84-426E-40DD-AFC4-6F175D3DCCD1}">
-              <a14:hiddenFill xmlns:a14="http://schemas.microsoft.com/office/drawing/2010/main">
-                <a:solidFill>
-                  <a:srgbClr val="FFFFFF"/>
-                </a:solidFill>
-              </a14:hiddenFill>
-            </a:ext>
-          </a:extLst>
-        </p:spPr>
-        <p:txBody>
-          <a:bodyPr vert="horz" wrap="square" lIns="91440" tIns="45720" rIns="91440" bIns="45720" numCol="1" anchor="t" anchorCtr="0" compatLnSpc="1">
-            <a:prstTxWarp prst="textNoShape">
-              <a:avLst/>
-            </a:prstTxWarp>
-          </a:bodyPr>
-          <a:lstStyle/>
-          <a:p>
-            <a:endParaRPr lang="en-US"/>
-          </a:p>
-        </p:txBody>
-      </p:sp>
-      <p:pic>
-        <p:nvPicPr>
-          <p:cNvPr id="1028" name="Picture 4" descr="https://pp.vk.me/c618223/v618223214/1fcc2/JqO3gkvPJEw.jpg"/>
-          <p:cNvPicPr>
-            <a:picLocks noChangeAspect="1" noChangeArrowheads="1"/>
-          </p:cNvPicPr>
-          <p:nvPr/>
-        </p:nvPicPr>
-        <p:blipFill>
-          <a:blip r:embed="rId3" cstate="print">
-            <a:extLst>
-              <a:ext uri="{28A0092B-C50C-407E-A947-70E740481C1C}">
-                <a14:useLocalDpi xmlns:a14="http://schemas.microsoft.com/office/drawing/2010/main" val="0"/>
-              </a:ext>
-            </a:extLst>
-          </a:blip>
-          <a:srcRect/>
-          <a:stretch>
-            <a:fillRect/>
-          </a:stretch>
-        </p:blipFill>
-        <p:spPr bwMode="auto">
-          <a:xfrm>
-            <a:off x="699568" y="898126"/>
-            <a:ext cx="3496392" cy="2096951"/>
-          </a:xfrm>
-          <a:prstGeom prst="rect">
-            <a:avLst/>
-          </a:prstGeom>
-          <a:noFill/>
-          <a:extLst>
-            <a:ext uri="{909E8E84-426E-40DD-AFC4-6F175D3DCCD1}">
-              <a14:hiddenFill xmlns:a14="http://schemas.microsoft.com/office/drawing/2010/main">
-                <a:solidFill>
-                  <a:srgbClr val="FFFFFF"/>
-                </a:solidFill>
-              </a14:hiddenFill>
-            </a:ext>
-          </a:extLst>
-        </p:spPr>
-      </p:pic>
-      <p:pic>
-        <p:nvPicPr>
-          <p:cNvPr id="8" name="Рисунок 7" descr="C:\Users\6B43~1.501\AppData\Local\Temp\УСС_1.jpg"/>
-          <p:cNvPicPr/>
-          <p:nvPr/>
-        </p:nvPicPr>
-        <p:blipFill>
-          <a:blip r:embed="rId4" cstate="print"/>
-          <a:srcRect/>
-          <a:stretch>
-            <a:fillRect/>
-          </a:stretch>
-        </p:blipFill>
-        <p:spPr bwMode="auto">
-          <a:xfrm>
-            <a:off x="699567" y="2930650"/>
-            <a:ext cx="3496393" cy="1959736"/>
-          </a:xfrm>
-          <a:prstGeom prst="rect">
-            <a:avLst/>
-          </a:prstGeom>
-          <a:noFill/>
-          <a:ln w="9525">
-            <a:noFill/>
-            <a:miter lim="800000"/>
-            <a:headEnd/>
-            <a:tailEnd/>
-          </a:ln>
-        </p:spPr>
-      </p:pic>
-    </p:spTree>
-    <p:extLst>
-      <p:ext uri="{BB962C8B-B14F-4D97-AF65-F5344CB8AC3E}">
-        <p14:creationId xmlns:p14="http://schemas.microsoft.com/office/powerpoint/2010/main" val="3061885509"/>
-      </p:ext>
-    </p:extLst>
-  </p:cSld>
-  <p:clrMapOvr>
-    <a:masterClrMapping/>
-  </p:clrMapOvr>
-  <p:timing>
-    <p:tnLst>
-      <p:par>
-        <p:cTn id="1" dur="indefinite" restart="never" nodeType="tmRoot"/>
-      </p:par>
-    </p:tnLst>
-  </p:timing>
-</p:sld>
-</file>
-
-<file path=ppt/slides/slide4.xml><?xml version="1.0" encoding="utf-8"?>
-<p:sld xmlns:a="http://schemas.openxmlformats.org/drawingml/2006/main" xmlns:r="http://schemas.openxmlformats.org/officeDocument/2006/relationships" xmlns:p="http://schemas.openxmlformats.org/presentationml/2006/main">
-  <p:cSld>
-    <p:spTree>
-      <p:nvGrpSpPr>
-        <p:cNvPr id="1" name=""/>
-        <p:cNvGrpSpPr/>
-        <p:nvPr/>
-      </p:nvGrpSpPr>
-      <p:grpSpPr>
-        <a:xfrm>
-          <a:off x="0" y="0"/>
-          <a:ext cx="0" cy="0"/>
-          <a:chOff x="0" y="0"/>
-          <a:chExt cx="0" cy="0"/>
-        </a:xfrm>
-      </p:grpSpPr>
-      <p:sp>
-        <p:nvSpPr>
-          <p:cNvPr id="3" name="Заголовок 2"/>
-          <p:cNvSpPr>
-            <a:spLocks noGrp="1"/>
-          </p:cNvSpPr>
-          <p:nvPr>
-            <p:ph type="title"/>
-          </p:nvPr>
-        </p:nvSpPr>
-        <p:spPr/>
-        <p:txBody>
-          <a:bodyPr/>
-          <a:lstStyle/>
-          <a:p>
-            <a:r>
-              <a:rPr lang="ru-RU" dirty="0" smtClean="0"/>
-              <a:t>Гетерогенность спасательной группировки роботов</a:t>
-            </a:r>
-            <a:endParaRPr lang="ru-RU" dirty="0"/>
-          </a:p>
-        </p:txBody>
-      </p:sp>
-      <p:sp>
-        <p:nvSpPr>
-          <p:cNvPr id="4" name="Объект 3"/>
-          <p:cNvSpPr>
-            <a:spLocks noGrp="1"/>
-          </p:cNvSpPr>
-          <p:nvPr>
-            <p:ph idx="1"/>
-          </p:nvPr>
-        </p:nvSpPr>
-        <p:spPr/>
-        <p:txBody>
-          <a:bodyPr/>
-          <a:lstStyle/>
-          <a:p>
-            <a:r>
-              <a:rPr lang="ru-RU" dirty="0" smtClean="0"/>
-              <a:t>Роботы-разведчики</a:t>
-            </a:r>
-          </a:p>
-          <a:p>
-            <a:pPr lvl="1"/>
-            <a:r>
-              <a:rPr lang="ru-RU" dirty="0"/>
-              <a:t>производят поиск людей, которым требуется эвакуация и опасных объектов, за динамикой состояний которых необходимо </a:t>
-            </a:r>
-            <a:r>
-              <a:rPr lang="ru-RU" dirty="0" smtClean="0"/>
-              <a:t>наблюдать</a:t>
-            </a:r>
-          </a:p>
-          <a:p>
-            <a:r>
-              <a:rPr lang="ru-RU" dirty="0" smtClean="0"/>
-              <a:t>Роботы-наблюдатели</a:t>
-            </a:r>
-          </a:p>
-          <a:p>
-            <a:pPr lvl="1"/>
-            <a:r>
-              <a:rPr lang="ru-RU" dirty="0" smtClean="0"/>
-              <a:t>осуществляют </a:t>
-            </a:r>
-            <a:r>
-              <a:rPr lang="ru-RU" dirty="0"/>
-              <a:t>круглосуточное наблюдение за обстановкой</a:t>
-            </a:r>
-            <a:endParaRPr lang="ru-RU" dirty="0" smtClean="0"/>
-          </a:p>
-          <a:p>
-            <a:r>
-              <a:rPr lang="ru-RU" dirty="0" smtClean="0"/>
-              <a:t>Роботы-рабочие</a:t>
-            </a:r>
-          </a:p>
-          <a:p>
-            <a:pPr lvl="1"/>
-            <a:r>
-              <a:rPr lang="ru-RU" dirty="0"/>
-              <a:t>т</a:t>
-            </a:r>
-            <a:r>
-              <a:rPr lang="ru-RU" dirty="0" smtClean="0"/>
-              <a:t>ребуются </a:t>
-            </a:r>
-            <a:r>
-              <a:rPr lang="ru-RU" dirty="0"/>
-              <a:t>для проведения неотложных аварийно-восстановительных работ</a:t>
-            </a:r>
-            <a:endParaRPr lang="ru-RU" dirty="0" smtClean="0"/>
-          </a:p>
-          <a:p>
-            <a:r>
-              <a:rPr lang="ru-RU" dirty="0" smtClean="0"/>
-              <a:t>Роботы-перегрузчики</a:t>
-            </a:r>
-          </a:p>
-          <a:p>
-            <a:pPr lvl="1"/>
-            <a:r>
-              <a:rPr lang="ru-RU" dirty="0" smtClean="0"/>
-              <a:t>помогают </a:t>
-            </a:r>
-            <a:r>
-              <a:rPr lang="ru-RU" dirty="0"/>
-              <a:t>людям выбраться из опасных </a:t>
-            </a:r>
-            <a:r>
-              <a:rPr lang="ru-RU" dirty="0" smtClean="0"/>
-              <a:t>мест</a:t>
-            </a:r>
-          </a:p>
-          <a:p>
-            <a:r>
-              <a:rPr lang="ru-RU" dirty="0"/>
-              <a:t>Транспортные </a:t>
-            </a:r>
-            <a:r>
-              <a:rPr lang="ru-RU" dirty="0" smtClean="0"/>
-              <a:t>роботы</a:t>
-            </a:r>
-          </a:p>
-          <a:p>
-            <a:pPr lvl="1"/>
-            <a:r>
-              <a:rPr lang="ru-RU" dirty="0"/>
-              <a:t>большие универсальные транспортные средства для перемещения групп людей в безопасные зоны</a:t>
-            </a:r>
-          </a:p>
-        </p:txBody>
-      </p:sp>
-    </p:spTree>
-    <p:extLst>
-      <p:ext uri="{BB962C8B-B14F-4D97-AF65-F5344CB8AC3E}">
-        <p14:creationId xmlns:p14="http://schemas.microsoft.com/office/powerpoint/2010/main" val="1607972103"/>
-      </p:ext>
-    </p:extLst>
-  </p:cSld>
-  <p:clrMapOvr>
-    <a:masterClrMapping/>
-  </p:clrMapOvr>
-  <p:timing>
-    <p:tnLst>
-      <p:par>
-        <p:cTn id="1" dur="indefinite" restart="never" nodeType="tmRoot"/>
-      </p:par>
-    </p:tnLst>
-  </p:timing>
-</p:sld>
-</file>
-
-<file path=ppt/slides/slide5.xml><?xml version="1.0" encoding="utf-8"?>
-<p:sld xmlns:a="http://schemas.openxmlformats.org/drawingml/2006/main" xmlns:r="http://schemas.openxmlformats.org/officeDocument/2006/relationships" xmlns:p="http://schemas.openxmlformats.org/presentationml/2006/main">
-  <p:cSld>
-    <p:spTree>
-      <p:nvGrpSpPr>
-        <p:cNvPr id="1" name=""/>
-        <p:cNvGrpSpPr/>
-        <p:nvPr/>
-      </p:nvGrpSpPr>
-      <p:grpSpPr>
-        <a:xfrm>
-          <a:off x="0" y="0"/>
-          <a:ext cx="0" cy="0"/>
-          <a:chOff x="0" y="0"/>
-          <a:chExt cx="0" cy="0"/>
-        </a:xfrm>
-      </p:grpSpPr>
-      <p:sp>
-        <p:nvSpPr>
-          <p:cNvPr id="4" name="Заголовок 3"/>
-          <p:cNvSpPr>
-            <a:spLocks noGrp="1"/>
-          </p:cNvSpPr>
-          <p:nvPr>
-            <p:ph type="title"/>
-          </p:nvPr>
-        </p:nvSpPr>
-        <p:spPr/>
-        <p:txBody>
-          <a:bodyPr/>
-          <a:lstStyle/>
-          <a:p>
-            <a:r>
-              <a:rPr lang="ru-RU" dirty="0"/>
-              <a:t>Автономность</a:t>
-            </a:r>
-          </a:p>
-        </p:txBody>
-      </p:sp>
-      <p:sp>
-        <p:nvSpPr>
-          <p:cNvPr id="5" name="Рисунок 4"/>
-          <p:cNvSpPr>
-            <a:spLocks noGrp="1"/>
-          </p:cNvSpPr>
-          <p:nvPr>
-            <p:ph type="pic" sz="quarter" idx="13"/>
-          </p:nvPr>
-        </p:nvSpPr>
-        <p:spPr/>
-      </p:sp>
-      <p:sp>
-        <p:nvSpPr>
-          <p:cNvPr id="3" name="Rectangle 2"/>
-          <p:cNvSpPr>
-            <a:spLocks noChangeArrowheads="1"/>
-          </p:cNvSpPr>
-          <p:nvPr/>
-        </p:nvSpPr>
-        <p:spPr bwMode="auto">
-          <a:xfrm>
-            <a:off x="0" y="0"/>
-            <a:ext cx="9144000" cy="0"/>
-          </a:xfrm>
-          <a:prstGeom prst="rect">
-            <a:avLst/>
-          </a:prstGeom>
-          <a:noFill/>
-          <a:ln>
-            <a:noFill/>
-          </a:ln>
-          <a:effectLst/>
-          <a:extLst>
-            <a:ext uri="{909E8E84-426E-40DD-AFC4-6F175D3DCCD1}">
-              <a14:hiddenFill xmlns:a14="http://schemas.microsoft.com/office/drawing/2010/main">
-                <a:solidFill>
-                  <a:schemeClr val="accent1"/>
-                </a:solidFill>
-              </a14:hiddenFill>
-            </a:ext>
-            <a:ext uri="{91240B29-F687-4F45-9708-019B960494DF}">
-              <a14:hiddenLine xmlns:a14="http://schemas.microsoft.com/office/drawing/2010/main" w="9525">
-                <a:solidFill>
-                  <a:schemeClr val="tx1"/>
-                </a:solidFill>
-                <a:miter lim="800000"/>
-                <a:headEnd/>
-                <a:tailEnd/>
-              </a14:hiddenLine>
-            </a:ext>
-            <a:ext uri="{AF507438-7753-43E0-B8FC-AC1667EBCBE1}">
-              <a14:hiddenEffects xmlns:a14="http://schemas.microsoft.com/office/drawing/2010/main">
-                <a:effectLst>
-                  <a:outerShdw dist="35921" dir="2700000" algn="ctr" rotWithShape="0">
-                    <a:schemeClr val="bg2"/>
-                  </a:outerShdw>
-                </a:effectLst>
-              </a14:hiddenEffects>
-            </a:ext>
-          </a:extLst>
-        </p:spPr>
-        <p:txBody>
-          <a:bodyPr vert="horz" wrap="none" lIns="91440" tIns="45720" rIns="91440" bIns="45720" numCol="1" anchor="ctr" anchorCtr="0" compatLnSpc="1">
-            <a:prstTxWarp prst="textNoShape">
-              <a:avLst/>
-            </a:prstTxWarp>
-            <a:spAutoFit/>
-          </a:bodyPr>
-          <a:lstStyle/>
-          <a:p>
-            <a:endParaRPr lang="en-US"/>
-          </a:p>
-        </p:txBody>
-      </p:sp>
-      <p:graphicFrame>
-        <p:nvGraphicFramePr>
-          <p:cNvPr id="6" name="Объект 5"/>
-          <p:cNvGraphicFramePr>
-            <a:graphicFrameLocks noChangeAspect="1"/>
-          </p:cNvGraphicFramePr>
-          <p:nvPr>
-            <p:extLst>
-              <p:ext uri="{D42A27DB-BD31-4B8C-83A1-F6EECF244321}">
-                <p14:modId xmlns:p14="http://schemas.microsoft.com/office/powerpoint/2010/main" val="2799718167"/>
-              </p:ext>
-            </p:extLst>
-          </p:nvPr>
-        </p:nvGraphicFramePr>
-        <p:xfrm>
-          <a:off x="1619672" y="1131590"/>
-          <a:ext cx="4824536" cy="3067845"/>
-        </p:xfrm>
-        <a:graphic>
-          <a:graphicData uri="http://schemas.openxmlformats.org/presentationml/2006/ole">
-            <mc:AlternateContent xmlns:mc="http://schemas.openxmlformats.org/markup-compatibility/2006">
-              <mc:Choice xmlns:v="urn:schemas-microsoft-com:vml" Requires="v">
-                <p:oleObj spid="_x0000_s2055" r:id="rId3" imgW="9869040" imgH="6237000" progId="CorelDRAW.Graphic.13">
-                  <p:embed/>
-                </p:oleObj>
-              </mc:Choice>
-              <mc:Fallback>
-                <p:oleObj r:id="rId3" imgW="9869040" imgH="6237000" progId="CorelDRAW.Graphic.13">
-                  <p:embed/>
-                  <p:pic>
-                    <p:nvPicPr>
-                      <p:cNvPr id="0" name="Object 1"/>
-                      <p:cNvPicPr>
-                        <a:picLocks noChangeAspect="1" noChangeArrowheads="1"/>
-                      </p:cNvPicPr>
-                      <p:nvPr/>
-                    </p:nvPicPr>
-                    <p:blipFill>
-                      <a:blip r:embed="rId4">
-                        <a:extLst>
-                          <a:ext uri="{28A0092B-C50C-407E-A947-70E740481C1C}">
-                            <a14:useLocalDpi xmlns:a14="http://schemas.microsoft.com/office/drawing/2010/main" val="0"/>
-                          </a:ext>
-                        </a:extLst>
-                      </a:blip>
-                      <a:srcRect/>
-                      <a:stretch>
-                        <a:fillRect/>
-                      </a:stretch>
-                    </p:blipFill>
-                    <p:spPr bwMode="auto">
-                      <a:xfrm>
-                        <a:off x="1619672" y="1131590"/>
-                        <a:ext cx="4824536" cy="3067845"/>
-                      </a:xfrm>
-                      <a:prstGeom prst="rect">
-                        <a:avLst/>
-                      </a:prstGeom>
-                      <a:noFill/>
-                    </p:spPr>
-                  </p:pic>
-                </p:oleObj>
-              </mc:Fallback>
-            </mc:AlternateContent>
-          </a:graphicData>
-        </a:graphic>
-      </p:graphicFrame>
-    </p:spTree>
-    <p:extLst>
-      <p:ext uri="{BB962C8B-B14F-4D97-AF65-F5344CB8AC3E}">
-        <p14:creationId xmlns:p14="http://schemas.microsoft.com/office/powerpoint/2010/main" val="1227060376"/>
-      </p:ext>
-    </p:extLst>
-  </p:cSld>
-  <p:clrMapOvr>
-    <a:masterClrMapping/>
-  </p:clrMapOvr>
-  <p:timing>
-    <p:tnLst>
-      <p:par>
-        <p:cTn id="1" dur="indefinite" restart="never" nodeType="tmRoot"/>
-      </p:par>
-    </p:tnLst>
-  </p:timing>
-</p:sld>
-</file>
-
-<file path=ppt/slides/slide6.xml><?xml version="1.0" encoding="utf-8"?>
-<p:sld xmlns:a="http://schemas.openxmlformats.org/drawingml/2006/main" xmlns:r="http://schemas.openxmlformats.org/officeDocument/2006/relationships" xmlns:p="http://schemas.openxmlformats.org/presentationml/2006/main">
-  <p:cSld>
-    <p:spTree>
-      <p:nvGrpSpPr>
-        <p:cNvPr id="1" name=""/>
-        <p:cNvGrpSpPr/>
-        <p:nvPr/>
-      </p:nvGrpSpPr>
-      <p:grpSpPr>
-        <a:xfrm>
-          <a:off x="0" y="0"/>
-          <a:ext cx="0" cy="0"/>
-          <a:chOff x="0" y="0"/>
-          <a:chExt cx="0" cy="0"/>
-        </a:xfrm>
-      </p:grpSpPr>
-      <p:sp>
-        <p:nvSpPr>
-          <p:cNvPr id="4" name="Заголовок 3"/>
-          <p:cNvSpPr>
-            <a:spLocks noGrp="1"/>
-          </p:cNvSpPr>
-          <p:nvPr>
-            <p:ph type="title"/>
-          </p:nvPr>
-        </p:nvSpPr>
-        <p:spPr/>
-        <p:txBody>
-          <a:bodyPr/>
-          <a:lstStyle/>
-          <a:p>
-            <a:r>
-              <a:rPr lang="ru-RU" dirty="0" smtClean="0"/>
-              <a:t>Избыточность</a:t>
-            </a:r>
-            <a:endParaRPr lang="ru-RU" dirty="0"/>
-          </a:p>
-        </p:txBody>
-      </p:sp>
-      <p:sp>
-        <p:nvSpPr>
-          <p:cNvPr id="5" name="Объект 4"/>
-          <p:cNvSpPr>
-            <a:spLocks noGrp="1"/>
-          </p:cNvSpPr>
-          <p:nvPr>
-            <p:ph idx="1"/>
-          </p:nvPr>
-        </p:nvSpPr>
-        <p:spPr>
-          <a:xfrm>
-            <a:off x="4355976" y="2178769"/>
-            <a:ext cx="4248472" cy="2451656"/>
-          </a:xfrm>
-        </p:spPr>
-        <p:txBody>
-          <a:bodyPr/>
-          <a:lstStyle/>
-          <a:p>
-            <a:r>
-              <a:rPr lang="ru-RU" dirty="0"/>
-              <a:t>разные функциональные возможности </a:t>
-            </a:r>
-            <a:endParaRPr lang="ru-RU" dirty="0" smtClean="0"/>
-          </a:p>
-          <a:p>
-            <a:r>
-              <a:rPr lang="ru-RU" dirty="0"/>
-              <a:t>разные условия работы разных </a:t>
-            </a:r>
-            <a:r>
-              <a:rPr lang="ru-RU" dirty="0" smtClean="0"/>
-              <a:t>подгрупп</a:t>
-            </a:r>
-          </a:p>
-          <a:p>
-            <a:r>
-              <a:rPr lang="ru-RU" dirty="0"/>
-              <a:t>разная стоимость роботов</a:t>
-            </a:r>
-            <a:endParaRPr lang="ru-RU" dirty="0" smtClean="0"/>
-          </a:p>
-          <a:p>
-            <a:endParaRPr lang="ru-RU" dirty="0"/>
-          </a:p>
-        </p:txBody>
-      </p:sp>
-      <p:pic>
-        <p:nvPicPr>
-          <p:cNvPr id="6" name="Рисунок 5" descr="C:\Users\6B43~1.501\AppData\Local\Temp\УСС_1.jpg"/>
-          <p:cNvPicPr/>
-          <p:nvPr/>
-        </p:nvPicPr>
-        <p:blipFill>
-          <a:blip r:embed="rId2" cstate="print"/>
-          <a:srcRect/>
-          <a:stretch>
-            <a:fillRect/>
-          </a:stretch>
-        </p:blipFill>
-        <p:spPr bwMode="auto">
-          <a:xfrm>
-            <a:off x="683568" y="1059582"/>
-            <a:ext cx="3456384" cy="2238375"/>
-          </a:xfrm>
-          <a:prstGeom prst="rect">
-            <a:avLst/>
-          </a:prstGeom>
-          <a:noFill/>
-          <a:ln w="9525">
-            <a:noFill/>
-            <a:miter lim="800000"/>
-            <a:headEnd/>
-            <a:tailEnd/>
-          </a:ln>
-        </p:spPr>
-      </p:pic>
-      <p:sp>
-        <p:nvSpPr>
-          <p:cNvPr id="3" name="TextBox 2"/>
-          <p:cNvSpPr txBox="1"/>
-          <p:nvPr/>
-        </p:nvSpPr>
-        <p:spPr>
-          <a:xfrm>
-            <a:off x="683568" y="3723878"/>
-            <a:ext cx="3456384" cy="1138773"/>
-          </a:xfrm>
-          <a:prstGeom prst="rect">
-            <a:avLst/>
-          </a:prstGeom>
-          <a:noFill/>
-        </p:spPr>
-        <p:txBody>
-          <a:bodyPr wrap="square" rtlCol="0">
-            <a:spAutoFit/>
-          </a:bodyPr>
-          <a:lstStyle/>
-          <a:p>
-            <a:r>
-              <a:rPr lang="ru-RU" sz="1400" dirty="0"/>
-              <a:t>Универсальное спасательное средство разработки </a:t>
-            </a:r>
-            <a:r>
-              <a:rPr lang="ru-RU" sz="1400" dirty="0" smtClean="0"/>
-              <a:t>Нижегородского </a:t>
-            </a:r>
-            <a:r>
-              <a:rPr lang="ru-RU" sz="1400" dirty="0"/>
-              <a:t>Государственного Технического </a:t>
-            </a:r>
-            <a:r>
-              <a:rPr lang="ru-RU" sz="1400" dirty="0" smtClean="0"/>
-              <a:t>Университета </a:t>
-            </a:r>
-            <a:r>
-              <a:rPr lang="ru-RU" sz="1400" dirty="0"/>
-              <a:t>им. Р.Е. Алексеева</a:t>
-            </a:r>
-            <a:endParaRPr lang="en-US" sz="1400" dirty="0"/>
-          </a:p>
-          <a:p>
-            <a:endParaRPr lang="en-US" sz="1200" dirty="0"/>
-          </a:p>
-        </p:txBody>
-      </p:sp>
-      <p:sp>
-        <p:nvSpPr>
-          <p:cNvPr id="7" name="TextBox 6"/>
-          <p:cNvSpPr txBox="1"/>
-          <p:nvPr/>
-        </p:nvSpPr>
-        <p:spPr>
-          <a:xfrm>
-            <a:off x="4211960" y="1053762"/>
-            <a:ext cx="4392488" cy="646331"/>
-          </a:xfrm>
-          <a:prstGeom prst="rect">
-            <a:avLst/>
-          </a:prstGeom>
-          <a:gradFill>
-            <a:gsLst>
-              <a:gs pos="0">
-                <a:schemeClr val="accent1">
-                  <a:tint val="66000"/>
-                  <a:satMod val="160000"/>
-                </a:schemeClr>
-              </a:gs>
-              <a:gs pos="39000">
-                <a:schemeClr val="accent1">
-                  <a:tint val="44500"/>
-                  <a:satMod val="160000"/>
-                </a:schemeClr>
-              </a:gs>
-              <a:gs pos="100000">
-                <a:schemeClr val="accent1">
-                  <a:tint val="23500"/>
-                  <a:satMod val="160000"/>
-                </a:schemeClr>
-              </a:gs>
-            </a:gsLst>
-            <a:lin ang="5400000" scaled="0"/>
-          </a:gradFill>
-        </p:spPr>
-        <p:txBody>
-          <a:bodyPr wrap="square" rtlCol="0">
-            <a:spAutoFit/>
-          </a:bodyPr>
-          <a:lstStyle/>
-          <a:p>
-            <a:r>
-              <a:rPr lang="ru-RU" dirty="0" smtClean="0"/>
-              <a:t>Один из способов повышения надежности </a:t>
-            </a:r>
-            <a:r>
-              <a:rPr lang="ru-RU" dirty="0"/>
-              <a:t>и безопасности</a:t>
-            </a:r>
-            <a:endParaRPr lang="en-US" dirty="0"/>
-          </a:p>
-        </p:txBody>
-      </p:sp>
-    </p:spTree>
-    <p:extLst>
-      <p:ext uri="{BB962C8B-B14F-4D97-AF65-F5344CB8AC3E}">
-        <p14:creationId xmlns:p14="http://schemas.microsoft.com/office/powerpoint/2010/main" val="3052861268"/>
-      </p:ext>
-    </p:extLst>
-  </p:cSld>
-  <p:clrMapOvr>
-    <a:masterClrMapping/>
-  </p:clrMapOvr>
-  <p:timing>
-    <p:tnLst>
-      <p:par>
-        <p:cTn id="1" dur="indefinite" restart="never" nodeType="tmRoot"/>
-      </p:par>
-    </p:tnLst>
-  </p:timing>
-</p:sld>
-</file>
-
-<file path=ppt/slides/slide7.xml><?xml version="1.0" encoding="utf-8"?>
-<p:sld xmlns:a="http://schemas.openxmlformats.org/drawingml/2006/main" xmlns:r="http://schemas.openxmlformats.org/officeDocument/2006/relationships" xmlns:p="http://schemas.openxmlformats.org/presentationml/2006/main">
-  <p:cSld>
-    <p:spTree>
-      <p:nvGrpSpPr>
-        <p:cNvPr id="1" name=""/>
-        <p:cNvGrpSpPr/>
-        <p:nvPr/>
-      </p:nvGrpSpPr>
-      <p:grpSpPr>
-        <a:xfrm>
-          <a:off x="0" y="0"/>
-          <a:ext cx="0" cy="0"/>
-          <a:chOff x="0" y="0"/>
-          <a:chExt cx="0" cy="0"/>
-        </a:xfrm>
-      </p:grpSpPr>
-      <p:sp>
-        <p:nvSpPr>
-          <p:cNvPr id="4" name="Заголовок 3"/>
-          <p:cNvSpPr>
-            <a:spLocks noGrp="1"/>
-          </p:cNvSpPr>
-          <p:nvPr>
-            <p:ph type="title"/>
-          </p:nvPr>
-        </p:nvSpPr>
-        <p:spPr/>
-        <p:txBody>
-          <a:bodyPr/>
-          <a:lstStyle/>
-          <a:p>
-            <a:r>
-              <a:rPr lang="ru-RU" dirty="0"/>
-              <a:t>Взаимозаменяемость</a:t>
-            </a:r>
-          </a:p>
-        </p:txBody>
-      </p:sp>
-      <p:sp>
-        <p:nvSpPr>
-          <p:cNvPr id="5" name="Объект 4"/>
-          <p:cNvSpPr>
-            <a:spLocks noGrp="1"/>
-          </p:cNvSpPr>
-          <p:nvPr>
-            <p:ph idx="1"/>
-          </p:nvPr>
-        </p:nvSpPr>
-        <p:spPr/>
-        <p:txBody>
-          <a:bodyPr/>
-          <a:lstStyle/>
-          <a:p>
-            <a:endParaRPr lang="ru-RU" dirty="0"/>
-          </a:p>
-        </p:txBody>
-      </p:sp>
-    </p:spTree>
-    <p:extLst>
-      <p:ext uri="{BB962C8B-B14F-4D97-AF65-F5344CB8AC3E}">
-        <p14:creationId xmlns:p14="http://schemas.microsoft.com/office/powerpoint/2010/main" val="3205345642"/>
-      </p:ext>
-    </p:extLst>
-  </p:cSld>
-  <p:clrMapOvr>
-    <a:masterClrMapping/>
-  </p:clrMapOvr>
-  <p:timing>
-    <p:tnLst>
-      <p:par>
-        <p:cTn id="1" dur="indefinite" restart="never" nodeType="tmRoot"/>
-      </p:par>
-    </p:tnLst>
-  </p:timing>
-</p:sld>
-</file>
-
-<file path=ppt/slides/slide8.xml><?xml version="1.0" encoding="utf-8"?>
-<p:sld xmlns:a="http://schemas.openxmlformats.org/drawingml/2006/main" xmlns:r="http://schemas.openxmlformats.org/officeDocument/2006/relationships" xmlns:p="http://schemas.openxmlformats.org/presentationml/2006/main">
-  <p:cSld>
-    <p:spTree>
-      <p:nvGrpSpPr>
-        <p:cNvPr id="1" name=""/>
-        <p:cNvGrpSpPr/>
-        <p:nvPr/>
-      </p:nvGrpSpPr>
-      <p:grpSpPr>
-        <a:xfrm>
-          <a:off x="0" y="0"/>
-          <a:ext cx="0" cy="0"/>
-          <a:chOff x="0" y="0"/>
-          <a:chExt cx="0" cy="0"/>
-        </a:xfrm>
-      </p:grpSpPr>
-      <p:sp>
-        <p:nvSpPr>
-          <p:cNvPr id="4" name="Заголовок 3"/>
-          <p:cNvSpPr>
-            <a:spLocks noGrp="1"/>
-          </p:cNvSpPr>
-          <p:nvPr>
-            <p:ph type="title"/>
-          </p:nvPr>
-        </p:nvSpPr>
-        <p:spPr/>
-        <p:txBody>
-          <a:bodyPr/>
-          <a:lstStyle/>
-          <a:p>
-            <a:r>
-              <a:rPr lang="ru-RU" dirty="0"/>
-              <a:t>Взаимозаменяемость</a:t>
-            </a:r>
-          </a:p>
-        </p:txBody>
-      </p:sp>
-      <p:sp>
-        <p:nvSpPr>
-          <p:cNvPr id="5" name="Объект 4"/>
-          <p:cNvSpPr>
-            <a:spLocks noGrp="1"/>
-          </p:cNvSpPr>
-          <p:nvPr>
-            <p:ph idx="1"/>
-          </p:nvPr>
-        </p:nvSpPr>
-        <p:spPr/>
-        <p:txBody>
-          <a:bodyPr/>
-          <a:lstStyle/>
-          <a:p>
-            <a:endParaRPr lang="ru-RU" dirty="0"/>
-          </a:p>
-        </p:txBody>
-      </p:sp>
-    </p:spTree>
-    <p:extLst>
-      <p:ext uri="{BB962C8B-B14F-4D97-AF65-F5344CB8AC3E}">
-        <p14:creationId xmlns:p14="http://schemas.microsoft.com/office/powerpoint/2010/main" val="3052861268"/>
-      </p:ext>
-    </p:extLst>
-  </p:cSld>
-  <p:clrMapOvr>
-    <a:masterClrMapping/>
-  </p:clrMapOvr>
-  <p:timing>
-    <p:tnLst>
-      <p:par>
-        <p:cTn id="1" dur="indefinite" restart="never" nodeType="tmRoot"/>
-      </p:par>
-    </p:tnLst>
-  </p:timing>
-</p:sld>
-</file>
-
-<file path=ppt/slides/slide9.xml><?xml version="1.0" encoding="utf-8"?>
-<p:sld xmlns:a="http://schemas.openxmlformats.org/drawingml/2006/main" xmlns:r="http://schemas.openxmlformats.org/officeDocument/2006/relationships" xmlns:p="http://schemas.openxmlformats.org/presentationml/2006/main">
-  <p:cSld>
-    <p:spTree>
-      <p:nvGrpSpPr>
-        <p:cNvPr id="1" name=""/>
-        <p:cNvGrpSpPr/>
-        <p:nvPr/>
-      </p:nvGrpSpPr>
-      <p:grpSpPr>
-        <a:xfrm>
-          <a:off x="0" y="0"/>
-          <a:ext cx="0" cy="0"/>
-          <a:chOff x="0" y="0"/>
-          <a:chExt cx="0" cy="0"/>
-        </a:xfrm>
-      </p:grpSpPr>
-      <p:sp>
-        <p:nvSpPr>
-          <p:cNvPr id="4" name="Заголовок 3"/>
-          <p:cNvSpPr>
-            <a:spLocks noGrp="1"/>
-          </p:cNvSpPr>
-          <p:nvPr>
-            <p:ph type="title"/>
-          </p:nvPr>
-        </p:nvSpPr>
-        <p:spPr/>
-        <p:txBody>
-          <a:bodyPr/>
-          <a:lstStyle/>
-          <a:p>
-            <a:r>
-              <a:rPr lang="ru-RU" dirty="0"/>
-              <a:t>Взаимозаменяемость</a:t>
-            </a:r>
-          </a:p>
-        </p:txBody>
-      </p:sp>
-      <p:sp>
-        <p:nvSpPr>
-          <p:cNvPr id="5" name="Объект 4"/>
-          <p:cNvSpPr>
-            <a:spLocks noGrp="1"/>
-          </p:cNvSpPr>
-          <p:nvPr>
-            <p:ph idx="1"/>
-          </p:nvPr>
-        </p:nvSpPr>
-        <p:spPr/>
-        <p:txBody>
-          <a:bodyPr/>
-          <a:lstStyle/>
-          <a:p>
-            <a:endParaRPr lang="ru-RU" dirty="0"/>
-          </a:p>
-        </p:txBody>
-      </p:sp>
-    </p:spTree>
-    <p:extLst>
-      <p:ext uri="{BB962C8B-B14F-4D97-AF65-F5344CB8AC3E}">
-        <p14:creationId xmlns:p14="http://schemas.microsoft.com/office/powerpoint/2010/main" val="3052861268"/>
-      </p:ext>
-    </p:extLst>
-  </p:cSld>
-  <p:clrMapOvr>
-    <a:masterClrMapping/>
-  </p:clrMapOvr>
-  <p:timing>
-    <p:tnLst>
-      <p:par>
-        <p:cTn id="1" dur="indefinite" restart="never" nodeType="tmRoot"/>
-      </p:par>
-    </p:tnLst>
   </p:timing>
 </p:sld>
 </file>
